--- a/df-model/df-model.pptx
+++ b/df-model/df-model.pptx
@@ -104,6 +104,11 @@
       </a:defRPr>
     </a:lvl9pPr>
   </p:defaultTextStyle>
+  <p:extLst>
+    <p:ext uri="{EFAFB233-063F-42B5-8137-9DF3F51BA10A}">
+      <p15:sldGuideLst xmlns:p15="http://schemas.microsoft.com/office/powerpoint/2012/main"/>
+    </p:ext>
+  </p:extLst>
 </p:presentation>
 </file>
 
@@ -238,7 +243,7 @@
           <a:p>
             <a:fld id="{E90F2C70-D7C5-4A11-BAB2-648D55629A91}" type="datetimeFigureOut">
               <a:rPr lang="fr-FR" smtClean="0"/>
-              <a:t>14/10/2017</a:t>
+              <a:t>17/10/2017</a:t>
             </a:fld>
             <a:endParaRPr lang="fr-FR"/>
           </a:p>
@@ -408,7 +413,7 @@
           <a:p>
             <a:fld id="{E90F2C70-D7C5-4A11-BAB2-648D55629A91}" type="datetimeFigureOut">
               <a:rPr lang="fr-FR" smtClean="0"/>
-              <a:t>14/10/2017</a:t>
+              <a:t>17/10/2017</a:t>
             </a:fld>
             <a:endParaRPr lang="fr-FR"/>
           </a:p>
@@ -588,7 +593,7 @@
           <a:p>
             <a:fld id="{E90F2C70-D7C5-4A11-BAB2-648D55629A91}" type="datetimeFigureOut">
               <a:rPr lang="fr-FR" smtClean="0"/>
-              <a:t>14/10/2017</a:t>
+              <a:t>17/10/2017</a:t>
             </a:fld>
             <a:endParaRPr lang="fr-FR"/>
           </a:p>
@@ -758,7 +763,7 @@
           <a:p>
             <a:fld id="{E90F2C70-D7C5-4A11-BAB2-648D55629A91}" type="datetimeFigureOut">
               <a:rPr lang="fr-FR" smtClean="0"/>
-              <a:t>14/10/2017</a:t>
+              <a:t>17/10/2017</a:t>
             </a:fld>
             <a:endParaRPr lang="fr-FR"/>
           </a:p>
@@ -1004,7 +1009,7 @@
           <a:p>
             <a:fld id="{E90F2C70-D7C5-4A11-BAB2-648D55629A91}" type="datetimeFigureOut">
               <a:rPr lang="fr-FR" smtClean="0"/>
-              <a:t>14/10/2017</a:t>
+              <a:t>17/10/2017</a:t>
             </a:fld>
             <a:endParaRPr lang="fr-FR"/>
           </a:p>
@@ -1236,7 +1241,7 @@
           <a:p>
             <a:fld id="{E90F2C70-D7C5-4A11-BAB2-648D55629A91}" type="datetimeFigureOut">
               <a:rPr lang="fr-FR" smtClean="0"/>
-              <a:t>14/10/2017</a:t>
+              <a:t>17/10/2017</a:t>
             </a:fld>
             <a:endParaRPr lang="fr-FR"/>
           </a:p>
@@ -1603,7 +1608,7 @@
           <a:p>
             <a:fld id="{E90F2C70-D7C5-4A11-BAB2-648D55629A91}" type="datetimeFigureOut">
               <a:rPr lang="fr-FR" smtClean="0"/>
-              <a:t>14/10/2017</a:t>
+              <a:t>17/10/2017</a:t>
             </a:fld>
             <a:endParaRPr lang="fr-FR"/>
           </a:p>
@@ -1721,7 +1726,7 @@
           <a:p>
             <a:fld id="{E90F2C70-D7C5-4A11-BAB2-648D55629A91}" type="datetimeFigureOut">
               <a:rPr lang="fr-FR" smtClean="0"/>
-              <a:t>14/10/2017</a:t>
+              <a:t>17/10/2017</a:t>
             </a:fld>
             <a:endParaRPr lang="fr-FR"/>
           </a:p>
@@ -1816,7 +1821,7 @@
           <a:p>
             <a:fld id="{E90F2C70-D7C5-4A11-BAB2-648D55629A91}" type="datetimeFigureOut">
               <a:rPr lang="fr-FR" smtClean="0"/>
-              <a:t>14/10/2017</a:t>
+              <a:t>17/10/2017</a:t>
             </a:fld>
             <a:endParaRPr lang="fr-FR"/>
           </a:p>
@@ -2093,7 +2098,7 @@
           <a:p>
             <a:fld id="{E90F2C70-D7C5-4A11-BAB2-648D55629A91}" type="datetimeFigureOut">
               <a:rPr lang="fr-FR" smtClean="0"/>
-              <a:t>14/10/2017</a:t>
+              <a:t>17/10/2017</a:t>
             </a:fld>
             <a:endParaRPr lang="fr-FR"/>
           </a:p>
@@ -2346,7 +2351,7 @@
           <a:p>
             <a:fld id="{E90F2C70-D7C5-4A11-BAB2-648D55629A91}" type="datetimeFigureOut">
               <a:rPr lang="fr-FR" smtClean="0"/>
-              <a:t>14/10/2017</a:t>
+              <a:t>17/10/2017</a:t>
             </a:fld>
             <a:endParaRPr lang="fr-FR"/>
           </a:p>
@@ -2559,7 +2564,7 @@
           <a:p>
             <a:fld id="{E90F2C70-D7C5-4A11-BAB2-648D55629A91}" type="datetimeFigureOut">
               <a:rPr lang="fr-FR" smtClean="0"/>
-              <a:t>14/10/2017</a:t>
+              <a:t>17/10/2017</a:t>
             </a:fld>
             <a:endParaRPr lang="fr-FR"/>
           </a:p>
@@ -3145,11 +3150,7 @@
             </a:pPr>
             <a:r>
               <a:rPr lang="fr-FR" dirty="0" err="1" smtClean="0"/>
-              <a:t>SickOnT</a:t>
-            </a:r>
-            <a:r>
-              <a:rPr lang="fr-FR" dirty="0" err="1" smtClean="0"/>
-              <a:t>runk</a:t>
+              <a:t>SickOnTrunk</a:t>
             </a:r>
             <a:r>
               <a:rPr lang="fr-FR" dirty="0" smtClean="0"/>
@@ -3171,11 +3172,7 @@
             </a:pPr>
             <a:r>
               <a:rPr lang="fr-FR" dirty="0" err="1" smtClean="0"/>
-              <a:t>SickOnC</a:t>
-            </a:r>
-            <a:r>
-              <a:rPr lang="fr-FR" dirty="0" err="1" smtClean="0"/>
-              <a:t>ollar</a:t>
+              <a:t>SickOnCollar</a:t>
             </a:r>
             <a:r>
               <a:rPr lang="fr-FR" dirty="0" smtClean="0"/>
@@ -3197,11 +3194,7 @@
             </a:pPr>
             <a:r>
               <a:rPr lang="fr-FR" dirty="0" err="1" smtClean="0"/>
-              <a:t>SickOnC</a:t>
-            </a:r>
-            <a:r>
-              <a:rPr lang="fr-FR" dirty="0" err="1" smtClean="0"/>
-              <a:t>rown</a:t>
+              <a:t>SickOnCrown</a:t>
             </a:r>
             <a:r>
               <a:rPr lang="fr-FR" dirty="0" smtClean="0"/>
@@ -4166,8 +4159,8 @@
         </p:nvSpPr>
         <p:spPr>
           <a:xfrm>
-            <a:off x="3679166" y="654818"/>
-            <a:ext cx="1354602" cy="369332"/>
+            <a:off x="3843627" y="17993"/>
+            <a:ext cx="1800236" cy="369332"/>
           </a:xfrm>
           <a:prstGeom prst="rect">
             <a:avLst/>
@@ -4182,9 +4175,9 @@
           <a:p>
             <a:r>
               <a:rPr lang="fr-FR" dirty="0" err="1" smtClean="0"/>
-              <a:t>subCategory</a:t>
-            </a:r>
-            <a:endParaRPr lang="fr-FR" dirty="0"/>
+              <a:t>subCategoryDesc</a:t>
+            </a:r>
+            <a:endParaRPr lang="fr-FR" dirty="0" smtClean="0"/>
           </a:p>
         </p:txBody>
       </p:sp>
@@ -4770,8 +4763,8 @@
         </p:nvSpPr>
         <p:spPr>
           <a:xfrm>
-            <a:off x="1294040" y="5313216"/>
-            <a:ext cx="2011384" cy="369332"/>
+            <a:off x="1433265" y="5312420"/>
+            <a:ext cx="1892762" cy="369332"/>
           </a:xfrm>
           <a:prstGeom prst="rect">
             <a:avLst/>
@@ -4786,7 +4779,7 @@
           <a:p>
             <a:r>
               <a:rPr lang="fr-FR" dirty="0" err="1" smtClean="0"/>
-              <a:t>Sidewalk_proximity</a:t>
+              <a:t>SidewalkProximity</a:t>
             </a:r>
             <a:endParaRPr lang="fr-FR" dirty="0"/>
           </a:p>
@@ -5259,6 +5252,106 @@
           </a:p>
         </p:txBody>
       </p:sp>
+      <p:cxnSp>
+        <p:nvCxnSpPr>
+          <p:cNvPr id="83" name="Connecteur droit 82"/>
+          <p:cNvCxnSpPr/>
+          <p:nvPr/>
+        </p:nvCxnSpPr>
+        <p:spPr>
+          <a:xfrm rot="8100000">
+            <a:off x="3558246" y="585371"/>
+            <a:ext cx="495300" cy="0"/>
+          </a:xfrm>
+          <a:prstGeom prst="line">
+            <a:avLst/>
+          </a:prstGeom>
+          <a:ln>
+            <a:solidFill>
+              <a:schemeClr val="tx1"/>
+            </a:solidFill>
+          </a:ln>
+        </p:spPr>
+        <p:style>
+          <a:lnRef idx="1">
+            <a:schemeClr val="accent1"/>
+          </a:lnRef>
+          <a:fillRef idx="0">
+            <a:schemeClr val="accent1"/>
+          </a:fillRef>
+          <a:effectRef idx="0">
+            <a:schemeClr val="accent1"/>
+          </a:effectRef>
+          <a:fontRef idx="minor">
+            <a:schemeClr val="tx1"/>
+          </a:fontRef>
+        </p:style>
+      </p:cxnSp>
+      <p:sp>
+        <p:nvSpPr>
+          <p:cNvPr id="84" name="ZoneTexte 83"/>
+          <p:cNvSpPr txBox="1"/>
+          <p:nvPr/>
+        </p:nvSpPr>
+        <p:spPr>
+          <a:xfrm>
+            <a:off x="3831566" y="807218"/>
+            <a:ext cx="1354602" cy="369332"/>
+          </a:xfrm>
+          <a:prstGeom prst="rect">
+            <a:avLst/>
+          </a:prstGeom>
+          <a:noFill/>
+        </p:spPr>
+        <p:txBody>
+          <a:bodyPr wrap="none" rtlCol="0">
+            <a:spAutoFit/>
+          </a:bodyPr>
+          <a:lstStyle/>
+          <a:p>
+            <a:r>
+              <a:rPr lang="fr-FR" dirty="0" err="1" smtClean="0"/>
+              <a:t>subCategory</a:t>
+            </a:r>
+            <a:endParaRPr lang="fr-FR" dirty="0"/>
+          </a:p>
+        </p:txBody>
+      </p:sp>
+      <p:cxnSp>
+        <p:nvCxnSpPr>
+          <p:cNvPr id="13" name="Connecteur droit 12"/>
+          <p:cNvCxnSpPr/>
+          <p:nvPr/>
+        </p:nvCxnSpPr>
+        <p:spPr>
+          <a:xfrm>
+            <a:off x="3960545" y="405634"/>
+            <a:ext cx="1674609" cy="0"/>
+          </a:xfrm>
+          <a:prstGeom prst="line">
+            <a:avLst/>
+          </a:prstGeom>
+          <a:ln>
+            <a:solidFill>
+              <a:schemeClr val="tx1"/>
+            </a:solidFill>
+          </a:ln>
+        </p:spPr>
+        <p:style>
+          <a:lnRef idx="1">
+            <a:schemeClr val="accent1"/>
+          </a:lnRef>
+          <a:fillRef idx="0">
+            <a:schemeClr val="accent1"/>
+          </a:fillRef>
+          <a:effectRef idx="0">
+            <a:schemeClr val="accent1"/>
+          </a:effectRef>
+          <a:fontRef idx="minor">
+            <a:schemeClr val="tx1"/>
+          </a:fontRef>
+        </p:style>
+      </p:cxnSp>
     </p:spTree>
     <p:extLst>
       <p:ext uri="{BB962C8B-B14F-4D97-AF65-F5344CB8AC3E}">

--- a/df-model/df-model.pptx
+++ b/df-model/df-model.pptx
@@ -3087,7 +3087,7 @@
         <p:spPr>
           <a:xfrm>
             <a:off x="3242796" y="3094528"/>
-            <a:ext cx="2305631" cy="1477328"/>
+            <a:ext cx="2305631" cy="1754326"/>
           </a:xfrm>
           <a:prstGeom prst="rect">
             <a:avLst/>
@@ -3105,12 +3105,20 @@
               <a:buChar char="•"/>
             </a:pPr>
             <a:r>
+              <a:rPr lang="fr-FR" dirty="0" err="1"/>
+              <a:t>q</a:t>
+            </a:r>
+            <a:r>
               <a:rPr lang="fr-FR" dirty="0" err="1" smtClean="0"/>
-              <a:t>Quantity</a:t>
+              <a:t>uantity</a:t>
             </a:r>
             <a:r>
               <a:rPr lang="fr-FR" dirty="0" smtClean="0"/>
-              <a:t> (</a:t>
+              <a:t> </a:t>
+            </a:r>
+            <a:r>
+              <a:rPr lang="fr-FR" dirty="0" smtClean="0"/>
+              <a:t>(</a:t>
             </a:r>
             <a:r>
               <a:rPr lang="fr-FR" dirty="0" err="1" smtClean="0"/>
@@ -3127,8 +3135,12 @@
               <a:buChar char="•"/>
             </a:pPr>
             <a:r>
+              <a:rPr lang="fr-FR" dirty="0" err="1"/>
+              <a:t>s</a:t>
+            </a:r>
+            <a:r>
               <a:rPr lang="fr-FR" dirty="0" err="1" smtClean="0"/>
-              <a:t>SickOnRoot</a:t>
+              <a:t>ick</a:t>
             </a:r>
             <a:r>
               <a:rPr lang="fr-FR" dirty="0" smtClean="0"/>
@@ -3142,6 +3154,7 @@
               <a:rPr lang="fr-FR" dirty="0" smtClean="0"/>
               <a:t>)</a:t>
             </a:r>
+            <a:endParaRPr lang="fr-FR" dirty="0" smtClean="0"/>
           </a:p>
           <a:p>
             <a:pPr marL="285750" indent="-285750">
@@ -3149,12 +3162,20 @@
               <a:buChar char="•"/>
             </a:pPr>
             <a:r>
+              <a:rPr lang="fr-FR" dirty="0" err="1"/>
+              <a:t>s</a:t>
+            </a:r>
+            <a:r>
               <a:rPr lang="fr-FR" dirty="0" err="1" smtClean="0"/>
-              <a:t>SickOnTrunk</a:t>
+              <a:t>ickOnRoot</a:t>
             </a:r>
             <a:r>
               <a:rPr lang="fr-FR" dirty="0" smtClean="0"/>
-              <a:t> (</a:t>
+              <a:t> </a:t>
+            </a:r>
+            <a:r>
+              <a:rPr lang="fr-FR" dirty="0" smtClean="0"/>
+              <a:t>(</a:t>
             </a:r>
             <a:r>
               <a:rPr lang="fr-FR" dirty="0" err="1" smtClean="0"/>
@@ -3171,12 +3192,20 @@
               <a:buChar char="•"/>
             </a:pPr>
             <a:r>
+              <a:rPr lang="fr-FR" dirty="0" err="1"/>
+              <a:t>s</a:t>
+            </a:r>
+            <a:r>
               <a:rPr lang="fr-FR" dirty="0" err="1" smtClean="0"/>
-              <a:t>SickOnCollar</a:t>
+              <a:t>ickOnTrunk</a:t>
             </a:r>
             <a:r>
               <a:rPr lang="fr-FR" dirty="0" smtClean="0"/>
-              <a:t> (</a:t>
+              <a:t> </a:t>
+            </a:r>
+            <a:r>
+              <a:rPr lang="fr-FR" dirty="0" smtClean="0"/>
+              <a:t>(</a:t>
             </a:r>
             <a:r>
               <a:rPr lang="fr-FR" dirty="0" err="1" smtClean="0"/>
@@ -3193,12 +3222,50 @@
               <a:buChar char="•"/>
             </a:pPr>
             <a:r>
+              <a:rPr lang="fr-FR" dirty="0" err="1"/>
+              <a:t>s</a:t>
+            </a:r>
+            <a:r>
               <a:rPr lang="fr-FR" dirty="0" err="1" smtClean="0"/>
-              <a:t>SickOnCrown</a:t>
+              <a:t>ickOnCollar</a:t>
             </a:r>
             <a:r>
               <a:rPr lang="fr-FR" dirty="0" smtClean="0"/>
-              <a:t> (</a:t>
+              <a:t> </a:t>
+            </a:r>
+            <a:r>
+              <a:rPr lang="fr-FR" dirty="0" smtClean="0"/>
+              <a:t>(</a:t>
+            </a:r>
+            <a:r>
+              <a:rPr lang="fr-FR" dirty="0" err="1" smtClean="0"/>
+              <a:t>sum</a:t>
+            </a:r>
+            <a:r>
+              <a:rPr lang="fr-FR" dirty="0" smtClean="0"/>
+              <a:t>)</a:t>
+            </a:r>
+          </a:p>
+          <a:p>
+            <a:pPr marL="285750" indent="-285750">
+              <a:buFont typeface="Arial" panose="020B0604020202020204" pitchFamily="34" charset="0"/>
+              <a:buChar char="•"/>
+            </a:pPr>
+            <a:r>
+              <a:rPr lang="fr-FR" dirty="0" err="1"/>
+              <a:t>s</a:t>
+            </a:r>
+            <a:r>
+              <a:rPr lang="fr-FR" dirty="0" err="1" smtClean="0"/>
+              <a:t>ickOnCrown</a:t>
+            </a:r>
+            <a:r>
+              <a:rPr lang="fr-FR" dirty="0" smtClean="0"/>
+              <a:t> </a:t>
+            </a:r>
+            <a:r>
+              <a:rPr lang="fr-FR" dirty="0" smtClean="0"/>
+              <a:t>(</a:t>
             </a:r>
             <a:r>
               <a:rPr lang="fr-FR" dirty="0" err="1" smtClean="0"/>
@@ -4017,7 +4084,7 @@
         <p:spPr>
           <a:xfrm>
             <a:off x="1184232" y="73730"/>
-            <a:ext cx="780342" cy="369332"/>
+            <a:ext cx="764312" cy="369332"/>
           </a:xfrm>
           <a:prstGeom prst="rect">
             <a:avLst/>
@@ -4031,8 +4098,12 @@
           <a:lstStyle/>
           <a:p>
             <a:r>
+              <a:rPr lang="fr-FR" dirty="0" err="1"/>
+              <a:t>s</a:t>
+            </a:r>
+            <a:r>
               <a:rPr lang="fr-FR" dirty="0" err="1" smtClean="0"/>
-              <a:t>Sector</a:t>
+              <a:t>ector</a:t>
             </a:r>
             <a:endParaRPr lang="fr-FR" dirty="0" smtClean="0"/>
           </a:p>
@@ -4691,7 +4762,7 @@
         <p:spPr>
           <a:xfrm>
             <a:off x="484191" y="3896386"/>
-            <a:ext cx="1898148" cy="369332"/>
+            <a:ext cx="1877309" cy="369332"/>
           </a:xfrm>
           <a:prstGeom prst="rect">
             <a:avLst/>
@@ -4705,8 +4776,12 @@
           <a:lstStyle/>
           <a:p>
             <a:r>
+              <a:rPr lang="fr-FR" dirty="0" err="1"/>
+              <a:t>d</a:t>
+            </a:r>
+            <a:r>
               <a:rPr lang="fr-FR" dirty="0" err="1" smtClean="0"/>
-              <a:t>DvpStatWhenDiag</a:t>
+              <a:t>vpStatWhenDiag</a:t>
             </a:r>
             <a:endParaRPr lang="fr-FR" dirty="0"/>
           </a:p>
@@ -4764,7 +4839,7 @@
         <p:spPr>
           <a:xfrm>
             <a:off x="1433265" y="5312420"/>
-            <a:ext cx="1892762" cy="369332"/>
+            <a:ext cx="1876732" cy="369332"/>
           </a:xfrm>
           <a:prstGeom prst="rect">
             <a:avLst/>
@@ -4778,8 +4853,12 @@
           <a:lstStyle/>
           <a:p>
             <a:r>
+              <a:rPr lang="fr-FR" dirty="0" err="1"/>
+              <a:t>s</a:t>
+            </a:r>
+            <a:r>
               <a:rPr lang="fr-FR" dirty="0" err="1" smtClean="0"/>
-              <a:t>SidewalkProximity</a:t>
+              <a:t>idewalkProximity</a:t>
             </a:r>
             <a:endParaRPr lang="fr-FR" dirty="0"/>
           </a:p>
@@ -4872,7 +4951,7 @@
         <p:spPr>
           <a:xfrm>
             <a:off x="3482823" y="5649868"/>
-            <a:ext cx="1038105" cy="369332"/>
+            <a:ext cx="1034899" cy="369332"/>
           </a:xfrm>
           <a:prstGeom prst="rect">
             <a:avLst/>
@@ -4886,8 +4965,12 @@
           <a:lstStyle/>
           <a:p>
             <a:r>
+              <a:rPr lang="fr-FR" dirty="0" err="1"/>
+              <a:t>b</a:t>
+            </a:r>
+            <a:r>
               <a:rPr lang="fr-FR" dirty="0" err="1" smtClean="0"/>
-              <a:t>Busyness</a:t>
+              <a:t>usyness</a:t>
             </a:r>
             <a:endParaRPr lang="fr-FR" dirty="0" smtClean="0"/>
           </a:p>

--- a/df-model/df-model.pptx
+++ b/df-model/df-model.pptx
@@ -243,7 +243,7 @@
           <a:p>
             <a:fld id="{E90F2C70-D7C5-4A11-BAB2-648D55629A91}" type="datetimeFigureOut">
               <a:rPr lang="fr-FR" smtClean="0"/>
-              <a:t>17/10/2017</a:t>
+              <a:t>21/10/2017</a:t>
             </a:fld>
             <a:endParaRPr lang="fr-FR"/>
           </a:p>
@@ -413,7 +413,7 @@
           <a:p>
             <a:fld id="{E90F2C70-D7C5-4A11-BAB2-648D55629A91}" type="datetimeFigureOut">
               <a:rPr lang="fr-FR" smtClean="0"/>
-              <a:t>17/10/2017</a:t>
+              <a:t>21/10/2017</a:t>
             </a:fld>
             <a:endParaRPr lang="fr-FR"/>
           </a:p>
@@ -593,7 +593,7 @@
           <a:p>
             <a:fld id="{E90F2C70-D7C5-4A11-BAB2-648D55629A91}" type="datetimeFigureOut">
               <a:rPr lang="fr-FR" smtClean="0"/>
-              <a:t>17/10/2017</a:t>
+              <a:t>21/10/2017</a:t>
             </a:fld>
             <a:endParaRPr lang="fr-FR"/>
           </a:p>
@@ -763,7 +763,7 @@
           <a:p>
             <a:fld id="{E90F2C70-D7C5-4A11-BAB2-648D55629A91}" type="datetimeFigureOut">
               <a:rPr lang="fr-FR" smtClean="0"/>
-              <a:t>17/10/2017</a:t>
+              <a:t>21/10/2017</a:t>
             </a:fld>
             <a:endParaRPr lang="fr-FR"/>
           </a:p>
@@ -1009,7 +1009,7 @@
           <a:p>
             <a:fld id="{E90F2C70-D7C5-4A11-BAB2-648D55629A91}" type="datetimeFigureOut">
               <a:rPr lang="fr-FR" smtClean="0"/>
-              <a:t>17/10/2017</a:t>
+              <a:t>21/10/2017</a:t>
             </a:fld>
             <a:endParaRPr lang="fr-FR"/>
           </a:p>
@@ -1241,7 +1241,7 @@
           <a:p>
             <a:fld id="{E90F2C70-D7C5-4A11-BAB2-648D55629A91}" type="datetimeFigureOut">
               <a:rPr lang="fr-FR" smtClean="0"/>
-              <a:t>17/10/2017</a:t>
+              <a:t>21/10/2017</a:t>
             </a:fld>
             <a:endParaRPr lang="fr-FR"/>
           </a:p>
@@ -1608,7 +1608,7 @@
           <a:p>
             <a:fld id="{E90F2C70-D7C5-4A11-BAB2-648D55629A91}" type="datetimeFigureOut">
               <a:rPr lang="fr-FR" smtClean="0"/>
-              <a:t>17/10/2017</a:t>
+              <a:t>21/10/2017</a:t>
             </a:fld>
             <a:endParaRPr lang="fr-FR"/>
           </a:p>
@@ -1726,7 +1726,7 @@
           <a:p>
             <a:fld id="{E90F2C70-D7C5-4A11-BAB2-648D55629A91}" type="datetimeFigureOut">
               <a:rPr lang="fr-FR" smtClean="0"/>
-              <a:t>17/10/2017</a:t>
+              <a:t>21/10/2017</a:t>
             </a:fld>
             <a:endParaRPr lang="fr-FR"/>
           </a:p>
@@ -1821,7 +1821,7 @@
           <a:p>
             <a:fld id="{E90F2C70-D7C5-4A11-BAB2-648D55629A91}" type="datetimeFigureOut">
               <a:rPr lang="fr-FR" smtClean="0"/>
-              <a:t>17/10/2017</a:t>
+              <a:t>21/10/2017</a:t>
             </a:fld>
             <a:endParaRPr lang="fr-FR"/>
           </a:p>
@@ -2098,7 +2098,7 @@
           <a:p>
             <a:fld id="{E90F2C70-D7C5-4A11-BAB2-648D55629A91}" type="datetimeFigureOut">
               <a:rPr lang="fr-FR" smtClean="0"/>
-              <a:t>17/10/2017</a:t>
+              <a:t>21/10/2017</a:t>
             </a:fld>
             <a:endParaRPr lang="fr-FR"/>
           </a:p>
@@ -2351,7 +2351,7 @@
           <a:p>
             <a:fld id="{E90F2C70-D7C5-4A11-BAB2-648D55629A91}" type="datetimeFigureOut">
               <a:rPr lang="fr-FR" smtClean="0"/>
-              <a:t>17/10/2017</a:t>
+              <a:t>21/10/2017</a:t>
             </a:fld>
             <a:endParaRPr lang="fr-FR"/>
           </a:p>
@@ -2564,7 +2564,7 @@
           <a:p>
             <a:fld id="{E90F2C70-D7C5-4A11-BAB2-648D55629A91}" type="datetimeFigureOut">
               <a:rPr lang="fr-FR" smtClean="0"/>
-              <a:t>17/10/2017</a:t>
+              <a:t>21/10/2017</a:t>
             </a:fld>
             <a:endParaRPr lang="fr-FR"/>
           </a:p>
@@ -2977,7 +2977,7 @@
         </p:nvSpPr>
         <p:spPr>
           <a:xfrm>
-            <a:off x="3048000" y="1997526"/>
+            <a:off x="4591050" y="2654316"/>
             <a:ext cx="2895600" cy="2946400"/>
           </a:xfrm>
           <a:prstGeom prst="rect">
@@ -3021,7 +3021,7 @@
         </p:nvSpPr>
         <p:spPr>
           <a:xfrm>
-            <a:off x="3957832" y="2226126"/>
+            <a:off x="5500882" y="2882916"/>
             <a:ext cx="1075936" cy="369332"/>
           </a:xfrm>
           <a:prstGeom prst="rect">
@@ -3051,7 +3051,7 @@
         </p:nvCxnSpPr>
         <p:spPr>
           <a:xfrm>
-            <a:off x="3048000" y="2722458"/>
+            <a:off x="4591050" y="3379248"/>
             <a:ext cx="2895600" cy="0"/>
           </a:xfrm>
           <a:prstGeom prst="line">
@@ -3086,7 +3086,7 @@
         </p:nvSpPr>
         <p:spPr>
           <a:xfrm>
-            <a:off x="3242796" y="3094528"/>
+            <a:off x="4785846" y="3751318"/>
             <a:ext cx="2305631" cy="1754326"/>
           </a:xfrm>
           <a:prstGeom prst="rect">
@@ -3114,11 +3114,7 @@
             </a:r>
             <a:r>
               <a:rPr lang="fr-FR" dirty="0" smtClean="0"/>
-              <a:t> </a:t>
-            </a:r>
-            <a:r>
-              <a:rPr lang="fr-FR" dirty="0" smtClean="0"/>
-              <a:t>(</a:t>
+              <a:t> (</a:t>
             </a:r>
             <a:r>
               <a:rPr lang="fr-FR" dirty="0" err="1" smtClean="0"/>
@@ -3154,7 +3150,6 @@
               <a:rPr lang="fr-FR" dirty="0" smtClean="0"/>
               <a:t>)</a:t>
             </a:r>
-            <a:endParaRPr lang="fr-FR" dirty="0" smtClean="0"/>
           </a:p>
           <a:p>
             <a:pPr marL="285750" indent="-285750">
@@ -3171,11 +3166,7 @@
             </a:r>
             <a:r>
               <a:rPr lang="fr-FR" dirty="0" smtClean="0"/>
-              <a:t> </a:t>
-            </a:r>
-            <a:r>
-              <a:rPr lang="fr-FR" dirty="0" smtClean="0"/>
-              <a:t>(</a:t>
+              <a:t> (</a:t>
             </a:r>
             <a:r>
               <a:rPr lang="fr-FR" dirty="0" err="1" smtClean="0"/>
@@ -3201,11 +3192,7 @@
             </a:r>
             <a:r>
               <a:rPr lang="fr-FR" dirty="0" smtClean="0"/>
-              <a:t> </a:t>
-            </a:r>
-            <a:r>
-              <a:rPr lang="fr-FR" dirty="0" smtClean="0"/>
-              <a:t>(</a:t>
+              <a:t> (</a:t>
             </a:r>
             <a:r>
               <a:rPr lang="fr-FR" dirty="0" err="1" smtClean="0"/>
@@ -3231,11 +3218,7 @@
             </a:r>
             <a:r>
               <a:rPr lang="fr-FR" dirty="0" smtClean="0"/>
-              <a:t> </a:t>
-            </a:r>
-            <a:r>
-              <a:rPr lang="fr-FR" dirty="0" smtClean="0"/>
-              <a:t>(</a:t>
+              <a:t> (</a:t>
             </a:r>
             <a:r>
               <a:rPr lang="fr-FR" dirty="0" err="1" smtClean="0"/>
@@ -3261,11 +3244,7 @@
             </a:r>
             <a:r>
               <a:rPr lang="fr-FR" dirty="0" smtClean="0"/>
-              <a:t> </a:t>
-            </a:r>
-            <a:r>
-              <a:rPr lang="fr-FR" dirty="0" smtClean="0"/>
-              <a:t>(</a:t>
+              <a:t> (</a:t>
             </a:r>
             <a:r>
               <a:rPr lang="fr-FR" dirty="0" err="1" smtClean="0"/>
@@ -3287,7 +3266,7 @@
         </p:nvCxnSpPr>
         <p:spPr>
           <a:xfrm>
-            <a:off x="2538186" y="2939390"/>
+            <a:off x="4081236" y="3596180"/>
             <a:ext cx="495300" cy="0"/>
           </a:xfrm>
           <a:prstGeom prst="line">
@@ -3322,7 +3301,7 @@
         </p:nvSpPr>
         <p:spPr>
           <a:xfrm>
-            <a:off x="2285218" y="2812906"/>
+            <a:off x="3828268" y="3469696"/>
             <a:ext cx="252968" cy="252968"/>
           </a:xfrm>
           <a:prstGeom prst="ellipse">
@@ -3362,7 +3341,7 @@
         </p:nvSpPr>
         <p:spPr>
           <a:xfrm>
-            <a:off x="1643517" y="2722458"/>
+            <a:off x="3186567" y="3379248"/>
             <a:ext cx="699872" cy="369332"/>
           </a:xfrm>
           <a:prstGeom prst="rect">
@@ -3392,7 +3371,7 @@
         </p:nvCxnSpPr>
         <p:spPr>
           <a:xfrm>
-            <a:off x="5943600" y="3155290"/>
+            <a:off x="7486650" y="4193080"/>
             <a:ext cx="495300" cy="0"/>
           </a:xfrm>
           <a:prstGeom prst="line">
@@ -3427,7 +3406,7 @@
         </p:nvSpPr>
         <p:spPr>
           <a:xfrm>
-            <a:off x="6438900" y="3028806"/>
+            <a:off x="7981950" y="4066596"/>
             <a:ext cx="252968" cy="252968"/>
           </a:xfrm>
           <a:prstGeom prst="ellipse">
@@ -3470,7 +3449,7 @@
         </p:nvSpPr>
         <p:spPr>
           <a:xfrm>
-            <a:off x="6668970" y="2932524"/>
+            <a:off x="8212020" y="3970314"/>
             <a:ext cx="581698" cy="369332"/>
           </a:xfrm>
           <a:prstGeom prst="rect">
@@ -3500,7 +3479,7 @@
         </p:nvCxnSpPr>
         <p:spPr>
           <a:xfrm>
-            <a:off x="5943600" y="3551569"/>
+            <a:off x="7486650" y="4589359"/>
             <a:ext cx="495300" cy="0"/>
           </a:xfrm>
           <a:prstGeom prst="line">
@@ -3535,7 +3514,7 @@
         </p:nvSpPr>
         <p:spPr>
           <a:xfrm>
-            <a:off x="6438900" y="3425085"/>
+            <a:off x="7981950" y="4462875"/>
             <a:ext cx="252968" cy="252968"/>
           </a:xfrm>
           <a:prstGeom prst="ellipse">
@@ -3578,7 +3557,7 @@
         </p:nvSpPr>
         <p:spPr>
           <a:xfrm>
-            <a:off x="6668970" y="3328803"/>
+            <a:off x="8212020" y="4366593"/>
             <a:ext cx="689612" cy="369332"/>
           </a:xfrm>
           <a:prstGeom prst="rect">
@@ -3608,7 +3587,7 @@
         </p:nvCxnSpPr>
         <p:spPr>
           <a:xfrm>
-            <a:off x="5943600" y="3997457"/>
+            <a:off x="7486650" y="5035247"/>
             <a:ext cx="495300" cy="0"/>
           </a:xfrm>
           <a:prstGeom prst="line">
@@ -3643,7 +3622,7 @@
         </p:nvSpPr>
         <p:spPr>
           <a:xfrm>
-            <a:off x="6438900" y="3870973"/>
+            <a:off x="7981950" y="4908763"/>
             <a:ext cx="252968" cy="252968"/>
           </a:xfrm>
           <a:prstGeom prst="ellipse">
@@ -3686,7 +3665,7 @@
         </p:nvSpPr>
         <p:spPr>
           <a:xfrm>
-            <a:off x="6668970" y="3774691"/>
+            <a:off x="8212020" y="4812481"/>
             <a:ext cx="698909" cy="369332"/>
           </a:xfrm>
           <a:prstGeom prst="rect">
@@ -3716,7 +3695,7 @@
         </p:nvCxnSpPr>
         <p:spPr>
           <a:xfrm>
-            <a:off x="5943600" y="4398059"/>
+            <a:off x="7486650" y="5435849"/>
             <a:ext cx="495300" cy="0"/>
           </a:xfrm>
           <a:prstGeom prst="line">
@@ -3751,7 +3730,7 @@
         </p:nvSpPr>
         <p:spPr>
           <a:xfrm>
-            <a:off x="6438900" y="4271575"/>
+            <a:off x="7981950" y="5309365"/>
             <a:ext cx="252968" cy="252968"/>
           </a:xfrm>
           <a:prstGeom prst="ellipse">
@@ -3794,7 +3773,7 @@
         </p:nvSpPr>
         <p:spPr>
           <a:xfrm>
-            <a:off x="6668970" y="4175293"/>
+            <a:off x="8212020" y="5213083"/>
             <a:ext cx="766748" cy="369332"/>
           </a:xfrm>
           <a:prstGeom prst="rect">
@@ -3818,13 +3797,13 @@
       </p:sp>
       <p:sp>
         <p:nvSpPr>
-          <p:cNvPr id="46" name="Ellipse 45"/>
+          <p:cNvPr id="62" name="Ellipse 61"/>
           <p:cNvSpPr/>
           <p:nvPr/>
         </p:nvSpPr>
         <p:spPr>
-          <a:xfrm>
-            <a:off x="2976887" y="1243822"/>
+          <a:xfrm rot="5400000">
+            <a:off x="8011666" y="2985213"/>
             <a:ext cx="252968" cy="252968"/>
           </a:xfrm>
           <a:prstGeom prst="ellipse">
@@ -3861,14 +3840,14 @@
       </p:sp>
       <p:sp>
         <p:nvSpPr>
-          <p:cNvPr id="47" name="ZoneTexte 46"/>
+          <p:cNvPr id="63" name="ZoneTexte 62"/>
           <p:cNvSpPr txBox="1"/>
           <p:nvPr/>
         </p:nvSpPr>
         <p:spPr>
           <a:xfrm>
-            <a:off x="3229855" y="1175680"/>
-            <a:ext cx="937244" cy="369332"/>
+            <a:off x="7766046" y="2594806"/>
+            <a:ext cx="867545" cy="369332"/>
           </a:xfrm>
           <a:prstGeom prst="rect">
             <a:avLst/>
@@ -3882,8 +3861,8 @@
           <a:lstStyle/>
           <a:p>
             <a:r>
-              <a:rPr lang="fr-FR" dirty="0" smtClean="0"/>
-              <a:t>location</a:t>
+              <a:rPr lang="fr-FR" dirty="0" err="1" smtClean="0"/>
+              <a:t>species</a:t>
             </a:r>
             <a:endParaRPr lang="fr-FR" dirty="0"/>
           </a:p>
@@ -3891,13 +3870,13 @@
       </p:sp>
       <p:cxnSp>
         <p:nvCxnSpPr>
-          <p:cNvPr id="48" name="Connecteur droit 47"/>
+          <p:cNvPr id="64" name="Connecteur droit 63"/>
           <p:cNvCxnSpPr/>
           <p:nvPr/>
         </p:nvCxnSpPr>
         <p:spPr>
-          <a:xfrm rot="2700000">
-            <a:off x="2616033" y="1115755"/>
+          <a:xfrm rot="10800000">
+            <a:off x="7501164" y="3111456"/>
             <a:ext cx="495300" cy="0"/>
           </a:xfrm>
           <a:prstGeom prst="line">
@@ -3926,13 +3905,13 @@
       </p:cxnSp>
       <p:sp>
         <p:nvSpPr>
-          <p:cNvPr id="49" name="Ellipse 48"/>
+          <p:cNvPr id="65" name="Ellipse 64"/>
           <p:cNvSpPr/>
           <p:nvPr/>
         </p:nvSpPr>
         <p:spPr>
-          <a:xfrm>
-            <a:off x="2471172" y="713000"/>
+          <a:xfrm rot="5400000">
+            <a:off x="8755618" y="2963839"/>
             <a:ext cx="252968" cy="252968"/>
           </a:xfrm>
           <a:prstGeom prst="ellipse">
@@ -3967,45 +3946,15 @@
           </a:p>
         </p:txBody>
       </p:sp>
-      <p:sp>
-        <p:nvSpPr>
-          <p:cNvPr id="50" name="ZoneTexte 49"/>
-          <p:cNvSpPr txBox="1"/>
-          <p:nvPr/>
-        </p:nvSpPr>
-        <p:spPr>
-          <a:xfrm>
-            <a:off x="1273566" y="622160"/>
-            <a:ext cx="1288814" cy="369332"/>
-          </a:xfrm>
-          <a:prstGeom prst="rect">
-            <a:avLst/>
-          </a:prstGeom>
-          <a:noFill/>
-        </p:spPr>
-        <p:txBody>
-          <a:bodyPr wrap="none" rtlCol="0">
-            <a:spAutoFit/>
-          </a:bodyPr>
-          <a:lstStyle/>
-          <a:p>
-            <a:r>
-              <a:rPr lang="fr-FR" dirty="0" err="1" smtClean="0"/>
-              <a:t>parentCode</a:t>
-            </a:r>
-            <a:endParaRPr lang="fr-FR" dirty="0" smtClean="0"/>
-          </a:p>
-        </p:txBody>
-      </p:sp>
       <p:cxnSp>
         <p:nvCxnSpPr>
-          <p:cNvPr id="51" name="Connecteur droit 50"/>
+          <p:cNvPr id="66" name="Connecteur droit 65"/>
           <p:cNvCxnSpPr/>
           <p:nvPr/>
         </p:nvCxnSpPr>
         <p:spPr>
-          <a:xfrm rot="2700000">
-            <a:off x="2101522" y="568285"/>
+          <a:xfrm rot="10800000">
+            <a:off x="8255219" y="3110910"/>
             <a:ext cx="495300" cy="0"/>
           </a:xfrm>
           <a:prstGeom prst="line">
@@ -4034,21 +3983,83 @@
       </p:cxnSp>
       <p:sp>
         <p:nvSpPr>
-          <p:cNvPr id="52" name="Ellipse 51"/>
+          <p:cNvPr id="67" name="ZoneTexte 66"/>
+          <p:cNvSpPr txBox="1"/>
+          <p:nvPr/>
+        </p:nvSpPr>
+        <p:spPr>
+          <a:xfrm>
+            <a:off x="8970486" y="2882037"/>
+            <a:ext cx="740587" cy="369332"/>
+          </a:xfrm>
+          <a:prstGeom prst="rect">
+            <a:avLst/>
+          </a:prstGeom>
+          <a:noFill/>
+        </p:spPr>
+        <p:txBody>
+          <a:bodyPr wrap="none" rtlCol="0">
+            <a:spAutoFit/>
+          </a:bodyPr>
+          <a:lstStyle/>
+          <a:p>
+            <a:r>
+              <a:rPr lang="fr-FR" dirty="0" err="1" smtClean="0"/>
+              <a:t>genus</a:t>
+            </a:r>
+            <a:endParaRPr lang="fr-FR" dirty="0"/>
+          </a:p>
+        </p:txBody>
+      </p:sp>
+      <p:cxnSp>
+        <p:nvCxnSpPr>
+          <p:cNvPr id="68" name="Connecteur droit 67"/>
+          <p:cNvCxnSpPr/>
+          <p:nvPr/>
+        </p:nvCxnSpPr>
+        <p:spPr>
+          <a:xfrm>
+            <a:off x="4104618" y="3985593"/>
+            <a:ext cx="495300" cy="0"/>
+          </a:xfrm>
+          <a:prstGeom prst="line">
+            <a:avLst/>
+          </a:prstGeom>
+          <a:ln>
+            <a:solidFill>
+              <a:schemeClr val="tx1"/>
+            </a:solidFill>
+          </a:ln>
+        </p:spPr>
+        <p:style>
+          <a:lnRef idx="1">
+            <a:schemeClr val="accent1"/>
+          </a:lnRef>
+          <a:fillRef idx="0">
+            <a:schemeClr val="accent1"/>
+          </a:fillRef>
+          <a:effectRef idx="0">
+            <a:schemeClr val="accent1"/>
+          </a:effectRef>
+          <a:fontRef idx="minor">
+            <a:schemeClr val="tx1"/>
+          </a:fontRef>
+        </p:style>
+      </p:cxnSp>
+      <p:sp>
+        <p:nvSpPr>
+          <p:cNvPr id="69" name="Ellipse 68"/>
           <p:cNvSpPr/>
           <p:nvPr/>
         </p:nvSpPr>
         <p:spPr>
           <a:xfrm>
-            <a:off x="1937351" y="173694"/>
+            <a:off x="3851650" y="3859109"/>
             <a:ext cx="252968" cy="252968"/>
           </a:xfrm>
           <a:prstGeom prst="ellipse">
             <a:avLst/>
           </a:prstGeom>
-          <a:solidFill>
-            <a:schemeClr val="accent6"/>
-          </a:solidFill>
         </p:spPr>
         <p:style>
           <a:lnRef idx="2">
@@ -4077,14 +4088,14 @@
       </p:sp>
       <p:sp>
         <p:nvSpPr>
-          <p:cNvPr id="53" name="ZoneTexte 52"/>
+          <p:cNvPr id="70" name="ZoneTexte 69"/>
           <p:cNvSpPr txBox="1"/>
           <p:nvPr/>
         </p:nvSpPr>
         <p:spPr>
           <a:xfrm>
-            <a:off x="1184232" y="73730"/>
-            <a:ext cx="764312" cy="369332"/>
+            <a:off x="2469718" y="3768661"/>
+            <a:ext cx="1456937" cy="369332"/>
           </a:xfrm>
           <a:prstGeom prst="rect">
             <a:avLst/>
@@ -4098,26 +4109,22 @@
           <a:lstStyle/>
           <a:p>
             <a:r>
-              <a:rPr lang="fr-FR" dirty="0" err="1"/>
-              <a:t>s</a:t>
-            </a:r>
-            <a:r>
               <a:rPr lang="fr-FR" dirty="0" err="1" smtClean="0"/>
-              <a:t>ector</a:t>
-            </a:r>
-            <a:endParaRPr lang="fr-FR" dirty="0" smtClean="0"/>
+              <a:t>diagnosisYear</a:t>
+            </a:r>
+            <a:endParaRPr lang="fr-FR" dirty="0"/>
           </a:p>
         </p:txBody>
       </p:sp>
       <p:cxnSp>
         <p:nvCxnSpPr>
-          <p:cNvPr id="56" name="Connecteur droit 55"/>
+          <p:cNvPr id="71" name="Connecteur droit 70"/>
           <p:cNvCxnSpPr/>
           <p:nvPr/>
         </p:nvCxnSpPr>
         <p:spPr>
-          <a:xfrm rot="5400000">
-            <a:off x="2861163" y="1749876"/>
+          <a:xfrm>
+            <a:off x="4095750" y="4370968"/>
             <a:ext cx="495300" cy="0"/>
           </a:xfrm>
           <a:prstGeom prst="line">
@@ -4144,58 +4151,20 @@
           </a:fontRef>
         </p:style>
       </p:cxnSp>
-      <p:cxnSp>
-        <p:nvCxnSpPr>
-          <p:cNvPr id="57" name="Connecteur droit 56"/>
-          <p:cNvCxnSpPr/>
-          <p:nvPr/>
-        </p:nvCxnSpPr>
-        <p:spPr>
-          <a:xfrm rot="8100000">
-            <a:off x="3111332" y="1121196"/>
-            <a:ext cx="495300" cy="0"/>
-          </a:xfrm>
-          <a:prstGeom prst="line">
-            <a:avLst/>
-          </a:prstGeom>
-          <a:ln>
-            <a:solidFill>
-              <a:schemeClr val="tx1"/>
-            </a:solidFill>
-          </a:ln>
-        </p:spPr>
-        <p:style>
-          <a:lnRef idx="1">
-            <a:schemeClr val="accent1"/>
-          </a:lnRef>
-          <a:fillRef idx="0">
-            <a:schemeClr val="accent1"/>
-          </a:fillRef>
-          <a:effectRef idx="0">
-            <a:schemeClr val="accent1"/>
-          </a:effectRef>
-          <a:fontRef idx="minor">
-            <a:schemeClr val="tx1"/>
-          </a:fontRef>
-        </p:style>
-      </p:cxnSp>
-      <p:sp>
-        <p:nvSpPr>
-          <p:cNvPr id="58" name="Ellipse 57"/>
+      <p:sp>
+        <p:nvSpPr>
+          <p:cNvPr id="72" name="Ellipse 71"/>
           <p:cNvSpPr/>
           <p:nvPr/>
         </p:nvSpPr>
         <p:spPr>
           <a:xfrm>
-            <a:off x="3455451" y="736901"/>
+            <a:off x="3842782" y="4244484"/>
             <a:ext cx="252968" cy="252968"/>
           </a:xfrm>
           <a:prstGeom prst="ellipse">
             <a:avLst/>
           </a:prstGeom>
-          <a:solidFill>
-            <a:schemeClr val="accent6"/>
-          </a:solidFill>
         </p:spPr>
         <p:style>
           <a:lnRef idx="2">
@@ -4224,14 +4193,14 @@
       </p:sp>
       <p:sp>
         <p:nvSpPr>
-          <p:cNvPr id="59" name="ZoneTexte 58"/>
+          <p:cNvPr id="73" name="ZoneTexte 72"/>
           <p:cNvSpPr txBox="1"/>
           <p:nvPr/>
         </p:nvSpPr>
         <p:spPr>
           <a:xfrm>
-            <a:off x="3843627" y="17993"/>
-            <a:ext cx="1800236" cy="369332"/>
+            <a:off x="2402794" y="4154036"/>
+            <a:ext cx="1515864" cy="369332"/>
           </a:xfrm>
           <a:prstGeom prst="rect">
             <a:avLst/>
@@ -4246,29 +4215,61 @@
           <a:p>
             <a:r>
               <a:rPr lang="fr-FR" dirty="0" err="1" smtClean="0"/>
-              <a:t>subCategoryDesc</a:t>
-            </a:r>
-            <a:endParaRPr lang="fr-FR" dirty="0" smtClean="0"/>
-          </a:p>
-        </p:txBody>
-      </p:sp>
-      <p:sp>
-        <p:nvSpPr>
-          <p:cNvPr id="62" name="Ellipse 61"/>
+              <a:t>diagnosisNote</a:t>
+            </a:r>
+            <a:endParaRPr lang="fr-FR" dirty="0"/>
+          </a:p>
+        </p:txBody>
+      </p:sp>
+      <p:cxnSp>
+        <p:nvCxnSpPr>
+          <p:cNvPr id="74" name="Connecteur droit 73"/>
+          <p:cNvCxnSpPr/>
+          <p:nvPr/>
+        </p:nvCxnSpPr>
+        <p:spPr>
+          <a:xfrm>
+            <a:off x="4117524" y="4770108"/>
+            <a:ext cx="495300" cy="0"/>
+          </a:xfrm>
+          <a:prstGeom prst="line">
+            <a:avLst/>
+          </a:prstGeom>
+          <a:ln>
+            <a:solidFill>
+              <a:schemeClr val="tx1"/>
+            </a:solidFill>
+          </a:ln>
+        </p:spPr>
+        <p:style>
+          <a:lnRef idx="1">
+            <a:schemeClr val="accent1"/>
+          </a:lnRef>
+          <a:fillRef idx="0">
+            <a:schemeClr val="accent1"/>
+          </a:fillRef>
+          <a:effectRef idx="0">
+            <a:schemeClr val="accent1"/>
+          </a:effectRef>
+          <a:fontRef idx="minor">
+            <a:schemeClr val="tx1"/>
+          </a:fontRef>
+        </p:style>
+      </p:cxnSp>
+      <p:sp>
+        <p:nvSpPr>
+          <p:cNvPr id="75" name="Ellipse 74"/>
           <p:cNvSpPr/>
           <p:nvPr/>
         </p:nvSpPr>
         <p:spPr>
           <a:xfrm>
-            <a:off x="5164397" y="1262812"/>
+            <a:off x="3864556" y="4643624"/>
             <a:ext cx="252968" cy="252968"/>
           </a:xfrm>
           <a:prstGeom prst="ellipse">
             <a:avLst/>
           </a:prstGeom>
-          <a:solidFill>
-            <a:schemeClr val="accent6"/>
-          </a:solidFill>
         </p:spPr>
         <p:style>
           <a:lnRef idx="2">
@@ -4297,14 +4298,14 @@
       </p:sp>
       <p:sp>
         <p:nvSpPr>
-          <p:cNvPr id="63" name="ZoneTexte 62"/>
+          <p:cNvPr id="76" name="ZoneTexte 75"/>
           <p:cNvSpPr txBox="1"/>
           <p:nvPr/>
         </p:nvSpPr>
         <p:spPr>
           <a:xfrm>
-            <a:off x="5417365" y="1194670"/>
-            <a:ext cx="867545" cy="369332"/>
+            <a:off x="1951041" y="4553176"/>
+            <a:ext cx="2008050" cy="369332"/>
           </a:xfrm>
           <a:prstGeom prst="rect">
             <a:avLst/>
@@ -4319,63 +4320,28 @@
           <a:p>
             <a:r>
               <a:rPr lang="fr-FR" dirty="0" err="1" smtClean="0"/>
-              <a:t>species</a:t>
+              <a:t>developmentStatus</a:t>
             </a:r>
             <a:endParaRPr lang="fr-FR" dirty="0"/>
           </a:p>
         </p:txBody>
       </p:sp>
-      <p:cxnSp>
-        <p:nvCxnSpPr>
-          <p:cNvPr id="64" name="Connecteur droit 63"/>
-          <p:cNvCxnSpPr/>
-          <p:nvPr/>
-        </p:nvCxnSpPr>
-        <p:spPr>
-          <a:xfrm rot="5400000">
-            <a:off x="5048673" y="1768866"/>
-            <a:ext cx="495300" cy="0"/>
-          </a:xfrm>
-          <a:prstGeom prst="line">
-            <a:avLst/>
-          </a:prstGeom>
-          <a:ln>
-            <a:solidFill>
-              <a:schemeClr val="tx1"/>
-            </a:solidFill>
-          </a:ln>
-        </p:spPr>
-        <p:style>
-          <a:lnRef idx="1">
-            <a:schemeClr val="accent1"/>
-          </a:lnRef>
-          <a:fillRef idx="0">
-            <a:schemeClr val="accent1"/>
-          </a:fillRef>
-          <a:effectRef idx="0">
-            <a:schemeClr val="accent1"/>
-          </a:effectRef>
-          <a:fontRef idx="minor">
-            <a:schemeClr val="tx1"/>
-          </a:fontRef>
-        </p:style>
-      </p:cxnSp>
-      <p:sp>
-        <p:nvSpPr>
-          <p:cNvPr id="65" name="Ellipse 64"/>
+      <p:sp>
+        <p:nvSpPr>
+          <p:cNvPr id="77" name="Ellipse 76"/>
           <p:cNvSpPr/>
           <p:nvPr/>
         </p:nvSpPr>
         <p:spPr>
           <a:xfrm>
-            <a:off x="5130999" y="515505"/>
+            <a:off x="4772905" y="6079706"/>
             <a:ext cx="252968" cy="252968"/>
           </a:xfrm>
           <a:prstGeom prst="ellipse">
             <a:avLst/>
           </a:prstGeom>
           <a:solidFill>
-            <a:schemeClr val="accent6"/>
+            <a:schemeClr val="accent4"/>
           </a:solidFill>
         </p:spPr>
         <p:style>
@@ -4403,15 +4369,49 @@
           </a:p>
         </p:txBody>
       </p:sp>
+      <p:sp>
+        <p:nvSpPr>
+          <p:cNvPr id="78" name="ZoneTexte 77"/>
+          <p:cNvSpPr txBox="1"/>
+          <p:nvPr/>
+        </p:nvSpPr>
+        <p:spPr>
+          <a:xfrm>
+            <a:off x="2976315" y="5969210"/>
+            <a:ext cx="1876732" cy="369332"/>
+          </a:xfrm>
+          <a:prstGeom prst="rect">
+            <a:avLst/>
+          </a:prstGeom>
+          <a:noFill/>
+        </p:spPr>
+        <p:txBody>
+          <a:bodyPr wrap="none" rtlCol="0">
+            <a:spAutoFit/>
+          </a:bodyPr>
+          <a:lstStyle/>
+          <a:p>
+            <a:r>
+              <a:rPr lang="fr-FR" dirty="0" err="1"/>
+              <a:t>s</a:t>
+            </a:r>
+            <a:r>
+              <a:rPr lang="fr-FR" dirty="0" err="1" smtClean="0"/>
+              <a:t>idewalkProximity</a:t>
+            </a:r>
+            <a:endParaRPr lang="fr-FR" dirty="0"/>
+          </a:p>
+        </p:txBody>
+      </p:sp>
       <p:cxnSp>
         <p:nvCxnSpPr>
-          <p:cNvPr id="66" name="Connecteur droit 65"/>
+          <p:cNvPr id="79" name="Connecteur droit 78"/>
           <p:cNvCxnSpPr/>
           <p:nvPr/>
         </p:nvCxnSpPr>
         <p:spPr>
           <a:xfrm rot="5400000">
-            <a:off x="5029789" y="1021559"/>
+            <a:off x="4654382" y="5848366"/>
             <a:ext cx="495300" cy="0"/>
           </a:xfrm>
           <a:prstGeom prst="line">
@@ -4440,83 +4440,21 @@
       </p:cxnSp>
       <p:sp>
         <p:nvSpPr>
-          <p:cNvPr id="67" name="ZoneTexte 66"/>
-          <p:cNvSpPr txBox="1"/>
-          <p:nvPr/>
-        </p:nvSpPr>
-        <p:spPr>
-          <a:xfrm>
-            <a:off x="5383967" y="433702"/>
-            <a:ext cx="740587" cy="369332"/>
-          </a:xfrm>
-          <a:prstGeom prst="rect">
-            <a:avLst/>
-          </a:prstGeom>
-          <a:noFill/>
-        </p:spPr>
-        <p:txBody>
-          <a:bodyPr wrap="none" rtlCol="0">
-            <a:spAutoFit/>
-          </a:bodyPr>
-          <a:lstStyle/>
-          <a:p>
-            <a:r>
-              <a:rPr lang="fr-FR" dirty="0" err="1" smtClean="0"/>
-              <a:t>genus</a:t>
-            </a:r>
-            <a:endParaRPr lang="fr-FR" dirty="0"/>
-          </a:p>
-        </p:txBody>
-      </p:sp>
-      <p:cxnSp>
-        <p:nvCxnSpPr>
-          <p:cNvPr id="68" name="Connecteur droit 67"/>
-          <p:cNvCxnSpPr/>
-          <p:nvPr/>
-        </p:nvCxnSpPr>
-        <p:spPr>
-          <a:xfrm>
-            <a:off x="2561568" y="3328803"/>
-            <a:ext cx="495300" cy="0"/>
-          </a:xfrm>
-          <a:prstGeom prst="line">
-            <a:avLst/>
-          </a:prstGeom>
-          <a:ln>
-            <a:solidFill>
-              <a:schemeClr val="tx1"/>
-            </a:solidFill>
-          </a:ln>
-        </p:spPr>
-        <p:style>
-          <a:lnRef idx="1">
-            <a:schemeClr val="accent1"/>
-          </a:lnRef>
-          <a:fillRef idx="0">
-            <a:schemeClr val="accent1"/>
-          </a:fillRef>
-          <a:effectRef idx="0">
-            <a:schemeClr val="accent1"/>
-          </a:effectRef>
-          <a:fontRef idx="minor">
-            <a:schemeClr val="tx1"/>
-          </a:fontRef>
-        </p:style>
-      </p:cxnSp>
-      <p:sp>
-        <p:nvSpPr>
-          <p:cNvPr id="69" name="Ellipse 68"/>
+          <p:cNvPr id="80" name="Ellipse 79"/>
           <p:cNvSpPr/>
           <p:nvPr/>
         </p:nvSpPr>
         <p:spPr>
           <a:xfrm>
-            <a:off x="2308600" y="3202319"/>
+            <a:off x="5374398" y="6268644"/>
             <a:ext cx="252968" cy="252968"/>
           </a:xfrm>
           <a:prstGeom prst="ellipse">
             <a:avLst/>
           </a:prstGeom>
+          <a:solidFill>
+            <a:schemeClr val="accent4"/>
+          </a:solidFill>
         </p:spPr>
         <p:style>
           <a:lnRef idx="2">
@@ -4545,14 +4483,14 @@
       </p:sp>
       <p:sp>
         <p:nvSpPr>
-          <p:cNvPr id="70" name="ZoneTexte 69"/>
+          <p:cNvPr id="81" name="ZoneTexte 80"/>
           <p:cNvSpPr txBox="1"/>
           <p:nvPr/>
         </p:nvSpPr>
         <p:spPr>
           <a:xfrm>
-            <a:off x="926668" y="3111871"/>
-            <a:ext cx="1456937" cy="369332"/>
+            <a:off x="4550290" y="6488668"/>
+            <a:ext cx="2245102" cy="369332"/>
           </a:xfrm>
           <a:prstGeom prst="rect">
             <a:avLst/>
@@ -4567,22 +4505,24 @@
           <a:p>
             <a:r>
               <a:rPr lang="fr-FR" dirty="0" err="1" smtClean="0"/>
-              <a:t>diagnosisYear</a:t>
-            </a:r>
-            <a:endParaRPr lang="fr-FR" dirty="0"/>
+              <a:t>environmentBusyness</a:t>
+            </a:r>
+            <a:endParaRPr lang="fr-FR" dirty="0" smtClean="0"/>
           </a:p>
         </p:txBody>
       </p:sp>
       <p:cxnSp>
         <p:nvCxnSpPr>
-          <p:cNvPr id="71" name="Connecteur droit 70"/>
-          <p:cNvCxnSpPr/>
+          <p:cNvPr id="82" name="Connecteur droit 81"/>
+          <p:cNvCxnSpPr>
+            <a:endCxn id="80" idx="0"/>
+          </p:cNvCxnSpPr>
           <p:nvPr/>
         </p:nvCxnSpPr>
         <p:spPr>
-          <a:xfrm>
-            <a:off x="2552700" y="3714178"/>
-            <a:ext cx="495300" cy="0"/>
+          <a:xfrm flipH="1">
+            <a:off x="5500882" y="5608679"/>
+            <a:ext cx="2643" cy="659965"/>
           </a:xfrm>
           <a:prstGeom prst="line">
             <a:avLst/>
@@ -4610,18 +4550,21 @@
       </p:cxnSp>
       <p:sp>
         <p:nvSpPr>
-          <p:cNvPr id="72" name="Ellipse 71"/>
+          <p:cNvPr id="86" name="Ellipse 85"/>
           <p:cNvSpPr/>
           <p:nvPr/>
         </p:nvSpPr>
         <p:spPr>
           <a:xfrm>
-            <a:off x="2299732" y="3587694"/>
+            <a:off x="5906880" y="6060716"/>
             <a:ext cx="252968" cy="252968"/>
           </a:xfrm>
           <a:prstGeom prst="ellipse">
             <a:avLst/>
           </a:prstGeom>
+          <a:solidFill>
+            <a:schemeClr val="accent4"/>
+          </a:solidFill>
         </p:spPr>
         <p:style>
           <a:lnRef idx="2">
@@ -4650,14 +4593,14 @@
       </p:sp>
       <p:sp>
         <p:nvSpPr>
-          <p:cNvPr id="73" name="ZoneTexte 72"/>
+          <p:cNvPr id="87" name="ZoneTexte 86"/>
           <p:cNvSpPr txBox="1"/>
           <p:nvPr/>
         </p:nvSpPr>
         <p:spPr>
           <a:xfrm>
-            <a:off x="859744" y="3497246"/>
-            <a:ext cx="1515864" cy="369332"/>
+            <a:off x="6118447" y="5969210"/>
+            <a:ext cx="651140" cy="369332"/>
           </a:xfrm>
           <a:prstGeom prst="rect">
             <a:avLst/>
@@ -4672,21 +4615,21 @@
           <a:p>
             <a:r>
               <a:rPr lang="fr-FR" dirty="0" err="1" smtClean="0"/>
-              <a:t>diagnosisNote</a:t>
-            </a:r>
-            <a:endParaRPr lang="fr-FR" dirty="0"/>
+              <a:t>vigor</a:t>
+            </a:r>
+            <a:endParaRPr lang="fr-FR" dirty="0" smtClean="0"/>
           </a:p>
         </p:txBody>
       </p:sp>
       <p:cxnSp>
         <p:nvCxnSpPr>
-          <p:cNvPr id="74" name="Connecteur droit 73"/>
+          <p:cNvPr id="88" name="Connecteur droit 87"/>
           <p:cNvCxnSpPr/>
           <p:nvPr/>
         </p:nvCxnSpPr>
         <p:spPr>
-          <a:xfrm>
-            <a:off x="2574474" y="4113318"/>
+          <a:xfrm rot="5400000">
+            <a:off x="5788357" y="5829376"/>
             <a:ext cx="495300" cy="0"/>
           </a:xfrm>
           <a:prstGeom prst="line">
@@ -4715,18 +4658,21 @@
       </p:cxnSp>
       <p:sp>
         <p:nvSpPr>
-          <p:cNvPr id="75" name="Ellipse 74"/>
+          <p:cNvPr id="90" name="Ellipse 89"/>
           <p:cNvSpPr/>
           <p:nvPr/>
         </p:nvSpPr>
         <p:spPr>
           <a:xfrm>
-            <a:off x="2321506" y="3986834"/>
+            <a:off x="6926125" y="6063456"/>
             <a:ext cx="252968" cy="252968"/>
           </a:xfrm>
           <a:prstGeom prst="ellipse">
             <a:avLst/>
           </a:prstGeom>
+          <a:solidFill>
+            <a:schemeClr val="accent4"/>
+          </a:solidFill>
         </p:spPr>
         <p:style>
           <a:lnRef idx="2">
@@ -4755,422 +4701,13 @@
       </p:sp>
       <p:sp>
         <p:nvSpPr>
-          <p:cNvPr id="76" name="ZoneTexte 75"/>
-          <p:cNvSpPr txBox="1"/>
-          <p:nvPr/>
-        </p:nvSpPr>
-        <p:spPr>
-          <a:xfrm>
-            <a:off x="484191" y="3896386"/>
-            <a:ext cx="1877309" cy="369332"/>
-          </a:xfrm>
-          <a:prstGeom prst="rect">
-            <a:avLst/>
-          </a:prstGeom>
-          <a:noFill/>
-        </p:spPr>
-        <p:txBody>
-          <a:bodyPr wrap="none" rtlCol="0">
-            <a:spAutoFit/>
-          </a:bodyPr>
-          <a:lstStyle/>
-          <a:p>
-            <a:r>
-              <a:rPr lang="fr-FR" dirty="0" err="1"/>
-              <a:t>d</a:t>
-            </a:r>
-            <a:r>
-              <a:rPr lang="fr-FR" dirty="0" err="1" smtClean="0"/>
-              <a:t>vpStatWhenDiag</a:t>
-            </a:r>
-            <a:endParaRPr lang="fr-FR" dirty="0"/>
-          </a:p>
-        </p:txBody>
-      </p:sp>
-      <p:sp>
-        <p:nvSpPr>
-          <p:cNvPr id="77" name="Ellipse 76"/>
-          <p:cNvSpPr/>
-          <p:nvPr/>
-        </p:nvSpPr>
-        <p:spPr>
-          <a:xfrm>
-            <a:off x="3229855" y="5422916"/>
-            <a:ext cx="252968" cy="252968"/>
-          </a:xfrm>
-          <a:prstGeom prst="ellipse">
-            <a:avLst/>
-          </a:prstGeom>
-          <a:solidFill>
-            <a:schemeClr val="accent4"/>
-          </a:solidFill>
-        </p:spPr>
-        <p:style>
-          <a:lnRef idx="2">
-            <a:schemeClr val="accent1">
-              <a:shade val="50000"/>
-            </a:schemeClr>
-          </a:lnRef>
-          <a:fillRef idx="1">
-            <a:schemeClr val="accent1"/>
-          </a:fillRef>
-          <a:effectRef idx="0">
-            <a:schemeClr val="accent1"/>
-          </a:effectRef>
-          <a:fontRef idx="minor">
-            <a:schemeClr val="lt1"/>
-          </a:fontRef>
-        </p:style>
-        <p:txBody>
-          <a:bodyPr rtlCol="0" anchor="ctr"/>
-          <a:lstStyle/>
-          <a:p>
-            <a:pPr algn="ctr"/>
-            <a:endParaRPr lang="fr-FR"/>
-          </a:p>
-        </p:txBody>
-      </p:sp>
-      <p:sp>
-        <p:nvSpPr>
-          <p:cNvPr id="78" name="ZoneTexte 77"/>
-          <p:cNvSpPr txBox="1"/>
-          <p:nvPr/>
-        </p:nvSpPr>
-        <p:spPr>
-          <a:xfrm>
-            <a:off x="1433265" y="5312420"/>
-            <a:ext cx="1876732" cy="369332"/>
-          </a:xfrm>
-          <a:prstGeom prst="rect">
-            <a:avLst/>
-          </a:prstGeom>
-          <a:noFill/>
-        </p:spPr>
-        <p:txBody>
-          <a:bodyPr wrap="none" rtlCol="0">
-            <a:spAutoFit/>
-          </a:bodyPr>
-          <a:lstStyle/>
-          <a:p>
-            <a:r>
-              <a:rPr lang="fr-FR" dirty="0" err="1"/>
-              <a:t>s</a:t>
-            </a:r>
-            <a:r>
-              <a:rPr lang="fr-FR" dirty="0" err="1" smtClean="0"/>
-              <a:t>idewalkProximity</a:t>
-            </a:r>
-            <a:endParaRPr lang="fr-FR" dirty="0"/>
-          </a:p>
-        </p:txBody>
-      </p:sp>
-      <p:cxnSp>
-        <p:nvCxnSpPr>
-          <p:cNvPr id="79" name="Connecteur droit 78"/>
-          <p:cNvCxnSpPr/>
-          <p:nvPr/>
-        </p:nvCxnSpPr>
-        <p:spPr>
-          <a:xfrm rot="5400000">
-            <a:off x="3111332" y="5191576"/>
-            <a:ext cx="495300" cy="0"/>
-          </a:xfrm>
-          <a:prstGeom prst="line">
-            <a:avLst/>
-          </a:prstGeom>
-          <a:ln>
-            <a:solidFill>
-              <a:schemeClr val="tx1"/>
-            </a:solidFill>
-          </a:ln>
-        </p:spPr>
-        <p:style>
-          <a:lnRef idx="1">
-            <a:schemeClr val="accent1"/>
-          </a:lnRef>
-          <a:fillRef idx="0">
-            <a:schemeClr val="accent1"/>
-          </a:fillRef>
-          <a:effectRef idx="0">
-            <a:schemeClr val="accent1"/>
-          </a:effectRef>
-          <a:fontRef idx="minor">
-            <a:schemeClr val="tx1"/>
-          </a:fontRef>
-        </p:style>
-      </p:cxnSp>
-      <p:sp>
-        <p:nvSpPr>
-          <p:cNvPr id="80" name="Ellipse 79"/>
-          <p:cNvSpPr/>
-          <p:nvPr/>
-        </p:nvSpPr>
-        <p:spPr>
-          <a:xfrm>
-            <a:off x="3831348" y="5430879"/>
-            <a:ext cx="252968" cy="252968"/>
-          </a:xfrm>
-          <a:prstGeom prst="ellipse">
-            <a:avLst/>
-          </a:prstGeom>
-          <a:solidFill>
-            <a:schemeClr val="accent4"/>
-          </a:solidFill>
-        </p:spPr>
-        <p:style>
-          <a:lnRef idx="2">
-            <a:schemeClr val="accent1">
-              <a:shade val="50000"/>
-            </a:schemeClr>
-          </a:lnRef>
-          <a:fillRef idx="1">
-            <a:schemeClr val="accent1"/>
-          </a:fillRef>
-          <a:effectRef idx="0">
-            <a:schemeClr val="accent1"/>
-          </a:effectRef>
-          <a:fontRef idx="minor">
-            <a:schemeClr val="lt1"/>
-          </a:fontRef>
-        </p:style>
-        <p:txBody>
-          <a:bodyPr rtlCol="0" anchor="ctr"/>
-          <a:lstStyle/>
-          <a:p>
-            <a:pPr algn="ctr"/>
-            <a:endParaRPr lang="fr-FR"/>
-          </a:p>
-        </p:txBody>
-      </p:sp>
-      <p:sp>
-        <p:nvSpPr>
-          <p:cNvPr id="81" name="ZoneTexte 80"/>
-          <p:cNvSpPr txBox="1"/>
-          <p:nvPr/>
-        </p:nvSpPr>
-        <p:spPr>
-          <a:xfrm>
-            <a:off x="3482823" y="5649868"/>
-            <a:ext cx="1034899" cy="369332"/>
-          </a:xfrm>
-          <a:prstGeom prst="rect">
-            <a:avLst/>
-          </a:prstGeom>
-          <a:noFill/>
-        </p:spPr>
-        <p:txBody>
-          <a:bodyPr wrap="none" rtlCol="0">
-            <a:spAutoFit/>
-          </a:bodyPr>
-          <a:lstStyle/>
-          <a:p>
-            <a:r>
-              <a:rPr lang="fr-FR" dirty="0" err="1"/>
-              <a:t>b</a:t>
-            </a:r>
-            <a:r>
-              <a:rPr lang="fr-FR" dirty="0" err="1" smtClean="0"/>
-              <a:t>usyness</a:t>
-            </a:r>
-            <a:endParaRPr lang="fr-FR" dirty="0" smtClean="0"/>
-          </a:p>
-        </p:txBody>
-      </p:sp>
-      <p:cxnSp>
-        <p:nvCxnSpPr>
-          <p:cNvPr id="82" name="Connecteur droit 81"/>
-          <p:cNvCxnSpPr/>
-          <p:nvPr/>
-        </p:nvCxnSpPr>
-        <p:spPr>
-          <a:xfrm rot="5400000">
-            <a:off x="3712825" y="5199539"/>
-            <a:ext cx="495300" cy="0"/>
-          </a:xfrm>
-          <a:prstGeom prst="line">
-            <a:avLst/>
-          </a:prstGeom>
-          <a:ln>
-            <a:solidFill>
-              <a:schemeClr val="tx1"/>
-            </a:solidFill>
-          </a:ln>
-        </p:spPr>
-        <p:style>
-          <a:lnRef idx="1">
-            <a:schemeClr val="accent1"/>
-          </a:lnRef>
-          <a:fillRef idx="0">
-            <a:schemeClr val="accent1"/>
-          </a:fillRef>
-          <a:effectRef idx="0">
-            <a:schemeClr val="accent1"/>
-          </a:effectRef>
-          <a:fontRef idx="minor">
-            <a:schemeClr val="tx1"/>
-          </a:fontRef>
-        </p:style>
-      </p:cxnSp>
-      <p:sp>
-        <p:nvSpPr>
-          <p:cNvPr id="86" name="Ellipse 85"/>
-          <p:cNvSpPr/>
-          <p:nvPr/>
-        </p:nvSpPr>
-        <p:spPr>
-          <a:xfrm>
-            <a:off x="4363830" y="5403926"/>
-            <a:ext cx="252968" cy="252968"/>
-          </a:xfrm>
-          <a:prstGeom prst="ellipse">
-            <a:avLst/>
-          </a:prstGeom>
-          <a:solidFill>
-            <a:schemeClr val="accent4"/>
-          </a:solidFill>
-        </p:spPr>
-        <p:style>
-          <a:lnRef idx="2">
-            <a:schemeClr val="accent1">
-              <a:shade val="50000"/>
-            </a:schemeClr>
-          </a:lnRef>
-          <a:fillRef idx="1">
-            <a:schemeClr val="accent1"/>
-          </a:fillRef>
-          <a:effectRef idx="0">
-            <a:schemeClr val="accent1"/>
-          </a:effectRef>
-          <a:fontRef idx="minor">
-            <a:schemeClr val="lt1"/>
-          </a:fontRef>
-        </p:style>
-        <p:txBody>
-          <a:bodyPr rtlCol="0" anchor="ctr"/>
-          <a:lstStyle/>
-          <a:p>
-            <a:pPr algn="ctr"/>
-            <a:endParaRPr lang="fr-FR"/>
-          </a:p>
-        </p:txBody>
-      </p:sp>
-      <p:sp>
-        <p:nvSpPr>
-          <p:cNvPr id="87" name="ZoneTexte 86"/>
-          <p:cNvSpPr txBox="1"/>
-          <p:nvPr/>
-        </p:nvSpPr>
-        <p:spPr>
-          <a:xfrm>
-            <a:off x="4575397" y="5312420"/>
-            <a:ext cx="651140" cy="369332"/>
-          </a:xfrm>
-          <a:prstGeom prst="rect">
-            <a:avLst/>
-          </a:prstGeom>
-          <a:noFill/>
-        </p:spPr>
-        <p:txBody>
-          <a:bodyPr wrap="none" rtlCol="0">
-            <a:spAutoFit/>
-          </a:bodyPr>
-          <a:lstStyle/>
-          <a:p>
-            <a:r>
-              <a:rPr lang="fr-FR" dirty="0" err="1" smtClean="0"/>
-              <a:t>vigor</a:t>
-            </a:r>
-            <a:endParaRPr lang="fr-FR" dirty="0" smtClean="0"/>
-          </a:p>
-        </p:txBody>
-      </p:sp>
-      <p:cxnSp>
-        <p:nvCxnSpPr>
-          <p:cNvPr id="88" name="Connecteur droit 87"/>
-          <p:cNvCxnSpPr/>
-          <p:nvPr/>
-        </p:nvCxnSpPr>
-        <p:spPr>
-          <a:xfrm rot="5400000">
-            <a:off x="4245307" y="5172586"/>
-            <a:ext cx="495300" cy="0"/>
-          </a:xfrm>
-          <a:prstGeom prst="line">
-            <a:avLst/>
-          </a:prstGeom>
-          <a:ln>
-            <a:solidFill>
-              <a:schemeClr val="tx1"/>
-            </a:solidFill>
-          </a:ln>
-        </p:spPr>
-        <p:style>
-          <a:lnRef idx="1">
-            <a:schemeClr val="accent1"/>
-          </a:lnRef>
-          <a:fillRef idx="0">
-            <a:schemeClr val="accent1"/>
-          </a:fillRef>
-          <a:effectRef idx="0">
-            <a:schemeClr val="accent1"/>
-          </a:effectRef>
-          <a:fontRef idx="minor">
-            <a:schemeClr val="tx1"/>
-          </a:fontRef>
-        </p:style>
-      </p:cxnSp>
-      <p:sp>
-        <p:nvSpPr>
-          <p:cNvPr id="90" name="Ellipse 89"/>
-          <p:cNvSpPr/>
-          <p:nvPr/>
-        </p:nvSpPr>
-        <p:spPr>
-          <a:xfrm>
-            <a:off x="5383075" y="5406666"/>
-            <a:ext cx="252968" cy="252968"/>
-          </a:xfrm>
-          <a:prstGeom prst="ellipse">
-            <a:avLst/>
-          </a:prstGeom>
-          <a:solidFill>
-            <a:schemeClr val="accent4"/>
-          </a:solidFill>
-        </p:spPr>
-        <p:style>
-          <a:lnRef idx="2">
-            <a:schemeClr val="accent1">
-              <a:shade val="50000"/>
-            </a:schemeClr>
-          </a:lnRef>
-          <a:fillRef idx="1">
-            <a:schemeClr val="accent1"/>
-          </a:fillRef>
-          <a:effectRef idx="0">
-            <a:schemeClr val="accent1"/>
-          </a:effectRef>
-          <a:fontRef idx="minor">
-            <a:schemeClr val="lt1"/>
-          </a:fontRef>
-        </p:style>
-        <p:txBody>
-          <a:bodyPr rtlCol="0" anchor="ctr"/>
-          <a:lstStyle/>
-          <a:p>
-            <a:pPr algn="ctr"/>
-            <a:endParaRPr lang="fr-FR"/>
-          </a:p>
-        </p:txBody>
-      </p:sp>
-      <p:sp>
-        <p:nvSpPr>
           <p:cNvPr id="91" name="ZoneTexte 90"/>
           <p:cNvSpPr txBox="1"/>
           <p:nvPr/>
         </p:nvSpPr>
         <p:spPr>
           <a:xfrm>
-            <a:off x="5034550" y="5625655"/>
+            <a:off x="7231325" y="6007366"/>
             <a:ext cx="1651542" cy="369332"/>
           </a:xfrm>
           <a:prstGeom prst="rect">
@@ -5200,7 +4737,7 @@
         </p:nvCxnSpPr>
         <p:spPr>
           <a:xfrm rot="5400000">
-            <a:off x="5264552" y="5175326"/>
+            <a:off x="6807602" y="5832116"/>
             <a:ext cx="495300" cy="0"/>
           </a:xfrm>
           <a:prstGeom prst="line">
@@ -5235,7 +4772,7 @@
         </p:nvCxnSpPr>
         <p:spPr>
           <a:xfrm>
-            <a:off x="5958114" y="2379307"/>
+            <a:off x="7501164" y="3531397"/>
             <a:ext cx="495300" cy="0"/>
           </a:xfrm>
           <a:prstGeom prst="line">
@@ -5270,7 +4807,7 @@
         </p:nvSpPr>
         <p:spPr>
           <a:xfrm>
-            <a:off x="6453414" y="2252823"/>
+            <a:off x="7996464" y="3404913"/>
             <a:ext cx="252968" cy="252968"/>
           </a:xfrm>
           <a:prstGeom prst="ellipse">
@@ -5313,7 +4850,7 @@
         </p:nvSpPr>
         <p:spPr>
           <a:xfrm>
-            <a:off x="6683484" y="2156541"/>
+            <a:off x="8226534" y="3308631"/>
             <a:ext cx="1312667" cy="369332"/>
           </a:xfrm>
           <a:prstGeom prst="rect">
@@ -5335,16 +4872,89 @@
           </a:p>
         </p:txBody>
       </p:sp>
+      <p:sp>
+        <p:nvSpPr>
+          <p:cNvPr id="85" name="Ellipse 84"/>
+          <p:cNvSpPr/>
+          <p:nvPr/>
+        </p:nvSpPr>
+        <p:spPr>
+          <a:xfrm>
+            <a:off x="5559376" y="1073759"/>
+            <a:ext cx="861790" cy="861790"/>
+          </a:xfrm>
+          <a:prstGeom prst="ellipse">
+            <a:avLst/>
+          </a:prstGeom>
+          <a:solidFill>
+            <a:schemeClr val="accent6"/>
+          </a:solidFill>
+        </p:spPr>
+        <p:style>
+          <a:lnRef idx="2">
+            <a:schemeClr val="accent1">
+              <a:shade val="50000"/>
+            </a:schemeClr>
+          </a:lnRef>
+          <a:fillRef idx="1">
+            <a:schemeClr val="accent1"/>
+          </a:fillRef>
+          <a:effectRef idx="0">
+            <a:schemeClr val="accent1"/>
+          </a:effectRef>
+          <a:fontRef idx="minor">
+            <a:schemeClr val="lt1"/>
+          </a:fontRef>
+        </p:style>
+        <p:txBody>
+          <a:bodyPr rtlCol="0" anchor="ctr"/>
+          <a:lstStyle/>
+          <a:p>
+            <a:pPr algn="ctr"/>
+            <a:endParaRPr lang="fr-FR"/>
+          </a:p>
+        </p:txBody>
+      </p:sp>
+      <p:sp>
+        <p:nvSpPr>
+          <p:cNvPr id="89" name="ZoneTexte 88"/>
+          <p:cNvSpPr txBox="1"/>
+          <p:nvPr/>
+        </p:nvSpPr>
+        <p:spPr>
+          <a:xfrm>
+            <a:off x="5990271" y="1912850"/>
+            <a:ext cx="937244" cy="369332"/>
+          </a:xfrm>
+          <a:prstGeom prst="rect">
+            <a:avLst/>
+          </a:prstGeom>
+          <a:noFill/>
+        </p:spPr>
+        <p:txBody>
+          <a:bodyPr wrap="none" rtlCol="0">
+            <a:spAutoFit/>
+          </a:bodyPr>
+          <a:lstStyle/>
+          <a:p>
+            <a:r>
+              <a:rPr lang="fr-FR" dirty="0" smtClean="0"/>
+              <a:t>location</a:t>
+            </a:r>
+            <a:endParaRPr lang="fr-FR" dirty="0"/>
+          </a:p>
+        </p:txBody>
+      </p:sp>
       <p:cxnSp>
         <p:nvCxnSpPr>
-          <p:cNvPr id="83" name="Connecteur droit 82"/>
+          <p:cNvPr id="93" name="Connecteur droit 92"/>
           <p:cNvCxnSpPr/>
           <p:nvPr/>
         </p:nvCxnSpPr>
         <p:spPr>
-          <a:xfrm rot="8100000">
-            <a:off x="3558246" y="585371"/>
-            <a:ext cx="495300" cy="0"/>
+          <a:xfrm>
+            <a:off x="5990271" y="1935549"/>
+            <a:ext cx="0" cy="712139"/>
           </a:xfrm>
           <a:prstGeom prst="line">
             <a:avLst/>
@@ -5370,46 +4980,16 @@
           </a:fontRef>
         </p:style>
       </p:cxnSp>
-      <p:sp>
-        <p:nvSpPr>
-          <p:cNvPr id="84" name="ZoneTexte 83"/>
-          <p:cNvSpPr txBox="1"/>
-          <p:nvPr/>
-        </p:nvSpPr>
-        <p:spPr>
-          <a:xfrm>
-            <a:off x="3831566" y="807218"/>
-            <a:ext cx="1354602" cy="369332"/>
-          </a:xfrm>
-          <a:prstGeom prst="rect">
-            <a:avLst/>
-          </a:prstGeom>
-          <a:noFill/>
-        </p:spPr>
-        <p:txBody>
-          <a:bodyPr wrap="none" rtlCol="0">
-            <a:spAutoFit/>
-          </a:bodyPr>
-          <a:lstStyle/>
-          <a:p>
-            <a:r>
-              <a:rPr lang="fr-FR" dirty="0" err="1" smtClean="0"/>
-              <a:t>subCategory</a:t>
-            </a:r>
-            <a:endParaRPr lang="fr-FR" dirty="0"/>
-          </a:p>
-        </p:txBody>
-      </p:sp>
       <p:cxnSp>
         <p:nvCxnSpPr>
-          <p:cNvPr id="13" name="Connecteur droit 12"/>
+          <p:cNvPr id="94" name="Connecteur droit 93"/>
           <p:cNvCxnSpPr/>
           <p:nvPr/>
         </p:nvCxnSpPr>
         <p:spPr>
-          <a:xfrm>
-            <a:off x="3960545" y="405634"/>
-            <a:ext cx="1674609" cy="0"/>
+          <a:xfrm flipV="1">
+            <a:off x="5095340" y="1848318"/>
+            <a:ext cx="612771" cy="1"/>
           </a:xfrm>
           <a:prstGeom prst="line">
             <a:avLst/>
@@ -5435,6 +5015,1379 @@
           </a:fontRef>
         </p:style>
       </p:cxnSp>
+      <p:sp>
+        <p:nvSpPr>
+          <p:cNvPr id="95" name="ZoneTexte 94"/>
+          <p:cNvSpPr txBox="1"/>
+          <p:nvPr/>
+        </p:nvSpPr>
+        <p:spPr>
+          <a:xfrm>
+            <a:off x="4545322" y="1972617"/>
+            <a:ext cx="1007520" cy="369332"/>
+          </a:xfrm>
+          <a:prstGeom prst="rect">
+            <a:avLst/>
+          </a:prstGeom>
+          <a:noFill/>
+        </p:spPr>
+        <p:txBody>
+          <a:bodyPr wrap="none" rtlCol="0">
+            <a:spAutoFit/>
+          </a:bodyPr>
+          <a:lstStyle/>
+          <a:p>
+            <a:r>
+              <a:rPr lang="fr-FR" dirty="0" err="1" smtClean="0"/>
+              <a:t>stationId</a:t>
+            </a:r>
+            <a:endParaRPr lang="fr-FR" dirty="0" smtClean="0"/>
+          </a:p>
+        </p:txBody>
+      </p:sp>
+      <p:cxnSp>
+        <p:nvCxnSpPr>
+          <p:cNvPr id="99" name="Connecteur droit 98"/>
+          <p:cNvCxnSpPr/>
+          <p:nvPr/>
+        </p:nvCxnSpPr>
+        <p:spPr>
+          <a:xfrm>
+            <a:off x="4376124" y="1845668"/>
+            <a:ext cx="495300" cy="0"/>
+          </a:xfrm>
+          <a:prstGeom prst="line">
+            <a:avLst/>
+          </a:prstGeom>
+          <a:ln>
+            <a:solidFill>
+              <a:schemeClr val="tx1"/>
+            </a:solidFill>
+          </a:ln>
+        </p:spPr>
+        <p:style>
+          <a:lnRef idx="1">
+            <a:schemeClr val="accent1"/>
+          </a:lnRef>
+          <a:fillRef idx="0">
+            <a:schemeClr val="accent1"/>
+          </a:fillRef>
+          <a:effectRef idx="0">
+            <a:schemeClr val="accent1"/>
+          </a:effectRef>
+          <a:fontRef idx="minor">
+            <a:schemeClr val="tx1"/>
+          </a:fontRef>
+        </p:style>
+      </p:cxnSp>
+      <p:sp>
+        <p:nvSpPr>
+          <p:cNvPr id="100" name="ZoneTexte 99"/>
+          <p:cNvSpPr txBox="1"/>
+          <p:nvPr/>
+        </p:nvSpPr>
+        <p:spPr>
+          <a:xfrm>
+            <a:off x="3627168" y="1925048"/>
+            <a:ext cx="764312" cy="369332"/>
+          </a:xfrm>
+          <a:prstGeom prst="rect">
+            <a:avLst/>
+          </a:prstGeom>
+          <a:noFill/>
+        </p:spPr>
+        <p:txBody>
+          <a:bodyPr wrap="none" rtlCol="0">
+            <a:spAutoFit/>
+          </a:bodyPr>
+          <a:lstStyle/>
+          <a:p>
+            <a:r>
+              <a:rPr lang="fr-FR" dirty="0" err="1"/>
+              <a:t>s</a:t>
+            </a:r>
+            <a:r>
+              <a:rPr lang="fr-FR" dirty="0" err="1" smtClean="0"/>
+              <a:t>ector</a:t>
+            </a:r>
+            <a:endParaRPr lang="fr-FR" dirty="0" smtClean="0"/>
+          </a:p>
+        </p:txBody>
+      </p:sp>
+      <p:cxnSp>
+        <p:nvCxnSpPr>
+          <p:cNvPr id="101" name="Connecteur droit 100"/>
+          <p:cNvCxnSpPr/>
+          <p:nvPr/>
+        </p:nvCxnSpPr>
+        <p:spPr>
+          <a:xfrm rot="10800000">
+            <a:off x="6273563" y="1839355"/>
+            <a:ext cx="495300" cy="0"/>
+          </a:xfrm>
+          <a:prstGeom prst="line">
+            <a:avLst/>
+          </a:prstGeom>
+          <a:ln>
+            <a:solidFill>
+              <a:schemeClr val="tx1"/>
+            </a:solidFill>
+          </a:ln>
+        </p:spPr>
+        <p:style>
+          <a:lnRef idx="1">
+            <a:schemeClr val="accent1"/>
+          </a:lnRef>
+          <a:fillRef idx="0">
+            <a:schemeClr val="accent1"/>
+          </a:fillRef>
+          <a:effectRef idx="0">
+            <a:schemeClr val="accent1"/>
+          </a:effectRef>
+          <a:fontRef idx="minor">
+            <a:schemeClr val="tx1"/>
+          </a:fontRef>
+        </p:style>
+      </p:cxnSp>
+      <p:sp>
+        <p:nvSpPr>
+          <p:cNvPr id="102" name="Ellipse 101"/>
+          <p:cNvSpPr/>
+          <p:nvPr/>
+        </p:nvSpPr>
+        <p:spPr>
+          <a:xfrm rot="2700000">
+            <a:off x="6757382" y="1709060"/>
+            <a:ext cx="252968" cy="252968"/>
+          </a:xfrm>
+          <a:prstGeom prst="ellipse">
+            <a:avLst/>
+          </a:prstGeom>
+          <a:solidFill>
+            <a:schemeClr val="accent6"/>
+          </a:solidFill>
+        </p:spPr>
+        <p:style>
+          <a:lnRef idx="2">
+            <a:schemeClr val="accent1">
+              <a:shade val="50000"/>
+            </a:schemeClr>
+          </a:lnRef>
+          <a:fillRef idx="1">
+            <a:schemeClr val="accent1"/>
+          </a:fillRef>
+          <a:effectRef idx="0">
+            <a:schemeClr val="accent1"/>
+          </a:effectRef>
+          <a:fontRef idx="minor">
+            <a:schemeClr val="lt1"/>
+          </a:fontRef>
+        </p:style>
+        <p:txBody>
+          <a:bodyPr rtlCol="0" anchor="ctr"/>
+          <a:lstStyle/>
+          <a:p>
+            <a:pPr algn="ctr"/>
+            <a:endParaRPr lang="fr-FR"/>
+          </a:p>
+        </p:txBody>
+      </p:sp>
+      <p:cxnSp>
+        <p:nvCxnSpPr>
+          <p:cNvPr id="103" name="Connecteur droit 102"/>
+          <p:cNvCxnSpPr/>
+          <p:nvPr/>
+        </p:nvCxnSpPr>
+        <p:spPr>
+          <a:xfrm rot="-5400000" flipH="1">
+            <a:off x="6937838" y="1947421"/>
+            <a:ext cx="487855" cy="366358"/>
+          </a:xfrm>
+          <a:prstGeom prst="line">
+            <a:avLst/>
+          </a:prstGeom>
+          <a:ln>
+            <a:solidFill>
+              <a:schemeClr val="tx1"/>
+            </a:solidFill>
+          </a:ln>
+        </p:spPr>
+        <p:style>
+          <a:lnRef idx="1">
+            <a:schemeClr val="accent1"/>
+          </a:lnRef>
+          <a:fillRef idx="0">
+            <a:schemeClr val="accent1"/>
+          </a:fillRef>
+          <a:effectRef idx="0">
+            <a:schemeClr val="accent1"/>
+          </a:effectRef>
+          <a:fontRef idx="minor">
+            <a:schemeClr val="tx1"/>
+          </a:fontRef>
+        </p:style>
+      </p:cxnSp>
+      <p:sp>
+        <p:nvSpPr>
+          <p:cNvPr id="104" name="ZoneTexte 103"/>
+          <p:cNvSpPr txBox="1"/>
+          <p:nvPr/>
+        </p:nvSpPr>
+        <p:spPr>
+          <a:xfrm>
+            <a:off x="6968103" y="1646691"/>
+            <a:ext cx="2317366" cy="369332"/>
+          </a:xfrm>
+          <a:prstGeom prst="rect">
+            <a:avLst/>
+          </a:prstGeom>
+          <a:noFill/>
+        </p:spPr>
+        <p:txBody>
+          <a:bodyPr wrap="none" rtlCol="0">
+            <a:spAutoFit/>
+          </a:bodyPr>
+          <a:lstStyle/>
+          <a:p>
+            <a:r>
+              <a:rPr lang="fr-FR" dirty="0" err="1" smtClean="0"/>
+              <a:t>environmentTypeCode</a:t>
+            </a:r>
+            <a:endParaRPr lang="fr-FR" dirty="0"/>
+          </a:p>
+        </p:txBody>
+      </p:sp>
+      <p:sp>
+        <p:nvSpPr>
+          <p:cNvPr id="105" name="ZoneTexte 104"/>
+          <p:cNvSpPr txBox="1"/>
+          <p:nvPr/>
+        </p:nvSpPr>
+        <p:spPr>
+          <a:xfrm>
+            <a:off x="7233011" y="1972617"/>
+            <a:ext cx="2280496" cy="369332"/>
+          </a:xfrm>
+          <a:prstGeom prst="rect">
+            <a:avLst/>
+          </a:prstGeom>
+          <a:noFill/>
+        </p:spPr>
+        <p:txBody>
+          <a:bodyPr wrap="none" rtlCol="0">
+            <a:spAutoFit/>
+          </a:bodyPr>
+          <a:lstStyle/>
+          <a:p>
+            <a:r>
+              <a:rPr lang="fr-FR" dirty="0" err="1" smtClean="0"/>
+              <a:t>environmentTypeDesc</a:t>
+            </a:r>
+            <a:endParaRPr lang="fr-FR" dirty="0" smtClean="0"/>
+          </a:p>
+        </p:txBody>
+      </p:sp>
+      <p:cxnSp>
+        <p:nvCxnSpPr>
+          <p:cNvPr id="106" name="Connecteur droit 105"/>
+          <p:cNvCxnSpPr/>
+          <p:nvPr/>
+        </p:nvCxnSpPr>
+        <p:spPr>
+          <a:xfrm flipH="1">
+            <a:off x="7373965" y="2370554"/>
+            <a:ext cx="1285920" cy="0"/>
+          </a:xfrm>
+          <a:prstGeom prst="line">
+            <a:avLst/>
+          </a:prstGeom>
+          <a:ln>
+            <a:solidFill>
+              <a:schemeClr val="tx1"/>
+            </a:solidFill>
+          </a:ln>
+        </p:spPr>
+        <p:style>
+          <a:lnRef idx="1">
+            <a:schemeClr val="accent1"/>
+          </a:lnRef>
+          <a:fillRef idx="0">
+            <a:schemeClr val="accent1"/>
+          </a:fillRef>
+          <a:effectRef idx="0">
+            <a:schemeClr val="accent1"/>
+          </a:effectRef>
+          <a:fontRef idx="minor">
+            <a:schemeClr val="tx1"/>
+          </a:fontRef>
+        </p:style>
+      </p:cxnSp>
+      <p:sp>
+        <p:nvSpPr>
+          <p:cNvPr id="107" name="Ellipse 106"/>
+          <p:cNvSpPr/>
+          <p:nvPr/>
+        </p:nvSpPr>
+        <p:spPr>
+          <a:xfrm rot="18693875">
+            <a:off x="4906015" y="1021075"/>
+            <a:ext cx="252968" cy="252968"/>
+          </a:xfrm>
+          <a:prstGeom prst="ellipse">
+            <a:avLst/>
+          </a:prstGeom>
+          <a:solidFill>
+            <a:schemeClr val="accent6"/>
+          </a:solidFill>
+        </p:spPr>
+        <p:style>
+          <a:lnRef idx="2">
+            <a:schemeClr val="accent1">
+              <a:shade val="50000"/>
+            </a:schemeClr>
+          </a:lnRef>
+          <a:fillRef idx="1">
+            <a:schemeClr val="accent1"/>
+          </a:fillRef>
+          <a:effectRef idx="0">
+            <a:schemeClr val="accent1"/>
+          </a:effectRef>
+          <a:fontRef idx="minor">
+            <a:schemeClr val="lt1"/>
+          </a:fontRef>
+        </p:style>
+        <p:txBody>
+          <a:bodyPr rtlCol="0" anchor="ctr"/>
+          <a:lstStyle/>
+          <a:p>
+            <a:pPr algn="ctr"/>
+            <a:endParaRPr lang="fr-FR"/>
+          </a:p>
+        </p:txBody>
+      </p:sp>
+      <p:sp>
+        <p:nvSpPr>
+          <p:cNvPr id="108" name="ZoneTexte 107"/>
+          <p:cNvSpPr txBox="1"/>
+          <p:nvPr/>
+        </p:nvSpPr>
+        <p:spPr>
+          <a:xfrm>
+            <a:off x="3164674" y="1298920"/>
+            <a:ext cx="1733231" cy="369332"/>
+          </a:xfrm>
+          <a:prstGeom prst="rect">
+            <a:avLst/>
+          </a:prstGeom>
+          <a:noFill/>
+        </p:spPr>
+        <p:txBody>
+          <a:bodyPr wrap="none" rtlCol="0">
+            <a:spAutoFit/>
+          </a:bodyPr>
+          <a:lstStyle/>
+          <a:p>
+            <a:r>
+              <a:rPr lang="fr-FR" dirty="0" err="1" smtClean="0"/>
+              <a:t>nearTrainStation</a:t>
+            </a:r>
+            <a:endParaRPr lang="fr-FR" dirty="0" smtClean="0"/>
+          </a:p>
+        </p:txBody>
+      </p:sp>
+      <p:sp>
+        <p:nvSpPr>
+          <p:cNvPr id="109" name="Ellipse 108"/>
+          <p:cNvSpPr/>
+          <p:nvPr/>
+        </p:nvSpPr>
+        <p:spPr>
+          <a:xfrm rot="18693875">
+            <a:off x="4858085" y="1719184"/>
+            <a:ext cx="252968" cy="252968"/>
+          </a:xfrm>
+          <a:prstGeom prst="ellipse">
+            <a:avLst/>
+          </a:prstGeom>
+          <a:solidFill>
+            <a:schemeClr val="accent6"/>
+          </a:solidFill>
+        </p:spPr>
+        <p:style>
+          <a:lnRef idx="2">
+            <a:schemeClr val="accent1">
+              <a:shade val="50000"/>
+            </a:schemeClr>
+          </a:lnRef>
+          <a:fillRef idx="1">
+            <a:schemeClr val="accent1"/>
+          </a:fillRef>
+          <a:effectRef idx="0">
+            <a:schemeClr val="accent1"/>
+          </a:effectRef>
+          <a:fontRef idx="minor">
+            <a:schemeClr val="lt1"/>
+          </a:fontRef>
+        </p:style>
+        <p:txBody>
+          <a:bodyPr rtlCol="0" anchor="ctr"/>
+          <a:lstStyle/>
+          <a:p>
+            <a:pPr algn="ctr"/>
+            <a:endParaRPr lang="fr-FR"/>
+          </a:p>
+        </p:txBody>
+      </p:sp>
+      <p:sp>
+        <p:nvSpPr>
+          <p:cNvPr id="110" name="Ellipse 109"/>
+          <p:cNvSpPr/>
+          <p:nvPr/>
+        </p:nvSpPr>
+        <p:spPr>
+          <a:xfrm rot="18693875">
+            <a:off x="4168635" y="1724145"/>
+            <a:ext cx="252968" cy="252968"/>
+          </a:xfrm>
+          <a:prstGeom prst="ellipse">
+            <a:avLst/>
+          </a:prstGeom>
+          <a:solidFill>
+            <a:schemeClr val="accent6"/>
+          </a:solidFill>
+        </p:spPr>
+        <p:style>
+          <a:lnRef idx="2">
+            <a:schemeClr val="accent1">
+              <a:shade val="50000"/>
+            </a:schemeClr>
+          </a:lnRef>
+          <a:fillRef idx="1">
+            <a:schemeClr val="accent1"/>
+          </a:fillRef>
+          <a:effectRef idx="0">
+            <a:schemeClr val="accent1"/>
+          </a:effectRef>
+          <a:fontRef idx="minor">
+            <a:schemeClr val="lt1"/>
+          </a:fontRef>
+        </p:style>
+        <p:txBody>
+          <a:bodyPr rtlCol="0" anchor="ctr"/>
+          <a:lstStyle/>
+          <a:p>
+            <a:pPr algn="ctr"/>
+            <a:endParaRPr lang="fr-FR"/>
+          </a:p>
+        </p:txBody>
+      </p:sp>
+      <p:cxnSp>
+        <p:nvCxnSpPr>
+          <p:cNvPr id="111" name="Connecteur droit 110"/>
+          <p:cNvCxnSpPr/>
+          <p:nvPr/>
+        </p:nvCxnSpPr>
+        <p:spPr>
+          <a:xfrm>
+            <a:off x="5064076" y="1543518"/>
+            <a:ext cx="495300" cy="0"/>
+          </a:xfrm>
+          <a:prstGeom prst="line">
+            <a:avLst/>
+          </a:prstGeom>
+          <a:ln>
+            <a:solidFill>
+              <a:schemeClr val="tx1"/>
+            </a:solidFill>
+          </a:ln>
+        </p:spPr>
+        <p:style>
+          <a:lnRef idx="1">
+            <a:schemeClr val="accent1"/>
+          </a:lnRef>
+          <a:fillRef idx="0">
+            <a:schemeClr val="accent1"/>
+          </a:fillRef>
+          <a:effectRef idx="0">
+            <a:schemeClr val="accent1"/>
+          </a:effectRef>
+          <a:fontRef idx="minor">
+            <a:schemeClr val="tx1"/>
+          </a:fontRef>
+        </p:style>
+      </p:cxnSp>
+      <p:cxnSp>
+        <p:nvCxnSpPr>
+          <p:cNvPr id="112" name="Connecteur droit 111"/>
+          <p:cNvCxnSpPr/>
+          <p:nvPr/>
+        </p:nvCxnSpPr>
+        <p:spPr>
+          <a:xfrm>
+            <a:off x="6421166" y="1517977"/>
+            <a:ext cx="495300" cy="0"/>
+          </a:xfrm>
+          <a:prstGeom prst="line">
+            <a:avLst/>
+          </a:prstGeom>
+          <a:ln>
+            <a:solidFill>
+              <a:schemeClr val="tx1"/>
+            </a:solidFill>
+          </a:ln>
+        </p:spPr>
+        <p:style>
+          <a:lnRef idx="1">
+            <a:schemeClr val="accent1"/>
+          </a:lnRef>
+          <a:fillRef idx="0">
+            <a:schemeClr val="accent1"/>
+          </a:fillRef>
+          <a:effectRef idx="0">
+            <a:schemeClr val="accent1"/>
+          </a:effectRef>
+          <a:fontRef idx="minor">
+            <a:schemeClr val="tx1"/>
+          </a:fontRef>
+        </p:style>
+      </p:cxnSp>
+      <p:cxnSp>
+        <p:nvCxnSpPr>
+          <p:cNvPr id="113" name="Connecteur droit 112"/>
+          <p:cNvCxnSpPr/>
+          <p:nvPr/>
+        </p:nvCxnSpPr>
+        <p:spPr>
+          <a:xfrm rot="5400000">
+            <a:off x="5742621" y="830045"/>
+            <a:ext cx="495300" cy="0"/>
+          </a:xfrm>
+          <a:prstGeom prst="line">
+            <a:avLst/>
+          </a:prstGeom>
+          <a:ln>
+            <a:solidFill>
+              <a:schemeClr val="tx1"/>
+            </a:solidFill>
+          </a:ln>
+        </p:spPr>
+        <p:style>
+          <a:lnRef idx="1">
+            <a:schemeClr val="accent1"/>
+          </a:lnRef>
+          <a:fillRef idx="0">
+            <a:schemeClr val="accent1"/>
+          </a:fillRef>
+          <a:effectRef idx="0">
+            <a:schemeClr val="accent1"/>
+          </a:effectRef>
+          <a:fontRef idx="minor">
+            <a:schemeClr val="tx1"/>
+          </a:fontRef>
+        </p:style>
+      </p:cxnSp>
+      <p:cxnSp>
+        <p:nvCxnSpPr>
+          <p:cNvPr id="114" name="Connecteur droit 113"/>
+          <p:cNvCxnSpPr/>
+          <p:nvPr/>
+        </p:nvCxnSpPr>
+        <p:spPr>
+          <a:xfrm rot="1320000">
+            <a:off x="5094809" y="1320734"/>
+            <a:ext cx="495300" cy="0"/>
+          </a:xfrm>
+          <a:prstGeom prst="line">
+            <a:avLst/>
+          </a:prstGeom>
+          <a:ln>
+            <a:solidFill>
+              <a:schemeClr val="tx1"/>
+            </a:solidFill>
+          </a:ln>
+        </p:spPr>
+        <p:style>
+          <a:lnRef idx="1">
+            <a:schemeClr val="accent1"/>
+          </a:lnRef>
+          <a:fillRef idx="0">
+            <a:schemeClr val="accent1"/>
+          </a:fillRef>
+          <a:effectRef idx="0">
+            <a:schemeClr val="accent1"/>
+          </a:effectRef>
+          <a:fontRef idx="minor">
+            <a:schemeClr val="tx1"/>
+          </a:fontRef>
+        </p:style>
+      </p:cxnSp>
+      <p:cxnSp>
+        <p:nvCxnSpPr>
+          <p:cNvPr id="115" name="Connecteur droit 114"/>
+          <p:cNvCxnSpPr/>
+          <p:nvPr/>
+        </p:nvCxnSpPr>
+        <p:spPr>
+          <a:xfrm rot="2700000">
+            <a:off x="5228417" y="1078993"/>
+            <a:ext cx="495300" cy="0"/>
+          </a:xfrm>
+          <a:prstGeom prst="line">
+            <a:avLst/>
+          </a:prstGeom>
+          <a:ln>
+            <a:solidFill>
+              <a:schemeClr val="tx1"/>
+            </a:solidFill>
+          </a:ln>
+        </p:spPr>
+        <p:style>
+          <a:lnRef idx="1">
+            <a:schemeClr val="accent1"/>
+          </a:lnRef>
+          <a:fillRef idx="0">
+            <a:schemeClr val="accent1"/>
+          </a:fillRef>
+          <a:effectRef idx="0">
+            <a:schemeClr val="accent1"/>
+          </a:effectRef>
+          <a:fontRef idx="minor">
+            <a:schemeClr val="tx1"/>
+          </a:fontRef>
+        </p:style>
+      </p:cxnSp>
+      <p:cxnSp>
+        <p:nvCxnSpPr>
+          <p:cNvPr id="116" name="Connecteur droit 115"/>
+          <p:cNvCxnSpPr/>
+          <p:nvPr/>
+        </p:nvCxnSpPr>
+        <p:spPr>
+          <a:xfrm rot="4680000">
+            <a:off x="5489695" y="898934"/>
+            <a:ext cx="495300" cy="0"/>
+          </a:xfrm>
+          <a:prstGeom prst="line">
+            <a:avLst/>
+          </a:prstGeom>
+          <a:ln>
+            <a:solidFill>
+              <a:schemeClr val="tx1"/>
+            </a:solidFill>
+          </a:ln>
+        </p:spPr>
+        <p:style>
+          <a:lnRef idx="1">
+            <a:schemeClr val="accent1"/>
+          </a:lnRef>
+          <a:fillRef idx="0">
+            <a:schemeClr val="accent1"/>
+          </a:fillRef>
+          <a:effectRef idx="0">
+            <a:schemeClr val="accent1"/>
+          </a:effectRef>
+          <a:fontRef idx="minor">
+            <a:schemeClr val="tx1"/>
+          </a:fontRef>
+        </p:style>
+      </p:cxnSp>
+      <p:sp>
+        <p:nvSpPr>
+          <p:cNvPr id="117" name="Ellipse 116"/>
+          <p:cNvSpPr/>
+          <p:nvPr/>
+        </p:nvSpPr>
+        <p:spPr>
+          <a:xfrm rot="18693875">
+            <a:off x="5174468" y="742573"/>
+            <a:ext cx="252968" cy="252968"/>
+          </a:xfrm>
+          <a:prstGeom prst="ellipse">
+            <a:avLst/>
+          </a:prstGeom>
+          <a:solidFill>
+            <a:schemeClr val="accent6"/>
+          </a:solidFill>
+        </p:spPr>
+        <p:style>
+          <a:lnRef idx="2">
+            <a:schemeClr val="accent1">
+              <a:shade val="50000"/>
+            </a:schemeClr>
+          </a:lnRef>
+          <a:fillRef idx="1">
+            <a:schemeClr val="accent1"/>
+          </a:fillRef>
+          <a:effectRef idx="0">
+            <a:schemeClr val="accent1"/>
+          </a:effectRef>
+          <a:fontRef idx="minor">
+            <a:schemeClr val="lt1"/>
+          </a:fontRef>
+        </p:style>
+        <p:txBody>
+          <a:bodyPr rtlCol="0" anchor="ctr"/>
+          <a:lstStyle/>
+          <a:p>
+            <a:pPr algn="ctr"/>
+            <a:endParaRPr lang="fr-FR"/>
+          </a:p>
+        </p:txBody>
+      </p:sp>
+      <p:sp>
+        <p:nvSpPr>
+          <p:cNvPr id="118" name="Ellipse 117"/>
+          <p:cNvSpPr/>
+          <p:nvPr/>
+        </p:nvSpPr>
+        <p:spPr>
+          <a:xfrm rot="18693875">
+            <a:off x="5528663" y="451178"/>
+            <a:ext cx="252968" cy="252968"/>
+          </a:xfrm>
+          <a:prstGeom prst="ellipse">
+            <a:avLst/>
+          </a:prstGeom>
+          <a:solidFill>
+            <a:schemeClr val="accent6"/>
+          </a:solidFill>
+        </p:spPr>
+        <p:style>
+          <a:lnRef idx="2">
+            <a:schemeClr val="accent1">
+              <a:shade val="50000"/>
+            </a:schemeClr>
+          </a:lnRef>
+          <a:fillRef idx="1">
+            <a:schemeClr val="accent1"/>
+          </a:fillRef>
+          <a:effectRef idx="0">
+            <a:schemeClr val="accent1"/>
+          </a:effectRef>
+          <a:fontRef idx="minor">
+            <a:schemeClr val="lt1"/>
+          </a:fontRef>
+        </p:style>
+        <p:txBody>
+          <a:bodyPr rtlCol="0" anchor="ctr"/>
+          <a:lstStyle/>
+          <a:p>
+            <a:pPr algn="ctr"/>
+            <a:endParaRPr lang="fr-FR"/>
+          </a:p>
+        </p:txBody>
+      </p:sp>
+      <p:sp>
+        <p:nvSpPr>
+          <p:cNvPr id="119" name="Ellipse 118"/>
+          <p:cNvSpPr/>
+          <p:nvPr/>
+        </p:nvSpPr>
+        <p:spPr>
+          <a:xfrm rot="18693875">
+            <a:off x="5877359" y="383898"/>
+            <a:ext cx="252968" cy="252968"/>
+          </a:xfrm>
+          <a:prstGeom prst="ellipse">
+            <a:avLst/>
+          </a:prstGeom>
+          <a:solidFill>
+            <a:schemeClr val="accent6"/>
+          </a:solidFill>
+        </p:spPr>
+        <p:style>
+          <a:lnRef idx="2">
+            <a:schemeClr val="accent1">
+              <a:shade val="50000"/>
+            </a:schemeClr>
+          </a:lnRef>
+          <a:fillRef idx="1">
+            <a:schemeClr val="accent1"/>
+          </a:fillRef>
+          <a:effectRef idx="0">
+            <a:schemeClr val="accent1"/>
+          </a:effectRef>
+          <a:fontRef idx="minor">
+            <a:schemeClr val="lt1"/>
+          </a:fontRef>
+        </p:style>
+        <p:txBody>
+          <a:bodyPr rtlCol="0" anchor="ctr"/>
+          <a:lstStyle/>
+          <a:p>
+            <a:pPr algn="ctr"/>
+            <a:endParaRPr lang="fr-FR"/>
+          </a:p>
+        </p:txBody>
+      </p:sp>
+      <p:sp>
+        <p:nvSpPr>
+          <p:cNvPr id="120" name="Ellipse 119"/>
+          <p:cNvSpPr/>
+          <p:nvPr/>
+        </p:nvSpPr>
+        <p:spPr>
+          <a:xfrm rot="18693875">
+            <a:off x="4843149" y="1403167"/>
+            <a:ext cx="252968" cy="252968"/>
+          </a:xfrm>
+          <a:prstGeom prst="ellipse">
+            <a:avLst/>
+          </a:prstGeom>
+          <a:solidFill>
+            <a:schemeClr val="accent6"/>
+          </a:solidFill>
+        </p:spPr>
+        <p:style>
+          <a:lnRef idx="2">
+            <a:schemeClr val="accent1">
+              <a:shade val="50000"/>
+            </a:schemeClr>
+          </a:lnRef>
+          <a:fillRef idx="1">
+            <a:schemeClr val="accent1"/>
+          </a:fillRef>
+          <a:effectRef idx="0">
+            <a:schemeClr val="accent1"/>
+          </a:effectRef>
+          <a:fontRef idx="minor">
+            <a:schemeClr val="lt1"/>
+          </a:fontRef>
+        </p:style>
+        <p:txBody>
+          <a:bodyPr rtlCol="0" anchor="ctr"/>
+          <a:lstStyle/>
+          <a:p>
+            <a:pPr algn="ctr"/>
+            <a:endParaRPr lang="fr-FR"/>
+          </a:p>
+        </p:txBody>
+      </p:sp>
+      <p:sp>
+        <p:nvSpPr>
+          <p:cNvPr id="121" name="ZoneTexte 120"/>
+          <p:cNvSpPr txBox="1"/>
+          <p:nvPr/>
+        </p:nvSpPr>
+        <p:spPr>
+          <a:xfrm>
+            <a:off x="3491154" y="913034"/>
+            <a:ext cx="1378904" cy="369332"/>
+          </a:xfrm>
+          <a:prstGeom prst="rect">
+            <a:avLst/>
+          </a:prstGeom>
+          <a:noFill/>
+        </p:spPr>
+        <p:txBody>
+          <a:bodyPr wrap="none" rtlCol="0">
+            <a:spAutoFit/>
+          </a:bodyPr>
+          <a:lstStyle/>
+          <a:p>
+            <a:r>
+              <a:rPr lang="fr-FR" dirty="0" err="1" smtClean="0"/>
+              <a:t>nearHeliport</a:t>
+            </a:r>
+            <a:endParaRPr lang="fr-FR" dirty="0" smtClean="0"/>
+          </a:p>
+        </p:txBody>
+      </p:sp>
+      <p:sp>
+        <p:nvSpPr>
+          <p:cNvPr id="122" name="ZoneTexte 121"/>
+          <p:cNvSpPr txBox="1"/>
+          <p:nvPr/>
+        </p:nvSpPr>
+        <p:spPr>
+          <a:xfrm>
+            <a:off x="3924634" y="515717"/>
+            <a:ext cx="1197764" cy="369332"/>
+          </a:xfrm>
+          <a:prstGeom prst="rect">
+            <a:avLst/>
+          </a:prstGeom>
+          <a:noFill/>
+        </p:spPr>
+        <p:txBody>
+          <a:bodyPr wrap="none" rtlCol="0">
+            <a:spAutoFit/>
+          </a:bodyPr>
+          <a:lstStyle/>
+          <a:p>
+            <a:r>
+              <a:rPr lang="fr-FR" dirty="0" err="1" smtClean="0"/>
+              <a:t>nearPlaces</a:t>
+            </a:r>
+            <a:endParaRPr lang="fr-FR" dirty="0" smtClean="0"/>
+          </a:p>
+        </p:txBody>
+      </p:sp>
+      <p:sp>
+        <p:nvSpPr>
+          <p:cNvPr id="123" name="ZoneTexte 122"/>
+          <p:cNvSpPr txBox="1"/>
+          <p:nvPr/>
+        </p:nvSpPr>
+        <p:spPr>
+          <a:xfrm>
+            <a:off x="3593075" y="201038"/>
+            <a:ext cx="1959767" cy="369332"/>
+          </a:xfrm>
+          <a:prstGeom prst="rect">
+            <a:avLst/>
+          </a:prstGeom>
+          <a:noFill/>
+        </p:spPr>
+        <p:txBody>
+          <a:bodyPr wrap="none" rtlCol="0">
+            <a:spAutoFit/>
+          </a:bodyPr>
+          <a:lstStyle/>
+          <a:p>
+            <a:r>
+              <a:rPr lang="fr-FR" dirty="0" err="1" smtClean="0"/>
+              <a:t>nearIndustrialZone</a:t>
+            </a:r>
+            <a:endParaRPr lang="fr-FR" dirty="0" smtClean="0"/>
+          </a:p>
+        </p:txBody>
+      </p:sp>
+      <p:sp>
+        <p:nvSpPr>
+          <p:cNvPr id="124" name="ZoneTexte 123"/>
+          <p:cNvSpPr txBox="1"/>
+          <p:nvPr/>
+        </p:nvSpPr>
+        <p:spPr>
+          <a:xfrm>
+            <a:off x="5401725" y="14285"/>
+            <a:ext cx="1305037" cy="369332"/>
+          </a:xfrm>
+          <a:prstGeom prst="rect">
+            <a:avLst/>
+          </a:prstGeom>
+          <a:noFill/>
+        </p:spPr>
+        <p:txBody>
+          <a:bodyPr wrap="none" rtlCol="0">
+            <a:spAutoFit/>
+          </a:bodyPr>
+          <a:lstStyle/>
+          <a:p>
+            <a:r>
+              <a:rPr lang="fr-FR" dirty="0" err="1" smtClean="0"/>
+              <a:t>nearParking</a:t>
+            </a:r>
+            <a:endParaRPr lang="fr-FR" dirty="0" smtClean="0"/>
+          </a:p>
+        </p:txBody>
+      </p:sp>
+      <p:cxnSp>
+        <p:nvCxnSpPr>
+          <p:cNvPr id="125" name="Connecteur droit 124"/>
+          <p:cNvCxnSpPr/>
+          <p:nvPr/>
+        </p:nvCxnSpPr>
+        <p:spPr>
+          <a:xfrm rot="-4680000">
+            <a:off x="6046428" y="922632"/>
+            <a:ext cx="495300" cy="0"/>
+          </a:xfrm>
+          <a:prstGeom prst="line">
+            <a:avLst/>
+          </a:prstGeom>
+          <a:ln>
+            <a:solidFill>
+              <a:schemeClr val="tx1"/>
+            </a:solidFill>
+          </a:ln>
+        </p:spPr>
+        <p:style>
+          <a:lnRef idx="1">
+            <a:schemeClr val="accent1"/>
+          </a:lnRef>
+          <a:fillRef idx="0">
+            <a:schemeClr val="accent1"/>
+          </a:fillRef>
+          <a:effectRef idx="0">
+            <a:schemeClr val="accent1"/>
+          </a:effectRef>
+          <a:fontRef idx="minor">
+            <a:schemeClr val="tx1"/>
+          </a:fontRef>
+        </p:style>
+      </p:cxnSp>
+      <p:cxnSp>
+        <p:nvCxnSpPr>
+          <p:cNvPr id="126" name="Connecteur droit 125"/>
+          <p:cNvCxnSpPr/>
+          <p:nvPr/>
+        </p:nvCxnSpPr>
+        <p:spPr>
+          <a:xfrm rot="-2700000">
+            <a:off x="6281466" y="1111577"/>
+            <a:ext cx="495300" cy="0"/>
+          </a:xfrm>
+          <a:prstGeom prst="line">
+            <a:avLst/>
+          </a:prstGeom>
+          <a:ln>
+            <a:solidFill>
+              <a:schemeClr val="tx1"/>
+            </a:solidFill>
+          </a:ln>
+        </p:spPr>
+        <p:style>
+          <a:lnRef idx="1">
+            <a:schemeClr val="accent1"/>
+          </a:lnRef>
+          <a:fillRef idx="0">
+            <a:schemeClr val="accent1"/>
+          </a:fillRef>
+          <a:effectRef idx="0">
+            <a:schemeClr val="accent1"/>
+          </a:effectRef>
+          <a:fontRef idx="minor">
+            <a:schemeClr val="tx1"/>
+          </a:fontRef>
+        </p:style>
+      </p:cxnSp>
+      <p:cxnSp>
+        <p:nvCxnSpPr>
+          <p:cNvPr id="127" name="Connecteur droit 126"/>
+          <p:cNvCxnSpPr/>
+          <p:nvPr/>
+        </p:nvCxnSpPr>
+        <p:spPr>
+          <a:xfrm rot="-1320000">
+            <a:off x="6383066" y="1327477"/>
+            <a:ext cx="495300" cy="0"/>
+          </a:xfrm>
+          <a:prstGeom prst="line">
+            <a:avLst/>
+          </a:prstGeom>
+          <a:ln>
+            <a:solidFill>
+              <a:schemeClr val="tx1"/>
+            </a:solidFill>
+          </a:ln>
+        </p:spPr>
+        <p:style>
+          <a:lnRef idx="1">
+            <a:schemeClr val="accent1"/>
+          </a:lnRef>
+          <a:fillRef idx="0">
+            <a:schemeClr val="accent1"/>
+          </a:fillRef>
+          <a:effectRef idx="0">
+            <a:schemeClr val="accent1"/>
+          </a:effectRef>
+          <a:fontRef idx="minor">
+            <a:schemeClr val="tx1"/>
+          </a:fontRef>
+        </p:style>
+      </p:cxnSp>
+      <p:sp>
+        <p:nvSpPr>
+          <p:cNvPr id="128" name="Ellipse 127"/>
+          <p:cNvSpPr/>
+          <p:nvPr/>
+        </p:nvSpPr>
+        <p:spPr>
+          <a:xfrm rot="18693875">
+            <a:off x="6270921" y="487380"/>
+            <a:ext cx="252968" cy="252968"/>
+          </a:xfrm>
+          <a:prstGeom prst="ellipse">
+            <a:avLst/>
+          </a:prstGeom>
+          <a:solidFill>
+            <a:schemeClr val="accent6"/>
+          </a:solidFill>
+        </p:spPr>
+        <p:style>
+          <a:lnRef idx="2">
+            <a:schemeClr val="accent1">
+              <a:shade val="50000"/>
+            </a:schemeClr>
+          </a:lnRef>
+          <a:fillRef idx="1">
+            <a:schemeClr val="accent1"/>
+          </a:fillRef>
+          <a:effectRef idx="0">
+            <a:schemeClr val="accent1"/>
+          </a:effectRef>
+          <a:fontRef idx="minor">
+            <a:schemeClr val="lt1"/>
+          </a:fontRef>
+        </p:style>
+        <p:txBody>
+          <a:bodyPr rtlCol="0" anchor="ctr"/>
+          <a:lstStyle/>
+          <a:p>
+            <a:pPr algn="ctr"/>
+            <a:endParaRPr lang="fr-FR"/>
+          </a:p>
+        </p:txBody>
+      </p:sp>
+      <p:sp>
+        <p:nvSpPr>
+          <p:cNvPr id="129" name="Ellipse 128"/>
+          <p:cNvSpPr/>
+          <p:nvPr/>
+        </p:nvSpPr>
+        <p:spPr>
+          <a:xfrm rot="18693875">
+            <a:off x="6611428" y="714852"/>
+            <a:ext cx="252968" cy="252968"/>
+          </a:xfrm>
+          <a:prstGeom prst="ellipse">
+            <a:avLst/>
+          </a:prstGeom>
+          <a:solidFill>
+            <a:schemeClr val="accent6"/>
+          </a:solidFill>
+        </p:spPr>
+        <p:style>
+          <a:lnRef idx="2">
+            <a:schemeClr val="accent1">
+              <a:shade val="50000"/>
+            </a:schemeClr>
+          </a:lnRef>
+          <a:fillRef idx="1">
+            <a:schemeClr val="accent1"/>
+          </a:fillRef>
+          <a:effectRef idx="0">
+            <a:schemeClr val="accent1"/>
+          </a:effectRef>
+          <a:fontRef idx="minor">
+            <a:schemeClr val="lt1"/>
+          </a:fontRef>
+        </p:style>
+        <p:txBody>
+          <a:bodyPr rtlCol="0" anchor="ctr"/>
+          <a:lstStyle/>
+          <a:p>
+            <a:pPr algn="ctr"/>
+            <a:endParaRPr lang="fr-FR"/>
+          </a:p>
+        </p:txBody>
+      </p:sp>
+      <p:sp>
+        <p:nvSpPr>
+          <p:cNvPr id="130" name="Ellipse 129"/>
+          <p:cNvSpPr/>
+          <p:nvPr/>
+        </p:nvSpPr>
+        <p:spPr>
+          <a:xfrm rot="18693875">
+            <a:off x="6825663" y="1069504"/>
+            <a:ext cx="252968" cy="252968"/>
+          </a:xfrm>
+          <a:prstGeom prst="ellipse">
+            <a:avLst/>
+          </a:prstGeom>
+          <a:solidFill>
+            <a:schemeClr val="accent6"/>
+          </a:solidFill>
+        </p:spPr>
+        <p:style>
+          <a:lnRef idx="2">
+            <a:schemeClr val="accent1">
+              <a:shade val="50000"/>
+            </a:schemeClr>
+          </a:lnRef>
+          <a:fillRef idx="1">
+            <a:schemeClr val="accent1"/>
+          </a:fillRef>
+          <a:effectRef idx="0">
+            <a:schemeClr val="accent1"/>
+          </a:effectRef>
+          <a:fontRef idx="minor">
+            <a:schemeClr val="lt1"/>
+          </a:fontRef>
+        </p:style>
+        <p:txBody>
+          <a:bodyPr rtlCol="0" anchor="ctr"/>
+          <a:lstStyle/>
+          <a:p>
+            <a:pPr algn="ctr"/>
+            <a:endParaRPr lang="fr-FR"/>
+          </a:p>
+        </p:txBody>
+      </p:sp>
+      <p:sp>
+        <p:nvSpPr>
+          <p:cNvPr id="131" name="Ellipse 130"/>
+          <p:cNvSpPr/>
+          <p:nvPr/>
+        </p:nvSpPr>
+        <p:spPr>
+          <a:xfrm rot="18693875">
+            <a:off x="6841619" y="1401964"/>
+            <a:ext cx="252968" cy="252968"/>
+          </a:xfrm>
+          <a:prstGeom prst="ellipse">
+            <a:avLst/>
+          </a:prstGeom>
+          <a:solidFill>
+            <a:schemeClr val="accent6"/>
+          </a:solidFill>
+        </p:spPr>
+        <p:style>
+          <a:lnRef idx="2">
+            <a:schemeClr val="accent1">
+              <a:shade val="50000"/>
+            </a:schemeClr>
+          </a:lnRef>
+          <a:fillRef idx="1">
+            <a:schemeClr val="accent1"/>
+          </a:fillRef>
+          <a:effectRef idx="0">
+            <a:schemeClr val="accent1"/>
+          </a:effectRef>
+          <a:fontRef idx="minor">
+            <a:schemeClr val="lt1"/>
+          </a:fontRef>
+        </p:style>
+        <p:txBody>
+          <a:bodyPr rtlCol="0" anchor="ctr"/>
+          <a:lstStyle/>
+          <a:p>
+            <a:pPr algn="ctr"/>
+            <a:endParaRPr lang="fr-FR"/>
+          </a:p>
+        </p:txBody>
+      </p:sp>
+      <p:sp>
+        <p:nvSpPr>
+          <p:cNvPr id="132" name="ZoneTexte 131"/>
+          <p:cNvSpPr txBox="1"/>
+          <p:nvPr/>
+        </p:nvSpPr>
+        <p:spPr>
+          <a:xfrm>
+            <a:off x="6460905" y="219186"/>
+            <a:ext cx="1088118" cy="369332"/>
+          </a:xfrm>
+          <a:prstGeom prst="rect">
+            <a:avLst/>
+          </a:prstGeom>
+          <a:noFill/>
+        </p:spPr>
+        <p:txBody>
+          <a:bodyPr wrap="none" rtlCol="0">
+            <a:spAutoFit/>
+          </a:bodyPr>
+          <a:lstStyle/>
+          <a:p>
+            <a:r>
+              <a:rPr lang="fr-FR" dirty="0" err="1" smtClean="0"/>
+              <a:t>nearR</a:t>
+            </a:r>
+            <a:r>
+              <a:rPr lang="fr-FR" dirty="0" err="1" smtClean="0"/>
+              <a:t>iver</a:t>
+            </a:r>
+            <a:endParaRPr lang="fr-FR" dirty="0"/>
+          </a:p>
+        </p:txBody>
+      </p:sp>
+      <p:sp>
+        <p:nvSpPr>
+          <p:cNvPr id="133" name="ZoneTexte 132"/>
+          <p:cNvSpPr txBox="1"/>
+          <p:nvPr/>
+        </p:nvSpPr>
+        <p:spPr>
+          <a:xfrm>
+            <a:off x="6789549" y="546402"/>
+            <a:ext cx="1670265" cy="369332"/>
+          </a:xfrm>
+          <a:prstGeom prst="rect">
+            <a:avLst/>
+          </a:prstGeom>
+          <a:noFill/>
+        </p:spPr>
+        <p:txBody>
+          <a:bodyPr wrap="none" rtlCol="0">
+            <a:spAutoFit/>
+          </a:bodyPr>
+          <a:lstStyle/>
+          <a:p>
+            <a:r>
+              <a:rPr lang="fr-FR" dirty="0" err="1" smtClean="0"/>
+              <a:t>nearMotorway</a:t>
+            </a:r>
+            <a:r>
+              <a:rPr lang="fr-FR" dirty="0" err="1" smtClean="0"/>
+              <a:t>s</a:t>
+            </a:r>
+            <a:endParaRPr lang="fr-FR" dirty="0" smtClean="0"/>
+          </a:p>
+        </p:txBody>
+      </p:sp>
+      <p:sp>
+        <p:nvSpPr>
+          <p:cNvPr id="134" name="ZoneTexte 133"/>
+          <p:cNvSpPr txBox="1"/>
+          <p:nvPr/>
+        </p:nvSpPr>
+        <p:spPr>
+          <a:xfrm>
+            <a:off x="7032831" y="939707"/>
+            <a:ext cx="1026243" cy="369332"/>
+          </a:xfrm>
+          <a:prstGeom prst="rect">
+            <a:avLst/>
+          </a:prstGeom>
+          <a:noFill/>
+        </p:spPr>
+        <p:txBody>
+          <a:bodyPr wrap="none" rtlCol="0">
+            <a:spAutoFit/>
+          </a:bodyPr>
+          <a:lstStyle/>
+          <a:p>
+            <a:r>
+              <a:rPr lang="fr-FR" dirty="0" err="1" smtClean="0"/>
+              <a:t>nearMall</a:t>
+            </a:r>
+            <a:endParaRPr lang="fr-FR" dirty="0" smtClean="0"/>
+          </a:p>
+        </p:txBody>
+      </p:sp>
+      <p:sp>
+        <p:nvSpPr>
+          <p:cNvPr id="135" name="ZoneTexte 134"/>
+          <p:cNvSpPr txBox="1"/>
+          <p:nvPr/>
+        </p:nvSpPr>
+        <p:spPr>
+          <a:xfrm>
+            <a:off x="7048517" y="1319016"/>
+            <a:ext cx="1176989" cy="369332"/>
+          </a:xfrm>
+          <a:prstGeom prst="rect">
+            <a:avLst/>
+          </a:prstGeom>
+          <a:noFill/>
+        </p:spPr>
+        <p:txBody>
+          <a:bodyPr wrap="none" rtlCol="0">
+            <a:spAutoFit/>
+          </a:bodyPr>
+          <a:lstStyle/>
+          <a:p>
+            <a:r>
+              <a:rPr lang="fr-FR" dirty="0" err="1" smtClean="0"/>
+              <a:t>nearRoads</a:t>
+            </a:r>
+            <a:endParaRPr lang="fr-FR" dirty="0" smtClean="0"/>
+          </a:p>
+        </p:txBody>
+      </p:sp>
     </p:spTree>
     <p:extLst>
       <p:ext uri="{BB962C8B-B14F-4D97-AF65-F5344CB8AC3E}">

--- a/df-model/df-model.pptx
+++ b/df-model/df-model.pptx
@@ -106,7 +106,7 @@
   </p:defaultTextStyle>
   <p:extLst>
     <p:ext uri="{EFAFB233-063F-42B5-8137-9DF3F51BA10A}">
-      <p15:sldGuideLst xmlns:p15="http://schemas.microsoft.com/office/powerpoint/2012/main"/>
+      <p15:sldGuideLst xmlns:p15="http://schemas.microsoft.com/office/powerpoint/2012/main" xmlns=""/>
     </p:ext>
   </p:extLst>
 </p:presentation>
@@ -243,7 +243,8 @@
           <a:p>
             <a:fld id="{E90F2C70-D7C5-4A11-BAB2-648D55629A91}" type="datetimeFigureOut">
               <a:rPr lang="fr-FR" smtClean="0"/>
-              <a:t>21/10/2017</a:t>
+              <a:pPr/>
+              <a:t>05/11/2017</a:t>
             </a:fld>
             <a:endParaRPr lang="fr-FR"/>
           </a:p>
@@ -285,6 +286,7 @@
           <a:p>
             <a:fld id="{2B7142D8-E257-48D7-8D32-BC80B0B81222}" type="slidenum">
               <a:rPr lang="fr-FR" smtClean="0"/>
+              <a:pPr/>
               <a:t>‹N°›</a:t>
             </a:fld>
             <a:endParaRPr lang="fr-FR"/>
@@ -294,7 +296,7 @@
     </p:spTree>
     <p:extLst>
       <p:ext uri="{BB962C8B-B14F-4D97-AF65-F5344CB8AC3E}">
-        <p14:creationId xmlns:p14="http://schemas.microsoft.com/office/powerpoint/2010/main" val="26437346"/>
+        <p14:creationId xmlns:p14="http://schemas.microsoft.com/office/powerpoint/2010/main" xmlns="" val="26437346"/>
       </p:ext>
     </p:extLst>
   </p:cSld>
@@ -413,7 +415,8 @@
           <a:p>
             <a:fld id="{E90F2C70-D7C5-4A11-BAB2-648D55629A91}" type="datetimeFigureOut">
               <a:rPr lang="fr-FR" smtClean="0"/>
-              <a:t>21/10/2017</a:t>
+              <a:pPr/>
+              <a:t>05/11/2017</a:t>
             </a:fld>
             <a:endParaRPr lang="fr-FR"/>
           </a:p>
@@ -455,6 +458,7 @@
           <a:p>
             <a:fld id="{2B7142D8-E257-48D7-8D32-BC80B0B81222}" type="slidenum">
               <a:rPr lang="fr-FR" smtClean="0"/>
+              <a:pPr/>
               <a:t>‹N°›</a:t>
             </a:fld>
             <a:endParaRPr lang="fr-FR"/>
@@ -464,7 +468,7 @@
     </p:spTree>
     <p:extLst>
       <p:ext uri="{BB962C8B-B14F-4D97-AF65-F5344CB8AC3E}">
-        <p14:creationId xmlns:p14="http://schemas.microsoft.com/office/powerpoint/2010/main" val="3002800163"/>
+        <p14:creationId xmlns:p14="http://schemas.microsoft.com/office/powerpoint/2010/main" xmlns="" val="3002800163"/>
       </p:ext>
     </p:extLst>
   </p:cSld>
@@ -593,7 +597,8 @@
           <a:p>
             <a:fld id="{E90F2C70-D7C5-4A11-BAB2-648D55629A91}" type="datetimeFigureOut">
               <a:rPr lang="fr-FR" smtClean="0"/>
-              <a:t>21/10/2017</a:t>
+              <a:pPr/>
+              <a:t>05/11/2017</a:t>
             </a:fld>
             <a:endParaRPr lang="fr-FR"/>
           </a:p>
@@ -635,6 +640,7 @@
           <a:p>
             <a:fld id="{2B7142D8-E257-48D7-8D32-BC80B0B81222}" type="slidenum">
               <a:rPr lang="fr-FR" smtClean="0"/>
+              <a:pPr/>
               <a:t>‹N°›</a:t>
             </a:fld>
             <a:endParaRPr lang="fr-FR"/>
@@ -644,7 +650,7 @@
     </p:spTree>
     <p:extLst>
       <p:ext uri="{BB962C8B-B14F-4D97-AF65-F5344CB8AC3E}">
-        <p14:creationId xmlns:p14="http://schemas.microsoft.com/office/powerpoint/2010/main" val="21420202"/>
+        <p14:creationId xmlns:p14="http://schemas.microsoft.com/office/powerpoint/2010/main" xmlns="" val="21420202"/>
       </p:ext>
     </p:extLst>
   </p:cSld>
@@ -763,7 +769,8 @@
           <a:p>
             <a:fld id="{E90F2C70-D7C5-4A11-BAB2-648D55629A91}" type="datetimeFigureOut">
               <a:rPr lang="fr-FR" smtClean="0"/>
-              <a:t>21/10/2017</a:t>
+              <a:pPr/>
+              <a:t>05/11/2017</a:t>
             </a:fld>
             <a:endParaRPr lang="fr-FR"/>
           </a:p>
@@ -805,6 +812,7 @@
           <a:p>
             <a:fld id="{2B7142D8-E257-48D7-8D32-BC80B0B81222}" type="slidenum">
               <a:rPr lang="fr-FR" smtClean="0"/>
+              <a:pPr/>
               <a:t>‹N°›</a:t>
             </a:fld>
             <a:endParaRPr lang="fr-FR"/>
@@ -814,7 +822,7 @@
     </p:spTree>
     <p:extLst>
       <p:ext uri="{BB962C8B-B14F-4D97-AF65-F5344CB8AC3E}">
-        <p14:creationId xmlns:p14="http://schemas.microsoft.com/office/powerpoint/2010/main" val="1134717922"/>
+        <p14:creationId xmlns:p14="http://schemas.microsoft.com/office/powerpoint/2010/main" xmlns="" val="1134717922"/>
       </p:ext>
     </p:extLst>
   </p:cSld>
@@ -1009,7 +1017,8 @@
           <a:p>
             <a:fld id="{E90F2C70-D7C5-4A11-BAB2-648D55629A91}" type="datetimeFigureOut">
               <a:rPr lang="fr-FR" smtClean="0"/>
-              <a:t>21/10/2017</a:t>
+              <a:pPr/>
+              <a:t>05/11/2017</a:t>
             </a:fld>
             <a:endParaRPr lang="fr-FR"/>
           </a:p>
@@ -1051,6 +1060,7 @@
           <a:p>
             <a:fld id="{2B7142D8-E257-48D7-8D32-BC80B0B81222}" type="slidenum">
               <a:rPr lang="fr-FR" smtClean="0"/>
+              <a:pPr/>
               <a:t>‹N°›</a:t>
             </a:fld>
             <a:endParaRPr lang="fr-FR"/>
@@ -1060,7 +1070,7 @@
     </p:spTree>
     <p:extLst>
       <p:ext uri="{BB962C8B-B14F-4D97-AF65-F5344CB8AC3E}">
-        <p14:creationId xmlns:p14="http://schemas.microsoft.com/office/powerpoint/2010/main" val="747376118"/>
+        <p14:creationId xmlns:p14="http://schemas.microsoft.com/office/powerpoint/2010/main" xmlns="" val="747376118"/>
       </p:ext>
     </p:extLst>
   </p:cSld>
@@ -1241,7 +1251,8 @@
           <a:p>
             <a:fld id="{E90F2C70-D7C5-4A11-BAB2-648D55629A91}" type="datetimeFigureOut">
               <a:rPr lang="fr-FR" smtClean="0"/>
-              <a:t>21/10/2017</a:t>
+              <a:pPr/>
+              <a:t>05/11/2017</a:t>
             </a:fld>
             <a:endParaRPr lang="fr-FR"/>
           </a:p>
@@ -1283,6 +1294,7 @@
           <a:p>
             <a:fld id="{2B7142D8-E257-48D7-8D32-BC80B0B81222}" type="slidenum">
               <a:rPr lang="fr-FR" smtClean="0"/>
+              <a:pPr/>
               <a:t>‹N°›</a:t>
             </a:fld>
             <a:endParaRPr lang="fr-FR"/>
@@ -1292,7 +1304,7 @@
     </p:spTree>
     <p:extLst>
       <p:ext uri="{BB962C8B-B14F-4D97-AF65-F5344CB8AC3E}">
-        <p14:creationId xmlns:p14="http://schemas.microsoft.com/office/powerpoint/2010/main" val="2931141288"/>
+        <p14:creationId xmlns:p14="http://schemas.microsoft.com/office/powerpoint/2010/main" xmlns="" val="2931141288"/>
       </p:ext>
     </p:extLst>
   </p:cSld>
@@ -1608,7 +1620,8 @@
           <a:p>
             <a:fld id="{E90F2C70-D7C5-4A11-BAB2-648D55629A91}" type="datetimeFigureOut">
               <a:rPr lang="fr-FR" smtClean="0"/>
-              <a:t>21/10/2017</a:t>
+              <a:pPr/>
+              <a:t>05/11/2017</a:t>
             </a:fld>
             <a:endParaRPr lang="fr-FR"/>
           </a:p>
@@ -1650,6 +1663,7 @@
           <a:p>
             <a:fld id="{2B7142D8-E257-48D7-8D32-BC80B0B81222}" type="slidenum">
               <a:rPr lang="fr-FR" smtClean="0"/>
+              <a:pPr/>
               <a:t>‹N°›</a:t>
             </a:fld>
             <a:endParaRPr lang="fr-FR"/>
@@ -1659,7 +1673,7 @@
     </p:spTree>
     <p:extLst>
       <p:ext uri="{BB962C8B-B14F-4D97-AF65-F5344CB8AC3E}">
-        <p14:creationId xmlns:p14="http://schemas.microsoft.com/office/powerpoint/2010/main" val="3085942919"/>
+        <p14:creationId xmlns:p14="http://schemas.microsoft.com/office/powerpoint/2010/main" xmlns="" val="3085942919"/>
       </p:ext>
     </p:extLst>
   </p:cSld>
@@ -1726,7 +1740,8 @@
           <a:p>
             <a:fld id="{E90F2C70-D7C5-4A11-BAB2-648D55629A91}" type="datetimeFigureOut">
               <a:rPr lang="fr-FR" smtClean="0"/>
-              <a:t>21/10/2017</a:t>
+              <a:pPr/>
+              <a:t>05/11/2017</a:t>
             </a:fld>
             <a:endParaRPr lang="fr-FR"/>
           </a:p>
@@ -1768,6 +1783,7 @@
           <a:p>
             <a:fld id="{2B7142D8-E257-48D7-8D32-BC80B0B81222}" type="slidenum">
               <a:rPr lang="fr-FR" smtClean="0"/>
+              <a:pPr/>
               <a:t>‹N°›</a:t>
             </a:fld>
             <a:endParaRPr lang="fr-FR"/>
@@ -1777,7 +1793,7 @@
     </p:spTree>
     <p:extLst>
       <p:ext uri="{BB962C8B-B14F-4D97-AF65-F5344CB8AC3E}">
-        <p14:creationId xmlns:p14="http://schemas.microsoft.com/office/powerpoint/2010/main" val="2225407022"/>
+        <p14:creationId xmlns:p14="http://schemas.microsoft.com/office/powerpoint/2010/main" xmlns="" val="2225407022"/>
       </p:ext>
     </p:extLst>
   </p:cSld>
@@ -1821,7 +1837,8 @@
           <a:p>
             <a:fld id="{E90F2C70-D7C5-4A11-BAB2-648D55629A91}" type="datetimeFigureOut">
               <a:rPr lang="fr-FR" smtClean="0"/>
-              <a:t>21/10/2017</a:t>
+              <a:pPr/>
+              <a:t>05/11/2017</a:t>
             </a:fld>
             <a:endParaRPr lang="fr-FR"/>
           </a:p>
@@ -1863,6 +1880,7 @@
           <a:p>
             <a:fld id="{2B7142D8-E257-48D7-8D32-BC80B0B81222}" type="slidenum">
               <a:rPr lang="fr-FR" smtClean="0"/>
+              <a:pPr/>
               <a:t>‹N°›</a:t>
             </a:fld>
             <a:endParaRPr lang="fr-FR"/>
@@ -1872,7 +1890,7 @@
     </p:spTree>
     <p:extLst>
       <p:ext uri="{BB962C8B-B14F-4D97-AF65-F5344CB8AC3E}">
-        <p14:creationId xmlns:p14="http://schemas.microsoft.com/office/powerpoint/2010/main" val="3549111699"/>
+        <p14:creationId xmlns:p14="http://schemas.microsoft.com/office/powerpoint/2010/main" xmlns="" val="3549111699"/>
       </p:ext>
     </p:extLst>
   </p:cSld>
@@ -2098,7 +2116,8 @@
           <a:p>
             <a:fld id="{E90F2C70-D7C5-4A11-BAB2-648D55629A91}" type="datetimeFigureOut">
               <a:rPr lang="fr-FR" smtClean="0"/>
-              <a:t>21/10/2017</a:t>
+              <a:pPr/>
+              <a:t>05/11/2017</a:t>
             </a:fld>
             <a:endParaRPr lang="fr-FR"/>
           </a:p>
@@ -2140,6 +2159,7 @@
           <a:p>
             <a:fld id="{2B7142D8-E257-48D7-8D32-BC80B0B81222}" type="slidenum">
               <a:rPr lang="fr-FR" smtClean="0"/>
+              <a:pPr/>
               <a:t>‹N°›</a:t>
             </a:fld>
             <a:endParaRPr lang="fr-FR"/>
@@ -2149,7 +2169,7 @@
     </p:spTree>
     <p:extLst>
       <p:ext uri="{BB962C8B-B14F-4D97-AF65-F5344CB8AC3E}">
-        <p14:creationId xmlns:p14="http://schemas.microsoft.com/office/powerpoint/2010/main" val="1630271679"/>
+        <p14:creationId xmlns:p14="http://schemas.microsoft.com/office/powerpoint/2010/main" xmlns="" val="1630271679"/>
       </p:ext>
     </p:extLst>
   </p:cSld>
@@ -2351,7 +2371,8 @@
           <a:p>
             <a:fld id="{E90F2C70-D7C5-4A11-BAB2-648D55629A91}" type="datetimeFigureOut">
               <a:rPr lang="fr-FR" smtClean="0"/>
-              <a:t>21/10/2017</a:t>
+              <a:pPr/>
+              <a:t>05/11/2017</a:t>
             </a:fld>
             <a:endParaRPr lang="fr-FR"/>
           </a:p>
@@ -2393,6 +2414,7 @@
           <a:p>
             <a:fld id="{2B7142D8-E257-48D7-8D32-BC80B0B81222}" type="slidenum">
               <a:rPr lang="fr-FR" smtClean="0"/>
+              <a:pPr/>
               <a:t>‹N°›</a:t>
             </a:fld>
             <a:endParaRPr lang="fr-FR"/>
@@ -2402,7 +2424,7 @@
     </p:spTree>
     <p:extLst>
       <p:ext uri="{BB962C8B-B14F-4D97-AF65-F5344CB8AC3E}">
-        <p14:creationId xmlns:p14="http://schemas.microsoft.com/office/powerpoint/2010/main" val="1500102834"/>
+        <p14:creationId xmlns:p14="http://schemas.microsoft.com/office/powerpoint/2010/main" xmlns="" val="1500102834"/>
       </p:ext>
     </p:extLst>
   </p:cSld>
@@ -2564,7 +2586,8 @@
           <a:p>
             <a:fld id="{E90F2C70-D7C5-4A11-BAB2-648D55629A91}" type="datetimeFigureOut">
               <a:rPr lang="fr-FR" smtClean="0"/>
-              <a:t>21/10/2017</a:t>
+              <a:pPr/>
+              <a:t>05/11/2017</a:t>
             </a:fld>
             <a:endParaRPr lang="fr-FR"/>
           </a:p>
@@ -2642,6 +2665,7 @@
           <a:p>
             <a:fld id="{2B7142D8-E257-48D7-8D32-BC80B0B81222}" type="slidenum">
               <a:rPr lang="fr-FR" smtClean="0"/>
+              <a:pPr/>
               <a:t>‹N°›</a:t>
             </a:fld>
             <a:endParaRPr lang="fr-FR"/>
@@ -2651,7 +2675,7 @@
     </p:spTree>
     <p:extLst>
       <p:ext uri="{BB962C8B-B14F-4D97-AF65-F5344CB8AC3E}">
-        <p14:creationId xmlns:p14="http://schemas.microsoft.com/office/powerpoint/2010/main" val="344752984"/>
+        <p14:creationId xmlns:p14="http://schemas.microsoft.com/office/powerpoint/2010/main" xmlns="" val="344752984"/>
       </p:ext>
     </p:extLst>
   </p:cSld>
@@ -3371,7 +3395,7 @@
         </p:nvCxnSpPr>
         <p:spPr>
           <a:xfrm>
-            <a:off x="7486650" y="4193080"/>
+            <a:off x="7486650" y="4223560"/>
             <a:ext cx="495300" cy="0"/>
           </a:xfrm>
           <a:prstGeom prst="line">
@@ -3406,7 +3430,7 @@
         </p:nvSpPr>
         <p:spPr>
           <a:xfrm>
-            <a:off x="7981950" y="4066596"/>
+            <a:off x="7981950" y="4097076"/>
             <a:ext cx="252968" cy="252968"/>
           </a:xfrm>
           <a:prstGeom prst="ellipse">
@@ -3449,8 +3473,8 @@
         </p:nvSpPr>
         <p:spPr>
           <a:xfrm>
-            <a:off x="8212020" y="3970314"/>
-            <a:ext cx="581698" cy="369332"/>
+            <a:off x="8212020" y="4000794"/>
+            <a:ext cx="946093" cy="369332"/>
           </a:xfrm>
           <a:prstGeom prst="rect">
             <a:avLst/>
@@ -3465,331 +3489,7 @@
           <a:p>
             <a:r>
               <a:rPr lang="fr-FR" dirty="0" err="1" smtClean="0"/>
-              <a:t>root</a:t>
-            </a:r>
-            <a:endParaRPr lang="fr-FR" dirty="0"/>
-          </a:p>
-        </p:txBody>
-      </p:sp>
-      <p:cxnSp>
-        <p:nvCxnSpPr>
-          <p:cNvPr id="34" name="Connecteur droit 33"/>
-          <p:cNvCxnSpPr/>
-          <p:nvPr/>
-        </p:nvCxnSpPr>
-        <p:spPr>
-          <a:xfrm>
-            <a:off x="7486650" y="4589359"/>
-            <a:ext cx="495300" cy="0"/>
-          </a:xfrm>
-          <a:prstGeom prst="line">
-            <a:avLst/>
-          </a:prstGeom>
-          <a:ln>
-            <a:solidFill>
-              <a:schemeClr val="tx1"/>
-            </a:solidFill>
-          </a:ln>
-        </p:spPr>
-        <p:style>
-          <a:lnRef idx="1">
-            <a:schemeClr val="accent1"/>
-          </a:lnRef>
-          <a:fillRef idx="0">
-            <a:schemeClr val="accent1"/>
-          </a:fillRef>
-          <a:effectRef idx="0">
-            <a:schemeClr val="accent1"/>
-          </a:effectRef>
-          <a:fontRef idx="minor">
-            <a:schemeClr val="tx1"/>
-          </a:fontRef>
-        </p:style>
-      </p:cxnSp>
-      <p:sp>
-        <p:nvSpPr>
-          <p:cNvPr id="35" name="Ellipse 34"/>
-          <p:cNvSpPr/>
-          <p:nvPr/>
-        </p:nvSpPr>
-        <p:spPr>
-          <a:xfrm>
-            <a:off x="7981950" y="4462875"/>
-            <a:ext cx="252968" cy="252968"/>
-          </a:xfrm>
-          <a:prstGeom prst="ellipse">
-            <a:avLst/>
-          </a:prstGeom>
-          <a:solidFill>
-            <a:schemeClr val="accent2"/>
-          </a:solidFill>
-        </p:spPr>
-        <p:style>
-          <a:lnRef idx="2">
-            <a:schemeClr val="accent1">
-              <a:shade val="50000"/>
-            </a:schemeClr>
-          </a:lnRef>
-          <a:fillRef idx="1">
-            <a:schemeClr val="accent1"/>
-          </a:fillRef>
-          <a:effectRef idx="0">
-            <a:schemeClr val="accent1"/>
-          </a:effectRef>
-          <a:fontRef idx="minor">
-            <a:schemeClr val="lt1"/>
-          </a:fontRef>
-        </p:style>
-        <p:txBody>
-          <a:bodyPr rtlCol="0" anchor="ctr"/>
-          <a:lstStyle/>
-          <a:p>
-            <a:pPr algn="ctr"/>
-            <a:endParaRPr lang="fr-FR"/>
-          </a:p>
-        </p:txBody>
-      </p:sp>
-      <p:sp>
-        <p:nvSpPr>
-          <p:cNvPr id="36" name="ZoneTexte 35"/>
-          <p:cNvSpPr txBox="1"/>
-          <p:nvPr/>
-        </p:nvSpPr>
-        <p:spPr>
-          <a:xfrm>
-            <a:off x="8212020" y="4366593"/>
-            <a:ext cx="689612" cy="369332"/>
-          </a:xfrm>
-          <a:prstGeom prst="rect">
-            <a:avLst/>
-          </a:prstGeom>
-          <a:noFill/>
-        </p:spPr>
-        <p:txBody>
-          <a:bodyPr wrap="none" rtlCol="0">
-            <a:spAutoFit/>
-          </a:bodyPr>
-          <a:lstStyle/>
-          <a:p>
-            <a:r>
-              <a:rPr lang="fr-FR" dirty="0" err="1" smtClean="0"/>
-              <a:t>trunk</a:t>
-            </a:r>
-            <a:endParaRPr lang="fr-FR" dirty="0"/>
-          </a:p>
-        </p:txBody>
-      </p:sp>
-      <p:cxnSp>
-        <p:nvCxnSpPr>
-          <p:cNvPr id="37" name="Connecteur droit 36"/>
-          <p:cNvCxnSpPr/>
-          <p:nvPr/>
-        </p:nvCxnSpPr>
-        <p:spPr>
-          <a:xfrm>
-            <a:off x="7486650" y="5035247"/>
-            <a:ext cx="495300" cy="0"/>
-          </a:xfrm>
-          <a:prstGeom prst="line">
-            <a:avLst/>
-          </a:prstGeom>
-          <a:ln>
-            <a:solidFill>
-              <a:schemeClr val="tx1"/>
-            </a:solidFill>
-          </a:ln>
-        </p:spPr>
-        <p:style>
-          <a:lnRef idx="1">
-            <a:schemeClr val="accent1"/>
-          </a:lnRef>
-          <a:fillRef idx="0">
-            <a:schemeClr val="accent1"/>
-          </a:fillRef>
-          <a:effectRef idx="0">
-            <a:schemeClr val="accent1"/>
-          </a:effectRef>
-          <a:fontRef idx="minor">
-            <a:schemeClr val="tx1"/>
-          </a:fontRef>
-        </p:style>
-      </p:cxnSp>
-      <p:sp>
-        <p:nvSpPr>
-          <p:cNvPr id="38" name="Ellipse 37"/>
-          <p:cNvSpPr/>
-          <p:nvPr/>
-        </p:nvSpPr>
-        <p:spPr>
-          <a:xfrm>
-            <a:off x="7981950" y="4908763"/>
-            <a:ext cx="252968" cy="252968"/>
-          </a:xfrm>
-          <a:prstGeom prst="ellipse">
-            <a:avLst/>
-          </a:prstGeom>
-          <a:solidFill>
-            <a:schemeClr val="accent2"/>
-          </a:solidFill>
-        </p:spPr>
-        <p:style>
-          <a:lnRef idx="2">
-            <a:schemeClr val="accent1">
-              <a:shade val="50000"/>
-            </a:schemeClr>
-          </a:lnRef>
-          <a:fillRef idx="1">
-            <a:schemeClr val="accent1"/>
-          </a:fillRef>
-          <a:effectRef idx="0">
-            <a:schemeClr val="accent1"/>
-          </a:effectRef>
-          <a:fontRef idx="minor">
-            <a:schemeClr val="lt1"/>
-          </a:fontRef>
-        </p:style>
-        <p:txBody>
-          <a:bodyPr rtlCol="0" anchor="ctr"/>
-          <a:lstStyle/>
-          <a:p>
-            <a:pPr algn="ctr"/>
-            <a:endParaRPr lang="fr-FR"/>
-          </a:p>
-        </p:txBody>
-      </p:sp>
-      <p:sp>
-        <p:nvSpPr>
-          <p:cNvPr id="39" name="ZoneTexte 38"/>
-          <p:cNvSpPr txBox="1"/>
-          <p:nvPr/>
-        </p:nvSpPr>
-        <p:spPr>
-          <a:xfrm>
-            <a:off x="8212020" y="4812481"/>
-            <a:ext cx="698909" cy="369332"/>
-          </a:xfrm>
-          <a:prstGeom prst="rect">
-            <a:avLst/>
-          </a:prstGeom>
-          <a:noFill/>
-        </p:spPr>
-        <p:txBody>
-          <a:bodyPr wrap="none" rtlCol="0">
-            <a:spAutoFit/>
-          </a:bodyPr>
-          <a:lstStyle/>
-          <a:p>
-            <a:r>
-              <a:rPr lang="fr-FR" dirty="0" err="1" smtClean="0"/>
-              <a:t>collar</a:t>
-            </a:r>
-            <a:endParaRPr lang="fr-FR" dirty="0"/>
-          </a:p>
-        </p:txBody>
-      </p:sp>
-      <p:cxnSp>
-        <p:nvCxnSpPr>
-          <p:cNvPr id="40" name="Connecteur droit 39"/>
-          <p:cNvCxnSpPr/>
-          <p:nvPr/>
-        </p:nvCxnSpPr>
-        <p:spPr>
-          <a:xfrm>
-            <a:off x="7486650" y="5435849"/>
-            <a:ext cx="495300" cy="0"/>
-          </a:xfrm>
-          <a:prstGeom prst="line">
-            <a:avLst/>
-          </a:prstGeom>
-          <a:ln>
-            <a:solidFill>
-              <a:schemeClr val="tx1"/>
-            </a:solidFill>
-          </a:ln>
-        </p:spPr>
-        <p:style>
-          <a:lnRef idx="1">
-            <a:schemeClr val="accent1"/>
-          </a:lnRef>
-          <a:fillRef idx="0">
-            <a:schemeClr val="accent1"/>
-          </a:fillRef>
-          <a:effectRef idx="0">
-            <a:schemeClr val="accent1"/>
-          </a:effectRef>
-          <a:fontRef idx="minor">
-            <a:schemeClr val="tx1"/>
-          </a:fontRef>
-        </p:style>
-      </p:cxnSp>
-      <p:sp>
-        <p:nvSpPr>
-          <p:cNvPr id="41" name="Ellipse 40"/>
-          <p:cNvSpPr/>
-          <p:nvPr/>
-        </p:nvSpPr>
-        <p:spPr>
-          <a:xfrm>
-            <a:off x="7981950" y="5309365"/>
-            <a:ext cx="252968" cy="252968"/>
-          </a:xfrm>
-          <a:prstGeom prst="ellipse">
-            <a:avLst/>
-          </a:prstGeom>
-          <a:solidFill>
-            <a:schemeClr val="accent2"/>
-          </a:solidFill>
-        </p:spPr>
-        <p:style>
-          <a:lnRef idx="2">
-            <a:schemeClr val="accent1">
-              <a:shade val="50000"/>
-            </a:schemeClr>
-          </a:lnRef>
-          <a:fillRef idx="1">
-            <a:schemeClr val="accent1"/>
-          </a:fillRef>
-          <a:effectRef idx="0">
-            <a:schemeClr val="accent1"/>
-          </a:effectRef>
-          <a:fontRef idx="minor">
-            <a:schemeClr val="lt1"/>
-          </a:fontRef>
-        </p:style>
-        <p:txBody>
-          <a:bodyPr rtlCol="0" anchor="ctr"/>
-          <a:lstStyle/>
-          <a:p>
-            <a:pPr algn="ctr"/>
-            <a:endParaRPr lang="fr-FR"/>
-          </a:p>
-        </p:txBody>
-      </p:sp>
-      <p:sp>
-        <p:nvSpPr>
-          <p:cNvPr id="42" name="ZoneTexte 41"/>
-          <p:cNvSpPr txBox="1"/>
-          <p:nvPr/>
-        </p:nvSpPr>
-        <p:spPr>
-          <a:xfrm>
-            <a:off x="8212020" y="5213083"/>
-            <a:ext cx="766748" cy="369332"/>
-          </a:xfrm>
-          <a:prstGeom prst="rect">
-            <a:avLst/>
-          </a:prstGeom>
-          <a:noFill/>
-        </p:spPr>
-        <p:txBody>
-          <a:bodyPr wrap="none" rtlCol="0">
-            <a:spAutoFit/>
-          </a:bodyPr>
-          <a:lstStyle/>
-          <a:p>
-            <a:r>
-              <a:rPr lang="fr-FR" dirty="0" smtClean="0"/>
-              <a:t>crown</a:t>
+              <a:t>sickness</a:t>
             </a:r>
             <a:endParaRPr lang="fr-FR" dirty="0"/>
           </a:p>
@@ -6284,11 +5984,7 @@
           <a:p>
             <a:r>
               <a:rPr lang="fr-FR" dirty="0" err="1" smtClean="0"/>
-              <a:t>nearR</a:t>
-            </a:r>
-            <a:r>
-              <a:rPr lang="fr-FR" dirty="0" err="1" smtClean="0"/>
-              <a:t>iver</a:t>
+              <a:t>nearRiver</a:t>
             </a:r>
             <a:endParaRPr lang="fr-FR" dirty="0"/>
           </a:p>
@@ -6318,11 +6014,7 @@
           <a:p>
             <a:r>
               <a:rPr lang="fr-FR" dirty="0" err="1" smtClean="0"/>
-              <a:t>nearMotorway</a:t>
-            </a:r>
-            <a:r>
-              <a:rPr lang="fr-FR" dirty="0" err="1" smtClean="0"/>
-              <a:t>s</a:t>
+              <a:t>nearMotorways</a:t>
             </a:r>
             <a:endParaRPr lang="fr-FR" dirty="0" smtClean="0"/>
           </a:p>
@@ -6391,7 +6083,7 @@
     </p:spTree>
     <p:extLst>
       <p:ext uri="{BB962C8B-B14F-4D97-AF65-F5344CB8AC3E}">
-        <p14:creationId xmlns:p14="http://schemas.microsoft.com/office/powerpoint/2010/main" val="2636587605"/>
+        <p14:creationId xmlns:p14="http://schemas.microsoft.com/office/powerpoint/2010/main" xmlns="" val="2636587605"/>
       </p:ext>
     </p:extLst>
   </p:cSld>
@@ -6451,7 +6143,7 @@
     </a:clrScheme>
     <a:fontScheme name="Office">
       <a:majorFont>
-        <a:latin typeface="Calibri Light" panose="020F0302020204030204"/>
+        <a:latin typeface="Calibri Light"/>
         <a:ea typeface=""/>
         <a:cs typeface=""/>
         <a:font script="Jpan" typeface="ＭＳ Ｐゴシック"/>
@@ -6486,7 +6178,7 @@
         <a:font script="Geor" typeface="Sylfaen"/>
       </a:majorFont>
       <a:minorFont>
-        <a:latin typeface="Calibri" panose="020F0502020204030204"/>
+        <a:latin typeface="Calibri"/>
         <a:ea typeface=""/>
         <a:cs typeface=""/>
         <a:font script="Jpan" typeface="ＭＳ Ｐゴシック"/>
@@ -6663,7 +6355,7 @@
   <a:extraClrSchemeLst/>
   <a:extLst>
     <a:ext uri="{05A4C25C-085E-4340-85A3-A5531E510DB2}">
-      <thm15:themeFamily xmlns:thm15="http://schemas.microsoft.com/office/thememl/2012/main" name="Office Theme" id="{62F939B6-93AF-4DB8-9C6B-D6C7DFDC589F}" vid="{4A3C46E8-61CC-4603-A589-7422A47A8E4A}"/>
+      <thm15:themeFamily xmlns:thm15="http://schemas.microsoft.com/office/thememl/2012/main" xmlns="" name="Office Theme" id="{62F939B6-93AF-4DB8-9C6B-D6C7DFDC589F}" vid="{4A3C46E8-61CC-4603-A589-7422A47A8E4A}"/>
     </a:ext>
   </a:extLst>
 </a:theme>

--- a/df-model/df-model.pptx
+++ b/df-model/df-model.pptx
@@ -106,7 +106,18 @@
   </p:defaultTextStyle>
   <p:extLst>
     <p:ext uri="{EFAFB233-063F-42B5-8137-9DF3F51BA10A}">
-      <p15:sldGuideLst xmlns:p15="http://schemas.microsoft.com/office/powerpoint/2012/main" xmlns=""/>
+      <p15:sldGuideLst xmlns:p15="http://schemas.microsoft.com/office/powerpoint/2012/main">
+        <p15:guide id="1" orient="horz" pos="2160">
+          <p15:clr>
+            <a:srgbClr val="A4A3A4"/>
+          </p15:clr>
+        </p15:guide>
+        <p15:guide id="2" pos="3840">
+          <p15:clr>
+            <a:srgbClr val="A4A3A4"/>
+          </p15:clr>
+        </p15:guide>
+      </p15:sldGuideLst>
     </p:ext>
   </p:extLst>
 </p:presentation>
@@ -244,7 +255,7 @@
             <a:fld id="{E90F2C70-D7C5-4A11-BAB2-648D55629A91}" type="datetimeFigureOut">
               <a:rPr lang="fr-FR" smtClean="0"/>
               <a:pPr/>
-              <a:t>05/11/2017</a:t>
+              <a:t>08/11/2017</a:t>
             </a:fld>
             <a:endParaRPr lang="fr-FR"/>
           </a:p>
@@ -296,7 +307,7 @@
     </p:spTree>
     <p:extLst>
       <p:ext uri="{BB962C8B-B14F-4D97-AF65-F5344CB8AC3E}">
-        <p14:creationId xmlns:p14="http://schemas.microsoft.com/office/powerpoint/2010/main" xmlns="" val="26437346"/>
+        <p14:creationId xmlns:p14="http://schemas.microsoft.com/office/powerpoint/2010/main" val="26437346"/>
       </p:ext>
     </p:extLst>
   </p:cSld>
@@ -416,7 +427,7 @@
             <a:fld id="{E90F2C70-D7C5-4A11-BAB2-648D55629A91}" type="datetimeFigureOut">
               <a:rPr lang="fr-FR" smtClean="0"/>
               <a:pPr/>
-              <a:t>05/11/2017</a:t>
+              <a:t>08/11/2017</a:t>
             </a:fld>
             <a:endParaRPr lang="fr-FR"/>
           </a:p>
@@ -468,7 +479,7 @@
     </p:spTree>
     <p:extLst>
       <p:ext uri="{BB962C8B-B14F-4D97-AF65-F5344CB8AC3E}">
-        <p14:creationId xmlns:p14="http://schemas.microsoft.com/office/powerpoint/2010/main" xmlns="" val="3002800163"/>
+        <p14:creationId xmlns:p14="http://schemas.microsoft.com/office/powerpoint/2010/main" val="3002800163"/>
       </p:ext>
     </p:extLst>
   </p:cSld>
@@ -598,7 +609,7 @@
             <a:fld id="{E90F2C70-D7C5-4A11-BAB2-648D55629A91}" type="datetimeFigureOut">
               <a:rPr lang="fr-FR" smtClean="0"/>
               <a:pPr/>
-              <a:t>05/11/2017</a:t>
+              <a:t>08/11/2017</a:t>
             </a:fld>
             <a:endParaRPr lang="fr-FR"/>
           </a:p>
@@ -650,7 +661,7 @@
     </p:spTree>
     <p:extLst>
       <p:ext uri="{BB962C8B-B14F-4D97-AF65-F5344CB8AC3E}">
-        <p14:creationId xmlns:p14="http://schemas.microsoft.com/office/powerpoint/2010/main" xmlns="" val="21420202"/>
+        <p14:creationId xmlns:p14="http://schemas.microsoft.com/office/powerpoint/2010/main" val="21420202"/>
       </p:ext>
     </p:extLst>
   </p:cSld>
@@ -770,7 +781,7 @@
             <a:fld id="{E90F2C70-D7C5-4A11-BAB2-648D55629A91}" type="datetimeFigureOut">
               <a:rPr lang="fr-FR" smtClean="0"/>
               <a:pPr/>
-              <a:t>05/11/2017</a:t>
+              <a:t>08/11/2017</a:t>
             </a:fld>
             <a:endParaRPr lang="fr-FR"/>
           </a:p>
@@ -822,7 +833,7 @@
     </p:spTree>
     <p:extLst>
       <p:ext uri="{BB962C8B-B14F-4D97-AF65-F5344CB8AC3E}">
-        <p14:creationId xmlns:p14="http://schemas.microsoft.com/office/powerpoint/2010/main" xmlns="" val="1134717922"/>
+        <p14:creationId xmlns:p14="http://schemas.microsoft.com/office/powerpoint/2010/main" val="1134717922"/>
       </p:ext>
     </p:extLst>
   </p:cSld>
@@ -1018,7 +1029,7 @@
             <a:fld id="{E90F2C70-D7C5-4A11-BAB2-648D55629A91}" type="datetimeFigureOut">
               <a:rPr lang="fr-FR" smtClean="0"/>
               <a:pPr/>
-              <a:t>05/11/2017</a:t>
+              <a:t>08/11/2017</a:t>
             </a:fld>
             <a:endParaRPr lang="fr-FR"/>
           </a:p>
@@ -1070,7 +1081,7 @@
     </p:spTree>
     <p:extLst>
       <p:ext uri="{BB962C8B-B14F-4D97-AF65-F5344CB8AC3E}">
-        <p14:creationId xmlns:p14="http://schemas.microsoft.com/office/powerpoint/2010/main" xmlns="" val="747376118"/>
+        <p14:creationId xmlns:p14="http://schemas.microsoft.com/office/powerpoint/2010/main" val="747376118"/>
       </p:ext>
     </p:extLst>
   </p:cSld>
@@ -1252,7 +1263,7 @@
             <a:fld id="{E90F2C70-D7C5-4A11-BAB2-648D55629A91}" type="datetimeFigureOut">
               <a:rPr lang="fr-FR" smtClean="0"/>
               <a:pPr/>
-              <a:t>05/11/2017</a:t>
+              <a:t>08/11/2017</a:t>
             </a:fld>
             <a:endParaRPr lang="fr-FR"/>
           </a:p>
@@ -1304,7 +1315,7 @@
     </p:spTree>
     <p:extLst>
       <p:ext uri="{BB962C8B-B14F-4D97-AF65-F5344CB8AC3E}">
-        <p14:creationId xmlns:p14="http://schemas.microsoft.com/office/powerpoint/2010/main" xmlns="" val="2931141288"/>
+        <p14:creationId xmlns:p14="http://schemas.microsoft.com/office/powerpoint/2010/main" val="2931141288"/>
       </p:ext>
     </p:extLst>
   </p:cSld>
@@ -1621,7 +1632,7 @@
             <a:fld id="{E90F2C70-D7C5-4A11-BAB2-648D55629A91}" type="datetimeFigureOut">
               <a:rPr lang="fr-FR" smtClean="0"/>
               <a:pPr/>
-              <a:t>05/11/2017</a:t>
+              <a:t>08/11/2017</a:t>
             </a:fld>
             <a:endParaRPr lang="fr-FR"/>
           </a:p>
@@ -1673,7 +1684,7 @@
     </p:spTree>
     <p:extLst>
       <p:ext uri="{BB962C8B-B14F-4D97-AF65-F5344CB8AC3E}">
-        <p14:creationId xmlns:p14="http://schemas.microsoft.com/office/powerpoint/2010/main" xmlns="" val="3085942919"/>
+        <p14:creationId xmlns:p14="http://schemas.microsoft.com/office/powerpoint/2010/main" val="3085942919"/>
       </p:ext>
     </p:extLst>
   </p:cSld>
@@ -1741,7 +1752,7 @@
             <a:fld id="{E90F2C70-D7C5-4A11-BAB2-648D55629A91}" type="datetimeFigureOut">
               <a:rPr lang="fr-FR" smtClean="0"/>
               <a:pPr/>
-              <a:t>05/11/2017</a:t>
+              <a:t>08/11/2017</a:t>
             </a:fld>
             <a:endParaRPr lang="fr-FR"/>
           </a:p>
@@ -1793,7 +1804,7 @@
     </p:spTree>
     <p:extLst>
       <p:ext uri="{BB962C8B-B14F-4D97-AF65-F5344CB8AC3E}">
-        <p14:creationId xmlns:p14="http://schemas.microsoft.com/office/powerpoint/2010/main" xmlns="" val="2225407022"/>
+        <p14:creationId xmlns:p14="http://schemas.microsoft.com/office/powerpoint/2010/main" val="2225407022"/>
       </p:ext>
     </p:extLst>
   </p:cSld>
@@ -1838,7 +1849,7 @@
             <a:fld id="{E90F2C70-D7C5-4A11-BAB2-648D55629A91}" type="datetimeFigureOut">
               <a:rPr lang="fr-FR" smtClean="0"/>
               <a:pPr/>
-              <a:t>05/11/2017</a:t>
+              <a:t>08/11/2017</a:t>
             </a:fld>
             <a:endParaRPr lang="fr-FR"/>
           </a:p>
@@ -1890,7 +1901,7 @@
     </p:spTree>
     <p:extLst>
       <p:ext uri="{BB962C8B-B14F-4D97-AF65-F5344CB8AC3E}">
-        <p14:creationId xmlns:p14="http://schemas.microsoft.com/office/powerpoint/2010/main" xmlns="" val="3549111699"/>
+        <p14:creationId xmlns:p14="http://schemas.microsoft.com/office/powerpoint/2010/main" val="3549111699"/>
       </p:ext>
     </p:extLst>
   </p:cSld>
@@ -2117,7 +2128,7 @@
             <a:fld id="{E90F2C70-D7C5-4A11-BAB2-648D55629A91}" type="datetimeFigureOut">
               <a:rPr lang="fr-FR" smtClean="0"/>
               <a:pPr/>
-              <a:t>05/11/2017</a:t>
+              <a:t>08/11/2017</a:t>
             </a:fld>
             <a:endParaRPr lang="fr-FR"/>
           </a:p>
@@ -2169,7 +2180,7 @@
     </p:spTree>
     <p:extLst>
       <p:ext uri="{BB962C8B-B14F-4D97-AF65-F5344CB8AC3E}">
-        <p14:creationId xmlns:p14="http://schemas.microsoft.com/office/powerpoint/2010/main" xmlns="" val="1630271679"/>
+        <p14:creationId xmlns:p14="http://schemas.microsoft.com/office/powerpoint/2010/main" val="1630271679"/>
       </p:ext>
     </p:extLst>
   </p:cSld>
@@ -2372,7 +2383,7 @@
             <a:fld id="{E90F2C70-D7C5-4A11-BAB2-648D55629A91}" type="datetimeFigureOut">
               <a:rPr lang="fr-FR" smtClean="0"/>
               <a:pPr/>
-              <a:t>05/11/2017</a:t>
+              <a:t>08/11/2017</a:t>
             </a:fld>
             <a:endParaRPr lang="fr-FR"/>
           </a:p>
@@ -2424,7 +2435,7 @@
     </p:spTree>
     <p:extLst>
       <p:ext uri="{BB962C8B-B14F-4D97-AF65-F5344CB8AC3E}">
-        <p14:creationId xmlns:p14="http://schemas.microsoft.com/office/powerpoint/2010/main" xmlns="" val="1500102834"/>
+        <p14:creationId xmlns:p14="http://schemas.microsoft.com/office/powerpoint/2010/main" val="1500102834"/>
       </p:ext>
     </p:extLst>
   </p:cSld>
@@ -2587,7 +2598,7 @@
             <a:fld id="{E90F2C70-D7C5-4A11-BAB2-648D55629A91}" type="datetimeFigureOut">
               <a:rPr lang="fr-FR" smtClean="0"/>
               <a:pPr/>
-              <a:t>05/11/2017</a:t>
+              <a:t>08/11/2017</a:t>
             </a:fld>
             <a:endParaRPr lang="fr-FR"/>
           </a:p>
@@ -2675,7 +2686,7 @@
     </p:spTree>
     <p:extLst>
       <p:ext uri="{BB962C8B-B14F-4D97-AF65-F5344CB8AC3E}">
-        <p14:creationId xmlns:p14="http://schemas.microsoft.com/office/powerpoint/2010/main" xmlns="" val="344752984"/>
+        <p14:creationId xmlns:p14="http://schemas.microsoft.com/office/powerpoint/2010/main" val="344752984"/>
       </p:ext>
     </p:extLst>
   </p:cSld>
@@ -3290,7 +3301,7 @@
         </p:nvCxnSpPr>
         <p:spPr>
           <a:xfrm>
-            <a:off x="4081236" y="3596180"/>
+            <a:off x="4081236" y="3029509"/>
             <a:ext cx="495300" cy="0"/>
           </a:xfrm>
           <a:prstGeom prst="line">
@@ -3325,7 +3336,7 @@
         </p:nvSpPr>
         <p:spPr>
           <a:xfrm>
-            <a:off x="3828268" y="3469696"/>
+            <a:off x="3828268" y="2903025"/>
             <a:ext cx="252968" cy="252968"/>
           </a:xfrm>
           <a:prstGeom prst="ellipse">
@@ -3365,8 +3376,8 @@
         </p:nvSpPr>
         <p:spPr>
           <a:xfrm>
-            <a:off x="3186567" y="3379248"/>
-            <a:ext cx="699872" cy="369332"/>
+            <a:off x="3186567" y="2812577"/>
+            <a:ext cx="728610" cy="369332"/>
           </a:xfrm>
           <a:prstGeom prst="rect">
             <a:avLst/>
@@ -3374,7 +3385,7 @@
           <a:noFill/>
         </p:spPr>
         <p:txBody>
-          <a:bodyPr wrap="none" rtlCol="0">
+          <a:bodyPr wrap="square" rtlCol="0">
             <a:spAutoFit/>
           </a:bodyPr>
           <a:lstStyle/>
@@ -3395,7 +3406,7 @@
         </p:nvCxnSpPr>
         <p:spPr>
           <a:xfrm>
-            <a:off x="7486650" y="4223560"/>
+            <a:off x="7486650" y="4828867"/>
             <a:ext cx="495300" cy="0"/>
           </a:xfrm>
           <a:prstGeom prst="line">
@@ -3430,7 +3441,7 @@
         </p:nvSpPr>
         <p:spPr>
           <a:xfrm>
-            <a:off x="7981950" y="4097076"/>
+            <a:off x="7981950" y="4702383"/>
             <a:ext cx="252968" cy="252968"/>
           </a:xfrm>
           <a:prstGeom prst="ellipse">
@@ -3473,7 +3484,7 @@
         </p:nvSpPr>
         <p:spPr>
           <a:xfrm>
-            <a:off x="8212020" y="4000794"/>
+            <a:off x="8212020" y="4606101"/>
             <a:ext cx="946093" cy="369332"/>
           </a:xfrm>
           <a:prstGeom prst="rect">
@@ -3719,7 +3730,7 @@
         </p:nvCxnSpPr>
         <p:spPr>
           <a:xfrm>
-            <a:off x="4104618" y="3985593"/>
+            <a:off x="4104618" y="3496196"/>
             <a:ext cx="495300" cy="0"/>
           </a:xfrm>
           <a:prstGeom prst="line">
@@ -3754,7 +3765,7 @@
         </p:nvSpPr>
         <p:spPr>
           <a:xfrm>
-            <a:off x="3851650" y="3859109"/>
+            <a:off x="3851650" y="3369712"/>
             <a:ext cx="252968" cy="252968"/>
           </a:xfrm>
           <a:prstGeom prst="ellipse">
@@ -3794,7 +3805,7 @@
         </p:nvSpPr>
         <p:spPr>
           <a:xfrm>
-            <a:off x="2469718" y="3768661"/>
+            <a:off x="3190939" y="3639875"/>
             <a:ext cx="1456937" cy="369332"/>
           </a:xfrm>
           <a:prstGeom prst="rect">
@@ -3824,7 +3835,7 @@
         </p:nvCxnSpPr>
         <p:spPr>
           <a:xfrm>
-            <a:off x="4095750" y="4370968"/>
+            <a:off x="4095750" y="4306573"/>
             <a:ext cx="495300" cy="0"/>
           </a:xfrm>
           <a:prstGeom prst="line">
@@ -3859,7 +3870,7 @@
         </p:nvSpPr>
         <p:spPr>
           <a:xfrm>
-            <a:off x="3842782" y="4244484"/>
+            <a:off x="3842782" y="4180089"/>
             <a:ext cx="252968" cy="252968"/>
           </a:xfrm>
           <a:prstGeom prst="ellipse">
@@ -3899,7 +3910,7 @@
         </p:nvSpPr>
         <p:spPr>
           <a:xfrm>
-            <a:off x="2402794" y="4154036"/>
+            <a:off x="2402794" y="4089641"/>
             <a:ext cx="1515864" cy="369332"/>
           </a:xfrm>
           <a:prstGeom prst="rect">
@@ -4364,7 +4375,7 @@
         </p:nvSpPr>
         <p:spPr>
           <a:xfrm>
-            <a:off x="6926125" y="6063456"/>
+            <a:off x="6939004" y="6076335"/>
             <a:ext cx="252968" cy="252968"/>
           </a:xfrm>
           <a:prstGeom prst="ellipse">
@@ -4407,7 +4418,7 @@
         </p:nvSpPr>
         <p:spPr>
           <a:xfrm>
-            <a:off x="7231325" y="6007366"/>
+            <a:off x="6372976" y="6235760"/>
             <a:ext cx="1651542" cy="369332"/>
           </a:xfrm>
           <a:prstGeom prst="rect">
@@ -4550,7 +4561,7 @@
         </p:nvSpPr>
         <p:spPr>
           <a:xfrm>
-            <a:off x="8226534" y="3308631"/>
+            <a:off x="7621223" y="3630606"/>
             <a:ext cx="1312667" cy="369332"/>
           </a:xfrm>
           <a:prstGeom prst="rect">
@@ -4995,7 +5006,7 @@
         </p:nvCxnSpPr>
         <p:spPr>
           <a:xfrm flipH="1">
-            <a:off x="7373965" y="2370554"/>
+            <a:off x="7348207" y="2370554"/>
             <a:ext cx="1285920" cy="0"/>
           </a:xfrm>
           <a:prstGeom prst="line">
@@ -5259,7 +5270,7 @@
         </p:nvCxnSpPr>
         <p:spPr>
           <a:xfrm rot="5400000">
-            <a:off x="5742621" y="830045"/>
+            <a:off x="5703984" y="830045"/>
             <a:ext cx="495300" cy="0"/>
           </a:xfrm>
           <a:prstGeom prst="line">
@@ -5323,14 +5334,14 @@
       </p:cxnSp>
       <p:cxnSp>
         <p:nvCxnSpPr>
-          <p:cNvPr id="115" name="Connecteur droit 114"/>
+          <p:cNvPr id="116" name="Connecteur droit 115"/>
           <p:cNvCxnSpPr/>
           <p:nvPr/>
         </p:nvCxnSpPr>
         <p:spPr>
-          <a:xfrm rot="2700000">
-            <a:off x="5228417" y="1078993"/>
-            <a:ext cx="495300" cy="0"/>
+          <a:xfrm>
+            <a:off x="5420887" y="855363"/>
+            <a:ext cx="252036" cy="350204"/>
           </a:xfrm>
           <a:prstGeom prst="line">
             <a:avLst/>
@@ -5356,50 +5367,15 @@
           </a:fontRef>
         </p:style>
       </p:cxnSp>
-      <p:cxnSp>
-        <p:nvCxnSpPr>
-          <p:cNvPr id="116" name="Connecteur droit 115"/>
-          <p:cNvCxnSpPr/>
-          <p:nvPr/>
-        </p:nvCxnSpPr>
-        <p:spPr>
-          <a:xfrm rot="4680000">
-            <a:off x="5489695" y="898934"/>
-            <a:ext cx="495300" cy="0"/>
-          </a:xfrm>
-          <a:prstGeom prst="line">
-            <a:avLst/>
-          </a:prstGeom>
-          <a:ln>
-            <a:solidFill>
-              <a:schemeClr val="tx1"/>
-            </a:solidFill>
-          </a:ln>
-        </p:spPr>
-        <p:style>
-          <a:lnRef idx="1">
-            <a:schemeClr val="accent1"/>
-          </a:lnRef>
-          <a:fillRef idx="0">
-            <a:schemeClr val="accent1"/>
-          </a:fillRef>
-          <a:effectRef idx="0">
-            <a:schemeClr val="accent1"/>
-          </a:effectRef>
-          <a:fontRef idx="minor">
-            <a:schemeClr val="tx1"/>
-          </a:fontRef>
-        </p:style>
-      </p:cxnSp>
-      <p:sp>
-        <p:nvSpPr>
-          <p:cNvPr id="117" name="Ellipse 116"/>
+      <p:sp>
+        <p:nvSpPr>
+          <p:cNvPr id="118" name="Ellipse 117"/>
           <p:cNvSpPr/>
           <p:nvPr/>
         </p:nvSpPr>
         <p:spPr>
           <a:xfrm rot="18693875">
-            <a:off x="5174468" y="742573"/>
+            <a:off x="5273738" y="658708"/>
             <a:ext cx="252968" cy="252968"/>
           </a:xfrm>
           <a:prstGeom prst="ellipse">
@@ -5436,13 +5412,13 @@
       </p:sp>
       <p:sp>
         <p:nvSpPr>
-          <p:cNvPr id="118" name="Ellipse 117"/>
+          <p:cNvPr id="119" name="Ellipse 118"/>
           <p:cNvSpPr/>
           <p:nvPr/>
         </p:nvSpPr>
         <p:spPr>
           <a:xfrm rot="18693875">
-            <a:off x="5528663" y="451178"/>
+            <a:off x="5825843" y="383898"/>
             <a:ext cx="252968" cy="252968"/>
           </a:xfrm>
           <a:prstGeom prst="ellipse">
@@ -5479,13 +5455,13 @@
       </p:sp>
       <p:sp>
         <p:nvSpPr>
-          <p:cNvPr id="119" name="Ellipse 118"/>
+          <p:cNvPr id="120" name="Ellipse 119"/>
           <p:cNvSpPr/>
           <p:nvPr/>
         </p:nvSpPr>
         <p:spPr>
           <a:xfrm rot="18693875">
-            <a:off x="5877359" y="383898"/>
+            <a:off x="4843149" y="1403167"/>
             <a:ext cx="252968" cy="252968"/>
           </a:xfrm>
           <a:prstGeom prst="ellipse">
@@ -5522,49 +5498,6 @@
       </p:sp>
       <p:sp>
         <p:nvSpPr>
-          <p:cNvPr id="120" name="Ellipse 119"/>
-          <p:cNvSpPr/>
-          <p:nvPr/>
-        </p:nvSpPr>
-        <p:spPr>
-          <a:xfrm rot="18693875">
-            <a:off x="4843149" y="1403167"/>
-            <a:ext cx="252968" cy="252968"/>
-          </a:xfrm>
-          <a:prstGeom prst="ellipse">
-            <a:avLst/>
-          </a:prstGeom>
-          <a:solidFill>
-            <a:schemeClr val="accent6"/>
-          </a:solidFill>
-        </p:spPr>
-        <p:style>
-          <a:lnRef idx="2">
-            <a:schemeClr val="accent1">
-              <a:shade val="50000"/>
-            </a:schemeClr>
-          </a:lnRef>
-          <a:fillRef idx="1">
-            <a:schemeClr val="accent1"/>
-          </a:fillRef>
-          <a:effectRef idx="0">
-            <a:schemeClr val="accent1"/>
-          </a:effectRef>
-          <a:fontRef idx="minor">
-            <a:schemeClr val="lt1"/>
-          </a:fontRef>
-        </p:style>
-        <p:txBody>
-          <a:bodyPr rtlCol="0" anchor="ctr"/>
-          <a:lstStyle/>
-          <a:p>
-            <a:pPr algn="ctr"/>
-            <a:endParaRPr lang="fr-FR"/>
-          </a:p>
-        </p:txBody>
-      </p:sp>
-      <p:sp>
-        <p:nvSpPr>
           <p:cNvPr id="121" name="ZoneTexte 120"/>
           <p:cNvSpPr txBox="1"/>
           <p:nvPr/>
@@ -5595,43 +5528,13 @@
       </p:sp>
       <p:sp>
         <p:nvSpPr>
-          <p:cNvPr id="122" name="ZoneTexte 121"/>
-          <p:cNvSpPr txBox="1"/>
-          <p:nvPr/>
-        </p:nvSpPr>
-        <p:spPr>
-          <a:xfrm>
-            <a:off x="3924634" y="515717"/>
-            <a:ext cx="1197764" cy="369332"/>
-          </a:xfrm>
-          <a:prstGeom prst="rect">
-            <a:avLst/>
-          </a:prstGeom>
-          <a:noFill/>
-        </p:spPr>
-        <p:txBody>
-          <a:bodyPr wrap="none" rtlCol="0">
-            <a:spAutoFit/>
-          </a:bodyPr>
-          <a:lstStyle/>
-          <a:p>
-            <a:r>
-              <a:rPr lang="fr-FR" dirty="0" err="1" smtClean="0"/>
-              <a:t>nearPlaces</a:t>
-            </a:r>
-            <a:endParaRPr lang="fr-FR" dirty="0" smtClean="0"/>
-          </a:p>
-        </p:txBody>
-      </p:sp>
-      <p:sp>
-        <p:nvSpPr>
           <p:cNvPr id="123" name="ZoneTexte 122"/>
           <p:cNvSpPr txBox="1"/>
           <p:nvPr/>
         </p:nvSpPr>
         <p:spPr>
           <a:xfrm>
-            <a:off x="3593075" y="201038"/>
+            <a:off x="3372384" y="470900"/>
             <a:ext cx="1959767" cy="369332"/>
           </a:xfrm>
           <a:prstGeom prst="rect">
@@ -6080,10 +5983,331 @@
           </a:p>
         </p:txBody>
       </p:sp>
+      <p:cxnSp>
+        <p:nvCxnSpPr>
+          <p:cNvPr id="84" name="Connecteur droit 83"/>
+          <p:cNvCxnSpPr/>
+          <p:nvPr/>
+        </p:nvCxnSpPr>
+        <p:spPr>
+          <a:xfrm>
+            <a:off x="8258870" y="3529250"/>
+            <a:ext cx="495300" cy="0"/>
+          </a:xfrm>
+          <a:prstGeom prst="line">
+            <a:avLst/>
+          </a:prstGeom>
+          <a:ln>
+            <a:solidFill>
+              <a:schemeClr val="tx1"/>
+            </a:solidFill>
+          </a:ln>
+        </p:spPr>
+        <p:style>
+          <a:lnRef idx="1">
+            <a:schemeClr val="accent1"/>
+          </a:lnRef>
+          <a:fillRef idx="0">
+            <a:schemeClr val="accent1"/>
+          </a:fillRef>
+          <a:effectRef idx="0">
+            <a:schemeClr val="accent1"/>
+          </a:effectRef>
+          <a:fontRef idx="minor">
+            <a:schemeClr val="tx1"/>
+          </a:fontRef>
+        </p:style>
+      </p:cxnSp>
+      <p:sp>
+        <p:nvSpPr>
+          <p:cNvPr id="136" name="Ellipse 135"/>
+          <p:cNvSpPr/>
+          <p:nvPr/>
+        </p:nvSpPr>
+        <p:spPr>
+          <a:xfrm>
+            <a:off x="8754170" y="3402766"/>
+            <a:ext cx="252968" cy="252968"/>
+          </a:xfrm>
+          <a:prstGeom prst="ellipse">
+            <a:avLst/>
+          </a:prstGeom>
+          <a:solidFill>
+            <a:schemeClr val="accent6"/>
+          </a:solidFill>
+        </p:spPr>
+        <p:style>
+          <a:lnRef idx="2">
+            <a:schemeClr val="accent1">
+              <a:shade val="50000"/>
+            </a:schemeClr>
+          </a:lnRef>
+          <a:fillRef idx="1">
+            <a:schemeClr val="accent1"/>
+          </a:fillRef>
+          <a:effectRef idx="0">
+            <a:schemeClr val="accent1"/>
+          </a:effectRef>
+          <a:fontRef idx="minor">
+            <a:schemeClr val="lt1"/>
+          </a:fontRef>
+        </p:style>
+        <p:txBody>
+          <a:bodyPr rtlCol="0" anchor="ctr"/>
+          <a:lstStyle/>
+          <a:p>
+            <a:pPr algn="ctr"/>
+            <a:endParaRPr lang="fr-FR"/>
+          </a:p>
+        </p:txBody>
+      </p:sp>
+      <p:sp>
+        <p:nvSpPr>
+          <p:cNvPr id="137" name="ZoneTexte 136"/>
+          <p:cNvSpPr txBox="1"/>
+          <p:nvPr/>
+        </p:nvSpPr>
+        <p:spPr>
+          <a:xfrm>
+            <a:off x="9016947" y="3344584"/>
+            <a:ext cx="1309654" cy="369332"/>
+          </a:xfrm>
+          <a:prstGeom prst="rect">
+            <a:avLst/>
+          </a:prstGeom>
+          <a:noFill/>
+        </p:spPr>
+        <p:txBody>
+          <a:bodyPr wrap="none" rtlCol="0">
+            <a:spAutoFit/>
+          </a:bodyPr>
+          <a:lstStyle/>
+          <a:p>
+            <a:r>
+              <a:rPr lang="fr-FR" dirty="0" smtClean="0"/>
+              <a:t>5YearPeriod</a:t>
+            </a:r>
+            <a:endParaRPr lang="fr-FR" dirty="0"/>
+          </a:p>
+        </p:txBody>
+      </p:sp>
+      <p:cxnSp>
+        <p:nvCxnSpPr>
+          <p:cNvPr id="138" name="Connecteur droit 137"/>
+          <p:cNvCxnSpPr/>
+          <p:nvPr/>
+        </p:nvCxnSpPr>
+        <p:spPr>
+          <a:xfrm>
+            <a:off x="3342618" y="3506929"/>
+            <a:ext cx="495300" cy="0"/>
+          </a:xfrm>
+          <a:prstGeom prst="line">
+            <a:avLst/>
+          </a:prstGeom>
+          <a:ln>
+            <a:solidFill>
+              <a:schemeClr val="tx1"/>
+            </a:solidFill>
+          </a:ln>
+        </p:spPr>
+        <p:style>
+          <a:lnRef idx="1">
+            <a:schemeClr val="accent1"/>
+          </a:lnRef>
+          <a:fillRef idx="0">
+            <a:schemeClr val="accent1"/>
+          </a:fillRef>
+          <a:effectRef idx="0">
+            <a:schemeClr val="accent1"/>
+          </a:effectRef>
+          <a:fontRef idx="minor">
+            <a:schemeClr val="tx1"/>
+          </a:fontRef>
+        </p:style>
+      </p:cxnSp>
+      <p:sp>
+        <p:nvSpPr>
+          <p:cNvPr id="139" name="Ellipse 138"/>
+          <p:cNvSpPr/>
+          <p:nvPr/>
+        </p:nvSpPr>
+        <p:spPr>
+          <a:xfrm>
+            <a:off x="3089650" y="3380445"/>
+            <a:ext cx="252968" cy="252968"/>
+          </a:xfrm>
+          <a:prstGeom prst="ellipse">
+            <a:avLst/>
+          </a:prstGeom>
+        </p:spPr>
+        <p:style>
+          <a:lnRef idx="2">
+            <a:schemeClr val="accent1">
+              <a:shade val="50000"/>
+            </a:schemeClr>
+          </a:lnRef>
+          <a:fillRef idx="1">
+            <a:schemeClr val="accent1"/>
+          </a:fillRef>
+          <a:effectRef idx="0">
+            <a:schemeClr val="accent1"/>
+          </a:effectRef>
+          <a:fontRef idx="minor">
+            <a:schemeClr val="lt1"/>
+          </a:fontRef>
+        </p:style>
+        <p:txBody>
+          <a:bodyPr rtlCol="0" anchor="ctr"/>
+          <a:lstStyle/>
+          <a:p>
+            <a:pPr algn="ctr"/>
+            <a:endParaRPr lang="fr-FR"/>
+          </a:p>
+        </p:txBody>
+      </p:sp>
+      <p:sp>
+        <p:nvSpPr>
+          <p:cNvPr id="140" name="ZoneTexte 139"/>
+          <p:cNvSpPr txBox="1"/>
+          <p:nvPr/>
+        </p:nvSpPr>
+        <p:spPr>
+          <a:xfrm>
+            <a:off x="1810750" y="3289997"/>
+            <a:ext cx="1309654" cy="369332"/>
+          </a:xfrm>
+          <a:prstGeom prst="rect">
+            <a:avLst/>
+          </a:prstGeom>
+          <a:noFill/>
+        </p:spPr>
+        <p:txBody>
+          <a:bodyPr wrap="none" rtlCol="0">
+            <a:spAutoFit/>
+          </a:bodyPr>
+          <a:lstStyle/>
+          <a:p>
+            <a:r>
+              <a:rPr lang="fr-FR" dirty="0" smtClean="0"/>
+              <a:t>5YearPeriod</a:t>
+            </a:r>
+            <a:endParaRPr lang="fr-FR" dirty="0"/>
+          </a:p>
+        </p:txBody>
+      </p:sp>
+      <p:sp>
+        <p:nvSpPr>
+          <p:cNvPr id="141" name="Ellipse 140"/>
+          <p:cNvSpPr/>
+          <p:nvPr/>
+        </p:nvSpPr>
+        <p:spPr>
+          <a:xfrm>
+            <a:off x="7658081" y="6061308"/>
+            <a:ext cx="252968" cy="252968"/>
+          </a:xfrm>
+          <a:prstGeom prst="ellipse">
+            <a:avLst/>
+          </a:prstGeom>
+          <a:solidFill>
+            <a:schemeClr val="accent4"/>
+          </a:solidFill>
+        </p:spPr>
+        <p:style>
+          <a:lnRef idx="2">
+            <a:schemeClr val="accent1">
+              <a:shade val="50000"/>
+            </a:schemeClr>
+          </a:lnRef>
+          <a:fillRef idx="1">
+            <a:schemeClr val="accent1"/>
+          </a:fillRef>
+          <a:effectRef idx="0">
+            <a:schemeClr val="accent1"/>
+          </a:effectRef>
+          <a:fontRef idx="minor">
+            <a:schemeClr val="lt1"/>
+          </a:fontRef>
+        </p:style>
+        <p:txBody>
+          <a:bodyPr rtlCol="0" anchor="ctr"/>
+          <a:lstStyle/>
+          <a:p>
+            <a:pPr algn="ctr"/>
+            <a:endParaRPr lang="fr-FR"/>
+          </a:p>
+        </p:txBody>
+      </p:sp>
+      <p:cxnSp>
+        <p:nvCxnSpPr>
+          <p:cNvPr id="143" name="Connecteur droit 142"/>
+          <p:cNvCxnSpPr/>
+          <p:nvPr/>
+        </p:nvCxnSpPr>
+        <p:spPr>
+          <a:xfrm>
+            <a:off x="7188287" y="6179002"/>
+            <a:ext cx="495300" cy="0"/>
+          </a:xfrm>
+          <a:prstGeom prst="line">
+            <a:avLst/>
+          </a:prstGeom>
+          <a:ln>
+            <a:solidFill>
+              <a:schemeClr val="tx1"/>
+            </a:solidFill>
+          </a:ln>
+        </p:spPr>
+        <p:style>
+          <a:lnRef idx="1">
+            <a:schemeClr val="accent1"/>
+          </a:lnRef>
+          <a:fillRef idx="0">
+            <a:schemeClr val="accent1"/>
+          </a:fillRef>
+          <a:effectRef idx="0">
+            <a:schemeClr val="accent1"/>
+          </a:effectRef>
+          <a:fontRef idx="minor">
+            <a:schemeClr val="tx1"/>
+          </a:fontRef>
+        </p:style>
+      </p:cxnSp>
+      <p:sp>
+        <p:nvSpPr>
+          <p:cNvPr id="144" name="ZoneTexte 143"/>
+          <p:cNvSpPr txBox="1"/>
+          <p:nvPr/>
+        </p:nvSpPr>
+        <p:spPr>
+          <a:xfrm>
+            <a:off x="7944357" y="6002534"/>
+            <a:ext cx="2239331" cy="369332"/>
+          </a:xfrm>
+          <a:prstGeom prst="rect">
+            <a:avLst/>
+          </a:prstGeom>
+          <a:noFill/>
+        </p:spPr>
+        <p:txBody>
+          <a:bodyPr wrap="none" rtlCol="0">
+            <a:spAutoFit/>
+          </a:bodyPr>
+          <a:lstStyle/>
+          <a:p>
+            <a:r>
+              <a:rPr lang="fr-FR" dirty="0" err="1" smtClean="0"/>
+              <a:t>stumpDiameterGroup</a:t>
+            </a:r>
+            <a:endParaRPr lang="fr-FR" dirty="0" smtClean="0"/>
+          </a:p>
+        </p:txBody>
+      </p:sp>
     </p:spTree>
     <p:extLst>
       <p:ext uri="{BB962C8B-B14F-4D97-AF65-F5344CB8AC3E}">
-        <p14:creationId xmlns:p14="http://schemas.microsoft.com/office/powerpoint/2010/main" xmlns="" val="2636587605"/>
+        <p14:creationId xmlns:p14="http://schemas.microsoft.com/office/powerpoint/2010/main" val="2636587605"/>
       </p:ext>
     </p:extLst>
   </p:cSld>
@@ -6355,7 +6579,7 @@
   <a:extraClrSchemeLst/>
   <a:extLst>
     <a:ext uri="{05A4C25C-085E-4340-85A3-A5531E510DB2}">
-      <thm15:themeFamily xmlns:thm15="http://schemas.microsoft.com/office/thememl/2012/main" xmlns="" name="Office Theme" id="{62F939B6-93AF-4DB8-9C6B-D6C7DFDC589F}" vid="{4A3C46E8-61CC-4603-A589-7422A47A8E4A}"/>
+      <thm15:themeFamily xmlns:thm15="http://schemas.microsoft.com/office/thememl/2012/main" name="Office Theme" id="{62F939B6-93AF-4DB8-9C6B-D6C7DFDC589F}" vid="{4A3C46E8-61CC-4603-A589-7422A47A8E4A}"/>
     </a:ext>
   </a:extLst>
 </a:theme>

--- a/df-model/df-model.pptx
+++ b/df-model/df-model.pptx
@@ -255,7 +255,7 @@
             <a:fld id="{E90F2C70-D7C5-4A11-BAB2-648D55629A91}" type="datetimeFigureOut">
               <a:rPr lang="fr-FR" smtClean="0"/>
               <a:pPr/>
-              <a:t>08/11/2017</a:t>
+              <a:t>10/11/2017</a:t>
             </a:fld>
             <a:endParaRPr lang="fr-FR"/>
           </a:p>
@@ -427,7 +427,7 @@
             <a:fld id="{E90F2C70-D7C5-4A11-BAB2-648D55629A91}" type="datetimeFigureOut">
               <a:rPr lang="fr-FR" smtClean="0"/>
               <a:pPr/>
-              <a:t>08/11/2017</a:t>
+              <a:t>10/11/2017</a:t>
             </a:fld>
             <a:endParaRPr lang="fr-FR"/>
           </a:p>
@@ -609,7 +609,7 @@
             <a:fld id="{E90F2C70-D7C5-4A11-BAB2-648D55629A91}" type="datetimeFigureOut">
               <a:rPr lang="fr-FR" smtClean="0"/>
               <a:pPr/>
-              <a:t>08/11/2017</a:t>
+              <a:t>10/11/2017</a:t>
             </a:fld>
             <a:endParaRPr lang="fr-FR"/>
           </a:p>
@@ -781,7 +781,7 @@
             <a:fld id="{E90F2C70-D7C5-4A11-BAB2-648D55629A91}" type="datetimeFigureOut">
               <a:rPr lang="fr-FR" smtClean="0"/>
               <a:pPr/>
-              <a:t>08/11/2017</a:t>
+              <a:t>10/11/2017</a:t>
             </a:fld>
             <a:endParaRPr lang="fr-FR"/>
           </a:p>
@@ -1029,7 +1029,7 @@
             <a:fld id="{E90F2C70-D7C5-4A11-BAB2-648D55629A91}" type="datetimeFigureOut">
               <a:rPr lang="fr-FR" smtClean="0"/>
               <a:pPr/>
-              <a:t>08/11/2017</a:t>
+              <a:t>10/11/2017</a:t>
             </a:fld>
             <a:endParaRPr lang="fr-FR"/>
           </a:p>
@@ -1263,7 +1263,7 @@
             <a:fld id="{E90F2C70-D7C5-4A11-BAB2-648D55629A91}" type="datetimeFigureOut">
               <a:rPr lang="fr-FR" smtClean="0"/>
               <a:pPr/>
-              <a:t>08/11/2017</a:t>
+              <a:t>10/11/2017</a:t>
             </a:fld>
             <a:endParaRPr lang="fr-FR"/>
           </a:p>
@@ -1632,7 +1632,7 @@
             <a:fld id="{E90F2C70-D7C5-4A11-BAB2-648D55629A91}" type="datetimeFigureOut">
               <a:rPr lang="fr-FR" smtClean="0"/>
               <a:pPr/>
-              <a:t>08/11/2017</a:t>
+              <a:t>10/11/2017</a:t>
             </a:fld>
             <a:endParaRPr lang="fr-FR"/>
           </a:p>
@@ -1752,7 +1752,7 @@
             <a:fld id="{E90F2C70-D7C5-4A11-BAB2-648D55629A91}" type="datetimeFigureOut">
               <a:rPr lang="fr-FR" smtClean="0"/>
               <a:pPr/>
-              <a:t>08/11/2017</a:t>
+              <a:t>10/11/2017</a:t>
             </a:fld>
             <a:endParaRPr lang="fr-FR"/>
           </a:p>
@@ -1849,7 +1849,7 @@
             <a:fld id="{E90F2C70-D7C5-4A11-BAB2-648D55629A91}" type="datetimeFigureOut">
               <a:rPr lang="fr-FR" smtClean="0"/>
               <a:pPr/>
-              <a:t>08/11/2017</a:t>
+              <a:t>10/11/2017</a:t>
             </a:fld>
             <a:endParaRPr lang="fr-FR"/>
           </a:p>
@@ -2128,7 +2128,7 @@
             <a:fld id="{E90F2C70-D7C5-4A11-BAB2-648D55629A91}" type="datetimeFigureOut">
               <a:rPr lang="fr-FR" smtClean="0"/>
               <a:pPr/>
-              <a:t>08/11/2017</a:t>
+              <a:t>10/11/2017</a:t>
             </a:fld>
             <a:endParaRPr lang="fr-FR"/>
           </a:p>
@@ -2383,7 +2383,7 @@
             <a:fld id="{E90F2C70-D7C5-4A11-BAB2-648D55629A91}" type="datetimeFigureOut">
               <a:rPr lang="fr-FR" smtClean="0"/>
               <a:pPr/>
-              <a:t>08/11/2017</a:t>
+              <a:t>10/11/2017</a:t>
             </a:fld>
             <a:endParaRPr lang="fr-FR"/>
           </a:p>
@@ -2598,7 +2598,7 @@
             <a:fld id="{E90F2C70-D7C5-4A11-BAB2-648D55629A91}" type="datetimeFigureOut">
               <a:rPr lang="fr-FR" smtClean="0"/>
               <a:pPr/>
-              <a:t>08/11/2017</a:t>
+              <a:t>10/11/2017</a:t>
             </a:fld>
             <a:endParaRPr lang="fr-FR"/>
           </a:p>
@@ -3406,7 +3406,7 @@
         </p:nvCxnSpPr>
         <p:spPr>
           <a:xfrm>
-            <a:off x="7486650" y="4828867"/>
+            <a:off x="7486650" y="4395732"/>
             <a:ext cx="495300" cy="0"/>
           </a:xfrm>
           <a:prstGeom prst="line">
@@ -3441,7 +3441,7 @@
         </p:nvSpPr>
         <p:spPr>
           <a:xfrm>
-            <a:off x="7981950" y="4702383"/>
+            <a:off x="7981950" y="4269248"/>
             <a:ext cx="252968" cy="252968"/>
           </a:xfrm>
           <a:prstGeom prst="ellipse">
@@ -3484,7 +3484,7 @@
         </p:nvSpPr>
         <p:spPr>
           <a:xfrm>
-            <a:off x="8212020" y="4606101"/>
+            <a:off x="8212020" y="4172966"/>
             <a:ext cx="946093" cy="369332"/>
           </a:xfrm>
           <a:prstGeom prst="rect">
@@ -4946,7 +4946,7 @@
         </p:nvSpPr>
         <p:spPr>
           <a:xfrm>
-            <a:off x="6968103" y="1646691"/>
+            <a:off x="7000187" y="1646691"/>
             <a:ext cx="2317366" cy="369332"/>
           </a:xfrm>
           <a:prstGeom prst="rect">
@@ -5035,13 +5035,47 @@
       </p:cxnSp>
       <p:sp>
         <p:nvSpPr>
-          <p:cNvPr id="107" name="Ellipse 106"/>
+          <p:cNvPr id="108" name="ZoneTexte 107"/>
+          <p:cNvSpPr txBox="1"/>
+          <p:nvPr/>
+        </p:nvSpPr>
+        <p:spPr>
+          <a:xfrm>
+            <a:off x="2972170" y="1234752"/>
+            <a:ext cx="1947071" cy="369332"/>
+          </a:xfrm>
+          <a:prstGeom prst="rect">
+            <a:avLst/>
+          </a:prstGeom>
+          <a:noFill/>
+        </p:spPr>
+        <p:txBody>
+          <a:bodyPr wrap="none" rtlCol="0">
+            <a:spAutoFit/>
+          </a:bodyPr>
+          <a:lstStyle/>
+          <a:p>
+            <a:r>
+              <a:rPr lang="fr-FR" dirty="0" err="1" smtClean="0"/>
+              <a:t>closest</a:t>
+            </a:r>
+            <a:r>
+              <a:rPr lang="fr-FR" dirty="0" err="1" smtClean="0"/>
+              <a:t>TrainStation</a:t>
+            </a:r>
+            <a:endParaRPr lang="fr-FR" dirty="0" smtClean="0"/>
+          </a:p>
+        </p:txBody>
+      </p:sp>
+      <p:sp>
+        <p:nvSpPr>
+          <p:cNvPr id="109" name="Ellipse 108"/>
           <p:cNvSpPr/>
           <p:nvPr/>
         </p:nvSpPr>
         <p:spPr>
           <a:xfrm rot="18693875">
-            <a:off x="4906015" y="1021075"/>
+            <a:off x="4858085" y="1719184"/>
             <a:ext cx="252968" cy="252968"/>
           </a:xfrm>
           <a:prstGeom prst="ellipse">
@@ -5078,43 +5112,13 @@
       </p:sp>
       <p:sp>
         <p:nvSpPr>
-          <p:cNvPr id="108" name="ZoneTexte 107"/>
-          <p:cNvSpPr txBox="1"/>
-          <p:nvPr/>
-        </p:nvSpPr>
-        <p:spPr>
-          <a:xfrm>
-            <a:off x="3164674" y="1298920"/>
-            <a:ext cx="1733231" cy="369332"/>
-          </a:xfrm>
-          <a:prstGeom prst="rect">
-            <a:avLst/>
-          </a:prstGeom>
-          <a:noFill/>
-        </p:spPr>
-        <p:txBody>
-          <a:bodyPr wrap="none" rtlCol="0">
-            <a:spAutoFit/>
-          </a:bodyPr>
-          <a:lstStyle/>
-          <a:p>
-            <a:r>
-              <a:rPr lang="fr-FR" dirty="0" err="1" smtClean="0"/>
-              <a:t>nearTrainStation</a:t>
-            </a:r>
-            <a:endParaRPr lang="fr-FR" dirty="0" smtClean="0"/>
-          </a:p>
-        </p:txBody>
-      </p:sp>
-      <p:sp>
-        <p:nvSpPr>
-          <p:cNvPr id="109" name="Ellipse 108"/>
+          <p:cNvPr id="110" name="Ellipse 109"/>
           <p:cNvSpPr/>
           <p:nvPr/>
         </p:nvSpPr>
         <p:spPr>
           <a:xfrm rot="18693875">
-            <a:off x="4858085" y="1719184"/>
+            <a:off x="4168635" y="1724145"/>
             <a:ext cx="252968" cy="252968"/>
           </a:xfrm>
           <a:prstGeom prst="ellipse">
@@ -5149,49 +5153,6 @@
           </a:p>
         </p:txBody>
       </p:sp>
-      <p:sp>
-        <p:nvSpPr>
-          <p:cNvPr id="110" name="Ellipse 109"/>
-          <p:cNvSpPr/>
-          <p:nvPr/>
-        </p:nvSpPr>
-        <p:spPr>
-          <a:xfrm rot="18693875">
-            <a:off x="4168635" y="1724145"/>
-            <a:ext cx="252968" cy="252968"/>
-          </a:xfrm>
-          <a:prstGeom prst="ellipse">
-            <a:avLst/>
-          </a:prstGeom>
-          <a:solidFill>
-            <a:schemeClr val="accent6"/>
-          </a:solidFill>
-        </p:spPr>
-        <p:style>
-          <a:lnRef idx="2">
-            <a:schemeClr val="accent1">
-              <a:shade val="50000"/>
-            </a:schemeClr>
-          </a:lnRef>
-          <a:fillRef idx="1">
-            <a:schemeClr val="accent1"/>
-          </a:fillRef>
-          <a:effectRef idx="0">
-            <a:schemeClr val="accent1"/>
-          </a:effectRef>
-          <a:fontRef idx="minor">
-            <a:schemeClr val="lt1"/>
-          </a:fontRef>
-        </p:style>
-        <p:txBody>
-          <a:bodyPr rtlCol="0" anchor="ctr"/>
-          <a:lstStyle/>
-          <a:p>
-            <a:pPr algn="ctr"/>
-            <a:endParaRPr lang="fr-FR"/>
-          </a:p>
-        </p:txBody>
-      </p:sp>
       <p:cxnSp>
         <p:nvCxnSpPr>
           <p:cNvPr id="111" name="Connecteur droit 110"/>
@@ -5200,7 +5161,7 @@
         </p:nvCxnSpPr>
         <p:spPr>
           <a:xfrm>
-            <a:off x="5064076" y="1543518"/>
+            <a:off x="5064076" y="1484417"/>
             <a:ext cx="495300" cy="0"/>
           </a:xfrm>
           <a:prstGeom prst="line">
@@ -5269,44 +5230,9 @@
           <p:nvPr/>
         </p:nvCxnSpPr>
         <p:spPr>
-          <a:xfrm rot="5400000">
-            <a:off x="5703984" y="830045"/>
-            <a:ext cx="495300" cy="0"/>
-          </a:xfrm>
-          <a:prstGeom prst="line">
-            <a:avLst/>
-          </a:prstGeom>
-          <a:ln>
-            <a:solidFill>
-              <a:schemeClr val="tx1"/>
-            </a:solidFill>
-          </a:ln>
-        </p:spPr>
-        <p:style>
-          <a:lnRef idx="1">
-            <a:schemeClr val="accent1"/>
-          </a:lnRef>
-          <a:fillRef idx="0">
-            <a:schemeClr val="accent1"/>
-          </a:fillRef>
-          <a:effectRef idx="0">
-            <a:schemeClr val="accent1"/>
-          </a:effectRef>
-          <a:fontRef idx="minor">
-            <a:schemeClr val="tx1"/>
-          </a:fontRef>
-        </p:style>
-      </p:cxnSp>
-      <p:cxnSp>
-        <p:nvCxnSpPr>
-          <p:cNvPr id="114" name="Connecteur droit 113"/>
-          <p:cNvCxnSpPr/>
-          <p:nvPr/>
-        </p:nvCxnSpPr>
-        <p:spPr>
-          <a:xfrm rot="1320000">
-            <a:off x="5094809" y="1320734"/>
-            <a:ext cx="495300" cy="0"/>
+          <a:xfrm>
+            <a:off x="5759130" y="534269"/>
+            <a:ext cx="131708" cy="550392"/>
           </a:xfrm>
           <a:prstGeom prst="line">
             <a:avLst/>
@@ -5340,7 +5266,7 @@
         </p:nvCxnSpPr>
         <p:spPr>
           <a:xfrm>
-            <a:off x="5420887" y="855363"/>
+            <a:off x="5356719" y="951615"/>
             <a:ext cx="252036" cy="350204"/>
           </a:xfrm>
           <a:prstGeom prst="line">
@@ -5375,7 +5301,7 @@
         </p:nvSpPr>
         <p:spPr>
           <a:xfrm rot="18693875">
-            <a:off x="5273738" y="658708"/>
+            <a:off x="5209570" y="754960"/>
             <a:ext cx="252968" cy="252968"/>
           </a:xfrm>
           <a:prstGeom prst="ellipse">
@@ -5418,7 +5344,7 @@
         </p:nvSpPr>
         <p:spPr>
           <a:xfrm rot="18693875">
-            <a:off x="5825843" y="383898"/>
+            <a:off x="5633339" y="319730"/>
             <a:ext cx="252968" cy="252968"/>
           </a:xfrm>
           <a:prstGeom prst="ellipse">
@@ -5461,7 +5387,7 @@
         </p:nvSpPr>
         <p:spPr>
           <a:xfrm rot="18693875">
-            <a:off x="4843149" y="1403167"/>
+            <a:off x="4843149" y="1338999"/>
             <a:ext cx="252968" cy="252968"/>
           </a:xfrm>
           <a:prstGeom prst="ellipse">
@@ -5498,14 +5424,14 @@
       </p:sp>
       <p:sp>
         <p:nvSpPr>
-          <p:cNvPr id="121" name="ZoneTexte 120"/>
+          <p:cNvPr id="123" name="ZoneTexte 122"/>
           <p:cNvSpPr txBox="1"/>
           <p:nvPr/>
         </p:nvSpPr>
         <p:spPr>
           <a:xfrm>
-            <a:off x="3491154" y="913034"/>
-            <a:ext cx="1378904" cy="369332"/>
+            <a:off x="3051544" y="583194"/>
+            <a:ext cx="2173608" cy="369332"/>
           </a:xfrm>
           <a:prstGeom prst="rect">
             <a:avLst/>
@@ -5520,7 +5446,11 @@
           <a:p>
             <a:r>
               <a:rPr lang="fr-FR" dirty="0" err="1" smtClean="0"/>
-              <a:t>nearHeliport</a:t>
+              <a:t>closest</a:t>
+            </a:r>
+            <a:r>
+              <a:rPr lang="fr-FR" dirty="0" err="1" smtClean="0"/>
+              <a:t>IndustrialZone</a:t>
             </a:r>
             <a:endParaRPr lang="fr-FR" dirty="0" smtClean="0"/>
           </a:p>
@@ -5528,14 +5458,14 @@
       </p:sp>
       <p:sp>
         <p:nvSpPr>
-          <p:cNvPr id="123" name="ZoneTexte 122"/>
+          <p:cNvPr id="124" name="ZoneTexte 123"/>
           <p:cNvSpPr txBox="1"/>
           <p:nvPr/>
         </p:nvSpPr>
         <p:spPr>
           <a:xfrm>
-            <a:off x="3372384" y="470900"/>
-            <a:ext cx="1959767" cy="369332"/>
+            <a:off x="4936507" y="-49883"/>
+            <a:ext cx="1518877" cy="369332"/>
           </a:xfrm>
           <a:prstGeom prst="rect">
             <a:avLst/>
@@ -5550,37 +5480,11 @@
           <a:p>
             <a:r>
               <a:rPr lang="fr-FR" dirty="0" err="1" smtClean="0"/>
-              <a:t>nearIndustrialZone</a:t>
-            </a:r>
-            <a:endParaRPr lang="fr-FR" dirty="0" smtClean="0"/>
-          </a:p>
-        </p:txBody>
-      </p:sp>
-      <p:sp>
-        <p:nvSpPr>
-          <p:cNvPr id="124" name="ZoneTexte 123"/>
-          <p:cNvSpPr txBox="1"/>
-          <p:nvPr/>
-        </p:nvSpPr>
-        <p:spPr>
-          <a:xfrm>
-            <a:off x="5401725" y="14285"/>
-            <a:ext cx="1305037" cy="369332"/>
-          </a:xfrm>
-          <a:prstGeom prst="rect">
-            <a:avLst/>
-          </a:prstGeom>
-          <a:noFill/>
-        </p:spPr>
-        <p:txBody>
-          <a:bodyPr wrap="none" rtlCol="0">
-            <a:spAutoFit/>
-          </a:bodyPr>
-          <a:lstStyle/>
-          <a:p>
+              <a:t>closest</a:t>
+            </a:r>
             <a:r>
               <a:rPr lang="fr-FR" dirty="0" err="1" smtClean="0"/>
-              <a:t>nearParking</a:t>
+              <a:t>Parking</a:t>
             </a:r>
             <a:endParaRPr lang="fr-FR" dirty="0" smtClean="0"/>
           </a:p>
@@ -5594,7 +5498,7 @@
         </p:nvCxnSpPr>
         <p:spPr>
           <a:xfrm rot="-4680000">
-            <a:off x="6046428" y="922632"/>
+            <a:off x="5950176" y="858464"/>
             <a:ext cx="495300" cy="0"/>
           </a:xfrm>
           <a:prstGeom prst="line">
@@ -5629,7 +5533,7 @@
         </p:nvCxnSpPr>
         <p:spPr>
           <a:xfrm rot="-2700000">
-            <a:off x="6281466" y="1111577"/>
+            <a:off x="6265424" y="1063462"/>
             <a:ext cx="495300" cy="0"/>
           </a:xfrm>
           <a:prstGeom prst="line">
@@ -5699,7 +5603,7 @@
         </p:nvSpPr>
         <p:spPr>
           <a:xfrm rot="18693875">
-            <a:off x="6270921" y="487380"/>
+            <a:off x="6174669" y="423212"/>
             <a:ext cx="252968" cy="252968"/>
           </a:xfrm>
           <a:prstGeom prst="ellipse">
@@ -5742,7 +5646,7 @@
         </p:nvSpPr>
         <p:spPr>
           <a:xfrm rot="18693875">
-            <a:off x="6611428" y="714852"/>
+            <a:off x="6595386" y="666726"/>
             <a:ext cx="252968" cy="252968"/>
           </a:xfrm>
           <a:prstGeom prst="ellipse">
@@ -5871,8 +5775,8 @@
         </p:nvSpPr>
         <p:spPr>
           <a:xfrm>
-            <a:off x="6460905" y="219186"/>
-            <a:ext cx="1088118" cy="369332"/>
+            <a:off x="6364653" y="155018"/>
+            <a:ext cx="1301959" cy="369332"/>
           </a:xfrm>
           <a:prstGeom prst="rect">
             <a:avLst/>
@@ -5887,7 +5791,11 @@
           <a:p>
             <a:r>
               <a:rPr lang="fr-FR" dirty="0" err="1" smtClean="0"/>
-              <a:t>nearRiver</a:t>
+              <a:t>closest</a:t>
+            </a:r>
+            <a:r>
+              <a:rPr lang="fr-FR" dirty="0" err="1" smtClean="0"/>
+              <a:t>River</a:t>
             </a:r>
             <a:endParaRPr lang="fr-FR" dirty="0"/>
           </a:p>
@@ -5901,8 +5809,8 @@
         </p:nvSpPr>
         <p:spPr>
           <a:xfrm>
-            <a:off x="6789549" y="546402"/>
-            <a:ext cx="1670265" cy="369332"/>
+            <a:off x="6773507" y="498287"/>
+            <a:ext cx="1884106" cy="369332"/>
           </a:xfrm>
           <a:prstGeom prst="rect">
             <a:avLst/>
@@ -5917,7 +5825,11 @@
           <a:p>
             <a:r>
               <a:rPr lang="fr-FR" dirty="0" err="1" smtClean="0"/>
-              <a:t>nearMotorways</a:t>
+              <a:t>closest</a:t>
+            </a:r>
+            <a:r>
+              <a:rPr lang="fr-FR" dirty="0" err="1" smtClean="0"/>
+              <a:t>Motorways</a:t>
             </a:r>
             <a:endParaRPr lang="fr-FR" dirty="0" smtClean="0"/>
           </a:p>
@@ -5932,7 +5844,7 @@
         <p:spPr>
           <a:xfrm>
             <a:off x="7032831" y="939707"/>
-            <a:ext cx="1026243" cy="369332"/>
+            <a:ext cx="1240083" cy="369332"/>
           </a:xfrm>
           <a:prstGeom prst="rect">
             <a:avLst/>
@@ -5947,7 +5859,11 @@
           <a:p>
             <a:r>
               <a:rPr lang="fr-FR" dirty="0" err="1" smtClean="0"/>
-              <a:t>nearMall</a:t>
+              <a:t>closest</a:t>
+            </a:r>
+            <a:r>
+              <a:rPr lang="fr-FR" dirty="0" err="1" smtClean="0"/>
+              <a:t>Mall</a:t>
             </a:r>
             <a:endParaRPr lang="fr-FR" dirty="0" smtClean="0"/>
           </a:p>
@@ -5962,7 +5878,7 @@
         <p:spPr>
           <a:xfrm>
             <a:off x="7048517" y="1319016"/>
-            <a:ext cx="1176989" cy="369332"/>
+            <a:ext cx="1390830" cy="369332"/>
           </a:xfrm>
           <a:prstGeom prst="rect">
             <a:avLst/>
@@ -5977,7 +5893,11 @@
           <a:p>
             <a:r>
               <a:rPr lang="fr-FR" dirty="0" err="1" smtClean="0"/>
-              <a:t>nearRoads</a:t>
+              <a:t>closest</a:t>
+            </a:r>
+            <a:r>
+              <a:rPr lang="fr-FR" dirty="0" err="1" smtClean="0"/>
+              <a:t>Roads</a:t>
             </a:r>
             <a:endParaRPr lang="fr-FR" dirty="0" smtClean="0"/>
           </a:p>
@@ -6204,7 +6124,7 @@
         </p:nvSpPr>
         <p:spPr>
           <a:xfrm>
-            <a:off x="7658081" y="6061308"/>
+            <a:off x="7690165" y="6061308"/>
             <a:ext cx="252968" cy="252968"/>
           </a:xfrm>
           <a:prstGeom prst="ellipse">
@@ -6301,6 +6221,114 @@
               <a:t>stumpDiameterGroup</a:t>
             </a:r>
             <a:endParaRPr lang="fr-FR" dirty="0" smtClean="0"/>
+          </a:p>
+        </p:txBody>
+      </p:sp>
+      <p:cxnSp>
+        <p:nvCxnSpPr>
+          <p:cNvPr id="115" name="Connecteur droit 114"/>
+          <p:cNvCxnSpPr/>
+          <p:nvPr/>
+        </p:nvCxnSpPr>
+        <p:spPr>
+          <a:xfrm>
+            <a:off x="7494672" y="4933140"/>
+            <a:ext cx="495300" cy="0"/>
+          </a:xfrm>
+          <a:prstGeom prst="line">
+            <a:avLst/>
+          </a:prstGeom>
+          <a:ln>
+            <a:solidFill>
+              <a:schemeClr val="tx1"/>
+            </a:solidFill>
+          </a:ln>
+        </p:spPr>
+        <p:style>
+          <a:lnRef idx="1">
+            <a:schemeClr val="accent1"/>
+          </a:lnRef>
+          <a:fillRef idx="0">
+            <a:schemeClr val="accent1"/>
+          </a:fillRef>
+          <a:effectRef idx="0">
+            <a:schemeClr val="accent1"/>
+          </a:effectRef>
+          <a:fontRef idx="minor">
+            <a:schemeClr val="tx1"/>
+          </a:fontRef>
+        </p:style>
+      </p:cxnSp>
+      <p:sp>
+        <p:nvSpPr>
+          <p:cNvPr id="117" name="Ellipse 116"/>
+          <p:cNvSpPr/>
+          <p:nvPr/>
+        </p:nvSpPr>
+        <p:spPr>
+          <a:xfrm>
+            <a:off x="7989972" y="4806656"/>
+            <a:ext cx="252968" cy="252968"/>
+          </a:xfrm>
+          <a:prstGeom prst="ellipse">
+            <a:avLst/>
+          </a:prstGeom>
+          <a:solidFill>
+            <a:schemeClr val="tx1"/>
+          </a:solidFill>
+        </p:spPr>
+        <p:style>
+          <a:lnRef idx="2">
+            <a:schemeClr val="accent1">
+              <a:shade val="50000"/>
+            </a:schemeClr>
+          </a:lnRef>
+          <a:fillRef idx="1">
+            <a:schemeClr val="accent1"/>
+          </a:fillRef>
+          <a:effectRef idx="0">
+            <a:schemeClr val="accent1"/>
+          </a:effectRef>
+          <a:fontRef idx="minor">
+            <a:schemeClr val="lt1"/>
+          </a:fontRef>
+        </p:style>
+        <p:txBody>
+          <a:bodyPr rtlCol="0" anchor="ctr"/>
+          <a:lstStyle/>
+          <a:p>
+            <a:pPr algn="ctr"/>
+            <a:endParaRPr lang="fr-FR"/>
+          </a:p>
+        </p:txBody>
+      </p:sp>
+      <p:sp>
+        <p:nvSpPr>
+          <p:cNvPr id="122" name="ZoneTexte 121"/>
+          <p:cNvSpPr txBox="1"/>
+          <p:nvPr/>
+        </p:nvSpPr>
+        <p:spPr>
+          <a:xfrm>
+            <a:off x="8220042" y="4710374"/>
+            <a:ext cx="3034036" cy="369332"/>
+          </a:xfrm>
+          <a:prstGeom prst="rect">
+            <a:avLst/>
+          </a:prstGeom>
+          <a:noFill/>
+        </p:spPr>
+        <p:txBody>
+          <a:bodyPr wrap="none" rtlCol="0">
+            <a:spAutoFit/>
+          </a:bodyPr>
+          <a:lstStyle/>
+          <a:p>
+            <a:r>
+              <a:rPr lang="fr-FR" dirty="0" smtClean="0"/>
+              <a:t>Pollution année diagnostique?</a:t>
+            </a:r>
+            <a:endParaRPr lang="fr-FR" dirty="0"/>
           </a:p>
         </p:txBody>
       </p:sp>

--- a/df-model/df-model.pptx
+++ b/df-model/df-model.pptx
@@ -6,6 +6,7 @@
   </p:sldMasterIdLst>
   <p:sldIdLst>
     <p:sldId id="256" r:id="rId2"/>
+    <p:sldId id="257" r:id="rId3"/>
   </p:sldIdLst>
   <p:sldSz cx="12192000" cy="6858000"/>
   <p:notesSz cx="6858000" cy="9144000"/>
@@ -255,7 +256,7 @@
             <a:fld id="{E90F2C70-D7C5-4A11-BAB2-648D55629A91}" type="datetimeFigureOut">
               <a:rPr lang="fr-FR" smtClean="0"/>
               <a:pPr/>
-              <a:t>10/11/2017</a:t>
+              <a:t>14/11/2017</a:t>
             </a:fld>
             <a:endParaRPr lang="fr-FR"/>
           </a:p>
@@ -427,7 +428,7 @@
             <a:fld id="{E90F2C70-D7C5-4A11-BAB2-648D55629A91}" type="datetimeFigureOut">
               <a:rPr lang="fr-FR" smtClean="0"/>
               <a:pPr/>
-              <a:t>10/11/2017</a:t>
+              <a:t>14/11/2017</a:t>
             </a:fld>
             <a:endParaRPr lang="fr-FR"/>
           </a:p>
@@ -609,7 +610,7 @@
             <a:fld id="{E90F2C70-D7C5-4A11-BAB2-648D55629A91}" type="datetimeFigureOut">
               <a:rPr lang="fr-FR" smtClean="0"/>
               <a:pPr/>
-              <a:t>10/11/2017</a:t>
+              <a:t>14/11/2017</a:t>
             </a:fld>
             <a:endParaRPr lang="fr-FR"/>
           </a:p>
@@ -781,7 +782,7 @@
             <a:fld id="{E90F2C70-D7C5-4A11-BAB2-648D55629A91}" type="datetimeFigureOut">
               <a:rPr lang="fr-FR" smtClean="0"/>
               <a:pPr/>
-              <a:t>10/11/2017</a:t>
+              <a:t>14/11/2017</a:t>
             </a:fld>
             <a:endParaRPr lang="fr-FR"/>
           </a:p>
@@ -1029,7 +1030,7 @@
             <a:fld id="{E90F2C70-D7C5-4A11-BAB2-648D55629A91}" type="datetimeFigureOut">
               <a:rPr lang="fr-FR" smtClean="0"/>
               <a:pPr/>
-              <a:t>10/11/2017</a:t>
+              <a:t>14/11/2017</a:t>
             </a:fld>
             <a:endParaRPr lang="fr-FR"/>
           </a:p>
@@ -1263,7 +1264,7 @@
             <a:fld id="{E90F2C70-D7C5-4A11-BAB2-648D55629A91}" type="datetimeFigureOut">
               <a:rPr lang="fr-FR" smtClean="0"/>
               <a:pPr/>
-              <a:t>10/11/2017</a:t>
+              <a:t>14/11/2017</a:t>
             </a:fld>
             <a:endParaRPr lang="fr-FR"/>
           </a:p>
@@ -1632,7 +1633,7 @@
             <a:fld id="{E90F2C70-D7C5-4A11-BAB2-648D55629A91}" type="datetimeFigureOut">
               <a:rPr lang="fr-FR" smtClean="0"/>
               <a:pPr/>
-              <a:t>10/11/2017</a:t>
+              <a:t>14/11/2017</a:t>
             </a:fld>
             <a:endParaRPr lang="fr-FR"/>
           </a:p>
@@ -1752,7 +1753,7 @@
             <a:fld id="{E90F2C70-D7C5-4A11-BAB2-648D55629A91}" type="datetimeFigureOut">
               <a:rPr lang="fr-FR" smtClean="0"/>
               <a:pPr/>
-              <a:t>10/11/2017</a:t>
+              <a:t>14/11/2017</a:t>
             </a:fld>
             <a:endParaRPr lang="fr-FR"/>
           </a:p>
@@ -1849,7 +1850,7 @@
             <a:fld id="{E90F2C70-D7C5-4A11-BAB2-648D55629A91}" type="datetimeFigureOut">
               <a:rPr lang="fr-FR" smtClean="0"/>
               <a:pPr/>
-              <a:t>10/11/2017</a:t>
+              <a:t>14/11/2017</a:t>
             </a:fld>
             <a:endParaRPr lang="fr-FR"/>
           </a:p>
@@ -2128,7 +2129,7 @@
             <a:fld id="{E90F2C70-D7C5-4A11-BAB2-648D55629A91}" type="datetimeFigureOut">
               <a:rPr lang="fr-FR" smtClean="0"/>
               <a:pPr/>
-              <a:t>10/11/2017</a:t>
+              <a:t>14/11/2017</a:t>
             </a:fld>
             <a:endParaRPr lang="fr-FR"/>
           </a:p>
@@ -2383,7 +2384,7 @@
             <a:fld id="{E90F2C70-D7C5-4A11-BAB2-648D55629A91}" type="datetimeFigureOut">
               <a:rPr lang="fr-FR" smtClean="0"/>
               <a:pPr/>
-              <a:t>10/11/2017</a:t>
+              <a:t>14/11/2017</a:t>
             </a:fld>
             <a:endParaRPr lang="fr-FR"/>
           </a:p>
@@ -2598,7 +2599,7 @@
             <a:fld id="{E90F2C70-D7C5-4A11-BAB2-648D55629A91}" type="datetimeFigureOut">
               <a:rPr lang="fr-FR" smtClean="0"/>
               <a:pPr/>
-              <a:t>10/11/2017</a:t>
+              <a:t>14/11/2017</a:t>
             </a:fld>
             <a:endParaRPr lang="fr-FR"/>
           </a:p>
@@ -3122,7 +3123,7 @@
         <p:spPr>
           <a:xfrm>
             <a:off x="4785846" y="3751318"/>
-            <a:ext cx="2305631" cy="1754326"/>
+            <a:ext cx="2640659" cy="1754326"/>
           </a:xfrm>
           <a:prstGeom prst="rect">
             <a:avLst/>
@@ -3166,16 +3167,12 @@
               <a:buChar char="•"/>
             </a:pPr>
             <a:r>
-              <a:rPr lang="fr-FR" dirty="0" err="1"/>
-              <a:t>s</a:t>
-            </a:r>
-            <a:r>
               <a:rPr lang="fr-FR" dirty="0" err="1" smtClean="0"/>
-              <a:t>ick</a:t>
+              <a:t>disease</a:t>
             </a:r>
             <a:r>
               <a:rPr lang="fr-FR" dirty="0" smtClean="0"/>
-              <a:t> (</a:t>
+              <a:t>(</a:t>
             </a:r>
             <a:r>
               <a:rPr lang="fr-FR" dirty="0" err="1" smtClean="0"/>
@@ -3192,16 +3189,16 @@
               <a:buChar char="•"/>
             </a:pPr>
             <a:r>
-              <a:rPr lang="fr-FR" dirty="0" err="1"/>
-              <a:t>s</a:t>
-            </a:r>
-            <a:r>
               <a:rPr lang="fr-FR" dirty="0" err="1" smtClean="0"/>
-              <a:t>ickOnRoot</a:t>
+              <a:t>diseaseOnRoot</a:t>
             </a:r>
             <a:r>
               <a:rPr lang="fr-FR" dirty="0" smtClean="0"/>
-              <a:t> (</a:t>
+              <a:t> </a:t>
+            </a:r>
+            <a:r>
+              <a:rPr lang="fr-FR" dirty="0" smtClean="0"/>
+              <a:t>(</a:t>
             </a:r>
             <a:r>
               <a:rPr lang="fr-FR" dirty="0" err="1" smtClean="0"/>
@@ -3219,15 +3216,15 @@
             </a:pPr>
             <a:r>
               <a:rPr lang="fr-FR" dirty="0" err="1"/>
-              <a:t>s</a:t>
-            </a:r>
-            <a:r>
-              <a:rPr lang="fr-FR" dirty="0" err="1" smtClean="0"/>
-              <a:t>ickOnTrunk</a:t>
+              <a:t>diseaseOnTrunk</a:t>
+            </a:r>
+            <a:r>
+              <a:rPr lang="fr-FR" dirty="0"/>
+              <a:t> </a:t>
             </a:r>
             <a:r>
               <a:rPr lang="fr-FR" dirty="0" smtClean="0"/>
-              <a:t> (</a:t>
+              <a:t>(</a:t>
             </a:r>
             <a:r>
               <a:rPr lang="fr-FR" dirty="0" err="1" smtClean="0"/>
@@ -3245,15 +3242,15 @@
             </a:pPr>
             <a:r>
               <a:rPr lang="fr-FR" dirty="0" err="1"/>
-              <a:t>s</a:t>
-            </a:r>
-            <a:r>
-              <a:rPr lang="fr-FR" dirty="0" err="1" smtClean="0"/>
-              <a:t>ickOnCollar</a:t>
+              <a:t>diseaseOnCollar</a:t>
+            </a:r>
+            <a:r>
+              <a:rPr lang="fr-FR" dirty="0"/>
+              <a:t> </a:t>
             </a:r>
             <a:r>
               <a:rPr lang="fr-FR" dirty="0" smtClean="0"/>
-              <a:t> (</a:t>
+              <a:t>(</a:t>
             </a:r>
             <a:r>
               <a:rPr lang="fr-FR" dirty="0" err="1" smtClean="0"/>
@@ -3271,15 +3268,15 @@
             </a:pPr>
             <a:r>
               <a:rPr lang="fr-FR" dirty="0" err="1"/>
-              <a:t>s</a:t>
-            </a:r>
-            <a:r>
-              <a:rPr lang="fr-FR" dirty="0" err="1" smtClean="0"/>
-              <a:t>ickOnCrown</a:t>
+              <a:t>diseaseOnCrown</a:t>
+            </a:r>
+            <a:r>
+              <a:rPr lang="fr-FR" dirty="0"/>
+              <a:t> </a:t>
             </a:r>
             <a:r>
               <a:rPr lang="fr-FR" dirty="0" smtClean="0"/>
-              <a:t> (</a:t>
+              <a:t>(</a:t>
             </a:r>
             <a:r>
               <a:rPr lang="fr-FR" dirty="0" err="1" smtClean="0"/>
@@ -3485,7 +3482,7 @@
         <p:spPr>
           <a:xfrm>
             <a:off x="8212020" y="4172966"/>
-            <a:ext cx="946093" cy="369332"/>
+            <a:ext cx="970137" cy="369332"/>
           </a:xfrm>
           <a:prstGeom prst="rect">
             <a:avLst/>
@@ -3500,7 +3497,7 @@
           <a:p>
             <a:r>
               <a:rPr lang="fr-FR" dirty="0" err="1" smtClean="0"/>
-              <a:t>sickness</a:t>
+              <a:t>diseases</a:t>
             </a:r>
             <a:endParaRPr lang="fr-FR" dirty="0"/>
           </a:p>
@@ -5057,11 +5054,7 @@
           <a:p>
             <a:r>
               <a:rPr lang="fr-FR" dirty="0" err="1" smtClean="0"/>
-              <a:t>closest</a:t>
-            </a:r>
-            <a:r>
-              <a:rPr lang="fr-FR" dirty="0" err="1" smtClean="0"/>
-              <a:t>TrainStation</a:t>
+              <a:t>closestTrainStation</a:t>
             </a:r>
             <a:endParaRPr lang="fr-FR" dirty="0" smtClean="0"/>
           </a:p>
@@ -5344,7 +5337,7 @@
         </p:nvSpPr>
         <p:spPr>
           <a:xfrm rot="18693875">
-            <a:off x="5633339" y="319730"/>
+            <a:off x="5620460" y="358367"/>
             <a:ext cx="252968" cy="252968"/>
           </a:xfrm>
           <a:prstGeom prst="ellipse">
@@ -5446,11 +5439,7 @@
           <a:p>
             <a:r>
               <a:rPr lang="fr-FR" dirty="0" err="1" smtClean="0"/>
-              <a:t>closest</a:t>
-            </a:r>
-            <a:r>
-              <a:rPr lang="fr-FR" dirty="0" err="1" smtClean="0"/>
-              <a:t>IndustrialZone</a:t>
+              <a:t>closestIndustrialZone</a:t>
             </a:r>
             <a:endParaRPr lang="fr-FR" dirty="0" smtClean="0"/>
           </a:p>
@@ -5480,11 +5469,7 @@
           <a:p>
             <a:r>
               <a:rPr lang="fr-FR" dirty="0" err="1" smtClean="0"/>
-              <a:t>closest</a:t>
-            </a:r>
-            <a:r>
-              <a:rPr lang="fr-FR" dirty="0" err="1" smtClean="0"/>
-              <a:t>Parking</a:t>
+              <a:t>closestParking</a:t>
             </a:r>
             <a:endParaRPr lang="fr-FR" dirty="0" smtClean="0"/>
           </a:p>
@@ -5791,11 +5776,7 @@
           <a:p>
             <a:r>
               <a:rPr lang="fr-FR" dirty="0" err="1" smtClean="0"/>
-              <a:t>closest</a:t>
-            </a:r>
-            <a:r>
-              <a:rPr lang="fr-FR" dirty="0" err="1" smtClean="0"/>
-              <a:t>River</a:t>
+              <a:t>closestRiver</a:t>
             </a:r>
             <a:endParaRPr lang="fr-FR" dirty="0"/>
           </a:p>
@@ -5825,11 +5806,7 @@
           <a:p>
             <a:r>
               <a:rPr lang="fr-FR" dirty="0" err="1" smtClean="0"/>
-              <a:t>closest</a:t>
-            </a:r>
-            <a:r>
-              <a:rPr lang="fr-FR" dirty="0" err="1" smtClean="0"/>
-              <a:t>Motorways</a:t>
+              <a:t>closestMotorways</a:t>
             </a:r>
             <a:endParaRPr lang="fr-FR" dirty="0" smtClean="0"/>
           </a:p>
@@ -5859,11 +5836,7 @@
           <a:p>
             <a:r>
               <a:rPr lang="fr-FR" dirty="0" err="1" smtClean="0"/>
-              <a:t>closest</a:t>
-            </a:r>
-            <a:r>
-              <a:rPr lang="fr-FR" dirty="0" err="1" smtClean="0"/>
-              <a:t>Mall</a:t>
+              <a:t>closestMall</a:t>
             </a:r>
             <a:endParaRPr lang="fr-FR" dirty="0" smtClean="0"/>
           </a:p>
@@ -5893,11 +5866,7 @@
           <a:p>
             <a:r>
               <a:rPr lang="fr-FR" dirty="0" err="1" smtClean="0"/>
-              <a:t>closest</a:t>
-            </a:r>
-            <a:r>
-              <a:rPr lang="fr-FR" dirty="0" err="1" smtClean="0"/>
-              <a:t>Roads</a:t>
+              <a:t>closestRoads</a:t>
             </a:r>
             <a:endParaRPr lang="fr-FR" dirty="0" smtClean="0"/>
           </a:p>
@@ -6221,114 +6190,6 @@
               <a:t>stumpDiameterGroup</a:t>
             </a:r>
             <a:endParaRPr lang="fr-FR" dirty="0" smtClean="0"/>
-          </a:p>
-        </p:txBody>
-      </p:sp>
-      <p:cxnSp>
-        <p:nvCxnSpPr>
-          <p:cNvPr id="115" name="Connecteur droit 114"/>
-          <p:cNvCxnSpPr/>
-          <p:nvPr/>
-        </p:nvCxnSpPr>
-        <p:spPr>
-          <a:xfrm>
-            <a:off x="7494672" y="4933140"/>
-            <a:ext cx="495300" cy="0"/>
-          </a:xfrm>
-          <a:prstGeom prst="line">
-            <a:avLst/>
-          </a:prstGeom>
-          <a:ln>
-            <a:solidFill>
-              <a:schemeClr val="tx1"/>
-            </a:solidFill>
-          </a:ln>
-        </p:spPr>
-        <p:style>
-          <a:lnRef idx="1">
-            <a:schemeClr val="accent1"/>
-          </a:lnRef>
-          <a:fillRef idx="0">
-            <a:schemeClr val="accent1"/>
-          </a:fillRef>
-          <a:effectRef idx="0">
-            <a:schemeClr val="accent1"/>
-          </a:effectRef>
-          <a:fontRef idx="minor">
-            <a:schemeClr val="tx1"/>
-          </a:fontRef>
-        </p:style>
-      </p:cxnSp>
-      <p:sp>
-        <p:nvSpPr>
-          <p:cNvPr id="117" name="Ellipse 116"/>
-          <p:cNvSpPr/>
-          <p:nvPr/>
-        </p:nvSpPr>
-        <p:spPr>
-          <a:xfrm>
-            <a:off x="7989972" y="4806656"/>
-            <a:ext cx="252968" cy="252968"/>
-          </a:xfrm>
-          <a:prstGeom prst="ellipse">
-            <a:avLst/>
-          </a:prstGeom>
-          <a:solidFill>
-            <a:schemeClr val="tx1"/>
-          </a:solidFill>
-        </p:spPr>
-        <p:style>
-          <a:lnRef idx="2">
-            <a:schemeClr val="accent1">
-              <a:shade val="50000"/>
-            </a:schemeClr>
-          </a:lnRef>
-          <a:fillRef idx="1">
-            <a:schemeClr val="accent1"/>
-          </a:fillRef>
-          <a:effectRef idx="0">
-            <a:schemeClr val="accent1"/>
-          </a:effectRef>
-          <a:fontRef idx="minor">
-            <a:schemeClr val="lt1"/>
-          </a:fontRef>
-        </p:style>
-        <p:txBody>
-          <a:bodyPr rtlCol="0" anchor="ctr"/>
-          <a:lstStyle/>
-          <a:p>
-            <a:pPr algn="ctr"/>
-            <a:endParaRPr lang="fr-FR"/>
-          </a:p>
-        </p:txBody>
-      </p:sp>
-      <p:sp>
-        <p:nvSpPr>
-          <p:cNvPr id="122" name="ZoneTexte 121"/>
-          <p:cNvSpPr txBox="1"/>
-          <p:nvPr/>
-        </p:nvSpPr>
-        <p:spPr>
-          <a:xfrm>
-            <a:off x="8220042" y="4710374"/>
-            <a:ext cx="3034036" cy="369332"/>
-          </a:xfrm>
-          <a:prstGeom prst="rect">
-            <a:avLst/>
-          </a:prstGeom>
-          <a:noFill/>
-        </p:spPr>
-        <p:txBody>
-          <a:bodyPr wrap="none" rtlCol="0">
-            <a:spAutoFit/>
-          </a:bodyPr>
-          <a:lstStyle/>
-          <a:p>
-            <a:r>
-              <a:rPr lang="fr-FR" dirty="0" smtClean="0"/>
-              <a:t>Pollution année diagnostique?</a:t>
-            </a:r>
-            <a:endParaRPr lang="fr-FR" dirty="0"/>
           </a:p>
         </p:txBody>
       </p:sp>
@@ -6349,6 +6210,1294 @@
       </p:par>
     </p:tnLst>
   </p:timing>
+</p:sld>
+</file>
+
+<file path=ppt/slides/slide2.xml><?xml version="1.0" encoding="utf-8"?>
+<p:sld xmlns:a="http://schemas.openxmlformats.org/drawingml/2006/main" xmlns:r="http://schemas.openxmlformats.org/officeDocument/2006/relationships" xmlns:p="http://schemas.openxmlformats.org/presentationml/2006/main">
+  <p:cSld>
+    <p:spTree>
+      <p:nvGrpSpPr>
+        <p:cNvPr id="1" name=""/>
+        <p:cNvGrpSpPr/>
+        <p:nvPr/>
+      </p:nvGrpSpPr>
+      <p:grpSpPr>
+        <a:xfrm>
+          <a:off x="0" y="0"/>
+          <a:ext cx="0" cy="0"/>
+          <a:chOff x="0" y="0"/>
+          <a:chExt cx="0" cy="0"/>
+        </a:xfrm>
+      </p:grpSpPr>
+      <p:sp>
+        <p:nvSpPr>
+          <p:cNvPr id="4" name="Rectangle 3"/>
+          <p:cNvSpPr/>
+          <p:nvPr/>
+        </p:nvSpPr>
+        <p:spPr>
+          <a:xfrm>
+            <a:off x="2350124" y="142934"/>
+            <a:ext cx="7064330" cy="5639679"/>
+          </a:xfrm>
+          <a:prstGeom prst="rect">
+            <a:avLst/>
+          </a:prstGeom>
+          <a:solidFill>
+            <a:schemeClr val="bg1">
+              <a:lumMod val="95000"/>
+            </a:schemeClr>
+          </a:solidFill>
+        </p:spPr>
+        <p:style>
+          <a:lnRef idx="2">
+            <a:schemeClr val="accent1">
+              <a:shade val="50000"/>
+            </a:schemeClr>
+          </a:lnRef>
+          <a:fillRef idx="1">
+            <a:schemeClr val="accent1"/>
+          </a:fillRef>
+          <a:effectRef idx="0">
+            <a:schemeClr val="accent1"/>
+          </a:effectRef>
+          <a:fontRef idx="minor">
+            <a:schemeClr val="lt1"/>
+          </a:fontRef>
+        </p:style>
+        <p:txBody>
+          <a:bodyPr rtlCol="0" anchor="ctr"/>
+          <a:lstStyle/>
+          <a:p>
+            <a:endParaRPr lang="fr-FR" dirty="0" smtClean="0"/>
+          </a:p>
+        </p:txBody>
+      </p:sp>
+      <p:cxnSp>
+        <p:nvCxnSpPr>
+          <p:cNvPr id="5" name="Connecteur droit 4"/>
+          <p:cNvCxnSpPr/>
+          <p:nvPr/>
+        </p:nvCxnSpPr>
+        <p:spPr>
+          <a:xfrm>
+            <a:off x="2350124" y="867867"/>
+            <a:ext cx="7064330" cy="0"/>
+          </a:xfrm>
+          <a:prstGeom prst="line">
+            <a:avLst/>
+          </a:prstGeom>
+          <a:ln>
+            <a:solidFill>
+              <a:schemeClr val="tx1"/>
+            </a:solidFill>
+          </a:ln>
+        </p:spPr>
+        <p:style>
+          <a:lnRef idx="1">
+            <a:schemeClr val="accent1"/>
+          </a:lnRef>
+          <a:fillRef idx="0">
+            <a:schemeClr val="accent1"/>
+          </a:fillRef>
+          <a:effectRef idx="0">
+            <a:schemeClr val="accent1"/>
+          </a:effectRef>
+          <a:fontRef idx="minor">
+            <a:schemeClr val="tx1"/>
+          </a:fontRef>
+        </p:style>
+      </p:cxnSp>
+      <p:sp>
+        <p:nvSpPr>
+          <p:cNvPr id="6" name="ZoneTexte 5"/>
+          <p:cNvSpPr txBox="1"/>
+          <p:nvPr/>
+        </p:nvSpPr>
+        <p:spPr>
+          <a:xfrm>
+            <a:off x="2350124" y="311132"/>
+            <a:ext cx="7064328" cy="369332"/>
+          </a:xfrm>
+          <a:prstGeom prst="rect">
+            <a:avLst/>
+          </a:prstGeom>
+          <a:noFill/>
+        </p:spPr>
+        <p:txBody>
+          <a:bodyPr wrap="square" rtlCol="0">
+            <a:spAutoFit/>
+          </a:bodyPr>
+          <a:lstStyle/>
+          <a:p>
+            <a:pPr algn="ctr"/>
+            <a:r>
+              <a:rPr lang="fr-FR" dirty="0" smtClean="0"/>
+              <a:t>Pollution </a:t>
+            </a:r>
+            <a:r>
+              <a:rPr lang="fr-FR" dirty="0" err="1" smtClean="0"/>
+              <a:t>reading</a:t>
+            </a:r>
+            <a:endParaRPr lang="fr-FR" dirty="0" smtClean="0"/>
+          </a:p>
+        </p:txBody>
+      </p:sp>
+      <p:cxnSp>
+        <p:nvCxnSpPr>
+          <p:cNvPr id="8" name="Connecteur droit 7"/>
+          <p:cNvCxnSpPr/>
+          <p:nvPr/>
+        </p:nvCxnSpPr>
+        <p:spPr>
+          <a:xfrm>
+            <a:off x="9405594" y="1389278"/>
+            <a:ext cx="495300" cy="0"/>
+          </a:xfrm>
+          <a:prstGeom prst="line">
+            <a:avLst/>
+          </a:prstGeom>
+          <a:ln>
+            <a:solidFill>
+              <a:schemeClr val="tx1"/>
+            </a:solidFill>
+          </a:ln>
+        </p:spPr>
+        <p:style>
+          <a:lnRef idx="1">
+            <a:schemeClr val="accent1"/>
+          </a:lnRef>
+          <a:fillRef idx="0">
+            <a:schemeClr val="accent1"/>
+          </a:fillRef>
+          <a:effectRef idx="0">
+            <a:schemeClr val="accent1"/>
+          </a:effectRef>
+          <a:fontRef idx="minor">
+            <a:schemeClr val="tx1"/>
+          </a:fontRef>
+        </p:style>
+      </p:cxnSp>
+      <p:sp>
+        <p:nvSpPr>
+          <p:cNvPr id="10" name="ZoneTexte 9"/>
+          <p:cNvSpPr txBox="1"/>
+          <p:nvPr/>
+        </p:nvSpPr>
+        <p:spPr>
+          <a:xfrm>
+            <a:off x="9622716" y="1489415"/>
+            <a:ext cx="809324" cy="369332"/>
+          </a:xfrm>
+          <a:prstGeom prst="rect">
+            <a:avLst/>
+          </a:prstGeom>
+          <a:noFill/>
+        </p:spPr>
+        <p:txBody>
+          <a:bodyPr wrap="none" rtlCol="0">
+            <a:spAutoFit/>
+          </a:bodyPr>
+          <a:lstStyle/>
+          <a:p>
+            <a:r>
+              <a:rPr lang="fr-FR" dirty="0" err="1" smtClean="0"/>
+              <a:t>month</a:t>
+            </a:r>
+            <a:endParaRPr lang="fr-FR" dirty="0"/>
+          </a:p>
+        </p:txBody>
+      </p:sp>
+      <p:cxnSp>
+        <p:nvCxnSpPr>
+          <p:cNvPr id="12" name="Connecteur droit 11"/>
+          <p:cNvCxnSpPr/>
+          <p:nvPr/>
+        </p:nvCxnSpPr>
+        <p:spPr>
+          <a:xfrm>
+            <a:off x="10124664" y="1387130"/>
+            <a:ext cx="495300" cy="0"/>
+          </a:xfrm>
+          <a:prstGeom prst="line">
+            <a:avLst/>
+          </a:prstGeom>
+          <a:ln>
+            <a:solidFill>
+              <a:schemeClr val="tx1"/>
+            </a:solidFill>
+          </a:ln>
+        </p:spPr>
+        <p:style>
+          <a:lnRef idx="1">
+            <a:schemeClr val="accent1"/>
+          </a:lnRef>
+          <a:fillRef idx="0">
+            <a:schemeClr val="accent1"/>
+          </a:fillRef>
+          <a:effectRef idx="0">
+            <a:schemeClr val="accent1"/>
+          </a:effectRef>
+          <a:fontRef idx="minor">
+            <a:schemeClr val="tx1"/>
+          </a:fontRef>
+        </p:style>
+      </p:cxnSp>
+      <p:sp>
+        <p:nvSpPr>
+          <p:cNvPr id="13" name="Ellipse 12"/>
+          <p:cNvSpPr/>
+          <p:nvPr/>
+        </p:nvSpPr>
+        <p:spPr>
+          <a:xfrm>
+            <a:off x="10619964" y="1260646"/>
+            <a:ext cx="252968" cy="252968"/>
+          </a:xfrm>
+          <a:prstGeom prst="ellipse">
+            <a:avLst/>
+          </a:prstGeom>
+          <a:solidFill>
+            <a:schemeClr val="accent2"/>
+          </a:solidFill>
+        </p:spPr>
+        <p:style>
+          <a:lnRef idx="2">
+            <a:schemeClr val="accent1">
+              <a:shade val="50000"/>
+            </a:schemeClr>
+          </a:lnRef>
+          <a:fillRef idx="1">
+            <a:schemeClr val="accent1"/>
+          </a:fillRef>
+          <a:effectRef idx="0">
+            <a:schemeClr val="accent1"/>
+          </a:effectRef>
+          <a:fontRef idx="minor">
+            <a:schemeClr val="lt1"/>
+          </a:fontRef>
+        </p:style>
+        <p:txBody>
+          <a:bodyPr rtlCol="0" anchor="ctr"/>
+          <a:lstStyle/>
+          <a:p>
+            <a:pPr algn="ctr"/>
+            <a:endParaRPr lang="fr-FR"/>
+          </a:p>
+        </p:txBody>
+      </p:sp>
+      <p:sp>
+        <p:nvSpPr>
+          <p:cNvPr id="9" name="Ellipse 8"/>
+          <p:cNvSpPr/>
+          <p:nvPr/>
+        </p:nvSpPr>
+        <p:spPr>
+          <a:xfrm>
+            <a:off x="9900894" y="1262794"/>
+            <a:ext cx="252968" cy="252968"/>
+          </a:xfrm>
+          <a:prstGeom prst="ellipse">
+            <a:avLst/>
+          </a:prstGeom>
+          <a:solidFill>
+            <a:schemeClr val="accent2"/>
+          </a:solidFill>
+        </p:spPr>
+        <p:style>
+          <a:lnRef idx="2">
+            <a:schemeClr val="accent1">
+              <a:shade val="50000"/>
+            </a:schemeClr>
+          </a:lnRef>
+          <a:fillRef idx="1">
+            <a:schemeClr val="accent1"/>
+          </a:fillRef>
+          <a:effectRef idx="0">
+            <a:schemeClr val="accent1"/>
+          </a:effectRef>
+          <a:fontRef idx="minor">
+            <a:schemeClr val="lt1"/>
+          </a:fontRef>
+        </p:style>
+        <p:txBody>
+          <a:bodyPr rtlCol="0" anchor="ctr"/>
+          <a:lstStyle/>
+          <a:p>
+            <a:pPr algn="ctr"/>
+            <a:endParaRPr lang="fr-FR"/>
+          </a:p>
+        </p:txBody>
+      </p:sp>
+      <p:sp>
+        <p:nvSpPr>
+          <p:cNvPr id="14" name="ZoneTexte 13"/>
+          <p:cNvSpPr txBox="1"/>
+          <p:nvPr/>
+        </p:nvSpPr>
+        <p:spPr>
+          <a:xfrm>
+            <a:off x="10463220" y="1489415"/>
+            <a:ext cx="592213" cy="369332"/>
+          </a:xfrm>
+          <a:prstGeom prst="rect">
+            <a:avLst/>
+          </a:prstGeom>
+          <a:noFill/>
+        </p:spPr>
+        <p:txBody>
+          <a:bodyPr wrap="none" rtlCol="0">
+            <a:spAutoFit/>
+          </a:bodyPr>
+          <a:lstStyle/>
+          <a:p>
+            <a:r>
+              <a:rPr lang="fr-FR" dirty="0" err="1" smtClean="0"/>
+              <a:t>year</a:t>
+            </a:r>
+            <a:endParaRPr lang="fr-FR" dirty="0"/>
+          </a:p>
+        </p:txBody>
+      </p:sp>
+      <p:sp>
+        <p:nvSpPr>
+          <p:cNvPr id="18" name="ZoneTexte 17"/>
+          <p:cNvSpPr txBox="1"/>
+          <p:nvPr/>
+        </p:nvSpPr>
+        <p:spPr>
+          <a:xfrm>
+            <a:off x="-30402" y="1010744"/>
+            <a:ext cx="1691360" cy="369332"/>
+          </a:xfrm>
+          <a:prstGeom prst="rect">
+            <a:avLst/>
+          </a:prstGeom>
+          <a:noFill/>
+        </p:spPr>
+        <p:txBody>
+          <a:bodyPr wrap="none" rtlCol="0">
+            <a:spAutoFit/>
+          </a:bodyPr>
+          <a:lstStyle/>
+          <a:p>
+            <a:r>
+              <a:rPr lang="fr-FR" dirty="0" err="1" smtClean="0"/>
+              <a:t>pollutionStation</a:t>
+            </a:r>
+            <a:endParaRPr lang="fr-FR" dirty="0" smtClean="0"/>
+          </a:p>
+        </p:txBody>
+      </p:sp>
+      <p:cxnSp>
+        <p:nvCxnSpPr>
+          <p:cNvPr id="19" name="Connecteur droit 18"/>
+          <p:cNvCxnSpPr/>
+          <p:nvPr/>
+        </p:nvCxnSpPr>
+        <p:spPr>
+          <a:xfrm>
+            <a:off x="1854824" y="1239937"/>
+            <a:ext cx="495300" cy="0"/>
+          </a:xfrm>
+          <a:prstGeom prst="line">
+            <a:avLst/>
+          </a:prstGeom>
+          <a:ln>
+            <a:solidFill>
+              <a:schemeClr val="tx1"/>
+            </a:solidFill>
+          </a:ln>
+        </p:spPr>
+        <p:style>
+          <a:lnRef idx="1">
+            <a:schemeClr val="accent1"/>
+          </a:lnRef>
+          <a:fillRef idx="0">
+            <a:schemeClr val="accent1"/>
+          </a:fillRef>
+          <a:effectRef idx="0">
+            <a:schemeClr val="accent1"/>
+          </a:effectRef>
+          <a:fontRef idx="minor">
+            <a:schemeClr val="tx1"/>
+          </a:fontRef>
+        </p:style>
+      </p:cxnSp>
+      <p:sp>
+        <p:nvSpPr>
+          <p:cNvPr id="20" name="Ellipse 19"/>
+          <p:cNvSpPr/>
+          <p:nvPr/>
+        </p:nvSpPr>
+        <p:spPr>
+          <a:xfrm rot="18693875">
+            <a:off x="1633897" y="1120277"/>
+            <a:ext cx="252968" cy="252968"/>
+          </a:xfrm>
+          <a:prstGeom prst="ellipse">
+            <a:avLst/>
+          </a:prstGeom>
+          <a:solidFill>
+            <a:schemeClr val="accent6"/>
+          </a:solidFill>
+        </p:spPr>
+        <p:style>
+          <a:lnRef idx="2">
+            <a:schemeClr val="accent1">
+              <a:shade val="50000"/>
+            </a:schemeClr>
+          </a:lnRef>
+          <a:fillRef idx="1">
+            <a:schemeClr val="accent1"/>
+          </a:fillRef>
+          <a:effectRef idx="0">
+            <a:schemeClr val="accent1"/>
+          </a:effectRef>
+          <a:fontRef idx="minor">
+            <a:schemeClr val="lt1"/>
+          </a:fontRef>
+        </p:style>
+        <p:txBody>
+          <a:bodyPr rtlCol="0" anchor="ctr"/>
+          <a:lstStyle/>
+          <a:p>
+            <a:pPr algn="ctr"/>
+            <a:endParaRPr lang="fr-FR"/>
+          </a:p>
+        </p:txBody>
+      </p:sp>
+      <p:sp>
+        <p:nvSpPr>
+          <p:cNvPr id="27" name="ZoneTexte 26"/>
+          <p:cNvSpPr txBox="1"/>
+          <p:nvPr/>
+        </p:nvSpPr>
+        <p:spPr>
+          <a:xfrm>
+            <a:off x="2543990" y="883541"/>
+            <a:ext cx="3243517" cy="4524315"/>
+          </a:xfrm>
+          <a:prstGeom prst="rect">
+            <a:avLst/>
+          </a:prstGeom>
+          <a:noFill/>
+        </p:spPr>
+        <p:txBody>
+          <a:bodyPr wrap="none" rtlCol="0">
+            <a:spAutoFit/>
+          </a:bodyPr>
+          <a:lstStyle/>
+          <a:p>
+            <a:pPr marL="285750" indent="-285750">
+              <a:buFont typeface="Arial" panose="020B0604020202020204" pitchFamily="34" charset="0"/>
+              <a:buChar char="•"/>
+            </a:pPr>
+            <a:r>
+              <a:rPr lang="fr-FR" dirty="0" smtClean="0"/>
+              <a:t>Dioxyde d’azote (</a:t>
+            </a:r>
+            <a:r>
+              <a:rPr lang="fr-FR" dirty="0" err="1" smtClean="0"/>
+              <a:t>avg</a:t>
+            </a:r>
+            <a:r>
+              <a:rPr lang="fr-FR" dirty="0" smtClean="0"/>
+              <a:t>)</a:t>
+            </a:r>
+          </a:p>
+          <a:p>
+            <a:pPr marL="285750" indent="-285750">
+              <a:buFont typeface="Arial" panose="020B0604020202020204" pitchFamily="34" charset="0"/>
+              <a:buChar char="•"/>
+            </a:pPr>
+            <a:r>
+              <a:rPr lang="fr-FR" dirty="0"/>
+              <a:t>Monoxyde d’azote (</a:t>
+            </a:r>
+            <a:r>
+              <a:rPr lang="fr-FR" dirty="0" err="1"/>
+              <a:t>avg</a:t>
+            </a:r>
+            <a:r>
+              <a:rPr lang="fr-FR" dirty="0"/>
+              <a:t>)</a:t>
+            </a:r>
+            <a:endParaRPr lang="fr-FR" dirty="0" smtClean="0"/>
+          </a:p>
+          <a:p>
+            <a:pPr marL="285750" indent="-285750">
+              <a:buFont typeface="Arial" panose="020B0604020202020204" pitchFamily="34" charset="0"/>
+              <a:buChar char="•"/>
+            </a:pPr>
+            <a:r>
+              <a:rPr lang="fr-FR" dirty="0"/>
+              <a:t>Ozone (</a:t>
+            </a:r>
+            <a:r>
+              <a:rPr lang="fr-FR" dirty="0" err="1"/>
+              <a:t>avg</a:t>
+            </a:r>
+            <a:r>
+              <a:rPr lang="fr-FR" dirty="0"/>
+              <a:t>)</a:t>
+            </a:r>
+            <a:endParaRPr lang="fr-FR" dirty="0" smtClean="0"/>
+          </a:p>
+          <a:p>
+            <a:pPr marL="285750" indent="-285750">
+              <a:buFont typeface="Arial" panose="020B0604020202020204" pitchFamily="34" charset="0"/>
+              <a:buChar char="•"/>
+            </a:pPr>
+            <a:r>
+              <a:rPr lang="fr-FR" dirty="0" smtClean="0"/>
+              <a:t>Particules PM10 </a:t>
+            </a:r>
+            <a:r>
+              <a:rPr lang="fr-FR" dirty="0"/>
+              <a:t>(</a:t>
+            </a:r>
+            <a:r>
+              <a:rPr lang="fr-FR" dirty="0" err="1"/>
+              <a:t>avg</a:t>
+            </a:r>
+            <a:r>
+              <a:rPr lang="fr-FR" dirty="0"/>
+              <a:t>)</a:t>
+            </a:r>
+            <a:endParaRPr lang="fr-FR" dirty="0" smtClean="0"/>
+          </a:p>
+          <a:p>
+            <a:pPr marL="285750" indent="-285750">
+              <a:buFont typeface="Arial" panose="020B0604020202020204" pitchFamily="34" charset="0"/>
+              <a:buChar char="•"/>
+            </a:pPr>
+            <a:r>
+              <a:rPr lang="fr-FR" dirty="0"/>
+              <a:t>Benzène (</a:t>
+            </a:r>
+            <a:r>
+              <a:rPr lang="fr-FR" dirty="0" err="1"/>
+              <a:t>avg</a:t>
+            </a:r>
+            <a:r>
+              <a:rPr lang="fr-FR" dirty="0"/>
+              <a:t>)</a:t>
+            </a:r>
+            <a:endParaRPr lang="fr-FR" dirty="0" smtClean="0"/>
+          </a:p>
+          <a:p>
+            <a:pPr marL="285750" indent="-285750">
+              <a:buFont typeface="Arial" panose="020B0604020202020204" pitchFamily="34" charset="0"/>
+              <a:buChar char="•"/>
+            </a:pPr>
+            <a:r>
+              <a:rPr lang="fr-FR" dirty="0" err="1" smtClean="0"/>
+              <a:t>Benzo</a:t>
+            </a:r>
+            <a:r>
+              <a:rPr lang="fr-FR" dirty="0" smtClean="0"/>
+              <a:t>(a)anthracène </a:t>
+            </a:r>
+            <a:r>
+              <a:rPr lang="fr-FR" dirty="0"/>
+              <a:t>(</a:t>
+            </a:r>
+            <a:r>
+              <a:rPr lang="fr-FR" dirty="0" err="1"/>
+              <a:t>avg</a:t>
+            </a:r>
+            <a:r>
+              <a:rPr lang="fr-FR" dirty="0"/>
+              <a:t>)</a:t>
+            </a:r>
+            <a:endParaRPr lang="fr-FR" dirty="0" smtClean="0"/>
+          </a:p>
+          <a:p>
+            <a:pPr marL="285750" indent="-285750">
+              <a:buFont typeface="Arial" panose="020B0604020202020204" pitchFamily="34" charset="0"/>
+              <a:buChar char="•"/>
+            </a:pPr>
+            <a:r>
+              <a:rPr lang="fr-FR" dirty="0" err="1" smtClean="0"/>
+              <a:t>Benzo</a:t>
+            </a:r>
+            <a:r>
+              <a:rPr lang="fr-FR" dirty="0"/>
+              <a:t>(a)pyrène (</a:t>
+            </a:r>
+            <a:r>
+              <a:rPr lang="fr-FR" dirty="0" err="1"/>
+              <a:t>avg</a:t>
+            </a:r>
+            <a:r>
+              <a:rPr lang="fr-FR" dirty="0"/>
+              <a:t>)</a:t>
+            </a:r>
+            <a:endParaRPr lang="fr-FR" dirty="0" smtClean="0"/>
+          </a:p>
+          <a:p>
+            <a:pPr marL="285750" indent="-285750">
+              <a:buFont typeface="Arial" panose="020B0604020202020204" pitchFamily="34" charset="0"/>
+              <a:buChar char="•"/>
+            </a:pPr>
+            <a:r>
+              <a:rPr lang="fr-FR" dirty="0" err="1" smtClean="0"/>
+              <a:t>Benzo</a:t>
+            </a:r>
+            <a:r>
+              <a:rPr lang="fr-FR" dirty="0" smtClean="0"/>
+              <a:t>(b)</a:t>
+            </a:r>
+            <a:r>
+              <a:rPr lang="fr-FR" dirty="0" err="1" smtClean="0"/>
+              <a:t>fluorenthène</a:t>
+            </a:r>
+            <a:r>
+              <a:rPr lang="fr-FR" dirty="0" smtClean="0"/>
+              <a:t> </a:t>
+            </a:r>
+            <a:r>
+              <a:rPr lang="fr-FR" dirty="0"/>
+              <a:t>(</a:t>
+            </a:r>
+            <a:r>
+              <a:rPr lang="fr-FR" dirty="0" err="1"/>
+              <a:t>avg</a:t>
+            </a:r>
+            <a:r>
+              <a:rPr lang="fr-FR" dirty="0"/>
+              <a:t>)</a:t>
+            </a:r>
+          </a:p>
+          <a:p>
+            <a:pPr marL="285750" indent="-285750">
+              <a:buFont typeface="Arial" panose="020B0604020202020204" pitchFamily="34" charset="0"/>
+              <a:buChar char="•"/>
+            </a:pPr>
+            <a:r>
+              <a:rPr lang="fr-FR" dirty="0" err="1" smtClean="0"/>
+              <a:t>Benzo</a:t>
+            </a:r>
+            <a:r>
+              <a:rPr lang="fr-FR" dirty="0" smtClean="0"/>
+              <a:t>(j)</a:t>
+            </a:r>
+            <a:r>
+              <a:rPr lang="fr-FR" dirty="0" err="1" smtClean="0"/>
+              <a:t>fluorenthène</a:t>
+            </a:r>
+            <a:r>
+              <a:rPr lang="fr-FR" dirty="0" smtClean="0"/>
+              <a:t> </a:t>
+            </a:r>
+            <a:r>
+              <a:rPr lang="fr-FR" dirty="0"/>
+              <a:t>(</a:t>
+            </a:r>
+            <a:r>
+              <a:rPr lang="fr-FR" dirty="0" err="1"/>
+              <a:t>avg</a:t>
+            </a:r>
+            <a:r>
+              <a:rPr lang="fr-FR" dirty="0"/>
+              <a:t>)</a:t>
+            </a:r>
+            <a:endParaRPr lang="fr-FR" dirty="0" smtClean="0"/>
+          </a:p>
+          <a:p>
+            <a:pPr marL="285750" indent="-285750">
+              <a:buFont typeface="Arial" panose="020B0604020202020204" pitchFamily="34" charset="0"/>
+              <a:buChar char="•"/>
+            </a:pPr>
+            <a:r>
+              <a:rPr lang="fr-FR" dirty="0" err="1" smtClean="0"/>
+              <a:t>Benzo</a:t>
+            </a:r>
+            <a:r>
+              <a:rPr lang="fr-FR" dirty="0" smtClean="0"/>
+              <a:t>(k)</a:t>
+            </a:r>
+            <a:r>
+              <a:rPr lang="fr-FR" dirty="0" err="1" smtClean="0"/>
+              <a:t>fluorenthène</a:t>
+            </a:r>
+            <a:r>
+              <a:rPr lang="fr-FR" dirty="0" smtClean="0"/>
+              <a:t> </a:t>
+            </a:r>
+            <a:r>
+              <a:rPr lang="fr-FR" dirty="0"/>
+              <a:t>(</a:t>
+            </a:r>
+            <a:r>
+              <a:rPr lang="fr-FR" dirty="0" err="1"/>
+              <a:t>avg</a:t>
+            </a:r>
+            <a:r>
+              <a:rPr lang="fr-FR" dirty="0"/>
+              <a:t>)</a:t>
+            </a:r>
+            <a:endParaRPr lang="fr-FR" dirty="0" smtClean="0"/>
+          </a:p>
+          <a:p>
+            <a:pPr marL="285750" indent="-285750">
+              <a:buFont typeface="Arial" panose="020B0604020202020204" pitchFamily="34" charset="0"/>
+              <a:buChar char="•"/>
+            </a:pPr>
+            <a:r>
+              <a:rPr lang="fr-FR" dirty="0" err="1" smtClean="0"/>
+              <a:t>Dibenzo</a:t>
+            </a:r>
+            <a:r>
+              <a:rPr lang="fr-FR" dirty="0" smtClean="0"/>
+              <a:t>(</a:t>
+            </a:r>
+            <a:r>
+              <a:rPr lang="fr-FR" dirty="0" err="1" smtClean="0"/>
+              <a:t>a,h</a:t>
+            </a:r>
+            <a:r>
+              <a:rPr lang="fr-FR" dirty="0" smtClean="0"/>
+              <a:t>)anthracène </a:t>
+            </a:r>
+            <a:r>
+              <a:rPr lang="fr-FR" dirty="0"/>
+              <a:t>(</a:t>
+            </a:r>
+            <a:r>
+              <a:rPr lang="fr-FR" dirty="0" err="1"/>
+              <a:t>avg</a:t>
+            </a:r>
+            <a:r>
+              <a:rPr lang="fr-FR" dirty="0"/>
+              <a:t>)</a:t>
+            </a:r>
+            <a:endParaRPr lang="fr-FR" dirty="0" smtClean="0"/>
+          </a:p>
+          <a:p>
+            <a:pPr marL="285750" indent="-285750">
+              <a:buFont typeface="Arial" panose="020B0604020202020204" pitchFamily="34" charset="0"/>
+              <a:buChar char="•"/>
+            </a:pPr>
+            <a:r>
+              <a:rPr lang="fr-FR" dirty="0" err="1" smtClean="0"/>
+              <a:t>Indéno</a:t>
+            </a:r>
+            <a:r>
+              <a:rPr lang="fr-FR" dirty="0" smtClean="0"/>
+              <a:t>(1,2,3-cd)pyrène </a:t>
+            </a:r>
+            <a:r>
+              <a:rPr lang="fr-FR" dirty="0"/>
+              <a:t>(</a:t>
+            </a:r>
+            <a:r>
+              <a:rPr lang="fr-FR" dirty="0" err="1"/>
+              <a:t>avg</a:t>
+            </a:r>
+            <a:r>
+              <a:rPr lang="fr-FR" dirty="0"/>
+              <a:t>)</a:t>
+            </a:r>
+            <a:endParaRPr lang="fr-FR" dirty="0" smtClean="0"/>
+          </a:p>
+          <a:p>
+            <a:pPr marL="285750" indent="-285750">
+              <a:buFont typeface="Arial" panose="020B0604020202020204" pitchFamily="34" charset="0"/>
+              <a:buChar char="•"/>
+            </a:pPr>
+            <a:r>
+              <a:rPr lang="fr-FR" dirty="0" smtClean="0"/>
+              <a:t>Particules PM2,5 </a:t>
+            </a:r>
+            <a:r>
+              <a:rPr lang="fr-FR" dirty="0"/>
+              <a:t>(</a:t>
+            </a:r>
+            <a:r>
+              <a:rPr lang="fr-FR" dirty="0" err="1"/>
+              <a:t>avg</a:t>
+            </a:r>
+            <a:r>
+              <a:rPr lang="fr-FR" dirty="0"/>
+              <a:t>)</a:t>
+            </a:r>
+            <a:endParaRPr lang="fr-FR" dirty="0" smtClean="0"/>
+          </a:p>
+          <a:p>
+            <a:pPr marL="285750" indent="-285750">
+              <a:buFont typeface="Arial" panose="020B0604020202020204" pitchFamily="34" charset="0"/>
+              <a:buChar char="•"/>
+            </a:pPr>
+            <a:r>
+              <a:rPr lang="fr-FR" dirty="0" smtClean="0"/>
+              <a:t>Toluène </a:t>
+            </a:r>
+            <a:r>
+              <a:rPr lang="fr-FR" dirty="0"/>
+              <a:t>(</a:t>
+            </a:r>
+            <a:r>
+              <a:rPr lang="fr-FR" dirty="0" err="1"/>
+              <a:t>avg</a:t>
+            </a:r>
+            <a:r>
+              <a:rPr lang="fr-FR" dirty="0"/>
+              <a:t>)</a:t>
+            </a:r>
+            <a:endParaRPr lang="fr-FR" dirty="0" smtClean="0"/>
+          </a:p>
+          <a:p>
+            <a:pPr marL="285750" indent="-285750">
+              <a:buFont typeface="Arial" panose="020B0604020202020204" pitchFamily="34" charset="0"/>
+              <a:buChar char="•"/>
+            </a:pPr>
+            <a:r>
+              <a:rPr lang="fr-FR" dirty="0" smtClean="0"/>
+              <a:t>Antimoine </a:t>
+            </a:r>
+            <a:r>
+              <a:rPr lang="fr-FR" dirty="0"/>
+              <a:t>(</a:t>
+            </a:r>
+            <a:r>
+              <a:rPr lang="fr-FR" dirty="0" err="1"/>
+              <a:t>avg</a:t>
+            </a:r>
+            <a:r>
+              <a:rPr lang="fr-FR" dirty="0"/>
+              <a:t>)</a:t>
+            </a:r>
+            <a:endParaRPr lang="fr-FR" dirty="0" smtClean="0"/>
+          </a:p>
+          <a:p>
+            <a:pPr marL="285750" indent="-285750">
+              <a:buFont typeface="Arial" panose="020B0604020202020204" pitchFamily="34" charset="0"/>
+              <a:buChar char="•"/>
+            </a:pPr>
+            <a:r>
+              <a:rPr lang="fr-FR" dirty="0" smtClean="0"/>
+              <a:t>Arsenic</a:t>
+            </a:r>
+            <a:r>
+              <a:rPr lang="fr-FR" dirty="0"/>
+              <a:t> (</a:t>
+            </a:r>
+            <a:r>
+              <a:rPr lang="fr-FR" dirty="0" err="1"/>
+              <a:t>avg</a:t>
+            </a:r>
+            <a:r>
+              <a:rPr lang="fr-FR" dirty="0"/>
+              <a:t>)</a:t>
+            </a:r>
+            <a:endParaRPr lang="fr-FR" dirty="0" smtClean="0"/>
+          </a:p>
+        </p:txBody>
+      </p:sp>
+      <p:sp>
+        <p:nvSpPr>
+          <p:cNvPr id="37" name="ZoneTexte 36"/>
+          <p:cNvSpPr txBox="1"/>
+          <p:nvPr/>
+        </p:nvSpPr>
+        <p:spPr>
+          <a:xfrm>
+            <a:off x="6109295" y="894272"/>
+            <a:ext cx="2742867" cy="4524315"/>
+          </a:xfrm>
+          <a:prstGeom prst="rect">
+            <a:avLst/>
+          </a:prstGeom>
+          <a:noFill/>
+        </p:spPr>
+        <p:txBody>
+          <a:bodyPr wrap="none" rtlCol="0">
+            <a:spAutoFit/>
+          </a:bodyPr>
+          <a:lstStyle/>
+          <a:p>
+            <a:pPr marL="285750" indent="-285750">
+              <a:buFont typeface="Arial" panose="020B0604020202020204" pitchFamily="34" charset="0"/>
+              <a:buChar char="•"/>
+            </a:pPr>
+            <a:r>
+              <a:rPr lang="fr-FR" dirty="0" smtClean="0"/>
+              <a:t>Baryum</a:t>
+            </a:r>
+            <a:r>
+              <a:rPr lang="fr-FR" dirty="0"/>
+              <a:t> (</a:t>
+            </a:r>
+            <a:r>
+              <a:rPr lang="fr-FR" dirty="0" err="1"/>
+              <a:t>avg</a:t>
+            </a:r>
+            <a:r>
+              <a:rPr lang="fr-FR" dirty="0"/>
+              <a:t>)</a:t>
+            </a:r>
+            <a:endParaRPr lang="fr-FR" dirty="0" smtClean="0"/>
+          </a:p>
+          <a:p>
+            <a:pPr marL="285750" indent="-285750">
+              <a:buFont typeface="Arial" panose="020B0604020202020204" pitchFamily="34" charset="0"/>
+              <a:buChar char="•"/>
+            </a:pPr>
+            <a:r>
+              <a:rPr lang="fr-FR" dirty="0" smtClean="0"/>
+              <a:t>Cadmium</a:t>
+            </a:r>
+            <a:r>
+              <a:rPr lang="fr-FR" dirty="0"/>
+              <a:t> (</a:t>
+            </a:r>
+            <a:r>
+              <a:rPr lang="fr-FR" dirty="0" err="1"/>
+              <a:t>avg</a:t>
+            </a:r>
+            <a:r>
+              <a:rPr lang="fr-FR" dirty="0"/>
+              <a:t>)</a:t>
+            </a:r>
+            <a:endParaRPr lang="fr-FR" dirty="0" smtClean="0"/>
+          </a:p>
+          <a:p>
+            <a:pPr marL="285750" indent="-285750">
+              <a:buFont typeface="Arial" panose="020B0604020202020204" pitchFamily="34" charset="0"/>
+              <a:buChar char="•"/>
+            </a:pPr>
+            <a:r>
+              <a:rPr lang="fr-FR" dirty="0" smtClean="0"/>
+              <a:t>Chrome</a:t>
+            </a:r>
+            <a:r>
+              <a:rPr lang="fr-FR" dirty="0"/>
+              <a:t> (</a:t>
+            </a:r>
+            <a:r>
+              <a:rPr lang="fr-FR" dirty="0" err="1"/>
+              <a:t>avg</a:t>
+            </a:r>
+            <a:r>
+              <a:rPr lang="fr-FR" dirty="0"/>
+              <a:t>)</a:t>
+            </a:r>
+            <a:endParaRPr lang="fr-FR" dirty="0" smtClean="0"/>
+          </a:p>
+          <a:p>
+            <a:pPr marL="285750" indent="-285750">
+              <a:buFont typeface="Arial" panose="020B0604020202020204" pitchFamily="34" charset="0"/>
+              <a:buChar char="•"/>
+            </a:pPr>
+            <a:r>
+              <a:rPr lang="fr-FR" dirty="0" smtClean="0"/>
+              <a:t>Cobalt</a:t>
+            </a:r>
+            <a:r>
+              <a:rPr lang="fr-FR" dirty="0"/>
+              <a:t> (</a:t>
+            </a:r>
+            <a:r>
+              <a:rPr lang="fr-FR" dirty="0" err="1"/>
+              <a:t>avg</a:t>
+            </a:r>
+            <a:r>
+              <a:rPr lang="fr-FR" dirty="0"/>
+              <a:t>)</a:t>
+            </a:r>
+            <a:endParaRPr lang="fr-FR" dirty="0" smtClean="0"/>
+          </a:p>
+          <a:p>
+            <a:pPr marL="285750" indent="-285750">
+              <a:buFont typeface="Arial" panose="020B0604020202020204" pitchFamily="34" charset="0"/>
+              <a:buChar char="•"/>
+            </a:pPr>
+            <a:r>
+              <a:rPr lang="fr-FR" dirty="0" smtClean="0"/>
+              <a:t>Cuivre</a:t>
+            </a:r>
+            <a:r>
+              <a:rPr lang="fr-FR" dirty="0"/>
+              <a:t> (</a:t>
+            </a:r>
+            <a:r>
+              <a:rPr lang="fr-FR" dirty="0" err="1"/>
+              <a:t>avg</a:t>
+            </a:r>
+            <a:r>
+              <a:rPr lang="fr-FR" dirty="0"/>
+              <a:t>)</a:t>
+            </a:r>
+            <a:endParaRPr lang="fr-FR" dirty="0" smtClean="0"/>
+          </a:p>
+          <a:p>
+            <a:pPr marL="285750" indent="-285750">
+              <a:buFont typeface="Arial" panose="020B0604020202020204" pitchFamily="34" charset="0"/>
+              <a:buChar char="•"/>
+            </a:pPr>
+            <a:r>
+              <a:rPr lang="fr-FR" dirty="0" smtClean="0"/>
+              <a:t>Dioxyde de souffre</a:t>
+            </a:r>
+            <a:r>
+              <a:rPr lang="fr-FR" dirty="0"/>
+              <a:t> (</a:t>
+            </a:r>
+            <a:r>
+              <a:rPr lang="fr-FR" dirty="0" err="1"/>
+              <a:t>avg</a:t>
+            </a:r>
+            <a:r>
+              <a:rPr lang="fr-FR" dirty="0"/>
+              <a:t>)</a:t>
+            </a:r>
+            <a:endParaRPr lang="fr-FR" dirty="0" smtClean="0"/>
+          </a:p>
+          <a:p>
+            <a:pPr marL="285750" indent="-285750">
+              <a:buFont typeface="Arial" panose="020B0604020202020204" pitchFamily="34" charset="0"/>
+              <a:buChar char="•"/>
+            </a:pPr>
+            <a:r>
+              <a:rPr lang="fr-FR" dirty="0" err="1" smtClean="0"/>
+              <a:t>EthylBenzène</a:t>
+            </a:r>
+            <a:r>
+              <a:rPr lang="fr-FR" dirty="0"/>
+              <a:t> (</a:t>
+            </a:r>
+            <a:r>
+              <a:rPr lang="fr-FR" dirty="0" err="1"/>
+              <a:t>avg</a:t>
+            </a:r>
+            <a:r>
+              <a:rPr lang="fr-FR" dirty="0"/>
+              <a:t>)</a:t>
+            </a:r>
+            <a:endParaRPr lang="fr-FR" dirty="0" smtClean="0"/>
+          </a:p>
+          <a:p>
+            <a:pPr marL="285750" indent="-285750">
+              <a:buFont typeface="Arial" panose="020B0604020202020204" pitchFamily="34" charset="0"/>
+              <a:buChar char="•"/>
+            </a:pPr>
+            <a:r>
+              <a:rPr lang="fr-FR" dirty="0" err="1" smtClean="0"/>
+              <a:t>M+p-Xylène</a:t>
+            </a:r>
+            <a:r>
+              <a:rPr lang="fr-FR" dirty="0"/>
+              <a:t> (</a:t>
+            </a:r>
+            <a:r>
+              <a:rPr lang="fr-FR" dirty="0" err="1"/>
+              <a:t>avg</a:t>
+            </a:r>
+            <a:r>
+              <a:rPr lang="fr-FR" dirty="0"/>
+              <a:t>)</a:t>
+            </a:r>
+            <a:endParaRPr lang="fr-FR" dirty="0" smtClean="0"/>
+          </a:p>
+          <a:p>
+            <a:pPr marL="285750" indent="-285750">
+              <a:buFont typeface="Arial" panose="020B0604020202020204" pitchFamily="34" charset="0"/>
+              <a:buChar char="•"/>
+            </a:pPr>
+            <a:r>
+              <a:rPr lang="fr-FR" dirty="0" smtClean="0"/>
+              <a:t>Manganèse</a:t>
+            </a:r>
+            <a:r>
+              <a:rPr lang="fr-FR" dirty="0"/>
+              <a:t> (</a:t>
+            </a:r>
+            <a:r>
+              <a:rPr lang="fr-FR" dirty="0" err="1"/>
+              <a:t>avg</a:t>
+            </a:r>
+            <a:r>
+              <a:rPr lang="fr-FR" dirty="0"/>
+              <a:t>)</a:t>
+            </a:r>
+            <a:endParaRPr lang="fr-FR" dirty="0" smtClean="0"/>
+          </a:p>
+          <a:p>
+            <a:pPr marL="285750" indent="-285750">
+              <a:buFont typeface="Arial" panose="020B0604020202020204" pitchFamily="34" charset="0"/>
+              <a:buChar char="•"/>
+            </a:pPr>
+            <a:r>
+              <a:rPr lang="fr-FR" dirty="0" smtClean="0"/>
+              <a:t>Mercure</a:t>
+            </a:r>
+            <a:r>
+              <a:rPr lang="fr-FR" dirty="0"/>
+              <a:t> (</a:t>
+            </a:r>
+            <a:r>
+              <a:rPr lang="fr-FR" dirty="0" err="1"/>
+              <a:t>avg</a:t>
+            </a:r>
+            <a:r>
+              <a:rPr lang="fr-FR" dirty="0"/>
+              <a:t>)</a:t>
+            </a:r>
+            <a:endParaRPr lang="fr-FR" dirty="0" smtClean="0"/>
+          </a:p>
+          <a:p>
+            <a:pPr marL="285750" indent="-285750">
+              <a:buFont typeface="Arial" panose="020B0604020202020204" pitchFamily="34" charset="0"/>
+              <a:buChar char="•"/>
+            </a:pPr>
+            <a:r>
+              <a:rPr lang="fr-FR" dirty="0" smtClean="0"/>
+              <a:t>Nickel</a:t>
+            </a:r>
+            <a:r>
+              <a:rPr lang="fr-FR" dirty="0"/>
+              <a:t> (</a:t>
+            </a:r>
+            <a:r>
+              <a:rPr lang="fr-FR" dirty="0" err="1"/>
+              <a:t>avg</a:t>
+            </a:r>
+            <a:r>
+              <a:rPr lang="fr-FR" dirty="0"/>
+              <a:t>)</a:t>
+            </a:r>
+            <a:endParaRPr lang="fr-FR" dirty="0" smtClean="0"/>
+          </a:p>
+          <a:p>
+            <a:pPr marL="285750" indent="-285750">
+              <a:buFont typeface="Arial" panose="020B0604020202020204" pitchFamily="34" charset="0"/>
+              <a:buChar char="•"/>
+            </a:pPr>
+            <a:r>
+              <a:rPr lang="fr-FR" dirty="0" smtClean="0"/>
+              <a:t>O-Xylène</a:t>
+            </a:r>
+            <a:r>
+              <a:rPr lang="fr-FR" dirty="0"/>
+              <a:t> (</a:t>
+            </a:r>
+            <a:r>
+              <a:rPr lang="fr-FR" dirty="0" err="1"/>
+              <a:t>avg</a:t>
+            </a:r>
+            <a:r>
+              <a:rPr lang="fr-FR" dirty="0"/>
+              <a:t>)</a:t>
+            </a:r>
+            <a:endParaRPr lang="fr-FR" dirty="0" smtClean="0"/>
+          </a:p>
+          <a:p>
+            <a:pPr marL="285750" indent="-285750">
+              <a:buFont typeface="Arial" panose="020B0604020202020204" pitchFamily="34" charset="0"/>
+              <a:buChar char="•"/>
+            </a:pPr>
+            <a:r>
+              <a:rPr lang="fr-FR" dirty="0" smtClean="0"/>
+              <a:t>Plomb</a:t>
+            </a:r>
+            <a:r>
+              <a:rPr lang="fr-FR" dirty="0"/>
+              <a:t> (</a:t>
+            </a:r>
+            <a:r>
+              <a:rPr lang="fr-FR" dirty="0" err="1"/>
+              <a:t>avg</a:t>
+            </a:r>
+            <a:r>
+              <a:rPr lang="fr-FR" dirty="0"/>
+              <a:t>)</a:t>
+            </a:r>
+            <a:endParaRPr lang="fr-FR" dirty="0" smtClean="0"/>
+          </a:p>
+          <a:p>
+            <a:pPr marL="285750" indent="-285750">
+              <a:buFont typeface="Arial" panose="020B0604020202020204" pitchFamily="34" charset="0"/>
+              <a:buChar char="•"/>
+            </a:pPr>
+            <a:r>
+              <a:rPr lang="fr-FR" dirty="0" smtClean="0"/>
+              <a:t>Thallium</a:t>
+            </a:r>
+            <a:r>
+              <a:rPr lang="fr-FR" dirty="0"/>
+              <a:t> (</a:t>
+            </a:r>
+            <a:r>
+              <a:rPr lang="fr-FR" dirty="0" err="1"/>
+              <a:t>avg</a:t>
+            </a:r>
+            <a:r>
+              <a:rPr lang="fr-FR" dirty="0"/>
+              <a:t>)</a:t>
+            </a:r>
+            <a:endParaRPr lang="fr-FR" dirty="0" smtClean="0"/>
+          </a:p>
+          <a:p>
+            <a:pPr marL="285750" indent="-285750">
+              <a:buFont typeface="Arial" panose="020B0604020202020204" pitchFamily="34" charset="0"/>
+              <a:buChar char="•"/>
+            </a:pPr>
+            <a:r>
+              <a:rPr lang="fr-FR" dirty="0" smtClean="0"/>
+              <a:t>Vanadium</a:t>
+            </a:r>
+            <a:r>
+              <a:rPr lang="fr-FR" dirty="0"/>
+              <a:t> (</a:t>
+            </a:r>
+            <a:r>
+              <a:rPr lang="fr-FR" dirty="0" err="1"/>
+              <a:t>avg</a:t>
+            </a:r>
+            <a:r>
+              <a:rPr lang="fr-FR" dirty="0"/>
+              <a:t>)</a:t>
+            </a:r>
+            <a:endParaRPr lang="fr-FR" dirty="0" smtClean="0"/>
+          </a:p>
+          <a:p>
+            <a:pPr marL="285750" indent="-285750">
+              <a:buFont typeface="Arial" panose="020B0604020202020204" pitchFamily="34" charset="0"/>
+              <a:buChar char="•"/>
+            </a:pPr>
+            <a:r>
+              <a:rPr lang="fr-FR" dirty="0" smtClean="0"/>
+              <a:t>Zinc</a:t>
+            </a:r>
+            <a:r>
+              <a:rPr lang="fr-FR" dirty="0"/>
+              <a:t> (</a:t>
+            </a:r>
+            <a:r>
+              <a:rPr lang="fr-FR" dirty="0" err="1"/>
+              <a:t>avg</a:t>
+            </a:r>
+            <a:r>
+              <a:rPr lang="fr-FR" dirty="0"/>
+              <a:t>)</a:t>
+            </a:r>
+            <a:endParaRPr lang="fr-FR" dirty="0" smtClean="0"/>
+          </a:p>
+        </p:txBody>
+      </p:sp>
+    </p:spTree>
+    <p:extLst>
+      <p:ext uri="{BB962C8B-B14F-4D97-AF65-F5344CB8AC3E}">
+        <p14:creationId xmlns:p14="http://schemas.microsoft.com/office/powerpoint/2010/main" val="3368504421"/>
+      </p:ext>
+    </p:extLst>
+  </p:cSld>
+  <p:clrMapOvr>
+    <a:masterClrMapping/>
+  </p:clrMapOvr>
 </p:sld>
 </file>
 

--- a/df-model/df-model.pptx
+++ b/df-model/df-model.pptx
@@ -107,7 +107,7 @@
   </p:defaultTextStyle>
   <p:extLst>
     <p:ext uri="{EFAFB233-063F-42B5-8137-9DF3F51BA10A}">
-      <p15:sldGuideLst xmlns:p15="http://schemas.microsoft.com/office/powerpoint/2012/main">
+      <p15:sldGuideLst xmlns:p15="http://schemas.microsoft.com/office/powerpoint/2012/main" xmlns="">
         <p15:guide id="1" orient="horz" pos="2160">
           <p15:clr>
             <a:srgbClr val="A4A3A4"/>
@@ -256,7 +256,7 @@
             <a:fld id="{E90F2C70-D7C5-4A11-BAB2-648D55629A91}" type="datetimeFigureOut">
               <a:rPr lang="fr-FR" smtClean="0"/>
               <a:pPr/>
-              <a:t>14/11/2017</a:t>
+              <a:t>17/11/2017</a:t>
             </a:fld>
             <a:endParaRPr lang="fr-FR"/>
           </a:p>
@@ -308,7 +308,7 @@
     </p:spTree>
     <p:extLst>
       <p:ext uri="{BB962C8B-B14F-4D97-AF65-F5344CB8AC3E}">
-        <p14:creationId xmlns:p14="http://schemas.microsoft.com/office/powerpoint/2010/main" val="26437346"/>
+        <p14:creationId xmlns:p14="http://schemas.microsoft.com/office/powerpoint/2010/main" xmlns="" val="26437346"/>
       </p:ext>
     </p:extLst>
   </p:cSld>
@@ -428,7 +428,7 @@
             <a:fld id="{E90F2C70-D7C5-4A11-BAB2-648D55629A91}" type="datetimeFigureOut">
               <a:rPr lang="fr-FR" smtClean="0"/>
               <a:pPr/>
-              <a:t>14/11/2017</a:t>
+              <a:t>17/11/2017</a:t>
             </a:fld>
             <a:endParaRPr lang="fr-FR"/>
           </a:p>
@@ -480,7 +480,7 @@
     </p:spTree>
     <p:extLst>
       <p:ext uri="{BB962C8B-B14F-4D97-AF65-F5344CB8AC3E}">
-        <p14:creationId xmlns:p14="http://schemas.microsoft.com/office/powerpoint/2010/main" val="3002800163"/>
+        <p14:creationId xmlns:p14="http://schemas.microsoft.com/office/powerpoint/2010/main" xmlns="" val="3002800163"/>
       </p:ext>
     </p:extLst>
   </p:cSld>
@@ -610,7 +610,7 @@
             <a:fld id="{E90F2C70-D7C5-4A11-BAB2-648D55629A91}" type="datetimeFigureOut">
               <a:rPr lang="fr-FR" smtClean="0"/>
               <a:pPr/>
-              <a:t>14/11/2017</a:t>
+              <a:t>17/11/2017</a:t>
             </a:fld>
             <a:endParaRPr lang="fr-FR"/>
           </a:p>
@@ -662,7 +662,7 @@
     </p:spTree>
     <p:extLst>
       <p:ext uri="{BB962C8B-B14F-4D97-AF65-F5344CB8AC3E}">
-        <p14:creationId xmlns:p14="http://schemas.microsoft.com/office/powerpoint/2010/main" val="21420202"/>
+        <p14:creationId xmlns:p14="http://schemas.microsoft.com/office/powerpoint/2010/main" xmlns="" val="21420202"/>
       </p:ext>
     </p:extLst>
   </p:cSld>
@@ -782,7 +782,7 @@
             <a:fld id="{E90F2C70-D7C5-4A11-BAB2-648D55629A91}" type="datetimeFigureOut">
               <a:rPr lang="fr-FR" smtClean="0"/>
               <a:pPr/>
-              <a:t>14/11/2017</a:t>
+              <a:t>17/11/2017</a:t>
             </a:fld>
             <a:endParaRPr lang="fr-FR"/>
           </a:p>
@@ -834,7 +834,7 @@
     </p:spTree>
     <p:extLst>
       <p:ext uri="{BB962C8B-B14F-4D97-AF65-F5344CB8AC3E}">
-        <p14:creationId xmlns:p14="http://schemas.microsoft.com/office/powerpoint/2010/main" val="1134717922"/>
+        <p14:creationId xmlns:p14="http://schemas.microsoft.com/office/powerpoint/2010/main" xmlns="" val="1134717922"/>
       </p:ext>
     </p:extLst>
   </p:cSld>
@@ -1030,7 +1030,7 @@
             <a:fld id="{E90F2C70-D7C5-4A11-BAB2-648D55629A91}" type="datetimeFigureOut">
               <a:rPr lang="fr-FR" smtClean="0"/>
               <a:pPr/>
-              <a:t>14/11/2017</a:t>
+              <a:t>17/11/2017</a:t>
             </a:fld>
             <a:endParaRPr lang="fr-FR"/>
           </a:p>
@@ -1082,7 +1082,7 @@
     </p:spTree>
     <p:extLst>
       <p:ext uri="{BB962C8B-B14F-4D97-AF65-F5344CB8AC3E}">
-        <p14:creationId xmlns:p14="http://schemas.microsoft.com/office/powerpoint/2010/main" val="747376118"/>
+        <p14:creationId xmlns:p14="http://schemas.microsoft.com/office/powerpoint/2010/main" xmlns="" val="747376118"/>
       </p:ext>
     </p:extLst>
   </p:cSld>
@@ -1264,7 +1264,7 @@
             <a:fld id="{E90F2C70-D7C5-4A11-BAB2-648D55629A91}" type="datetimeFigureOut">
               <a:rPr lang="fr-FR" smtClean="0"/>
               <a:pPr/>
-              <a:t>14/11/2017</a:t>
+              <a:t>17/11/2017</a:t>
             </a:fld>
             <a:endParaRPr lang="fr-FR"/>
           </a:p>
@@ -1316,7 +1316,7 @@
     </p:spTree>
     <p:extLst>
       <p:ext uri="{BB962C8B-B14F-4D97-AF65-F5344CB8AC3E}">
-        <p14:creationId xmlns:p14="http://schemas.microsoft.com/office/powerpoint/2010/main" val="2931141288"/>
+        <p14:creationId xmlns:p14="http://schemas.microsoft.com/office/powerpoint/2010/main" xmlns="" val="2931141288"/>
       </p:ext>
     </p:extLst>
   </p:cSld>
@@ -1633,7 +1633,7 @@
             <a:fld id="{E90F2C70-D7C5-4A11-BAB2-648D55629A91}" type="datetimeFigureOut">
               <a:rPr lang="fr-FR" smtClean="0"/>
               <a:pPr/>
-              <a:t>14/11/2017</a:t>
+              <a:t>17/11/2017</a:t>
             </a:fld>
             <a:endParaRPr lang="fr-FR"/>
           </a:p>
@@ -1685,7 +1685,7 @@
     </p:spTree>
     <p:extLst>
       <p:ext uri="{BB962C8B-B14F-4D97-AF65-F5344CB8AC3E}">
-        <p14:creationId xmlns:p14="http://schemas.microsoft.com/office/powerpoint/2010/main" val="3085942919"/>
+        <p14:creationId xmlns:p14="http://schemas.microsoft.com/office/powerpoint/2010/main" xmlns="" val="3085942919"/>
       </p:ext>
     </p:extLst>
   </p:cSld>
@@ -1753,7 +1753,7 @@
             <a:fld id="{E90F2C70-D7C5-4A11-BAB2-648D55629A91}" type="datetimeFigureOut">
               <a:rPr lang="fr-FR" smtClean="0"/>
               <a:pPr/>
-              <a:t>14/11/2017</a:t>
+              <a:t>17/11/2017</a:t>
             </a:fld>
             <a:endParaRPr lang="fr-FR"/>
           </a:p>
@@ -1805,7 +1805,7 @@
     </p:spTree>
     <p:extLst>
       <p:ext uri="{BB962C8B-B14F-4D97-AF65-F5344CB8AC3E}">
-        <p14:creationId xmlns:p14="http://schemas.microsoft.com/office/powerpoint/2010/main" val="2225407022"/>
+        <p14:creationId xmlns:p14="http://schemas.microsoft.com/office/powerpoint/2010/main" xmlns="" val="2225407022"/>
       </p:ext>
     </p:extLst>
   </p:cSld>
@@ -1850,7 +1850,7 @@
             <a:fld id="{E90F2C70-D7C5-4A11-BAB2-648D55629A91}" type="datetimeFigureOut">
               <a:rPr lang="fr-FR" smtClean="0"/>
               <a:pPr/>
-              <a:t>14/11/2017</a:t>
+              <a:t>17/11/2017</a:t>
             </a:fld>
             <a:endParaRPr lang="fr-FR"/>
           </a:p>
@@ -1902,7 +1902,7 @@
     </p:spTree>
     <p:extLst>
       <p:ext uri="{BB962C8B-B14F-4D97-AF65-F5344CB8AC3E}">
-        <p14:creationId xmlns:p14="http://schemas.microsoft.com/office/powerpoint/2010/main" val="3549111699"/>
+        <p14:creationId xmlns:p14="http://schemas.microsoft.com/office/powerpoint/2010/main" xmlns="" val="3549111699"/>
       </p:ext>
     </p:extLst>
   </p:cSld>
@@ -2129,7 +2129,7 @@
             <a:fld id="{E90F2C70-D7C5-4A11-BAB2-648D55629A91}" type="datetimeFigureOut">
               <a:rPr lang="fr-FR" smtClean="0"/>
               <a:pPr/>
-              <a:t>14/11/2017</a:t>
+              <a:t>17/11/2017</a:t>
             </a:fld>
             <a:endParaRPr lang="fr-FR"/>
           </a:p>
@@ -2181,7 +2181,7 @@
     </p:spTree>
     <p:extLst>
       <p:ext uri="{BB962C8B-B14F-4D97-AF65-F5344CB8AC3E}">
-        <p14:creationId xmlns:p14="http://schemas.microsoft.com/office/powerpoint/2010/main" val="1630271679"/>
+        <p14:creationId xmlns:p14="http://schemas.microsoft.com/office/powerpoint/2010/main" xmlns="" val="1630271679"/>
       </p:ext>
     </p:extLst>
   </p:cSld>
@@ -2384,7 +2384,7 @@
             <a:fld id="{E90F2C70-D7C5-4A11-BAB2-648D55629A91}" type="datetimeFigureOut">
               <a:rPr lang="fr-FR" smtClean="0"/>
               <a:pPr/>
-              <a:t>14/11/2017</a:t>
+              <a:t>17/11/2017</a:t>
             </a:fld>
             <a:endParaRPr lang="fr-FR"/>
           </a:p>
@@ -2436,7 +2436,7 @@
     </p:spTree>
     <p:extLst>
       <p:ext uri="{BB962C8B-B14F-4D97-AF65-F5344CB8AC3E}">
-        <p14:creationId xmlns:p14="http://schemas.microsoft.com/office/powerpoint/2010/main" val="1500102834"/>
+        <p14:creationId xmlns:p14="http://schemas.microsoft.com/office/powerpoint/2010/main" xmlns="" val="1500102834"/>
       </p:ext>
     </p:extLst>
   </p:cSld>
@@ -2599,7 +2599,7 @@
             <a:fld id="{E90F2C70-D7C5-4A11-BAB2-648D55629A91}" type="datetimeFigureOut">
               <a:rPr lang="fr-FR" smtClean="0"/>
               <a:pPr/>
-              <a:t>14/11/2017</a:t>
+              <a:t>17/11/2017</a:t>
             </a:fld>
             <a:endParaRPr lang="fr-FR"/>
           </a:p>
@@ -2687,7 +2687,7 @@
     </p:spTree>
     <p:extLst>
       <p:ext uri="{BB962C8B-B14F-4D97-AF65-F5344CB8AC3E}">
-        <p14:creationId xmlns:p14="http://schemas.microsoft.com/office/powerpoint/2010/main" val="344752984"/>
+        <p14:creationId xmlns:p14="http://schemas.microsoft.com/office/powerpoint/2010/main" xmlns="" val="344752984"/>
       </p:ext>
     </p:extLst>
   </p:cSld>
@@ -3194,11 +3194,7 @@
             </a:r>
             <a:r>
               <a:rPr lang="fr-FR" dirty="0" smtClean="0"/>
-              <a:t> </a:t>
-            </a:r>
-            <a:r>
-              <a:rPr lang="fr-FR" dirty="0" smtClean="0"/>
-              <a:t>(</a:t>
+              <a:t> (</a:t>
             </a:r>
             <a:r>
               <a:rPr lang="fr-FR" dirty="0" err="1" smtClean="0"/>
@@ -6196,7 +6192,7 @@
     </p:spTree>
     <p:extLst>
       <p:ext uri="{BB962C8B-B14F-4D97-AF65-F5344CB8AC3E}">
-        <p14:creationId xmlns:p14="http://schemas.microsoft.com/office/powerpoint/2010/main" val="2636587605"/>
+        <p14:creationId xmlns:p14="http://schemas.microsoft.com/office/powerpoint/2010/main" xmlns="" val="2636587605"/>
       </p:ext>
     </p:extLst>
   </p:cSld>
@@ -6677,7 +6673,7 @@
         <p:spPr>
           <a:xfrm>
             <a:off x="2543990" y="883541"/>
-            <a:ext cx="3243517" cy="4524315"/>
+            <a:ext cx="3351815" cy="4524315"/>
           </a:xfrm>
           <a:prstGeom prst="rect">
             <a:avLst/>
@@ -6695,8 +6691,28 @@
               <a:buChar char="•"/>
             </a:pPr>
             <a:r>
+              <a:rPr lang="fr-FR" dirty="0" err="1" smtClean="0"/>
+              <a:t>Nitrogen</a:t>
+            </a:r>
+            <a:r>
               <a:rPr lang="fr-FR" dirty="0" smtClean="0"/>
-              <a:t>Dioxyde d’azote (</a:t>
+              <a:t> </a:t>
+            </a:r>
+            <a:r>
+              <a:rPr lang="fr-FR" dirty="0" err="1" smtClean="0"/>
+              <a:t>d</a:t>
+            </a:r>
+            <a:r>
+              <a:rPr lang="fr-FR" dirty="0" err="1" smtClean="0"/>
+              <a:t>ioxide</a:t>
+            </a:r>
+            <a:r>
+              <a:rPr lang="fr-FR" dirty="0" smtClean="0"/>
+              <a:t> </a:t>
+            </a:r>
+            <a:r>
+              <a:rPr lang="fr-FR" dirty="0" smtClean="0"/>
+              <a:t>(</a:t>
             </a:r>
             <a:r>
               <a:rPr lang="fr-FR" dirty="0" err="1" smtClean="0"/>
@@ -6713,8 +6729,24 @@
               <a:buChar char="•"/>
             </a:pPr>
             <a:r>
+              <a:rPr lang="fr-FR" dirty="0" err="1" smtClean="0"/>
+              <a:t>Nitric</a:t>
+            </a:r>
+            <a:r>
+              <a:rPr lang="fr-FR" dirty="0" smtClean="0"/>
+              <a:t> </a:t>
+            </a:r>
+            <a:r>
+              <a:rPr lang="fr-FR" dirty="0" err="1" smtClean="0"/>
+              <a:t>oxide</a:t>
+            </a:r>
+            <a:r>
+              <a:rPr lang="fr-FR" dirty="0" smtClean="0"/>
+              <a:t> </a:t>
+            </a:r>
+            <a:r>
               <a:rPr lang="fr-FR" dirty="0"/>
-              <a:t>Monoxyde d’azote (</a:t>
+              <a:t>(</a:t>
             </a:r>
             <a:r>
               <a:rPr lang="fr-FR" dirty="0" err="1"/>
@@ -6751,8 +6783,24 @@
               <a:buChar char="•"/>
             </a:pPr>
             <a:r>
+              <a:rPr lang="fr-FR" dirty="0" err="1" smtClean="0"/>
+              <a:t>Particulate</a:t>
+            </a:r>
+            <a:r>
               <a:rPr lang="fr-FR" dirty="0" smtClean="0"/>
-              <a:t>Particules PM10 </a:t>
+              <a:t> </a:t>
+            </a:r>
+            <a:r>
+              <a:rPr lang="fr-FR" dirty="0" err="1" smtClean="0"/>
+              <a:t>Matter</a:t>
+            </a:r>
+            <a:r>
+              <a:rPr lang="fr-FR" dirty="0" smtClean="0"/>
+              <a:t> </a:t>
+            </a:r>
+            <a:r>
+              <a:rPr lang="fr-FR" dirty="0" smtClean="0"/>
+              <a:t>PM10 </a:t>
             </a:r>
             <a:r>
               <a:rPr lang="fr-FR" dirty="0"/>
@@ -6774,8 +6822,16 @@
               <a:buChar char="•"/>
             </a:pPr>
             <a:r>
+              <a:rPr lang="fr-FR" dirty="0" err="1" smtClean="0"/>
+              <a:t>Benzene</a:t>
+            </a:r>
+            <a:r>
+              <a:rPr lang="fr-FR" dirty="0" smtClean="0"/>
+              <a:t> </a:t>
+            </a:r>
+            <a:r>
               <a:rPr lang="fr-FR" dirty="0"/>
-              <a:t>Benzène (</a:t>
+              <a:t>(</a:t>
             </a:r>
             <a:r>
               <a:rPr lang="fr-FR" dirty="0" err="1"/>
@@ -6793,12 +6849,16 @@
               <a:buChar char="•"/>
             </a:pPr>
             <a:r>
+              <a:rPr lang="fr-FR" dirty="0" smtClean="0"/>
+              <a:t>Benz(a)</a:t>
+            </a:r>
+            <a:r>
               <a:rPr lang="fr-FR" dirty="0" err="1" smtClean="0"/>
-              <a:t>Benzo</a:t>
+              <a:t>anthracene</a:t>
             </a:r>
             <a:r>
               <a:rPr lang="fr-FR" dirty="0" smtClean="0"/>
-              <a:t>(a)anthracène </a:t>
+              <a:t> </a:t>
             </a:r>
             <a:r>
               <a:rPr lang="fr-FR" dirty="0"/>
@@ -6820,12 +6880,20 @@
               <a:buChar char="•"/>
             </a:pPr>
             <a:r>
+              <a:rPr lang="fr-FR" dirty="0" smtClean="0"/>
+              <a:t>Benz(a)</a:t>
+            </a:r>
+            <a:r>
               <a:rPr lang="fr-FR" dirty="0" err="1" smtClean="0"/>
-              <a:t>Benzo</a:t>
+              <a:t>pyrene</a:t>
+            </a:r>
+            <a:r>
+              <a:rPr lang="fr-FR" dirty="0" smtClean="0"/>
+              <a:t> </a:t>
             </a:r>
             <a:r>
               <a:rPr lang="fr-FR" dirty="0"/>
-              <a:t>(a)pyrène (</a:t>
+              <a:t>(</a:t>
             </a:r>
             <a:r>
               <a:rPr lang="fr-FR" dirty="0" err="1"/>
@@ -6843,16 +6911,12 @@
               <a:buChar char="•"/>
             </a:pPr>
             <a:r>
+              <a:rPr lang="fr-FR" dirty="0" smtClean="0"/>
+              <a:t>Benz(b)</a:t>
+            </a:r>
+            <a:r>
               <a:rPr lang="fr-FR" dirty="0" err="1" smtClean="0"/>
-              <a:t>Benzo</a:t>
-            </a:r>
-            <a:r>
-              <a:rPr lang="fr-FR" dirty="0" smtClean="0"/>
-              <a:t>(b)</a:t>
-            </a:r>
-            <a:r>
-              <a:rPr lang="fr-FR" dirty="0" err="1" smtClean="0"/>
-              <a:t>fluorenthène</a:t>
+              <a:t>fluoranthene</a:t>
             </a:r>
             <a:r>
               <a:rPr lang="fr-FR" dirty="0" smtClean="0"/>
@@ -6877,16 +6941,12 @@
               <a:buChar char="•"/>
             </a:pPr>
             <a:r>
+              <a:rPr lang="fr-FR" dirty="0" smtClean="0"/>
+              <a:t>Benz(j)</a:t>
+            </a:r>
+            <a:r>
               <a:rPr lang="fr-FR" dirty="0" err="1" smtClean="0"/>
-              <a:t>Benzo</a:t>
-            </a:r>
-            <a:r>
-              <a:rPr lang="fr-FR" dirty="0" smtClean="0"/>
-              <a:t>(j)</a:t>
-            </a:r>
-            <a:r>
-              <a:rPr lang="fr-FR" dirty="0" err="1" smtClean="0"/>
-              <a:t>fluorenthène</a:t>
+              <a:t>fluoranthene</a:t>
             </a:r>
             <a:r>
               <a:rPr lang="fr-FR" dirty="0" smtClean="0"/>
@@ -6912,16 +6972,12 @@
               <a:buChar char="•"/>
             </a:pPr>
             <a:r>
+              <a:rPr lang="fr-FR" dirty="0" smtClean="0"/>
+              <a:t>Benz(k)</a:t>
+            </a:r>
+            <a:r>
               <a:rPr lang="fr-FR" dirty="0" err="1" smtClean="0"/>
-              <a:t>Benzo</a:t>
-            </a:r>
-            <a:r>
-              <a:rPr lang="fr-FR" dirty="0" smtClean="0"/>
-              <a:t>(k)</a:t>
-            </a:r>
-            <a:r>
-              <a:rPr lang="fr-FR" dirty="0" err="1" smtClean="0"/>
-              <a:t>fluorenthène</a:t>
+              <a:t>fluoranthene</a:t>
             </a:r>
             <a:r>
               <a:rPr lang="fr-FR" dirty="0" smtClean="0"/>
@@ -6960,7 +7016,15 @@
             </a:r>
             <a:r>
               <a:rPr lang="fr-FR" dirty="0" smtClean="0"/>
-              <a:t>)anthracène </a:t>
+              <a:t>)</a:t>
+            </a:r>
+            <a:r>
+              <a:rPr lang="fr-FR" dirty="0" err="1" smtClean="0"/>
+              <a:t>anthracene</a:t>
+            </a:r>
+            <a:r>
+              <a:rPr lang="fr-FR" dirty="0" smtClean="0"/>
+              <a:t> </a:t>
             </a:r>
             <a:r>
               <a:rPr lang="fr-FR" dirty="0"/>
@@ -6982,12 +7046,20 @@
               <a:buChar char="•"/>
             </a:pPr>
             <a:r>
+              <a:rPr lang="fr-FR" smtClean="0"/>
+              <a:t>Indeno</a:t>
+            </a:r>
+            <a:r>
+              <a:rPr lang="fr-FR" dirty="0" smtClean="0"/>
+              <a:t>(1,2,3-cd)</a:t>
+            </a:r>
+            <a:r>
               <a:rPr lang="fr-FR" dirty="0" err="1" smtClean="0"/>
-              <a:t>Indéno</a:t>
+              <a:t>pyrene</a:t>
             </a:r>
             <a:r>
               <a:rPr lang="fr-FR" dirty="0" smtClean="0"/>
-              <a:t>(1,2,3-cd)pyrène </a:t>
+              <a:t> </a:t>
             </a:r>
             <a:r>
               <a:rPr lang="fr-FR" dirty="0"/>
@@ -7009,8 +7081,24 @@
               <a:buChar char="•"/>
             </a:pPr>
             <a:r>
+              <a:rPr lang="fr-FR" dirty="0" err="1" smtClean="0"/>
+              <a:t>Particulate</a:t>
+            </a:r>
+            <a:r>
               <a:rPr lang="fr-FR" dirty="0" smtClean="0"/>
-              <a:t>Particules PM2,5 </a:t>
+              <a:t> </a:t>
+            </a:r>
+            <a:r>
+              <a:rPr lang="fr-FR" dirty="0" err="1" smtClean="0"/>
+              <a:t>Matter</a:t>
+            </a:r>
+            <a:r>
+              <a:rPr lang="fr-FR" dirty="0" smtClean="0"/>
+              <a:t> </a:t>
+            </a:r>
+            <a:r>
+              <a:rPr lang="fr-FR" dirty="0" smtClean="0"/>
+              <a:t>PM2,5 </a:t>
             </a:r>
             <a:r>
               <a:rPr lang="fr-FR" dirty="0"/>
@@ -7032,8 +7120,12 @@
               <a:buChar char="•"/>
             </a:pPr>
             <a:r>
+              <a:rPr lang="fr-FR" dirty="0" err="1" smtClean="0"/>
+              <a:t>Toluene</a:t>
+            </a:r>
+            <a:r>
               <a:rPr lang="fr-FR" dirty="0" smtClean="0"/>
-              <a:t>Toluène </a:t>
+              <a:t> </a:t>
             </a:r>
             <a:r>
               <a:rPr lang="fr-FR" dirty="0"/>
@@ -7055,8 +7147,12 @@
               <a:buChar char="•"/>
             </a:pPr>
             <a:r>
+              <a:rPr lang="fr-FR" dirty="0" err="1" smtClean="0"/>
+              <a:t>Antimony</a:t>
+            </a:r>
+            <a:r>
               <a:rPr lang="fr-FR" dirty="0" smtClean="0"/>
-              <a:t>Antimoine </a:t>
+              <a:t> </a:t>
             </a:r>
             <a:r>
               <a:rPr lang="fr-FR" dirty="0"/>
@@ -7106,7 +7202,7 @@
         <p:spPr>
           <a:xfrm>
             <a:off x="6109295" y="894272"/>
-            <a:ext cx="2742867" cy="4524315"/>
+            <a:ext cx="2289666" cy="4524315"/>
           </a:xfrm>
           <a:prstGeom prst="rect">
             <a:avLst/>
@@ -7124,12 +7220,16 @@
               <a:buChar char="•"/>
             </a:pPr>
             <a:r>
+              <a:rPr lang="fr-FR" dirty="0" err="1" smtClean="0"/>
+              <a:t>Barium</a:t>
+            </a:r>
+            <a:r>
               <a:rPr lang="fr-FR" dirty="0" smtClean="0"/>
-              <a:t>Baryum</a:t>
+              <a:t> </a:t>
             </a:r>
             <a:r>
               <a:rPr lang="fr-FR" dirty="0"/>
-              <a:t> (</a:t>
+              <a:t>(</a:t>
             </a:r>
             <a:r>
               <a:rPr lang="fr-FR" dirty="0" err="1"/>
@@ -7217,11 +7317,15 @@
             </a:pPr>
             <a:r>
               <a:rPr lang="fr-FR" dirty="0" smtClean="0"/>
-              <a:t>Cuivre</a:t>
+              <a:t>Copper</a:t>
+            </a:r>
+            <a:r>
+              <a:rPr lang="fr-FR" dirty="0" smtClean="0"/>
+              <a:t> </a:t>
             </a:r>
             <a:r>
               <a:rPr lang="fr-FR" dirty="0"/>
-              <a:t> (</a:t>
+              <a:t>(</a:t>
             </a:r>
             <a:r>
               <a:rPr lang="fr-FR" dirty="0" err="1"/>
@@ -7239,12 +7343,24 @@
               <a:buChar char="•"/>
             </a:pPr>
             <a:r>
+              <a:rPr lang="fr-FR" dirty="0" err="1" smtClean="0"/>
+              <a:t>Sulfur</a:t>
+            </a:r>
+            <a:r>
               <a:rPr lang="fr-FR" dirty="0" smtClean="0"/>
-              <a:t>Dioxyde de souffre</a:t>
+              <a:t> </a:t>
+            </a:r>
+            <a:r>
+              <a:rPr lang="fr-FR" dirty="0" err="1" smtClean="0"/>
+              <a:t>dioxide</a:t>
+            </a:r>
+            <a:r>
+              <a:rPr lang="fr-FR" dirty="0" smtClean="0"/>
+              <a:t> </a:t>
             </a:r>
             <a:r>
               <a:rPr lang="fr-FR" dirty="0"/>
-              <a:t> (</a:t>
+              <a:t>(</a:t>
             </a:r>
             <a:r>
               <a:rPr lang="fr-FR" dirty="0" err="1"/>
@@ -7263,11 +7379,15 @@
             </a:pPr>
             <a:r>
               <a:rPr lang="fr-FR" dirty="0" err="1" smtClean="0"/>
-              <a:t>EthylBenzène</a:t>
+              <a:t>EthylBenzene</a:t>
+            </a:r>
+            <a:r>
+              <a:rPr lang="fr-FR" dirty="0" smtClean="0"/>
+              <a:t> </a:t>
             </a:r>
             <a:r>
               <a:rPr lang="fr-FR" dirty="0"/>
-              <a:t> (</a:t>
+              <a:t>(</a:t>
             </a:r>
             <a:r>
               <a:rPr lang="fr-FR" dirty="0" err="1"/>
@@ -7285,12 +7405,20 @@
               <a:buChar char="•"/>
             </a:pPr>
             <a:r>
+              <a:rPr lang="fr-FR" dirty="0" smtClean="0"/>
+              <a:t>M+p-</a:t>
+            </a:r>
+            <a:r>
               <a:rPr lang="fr-FR" dirty="0" err="1" smtClean="0"/>
-              <a:t>M+p-Xylène</a:t>
+              <a:t>xylene</a:t>
+            </a:r>
+            <a:r>
+              <a:rPr lang="fr-FR" dirty="0" smtClean="0"/>
+              <a:t> </a:t>
             </a:r>
             <a:r>
               <a:rPr lang="fr-FR" dirty="0"/>
-              <a:t> (</a:t>
+              <a:t>(</a:t>
             </a:r>
             <a:r>
               <a:rPr lang="fr-FR" dirty="0" err="1"/>
@@ -7308,12 +7436,16 @@
               <a:buChar char="•"/>
             </a:pPr>
             <a:r>
+              <a:rPr lang="fr-FR" dirty="0" err="1" smtClean="0"/>
+              <a:t>Manganese</a:t>
+            </a:r>
+            <a:r>
               <a:rPr lang="fr-FR" dirty="0" smtClean="0"/>
-              <a:t>Manganèse</a:t>
+              <a:t> </a:t>
             </a:r>
             <a:r>
               <a:rPr lang="fr-FR" dirty="0"/>
-              <a:t> (</a:t>
+              <a:t>(</a:t>
             </a:r>
             <a:r>
               <a:rPr lang="fr-FR" dirty="0" err="1"/>
@@ -7331,12 +7463,16 @@
               <a:buChar char="•"/>
             </a:pPr>
             <a:r>
+              <a:rPr lang="fr-FR" dirty="0" err="1" smtClean="0"/>
+              <a:t>Mercury</a:t>
+            </a:r>
+            <a:r>
               <a:rPr lang="fr-FR" dirty="0" smtClean="0"/>
-              <a:t>Mercure</a:t>
+              <a:t> </a:t>
             </a:r>
             <a:r>
               <a:rPr lang="fr-FR" dirty="0"/>
-              <a:t> (</a:t>
+              <a:t>(</a:t>
             </a:r>
             <a:r>
               <a:rPr lang="fr-FR" dirty="0" err="1"/>
@@ -7378,11 +7514,19 @@
             </a:pPr>
             <a:r>
               <a:rPr lang="fr-FR" dirty="0" smtClean="0"/>
-              <a:t>O-Xylène</a:t>
+              <a:t>O-</a:t>
+            </a:r>
+            <a:r>
+              <a:rPr lang="fr-FR" dirty="0" err="1" smtClean="0"/>
+              <a:t>Xylene</a:t>
+            </a:r>
+            <a:r>
+              <a:rPr lang="fr-FR" dirty="0" smtClean="0"/>
+              <a:t> </a:t>
             </a:r>
             <a:r>
               <a:rPr lang="fr-FR" dirty="0"/>
-              <a:t> (</a:t>
+              <a:t>(</a:t>
             </a:r>
             <a:r>
               <a:rPr lang="fr-FR" dirty="0" err="1"/>
@@ -7400,12 +7544,16 @@
               <a:buChar char="•"/>
             </a:pPr>
             <a:r>
+              <a:rPr lang="fr-FR" dirty="0" err="1" smtClean="0"/>
+              <a:t>Lead</a:t>
+            </a:r>
+            <a:r>
               <a:rPr lang="fr-FR" dirty="0" smtClean="0"/>
-              <a:t>Plomb</a:t>
+              <a:t> </a:t>
             </a:r>
             <a:r>
               <a:rPr lang="fr-FR" dirty="0"/>
-              <a:t> (</a:t>
+              <a:t>(</a:t>
             </a:r>
             <a:r>
               <a:rPr lang="fr-FR" dirty="0" err="1"/>
@@ -7491,7 +7639,7 @@
     </p:spTree>
     <p:extLst>
       <p:ext uri="{BB962C8B-B14F-4D97-AF65-F5344CB8AC3E}">
-        <p14:creationId xmlns:p14="http://schemas.microsoft.com/office/powerpoint/2010/main" val="3368504421"/>
+        <p14:creationId xmlns:p14="http://schemas.microsoft.com/office/powerpoint/2010/main" xmlns="" val="3368504421"/>
       </p:ext>
     </p:extLst>
   </p:cSld>
@@ -7756,7 +7904,7 @@
   <a:extraClrSchemeLst/>
   <a:extLst>
     <a:ext uri="{05A4C25C-085E-4340-85A3-A5531E510DB2}">
-      <thm15:themeFamily xmlns:thm15="http://schemas.microsoft.com/office/thememl/2012/main" name="Office Theme" id="{62F939B6-93AF-4DB8-9C6B-D6C7DFDC589F}" vid="{4A3C46E8-61CC-4603-A589-7422A47A8E4A}"/>
+      <thm15:themeFamily xmlns:thm15="http://schemas.microsoft.com/office/thememl/2012/main" xmlns="" name="Office Theme" id="{62F939B6-93AF-4DB8-9C6B-D6C7DFDC589F}" vid="{4A3C46E8-61CC-4603-A589-7422A47A8E4A}"/>
     </a:ext>
   </a:extLst>
 </a:theme>

--- a/df-model/df-model.pptx
+++ b/df-model/df-model.pptx
@@ -107,7 +107,7 @@
   </p:defaultTextStyle>
   <p:extLst>
     <p:ext uri="{EFAFB233-063F-42B5-8137-9DF3F51BA10A}">
-      <p15:sldGuideLst xmlns:p15="http://schemas.microsoft.com/office/powerpoint/2012/main" xmlns="">
+      <p15:sldGuideLst xmlns="" xmlns:p15="http://schemas.microsoft.com/office/powerpoint/2012/main">
         <p15:guide id="1" orient="horz" pos="2160">
           <p15:clr>
             <a:srgbClr val="A4A3A4"/>
@@ -256,7 +256,7 @@
             <a:fld id="{E90F2C70-D7C5-4A11-BAB2-648D55629A91}" type="datetimeFigureOut">
               <a:rPr lang="fr-FR" smtClean="0"/>
               <a:pPr/>
-              <a:t>17/11/2017</a:t>
+              <a:t>20/11/2017</a:t>
             </a:fld>
             <a:endParaRPr lang="fr-FR"/>
           </a:p>
@@ -308,7 +308,7 @@
     </p:spTree>
     <p:extLst>
       <p:ext uri="{BB962C8B-B14F-4D97-AF65-F5344CB8AC3E}">
-        <p14:creationId xmlns:p14="http://schemas.microsoft.com/office/powerpoint/2010/main" xmlns="" val="26437346"/>
+        <p14:creationId xmlns="" xmlns:p14="http://schemas.microsoft.com/office/powerpoint/2010/main" val="26437346"/>
       </p:ext>
     </p:extLst>
   </p:cSld>
@@ -428,7 +428,7 @@
             <a:fld id="{E90F2C70-D7C5-4A11-BAB2-648D55629A91}" type="datetimeFigureOut">
               <a:rPr lang="fr-FR" smtClean="0"/>
               <a:pPr/>
-              <a:t>17/11/2017</a:t>
+              <a:t>20/11/2017</a:t>
             </a:fld>
             <a:endParaRPr lang="fr-FR"/>
           </a:p>
@@ -480,7 +480,7 @@
     </p:spTree>
     <p:extLst>
       <p:ext uri="{BB962C8B-B14F-4D97-AF65-F5344CB8AC3E}">
-        <p14:creationId xmlns:p14="http://schemas.microsoft.com/office/powerpoint/2010/main" xmlns="" val="3002800163"/>
+        <p14:creationId xmlns="" xmlns:p14="http://schemas.microsoft.com/office/powerpoint/2010/main" val="3002800163"/>
       </p:ext>
     </p:extLst>
   </p:cSld>
@@ -610,7 +610,7 @@
             <a:fld id="{E90F2C70-D7C5-4A11-BAB2-648D55629A91}" type="datetimeFigureOut">
               <a:rPr lang="fr-FR" smtClean="0"/>
               <a:pPr/>
-              <a:t>17/11/2017</a:t>
+              <a:t>20/11/2017</a:t>
             </a:fld>
             <a:endParaRPr lang="fr-FR"/>
           </a:p>
@@ -662,7 +662,7 @@
     </p:spTree>
     <p:extLst>
       <p:ext uri="{BB962C8B-B14F-4D97-AF65-F5344CB8AC3E}">
-        <p14:creationId xmlns:p14="http://schemas.microsoft.com/office/powerpoint/2010/main" xmlns="" val="21420202"/>
+        <p14:creationId xmlns="" xmlns:p14="http://schemas.microsoft.com/office/powerpoint/2010/main" val="21420202"/>
       </p:ext>
     </p:extLst>
   </p:cSld>
@@ -782,7 +782,7 @@
             <a:fld id="{E90F2C70-D7C5-4A11-BAB2-648D55629A91}" type="datetimeFigureOut">
               <a:rPr lang="fr-FR" smtClean="0"/>
               <a:pPr/>
-              <a:t>17/11/2017</a:t>
+              <a:t>20/11/2017</a:t>
             </a:fld>
             <a:endParaRPr lang="fr-FR"/>
           </a:p>
@@ -834,7 +834,7 @@
     </p:spTree>
     <p:extLst>
       <p:ext uri="{BB962C8B-B14F-4D97-AF65-F5344CB8AC3E}">
-        <p14:creationId xmlns:p14="http://schemas.microsoft.com/office/powerpoint/2010/main" xmlns="" val="1134717922"/>
+        <p14:creationId xmlns="" xmlns:p14="http://schemas.microsoft.com/office/powerpoint/2010/main" val="1134717922"/>
       </p:ext>
     </p:extLst>
   </p:cSld>
@@ -1030,7 +1030,7 @@
             <a:fld id="{E90F2C70-D7C5-4A11-BAB2-648D55629A91}" type="datetimeFigureOut">
               <a:rPr lang="fr-FR" smtClean="0"/>
               <a:pPr/>
-              <a:t>17/11/2017</a:t>
+              <a:t>20/11/2017</a:t>
             </a:fld>
             <a:endParaRPr lang="fr-FR"/>
           </a:p>
@@ -1082,7 +1082,7 @@
     </p:spTree>
     <p:extLst>
       <p:ext uri="{BB962C8B-B14F-4D97-AF65-F5344CB8AC3E}">
-        <p14:creationId xmlns:p14="http://schemas.microsoft.com/office/powerpoint/2010/main" xmlns="" val="747376118"/>
+        <p14:creationId xmlns="" xmlns:p14="http://schemas.microsoft.com/office/powerpoint/2010/main" val="747376118"/>
       </p:ext>
     </p:extLst>
   </p:cSld>
@@ -1264,7 +1264,7 @@
             <a:fld id="{E90F2C70-D7C5-4A11-BAB2-648D55629A91}" type="datetimeFigureOut">
               <a:rPr lang="fr-FR" smtClean="0"/>
               <a:pPr/>
-              <a:t>17/11/2017</a:t>
+              <a:t>20/11/2017</a:t>
             </a:fld>
             <a:endParaRPr lang="fr-FR"/>
           </a:p>
@@ -1316,7 +1316,7 @@
     </p:spTree>
     <p:extLst>
       <p:ext uri="{BB962C8B-B14F-4D97-AF65-F5344CB8AC3E}">
-        <p14:creationId xmlns:p14="http://schemas.microsoft.com/office/powerpoint/2010/main" xmlns="" val="2931141288"/>
+        <p14:creationId xmlns="" xmlns:p14="http://schemas.microsoft.com/office/powerpoint/2010/main" val="2931141288"/>
       </p:ext>
     </p:extLst>
   </p:cSld>
@@ -1633,7 +1633,7 @@
             <a:fld id="{E90F2C70-D7C5-4A11-BAB2-648D55629A91}" type="datetimeFigureOut">
               <a:rPr lang="fr-FR" smtClean="0"/>
               <a:pPr/>
-              <a:t>17/11/2017</a:t>
+              <a:t>20/11/2017</a:t>
             </a:fld>
             <a:endParaRPr lang="fr-FR"/>
           </a:p>
@@ -1685,7 +1685,7 @@
     </p:spTree>
     <p:extLst>
       <p:ext uri="{BB962C8B-B14F-4D97-AF65-F5344CB8AC3E}">
-        <p14:creationId xmlns:p14="http://schemas.microsoft.com/office/powerpoint/2010/main" xmlns="" val="3085942919"/>
+        <p14:creationId xmlns="" xmlns:p14="http://schemas.microsoft.com/office/powerpoint/2010/main" val="3085942919"/>
       </p:ext>
     </p:extLst>
   </p:cSld>
@@ -1753,7 +1753,7 @@
             <a:fld id="{E90F2C70-D7C5-4A11-BAB2-648D55629A91}" type="datetimeFigureOut">
               <a:rPr lang="fr-FR" smtClean="0"/>
               <a:pPr/>
-              <a:t>17/11/2017</a:t>
+              <a:t>20/11/2017</a:t>
             </a:fld>
             <a:endParaRPr lang="fr-FR"/>
           </a:p>
@@ -1805,7 +1805,7 @@
     </p:spTree>
     <p:extLst>
       <p:ext uri="{BB962C8B-B14F-4D97-AF65-F5344CB8AC3E}">
-        <p14:creationId xmlns:p14="http://schemas.microsoft.com/office/powerpoint/2010/main" xmlns="" val="2225407022"/>
+        <p14:creationId xmlns="" xmlns:p14="http://schemas.microsoft.com/office/powerpoint/2010/main" val="2225407022"/>
       </p:ext>
     </p:extLst>
   </p:cSld>
@@ -1850,7 +1850,7 @@
             <a:fld id="{E90F2C70-D7C5-4A11-BAB2-648D55629A91}" type="datetimeFigureOut">
               <a:rPr lang="fr-FR" smtClean="0"/>
               <a:pPr/>
-              <a:t>17/11/2017</a:t>
+              <a:t>20/11/2017</a:t>
             </a:fld>
             <a:endParaRPr lang="fr-FR"/>
           </a:p>
@@ -1902,7 +1902,7 @@
     </p:spTree>
     <p:extLst>
       <p:ext uri="{BB962C8B-B14F-4D97-AF65-F5344CB8AC3E}">
-        <p14:creationId xmlns:p14="http://schemas.microsoft.com/office/powerpoint/2010/main" xmlns="" val="3549111699"/>
+        <p14:creationId xmlns="" xmlns:p14="http://schemas.microsoft.com/office/powerpoint/2010/main" val="3549111699"/>
       </p:ext>
     </p:extLst>
   </p:cSld>
@@ -2129,7 +2129,7 @@
             <a:fld id="{E90F2C70-D7C5-4A11-BAB2-648D55629A91}" type="datetimeFigureOut">
               <a:rPr lang="fr-FR" smtClean="0"/>
               <a:pPr/>
-              <a:t>17/11/2017</a:t>
+              <a:t>20/11/2017</a:t>
             </a:fld>
             <a:endParaRPr lang="fr-FR"/>
           </a:p>
@@ -2181,7 +2181,7 @@
     </p:spTree>
     <p:extLst>
       <p:ext uri="{BB962C8B-B14F-4D97-AF65-F5344CB8AC3E}">
-        <p14:creationId xmlns:p14="http://schemas.microsoft.com/office/powerpoint/2010/main" xmlns="" val="1630271679"/>
+        <p14:creationId xmlns="" xmlns:p14="http://schemas.microsoft.com/office/powerpoint/2010/main" val="1630271679"/>
       </p:ext>
     </p:extLst>
   </p:cSld>
@@ -2384,7 +2384,7 @@
             <a:fld id="{E90F2C70-D7C5-4A11-BAB2-648D55629A91}" type="datetimeFigureOut">
               <a:rPr lang="fr-FR" smtClean="0"/>
               <a:pPr/>
-              <a:t>17/11/2017</a:t>
+              <a:t>20/11/2017</a:t>
             </a:fld>
             <a:endParaRPr lang="fr-FR"/>
           </a:p>
@@ -2436,7 +2436,7 @@
     </p:spTree>
     <p:extLst>
       <p:ext uri="{BB962C8B-B14F-4D97-AF65-F5344CB8AC3E}">
-        <p14:creationId xmlns:p14="http://schemas.microsoft.com/office/powerpoint/2010/main" xmlns="" val="1500102834"/>
+        <p14:creationId xmlns="" xmlns:p14="http://schemas.microsoft.com/office/powerpoint/2010/main" val="1500102834"/>
       </p:ext>
     </p:extLst>
   </p:cSld>
@@ -2599,7 +2599,7 @@
             <a:fld id="{E90F2C70-D7C5-4A11-BAB2-648D55629A91}" type="datetimeFigureOut">
               <a:rPr lang="fr-FR" smtClean="0"/>
               <a:pPr/>
-              <a:t>17/11/2017</a:t>
+              <a:t>20/11/2017</a:t>
             </a:fld>
             <a:endParaRPr lang="fr-FR"/>
           </a:p>
@@ -2687,7 +2687,7 @@
     </p:spTree>
     <p:extLst>
       <p:ext uri="{BB962C8B-B14F-4D97-AF65-F5344CB8AC3E}">
-        <p14:creationId xmlns:p14="http://schemas.microsoft.com/office/powerpoint/2010/main" xmlns="" val="344752984"/>
+        <p14:creationId xmlns="" xmlns:p14="http://schemas.microsoft.com/office/powerpoint/2010/main" val="344752984"/>
       </p:ext>
     </p:extLst>
   </p:cSld>
@@ -5034,7 +5034,7 @@
         </p:nvSpPr>
         <p:spPr>
           <a:xfrm>
-            <a:off x="2972170" y="1234752"/>
+            <a:off x="2986238" y="742372"/>
             <a:ext cx="1947071" cy="369332"/>
           </a:xfrm>
           <a:prstGeom prst="rect">
@@ -5150,8 +5150,8 @@
         </p:nvCxnSpPr>
         <p:spPr>
           <a:xfrm>
-            <a:off x="5064076" y="1484417"/>
-            <a:ext cx="495300" cy="0"/>
+            <a:off x="5148484" y="1048309"/>
+            <a:ext cx="478594" cy="189647"/>
           </a:xfrm>
           <a:prstGeom prst="line">
             <a:avLst/>
@@ -5185,8 +5185,8 @@
         </p:nvCxnSpPr>
         <p:spPr>
           <a:xfrm>
-            <a:off x="6421166" y="1517977"/>
-            <a:ext cx="495300" cy="0"/>
+            <a:off x="6421166" y="1532790"/>
+            <a:ext cx="495300" cy="13323"/>
           </a:xfrm>
           <a:prstGeom prst="line">
             <a:avLst/>
@@ -5215,13 +5215,15 @@
       <p:cxnSp>
         <p:nvCxnSpPr>
           <p:cNvPr id="113" name="Connecteur droit 112"/>
-          <p:cNvCxnSpPr/>
+          <p:cNvCxnSpPr>
+            <a:endCxn id="85" idx="0"/>
+          </p:cNvCxnSpPr>
           <p:nvPr/>
         </p:nvCxnSpPr>
         <p:spPr>
-          <a:xfrm>
-            <a:off x="5759130" y="534269"/>
-            <a:ext cx="131708" cy="550392"/>
+          <a:xfrm rot="16200000" flipH="1">
+            <a:off x="5633091" y="716579"/>
+            <a:ext cx="637966" cy="76394"/>
           </a:xfrm>
           <a:prstGeom prst="line">
             <a:avLst/>
@@ -5255,7 +5257,7 @@
         </p:nvCxnSpPr>
         <p:spPr>
           <a:xfrm>
-            <a:off x="5356719" y="951615"/>
+            <a:off x="5539603" y="768731"/>
             <a:ext cx="252036" cy="350204"/>
           </a:xfrm>
           <a:prstGeom prst="line">
@@ -5290,7 +5292,7 @@
         </p:nvSpPr>
         <p:spPr>
           <a:xfrm rot="18693875">
-            <a:off x="5209570" y="754960"/>
+            <a:off x="5392454" y="572076"/>
             <a:ext cx="252968" cy="252968"/>
           </a:xfrm>
           <a:prstGeom prst="ellipse">
@@ -5333,7 +5335,7 @@
         </p:nvSpPr>
         <p:spPr>
           <a:xfrm rot="18693875">
-            <a:off x="5620460" y="358367"/>
+            <a:off x="5775208" y="259891"/>
             <a:ext cx="252968" cy="252968"/>
           </a:xfrm>
           <a:prstGeom prst="ellipse">
@@ -5376,7 +5378,7 @@
         </p:nvSpPr>
         <p:spPr>
           <a:xfrm rot="18693875">
-            <a:off x="4843149" y="1338999"/>
+            <a:off x="4927557" y="902891"/>
             <a:ext cx="252968" cy="252968"/>
           </a:xfrm>
           <a:prstGeom prst="ellipse">
@@ -5419,7 +5421,7 @@
         </p:nvSpPr>
         <p:spPr>
           <a:xfrm>
-            <a:off x="3051544" y="583194"/>
+            <a:off x="3234428" y="329970"/>
             <a:ext cx="2173608" cy="369332"/>
           </a:xfrm>
           <a:prstGeom prst="rect">
@@ -5449,7 +5451,7 @@
         </p:nvSpPr>
         <p:spPr>
           <a:xfrm>
-            <a:off x="4936507" y="-49883"/>
+            <a:off x="4950575" y="-92087"/>
             <a:ext cx="1518877" cy="369332"/>
           </a:xfrm>
           <a:prstGeom prst="rect">
@@ -6189,10 +6191,118 @@
           </a:p>
         </p:txBody>
       </p:sp>
+      <p:cxnSp>
+        <p:nvCxnSpPr>
+          <p:cNvPr id="117" name="Connecteur droit 116"/>
+          <p:cNvCxnSpPr/>
+          <p:nvPr/>
+        </p:nvCxnSpPr>
+        <p:spPr>
+          <a:xfrm>
+            <a:off x="5061728" y="1482069"/>
+            <a:ext cx="483580" cy="22585"/>
+          </a:xfrm>
+          <a:prstGeom prst="line">
+            <a:avLst/>
+          </a:prstGeom>
+          <a:ln>
+            <a:solidFill>
+              <a:schemeClr val="tx1"/>
+            </a:solidFill>
+          </a:ln>
+        </p:spPr>
+        <p:style>
+          <a:lnRef idx="1">
+            <a:schemeClr val="accent1"/>
+          </a:lnRef>
+          <a:fillRef idx="0">
+            <a:schemeClr val="accent1"/>
+          </a:fillRef>
+          <a:effectRef idx="0">
+            <a:schemeClr val="accent1"/>
+          </a:effectRef>
+          <a:fontRef idx="minor">
+            <a:schemeClr val="tx1"/>
+          </a:fontRef>
+        </p:style>
+      </p:cxnSp>
+      <p:sp>
+        <p:nvSpPr>
+          <p:cNvPr id="121" name="Ellipse 120"/>
+          <p:cNvSpPr/>
+          <p:nvPr/>
+        </p:nvSpPr>
+        <p:spPr>
+          <a:xfrm rot="18693875">
+            <a:off x="4840801" y="1336651"/>
+            <a:ext cx="252968" cy="252968"/>
+          </a:xfrm>
+          <a:prstGeom prst="ellipse">
+            <a:avLst/>
+          </a:prstGeom>
+          <a:solidFill>
+            <a:schemeClr val="accent6"/>
+          </a:solidFill>
+        </p:spPr>
+        <p:style>
+          <a:lnRef idx="2">
+            <a:schemeClr val="accent1">
+              <a:shade val="50000"/>
+            </a:schemeClr>
+          </a:lnRef>
+          <a:fillRef idx="1">
+            <a:schemeClr val="accent1"/>
+          </a:fillRef>
+          <a:effectRef idx="0">
+            <a:schemeClr val="accent1"/>
+          </a:effectRef>
+          <a:fontRef idx="minor">
+            <a:schemeClr val="lt1"/>
+          </a:fontRef>
+        </p:style>
+        <p:txBody>
+          <a:bodyPr rtlCol="0" anchor="ctr"/>
+          <a:lstStyle/>
+          <a:p>
+            <a:pPr algn="ctr"/>
+            <a:endParaRPr lang="fr-FR"/>
+          </a:p>
+        </p:txBody>
+      </p:sp>
+      <p:sp>
+        <p:nvSpPr>
+          <p:cNvPr id="149" name="ZoneTexte 148"/>
+          <p:cNvSpPr txBox="1"/>
+          <p:nvPr/>
+        </p:nvSpPr>
+        <p:spPr>
+          <a:xfrm>
+            <a:off x="2632198" y="1260532"/>
+            <a:ext cx="2325380" cy="369332"/>
+          </a:xfrm>
+          <a:prstGeom prst="rect">
+            <a:avLst/>
+          </a:prstGeom>
+          <a:noFill/>
+        </p:spPr>
+        <p:txBody>
+          <a:bodyPr wrap="none" rtlCol="0">
+            <a:spAutoFit/>
+          </a:bodyPr>
+          <a:lstStyle/>
+          <a:p>
+            <a:r>
+              <a:rPr lang="fr-FR" dirty="0" err="1" smtClean="0"/>
+              <a:t>closestPollutionStation</a:t>
+            </a:r>
+            <a:endParaRPr lang="fr-FR" dirty="0" smtClean="0"/>
+          </a:p>
+        </p:txBody>
+      </p:sp>
     </p:spTree>
     <p:extLst>
       <p:ext uri="{BB962C8B-B14F-4D97-AF65-F5344CB8AC3E}">
-        <p14:creationId xmlns:p14="http://schemas.microsoft.com/office/powerpoint/2010/main" xmlns="" val="2636587605"/>
+        <p14:creationId xmlns="" xmlns:p14="http://schemas.microsoft.com/office/powerpoint/2010/main" val="2636587605"/>
       </p:ext>
     </p:extLst>
   </p:cSld>
@@ -6700,19 +6810,11 @@
             </a:r>
             <a:r>
               <a:rPr lang="fr-FR" dirty="0" err="1" smtClean="0"/>
-              <a:t>d</a:t>
-            </a:r>
-            <a:r>
-              <a:rPr lang="fr-FR" dirty="0" err="1" smtClean="0"/>
-              <a:t>ioxide</a:t>
+              <a:t>dioxide</a:t>
             </a:r>
             <a:r>
               <a:rPr lang="fr-FR" dirty="0" smtClean="0"/>
-              <a:t> </a:t>
-            </a:r>
-            <a:r>
-              <a:rPr lang="fr-FR" dirty="0" smtClean="0"/>
-              <a:t>(</a:t>
+              <a:t> (</a:t>
             </a:r>
             <a:r>
               <a:rPr lang="fr-FR" dirty="0" err="1" smtClean="0"/>
@@ -6796,11 +6898,7 @@
             </a:r>
             <a:r>
               <a:rPr lang="fr-FR" dirty="0" smtClean="0"/>
-              <a:t> </a:t>
-            </a:r>
-            <a:r>
-              <a:rPr lang="fr-FR" dirty="0" smtClean="0"/>
-              <a:t>PM10 </a:t>
+              <a:t> PM10 </a:t>
             </a:r>
             <a:r>
               <a:rPr lang="fr-FR" dirty="0"/>
@@ -7094,11 +7192,7 @@
             </a:r>
             <a:r>
               <a:rPr lang="fr-FR" dirty="0" smtClean="0"/>
-              <a:t> </a:t>
-            </a:r>
-            <a:r>
-              <a:rPr lang="fr-FR" dirty="0" smtClean="0"/>
-              <a:t>PM2,5 </a:t>
+              <a:t> PM2,5 </a:t>
             </a:r>
             <a:r>
               <a:rPr lang="fr-FR" dirty="0"/>
@@ -7317,11 +7411,7 @@
             </a:pPr>
             <a:r>
               <a:rPr lang="fr-FR" dirty="0" smtClean="0"/>
-              <a:t>Copper</a:t>
-            </a:r>
-            <a:r>
-              <a:rPr lang="fr-FR" dirty="0" smtClean="0"/>
-              <a:t> </a:t>
+              <a:t>Copper </a:t>
             </a:r>
             <a:r>
               <a:rPr lang="fr-FR" dirty="0"/>
@@ -7639,7 +7729,7 @@
     </p:spTree>
     <p:extLst>
       <p:ext uri="{BB962C8B-B14F-4D97-AF65-F5344CB8AC3E}">
-        <p14:creationId xmlns:p14="http://schemas.microsoft.com/office/powerpoint/2010/main" xmlns="" val="3368504421"/>
+        <p14:creationId xmlns="" xmlns:p14="http://schemas.microsoft.com/office/powerpoint/2010/main" val="3368504421"/>
       </p:ext>
     </p:extLst>
   </p:cSld>
@@ -7904,7 +7994,7 @@
   <a:extraClrSchemeLst/>
   <a:extLst>
     <a:ext uri="{05A4C25C-085E-4340-85A3-A5531E510DB2}">
-      <thm15:themeFamily xmlns:thm15="http://schemas.microsoft.com/office/thememl/2012/main" xmlns="" name="Office Theme" id="{62F939B6-93AF-4DB8-9C6B-D6C7DFDC589F}" vid="{4A3C46E8-61CC-4603-A589-7422A47A8E4A}"/>
+      <thm15:themeFamily xmlns="" xmlns:thm15="http://schemas.microsoft.com/office/thememl/2012/main" name="Office Theme" id="{62F939B6-93AF-4DB8-9C6B-D6C7DFDC589F}" vid="{4A3C46E8-61CC-4603-A589-7422A47A8E4A}"/>
     </a:ext>
   </a:extLst>
 </a:theme>

--- a/df-model/df-model.pptx
+++ b/df-model/df-model.pptx
@@ -107,7 +107,7 @@
   </p:defaultTextStyle>
   <p:extLst>
     <p:ext uri="{EFAFB233-063F-42B5-8137-9DF3F51BA10A}">
-      <p15:sldGuideLst xmlns="" xmlns:p15="http://schemas.microsoft.com/office/powerpoint/2012/main">
+      <p15:sldGuideLst xmlns:p15="http://schemas.microsoft.com/office/powerpoint/2012/main" xmlns="">
         <p15:guide id="1" orient="horz" pos="2160">
           <p15:clr>
             <a:srgbClr val="A4A3A4"/>
@@ -256,7 +256,7 @@
             <a:fld id="{E90F2C70-D7C5-4A11-BAB2-648D55629A91}" type="datetimeFigureOut">
               <a:rPr lang="fr-FR" smtClean="0"/>
               <a:pPr/>
-              <a:t>20/11/2017</a:t>
+              <a:t>21/11/2017</a:t>
             </a:fld>
             <a:endParaRPr lang="fr-FR"/>
           </a:p>
@@ -308,7 +308,7 @@
     </p:spTree>
     <p:extLst>
       <p:ext uri="{BB962C8B-B14F-4D97-AF65-F5344CB8AC3E}">
-        <p14:creationId xmlns="" xmlns:p14="http://schemas.microsoft.com/office/powerpoint/2010/main" val="26437346"/>
+        <p14:creationId xmlns:p14="http://schemas.microsoft.com/office/powerpoint/2010/main" xmlns="" val="26437346"/>
       </p:ext>
     </p:extLst>
   </p:cSld>
@@ -428,7 +428,7 @@
             <a:fld id="{E90F2C70-D7C5-4A11-BAB2-648D55629A91}" type="datetimeFigureOut">
               <a:rPr lang="fr-FR" smtClean="0"/>
               <a:pPr/>
-              <a:t>20/11/2017</a:t>
+              <a:t>21/11/2017</a:t>
             </a:fld>
             <a:endParaRPr lang="fr-FR"/>
           </a:p>
@@ -480,7 +480,7 @@
     </p:spTree>
     <p:extLst>
       <p:ext uri="{BB962C8B-B14F-4D97-AF65-F5344CB8AC3E}">
-        <p14:creationId xmlns="" xmlns:p14="http://schemas.microsoft.com/office/powerpoint/2010/main" val="3002800163"/>
+        <p14:creationId xmlns:p14="http://schemas.microsoft.com/office/powerpoint/2010/main" xmlns="" val="3002800163"/>
       </p:ext>
     </p:extLst>
   </p:cSld>
@@ -610,7 +610,7 @@
             <a:fld id="{E90F2C70-D7C5-4A11-BAB2-648D55629A91}" type="datetimeFigureOut">
               <a:rPr lang="fr-FR" smtClean="0"/>
               <a:pPr/>
-              <a:t>20/11/2017</a:t>
+              <a:t>21/11/2017</a:t>
             </a:fld>
             <a:endParaRPr lang="fr-FR"/>
           </a:p>
@@ -662,7 +662,7 @@
     </p:spTree>
     <p:extLst>
       <p:ext uri="{BB962C8B-B14F-4D97-AF65-F5344CB8AC3E}">
-        <p14:creationId xmlns="" xmlns:p14="http://schemas.microsoft.com/office/powerpoint/2010/main" val="21420202"/>
+        <p14:creationId xmlns:p14="http://schemas.microsoft.com/office/powerpoint/2010/main" xmlns="" val="21420202"/>
       </p:ext>
     </p:extLst>
   </p:cSld>
@@ -782,7 +782,7 @@
             <a:fld id="{E90F2C70-D7C5-4A11-BAB2-648D55629A91}" type="datetimeFigureOut">
               <a:rPr lang="fr-FR" smtClean="0"/>
               <a:pPr/>
-              <a:t>20/11/2017</a:t>
+              <a:t>21/11/2017</a:t>
             </a:fld>
             <a:endParaRPr lang="fr-FR"/>
           </a:p>
@@ -834,7 +834,7 @@
     </p:spTree>
     <p:extLst>
       <p:ext uri="{BB962C8B-B14F-4D97-AF65-F5344CB8AC3E}">
-        <p14:creationId xmlns="" xmlns:p14="http://schemas.microsoft.com/office/powerpoint/2010/main" val="1134717922"/>
+        <p14:creationId xmlns:p14="http://schemas.microsoft.com/office/powerpoint/2010/main" xmlns="" val="1134717922"/>
       </p:ext>
     </p:extLst>
   </p:cSld>
@@ -1030,7 +1030,7 @@
             <a:fld id="{E90F2C70-D7C5-4A11-BAB2-648D55629A91}" type="datetimeFigureOut">
               <a:rPr lang="fr-FR" smtClean="0"/>
               <a:pPr/>
-              <a:t>20/11/2017</a:t>
+              <a:t>21/11/2017</a:t>
             </a:fld>
             <a:endParaRPr lang="fr-FR"/>
           </a:p>
@@ -1082,7 +1082,7 @@
     </p:spTree>
     <p:extLst>
       <p:ext uri="{BB962C8B-B14F-4D97-AF65-F5344CB8AC3E}">
-        <p14:creationId xmlns="" xmlns:p14="http://schemas.microsoft.com/office/powerpoint/2010/main" val="747376118"/>
+        <p14:creationId xmlns:p14="http://schemas.microsoft.com/office/powerpoint/2010/main" xmlns="" val="747376118"/>
       </p:ext>
     </p:extLst>
   </p:cSld>
@@ -1264,7 +1264,7 @@
             <a:fld id="{E90F2C70-D7C5-4A11-BAB2-648D55629A91}" type="datetimeFigureOut">
               <a:rPr lang="fr-FR" smtClean="0"/>
               <a:pPr/>
-              <a:t>20/11/2017</a:t>
+              <a:t>21/11/2017</a:t>
             </a:fld>
             <a:endParaRPr lang="fr-FR"/>
           </a:p>
@@ -1316,7 +1316,7 @@
     </p:spTree>
     <p:extLst>
       <p:ext uri="{BB962C8B-B14F-4D97-AF65-F5344CB8AC3E}">
-        <p14:creationId xmlns="" xmlns:p14="http://schemas.microsoft.com/office/powerpoint/2010/main" val="2931141288"/>
+        <p14:creationId xmlns:p14="http://schemas.microsoft.com/office/powerpoint/2010/main" xmlns="" val="2931141288"/>
       </p:ext>
     </p:extLst>
   </p:cSld>
@@ -1633,7 +1633,7 @@
             <a:fld id="{E90F2C70-D7C5-4A11-BAB2-648D55629A91}" type="datetimeFigureOut">
               <a:rPr lang="fr-FR" smtClean="0"/>
               <a:pPr/>
-              <a:t>20/11/2017</a:t>
+              <a:t>21/11/2017</a:t>
             </a:fld>
             <a:endParaRPr lang="fr-FR"/>
           </a:p>
@@ -1685,7 +1685,7 @@
     </p:spTree>
     <p:extLst>
       <p:ext uri="{BB962C8B-B14F-4D97-AF65-F5344CB8AC3E}">
-        <p14:creationId xmlns="" xmlns:p14="http://schemas.microsoft.com/office/powerpoint/2010/main" val="3085942919"/>
+        <p14:creationId xmlns:p14="http://schemas.microsoft.com/office/powerpoint/2010/main" xmlns="" val="3085942919"/>
       </p:ext>
     </p:extLst>
   </p:cSld>
@@ -1753,7 +1753,7 @@
             <a:fld id="{E90F2C70-D7C5-4A11-BAB2-648D55629A91}" type="datetimeFigureOut">
               <a:rPr lang="fr-FR" smtClean="0"/>
               <a:pPr/>
-              <a:t>20/11/2017</a:t>
+              <a:t>21/11/2017</a:t>
             </a:fld>
             <a:endParaRPr lang="fr-FR"/>
           </a:p>
@@ -1805,7 +1805,7 @@
     </p:spTree>
     <p:extLst>
       <p:ext uri="{BB962C8B-B14F-4D97-AF65-F5344CB8AC3E}">
-        <p14:creationId xmlns="" xmlns:p14="http://schemas.microsoft.com/office/powerpoint/2010/main" val="2225407022"/>
+        <p14:creationId xmlns:p14="http://schemas.microsoft.com/office/powerpoint/2010/main" xmlns="" val="2225407022"/>
       </p:ext>
     </p:extLst>
   </p:cSld>
@@ -1850,7 +1850,7 @@
             <a:fld id="{E90F2C70-D7C5-4A11-BAB2-648D55629A91}" type="datetimeFigureOut">
               <a:rPr lang="fr-FR" smtClean="0"/>
               <a:pPr/>
-              <a:t>20/11/2017</a:t>
+              <a:t>21/11/2017</a:t>
             </a:fld>
             <a:endParaRPr lang="fr-FR"/>
           </a:p>
@@ -1902,7 +1902,7 @@
     </p:spTree>
     <p:extLst>
       <p:ext uri="{BB962C8B-B14F-4D97-AF65-F5344CB8AC3E}">
-        <p14:creationId xmlns="" xmlns:p14="http://schemas.microsoft.com/office/powerpoint/2010/main" val="3549111699"/>
+        <p14:creationId xmlns:p14="http://schemas.microsoft.com/office/powerpoint/2010/main" xmlns="" val="3549111699"/>
       </p:ext>
     </p:extLst>
   </p:cSld>
@@ -2129,7 +2129,7 @@
             <a:fld id="{E90F2C70-D7C5-4A11-BAB2-648D55629A91}" type="datetimeFigureOut">
               <a:rPr lang="fr-FR" smtClean="0"/>
               <a:pPr/>
-              <a:t>20/11/2017</a:t>
+              <a:t>21/11/2017</a:t>
             </a:fld>
             <a:endParaRPr lang="fr-FR"/>
           </a:p>
@@ -2181,7 +2181,7 @@
     </p:spTree>
     <p:extLst>
       <p:ext uri="{BB962C8B-B14F-4D97-AF65-F5344CB8AC3E}">
-        <p14:creationId xmlns="" xmlns:p14="http://schemas.microsoft.com/office/powerpoint/2010/main" val="1630271679"/>
+        <p14:creationId xmlns:p14="http://schemas.microsoft.com/office/powerpoint/2010/main" xmlns="" val="1630271679"/>
       </p:ext>
     </p:extLst>
   </p:cSld>
@@ -2384,7 +2384,7 @@
             <a:fld id="{E90F2C70-D7C5-4A11-BAB2-648D55629A91}" type="datetimeFigureOut">
               <a:rPr lang="fr-FR" smtClean="0"/>
               <a:pPr/>
-              <a:t>20/11/2017</a:t>
+              <a:t>21/11/2017</a:t>
             </a:fld>
             <a:endParaRPr lang="fr-FR"/>
           </a:p>
@@ -2436,7 +2436,7 @@
     </p:spTree>
     <p:extLst>
       <p:ext uri="{BB962C8B-B14F-4D97-AF65-F5344CB8AC3E}">
-        <p14:creationId xmlns="" xmlns:p14="http://schemas.microsoft.com/office/powerpoint/2010/main" val="1500102834"/>
+        <p14:creationId xmlns:p14="http://schemas.microsoft.com/office/powerpoint/2010/main" xmlns="" val="1500102834"/>
       </p:ext>
     </p:extLst>
   </p:cSld>
@@ -2599,7 +2599,7 @@
             <a:fld id="{E90F2C70-D7C5-4A11-BAB2-648D55629A91}" type="datetimeFigureOut">
               <a:rPr lang="fr-FR" smtClean="0"/>
               <a:pPr/>
-              <a:t>20/11/2017</a:t>
+              <a:t>21/11/2017</a:t>
             </a:fld>
             <a:endParaRPr lang="fr-FR"/>
           </a:p>
@@ -2687,7 +2687,7 @@
     </p:spTree>
     <p:extLst>
       <p:ext uri="{BB962C8B-B14F-4D97-AF65-F5344CB8AC3E}">
-        <p14:creationId xmlns="" xmlns:p14="http://schemas.microsoft.com/office/powerpoint/2010/main" val="344752984"/>
+        <p14:creationId xmlns:p14="http://schemas.microsoft.com/office/powerpoint/2010/main" xmlns="" val="344752984"/>
       </p:ext>
     </p:extLst>
   </p:cSld>
@@ -6302,7 +6302,7 @@
     </p:spTree>
     <p:extLst>
       <p:ext uri="{BB962C8B-B14F-4D97-AF65-F5344CB8AC3E}">
-        <p14:creationId xmlns="" xmlns:p14="http://schemas.microsoft.com/office/powerpoint/2010/main" val="2636587605"/>
+        <p14:creationId xmlns:p14="http://schemas.microsoft.com/office/powerpoint/2010/main" xmlns="" val="2636587605"/>
       </p:ext>
     </p:extLst>
   </p:cSld>
@@ -6802,7 +6802,11 @@
             </a:pPr>
             <a:r>
               <a:rPr lang="fr-FR" dirty="0" err="1" smtClean="0"/>
-              <a:t>Nitrogen</a:t>
+              <a:t>n</a:t>
+            </a:r>
+            <a:r>
+              <a:rPr lang="fr-FR" dirty="0" err="1" smtClean="0"/>
+              <a:t>itrogen</a:t>
             </a:r>
             <a:r>
               <a:rPr lang="fr-FR" dirty="0" smtClean="0"/>
@@ -6832,7 +6836,11 @@
             </a:pPr>
             <a:r>
               <a:rPr lang="fr-FR" dirty="0" err="1" smtClean="0"/>
-              <a:t>Nitric</a:t>
+              <a:t>n</a:t>
+            </a:r>
+            <a:r>
+              <a:rPr lang="fr-FR" dirty="0" err="1" smtClean="0"/>
+              <a:t>itric</a:t>
             </a:r>
             <a:r>
               <a:rPr lang="fr-FR" dirty="0" smtClean="0"/>
@@ -6867,7 +6875,15 @@
             </a:pPr>
             <a:r>
               <a:rPr lang="fr-FR" dirty="0"/>
-              <a:t>Ozone (</a:t>
+              <a:t>o</a:t>
+            </a:r>
+            <a:r>
+              <a:rPr lang="fr-FR" dirty="0" smtClean="0"/>
+              <a:t>zone </a:t>
+            </a:r>
+            <a:r>
+              <a:rPr lang="fr-FR" dirty="0"/>
+              <a:t>(</a:t>
             </a:r>
             <a:r>
               <a:rPr lang="fr-FR" dirty="0" err="1"/>
@@ -6886,7 +6902,11 @@
             </a:pPr>
             <a:r>
               <a:rPr lang="fr-FR" dirty="0" err="1" smtClean="0"/>
-              <a:t>Particulate</a:t>
+              <a:t>p</a:t>
+            </a:r>
+            <a:r>
+              <a:rPr lang="fr-FR" dirty="0" err="1" smtClean="0"/>
+              <a:t>articulate</a:t>
             </a:r>
             <a:r>
               <a:rPr lang="fr-FR" dirty="0" smtClean="0"/>
@@ -6921,7 +6941,11 @@
             </a:pPr>
             <a:r>
               <a:rPr lang="fr-FR" dirty="0" err="1" smtClean="0"/>
-              <a:t>Benzene</a:t>
+              <a:t>b</a:t>
+            </a:r>
+            <a:r>
+              <a:rPr lang="fr-FR" dirty="0" err="1" smtClean="0"/>
+              <a:t>enzene</a:t>
             </a:r>
             <a:r>
               <a:rPr lang="fr-FR" dirty="0" smtClean="0"/>
@@ -6947,8 +6971,16 @@
               <a:buChar char="•"/>
             </a:pPr>
             <a:r>
+              <a:rPr lang="fr-FR" dirty="0" err="1" smtClean="0"/>
+              <a:t>b</a:t>
+            </a:r>
+            <a:r>
+              <a:rPr lang="fr-FR" dirty="0" err="1" smtClean="0"/>
+              <a:t>enz</a:t>
+            </a:r>
+            <a:r>
               <a:rPr lang="fr-FR" dirty="0" smtClean="0"/>
-              <a:t>Benz(a)</a:t>
+              <a:t>(a)</a:t>
             </a:r>
             <a:r>
               <a:rPr lang="fr-FR" dirty="0" err="1" smtClean="0"/>
@@ -6978,8 +7010,16 @@
               <a:buChar char="•"/>
             </a:pPr>
             <a:r>
+              <a:rPr lang="fr-FR" dirty="0" err="1" smtClean="0"/>
+              <a:t>b</a:t>
+            </a:r>
+            <a:r>
+              <a:rPr lang="fr-FR" dirty="0" err="1" smtClean="0"/>
+              <a:t>enz</a:t>
+            </a:r>
+            <a:r>
               <a:rPr lang="fr-FR" dirty="0" smtClean="0"/>
-              <a:t>Benz(a)</a:t>
+              <a:t>(a)</a:t>
             </a:r>
             <a:r>
               <a:rPr lang="fr-FR" dirty="0" err="1" smtClean="0"/>
@@ -7009,8 +7049,16 @@
               <a:buChar char="•"/>
             </a:pPr>
             <a:r>
+              <a:rPr lang="fr-FR" dirty="0" err="1" smtClean="0"/>
+              <a:t>b</a:t>
+            </a:r>
+            <a:r>
+              <a:rPr lang="fr-FR" dirty="0" err="1" smtClean="0"/>
+              <a:t>enz</a:t>
+            </a:r>
+            <a:r>
               <a:rPr lang="fr-FR" dirty="0" smtClean="0"/>
-              <a:t>Benz(b)</a:t>
+              <a:t>(b)</a:t>
             </a:r>
             <a:r>
               <a:rPr lang="fr-FR" dirty="0" err="1" smtClean="0"/>
@@ -7039,8 +7087,16 @@
               <a:buChar char="•"/>
             </a:pPr>
             <a:r>
+              <a:rPr lang="fr-FR" dirty="0" err="1" smtClean="0"/>
+              <a:t>b</a:t>
+            </a:r>
+            <a:r>
+              <a:rPr lang="fr-FR" dirty="0" err="1" smtClean="0"/>
+              <a:t>enz</a:t>
+            </a:r>
+            <a:r>
               <a:rPr lang="fr-FR" dirty="0" smtClean="0"/>
-              <a:t>Benz(j)</a:t>
+              <a:t>(j)</a:t>
             </a:r>
             <a:r>
               <a:rPr lang="fr-FR" dirty="0" err="1" smtClean="0"/>
@@ -7070,8 +7126,16 @@
               <a:buChar char="•"/>
             </a:pPr>
             <a:r>
+              <a:rPr lang="fr-FR" dirty="0" err="1" smtClean="0"/>
+              <a:t>b</a:t>
+            </a:r>
+            <a:r>
+              <a:rPr lang="fr-FR" dirty="0" err="1" smtClean="0"/>
+              <a:t>enz</a:t>
+            </a:r>
+            <a:r>
               <a:rPr lang="fr-FR" dirty="0" smtClean="0"/>
-              <a:t>Benz(k)</a:t>
+              <a:t>(k)</a:t>
             </a:r>
             <a:r>
               <a:rPr lang="fr-FR" dirty="0" err="1" smtClean="0"/>
@@ -7102,7 +7166,11 @@
             </a:pPr>
             <a:r>
               <a:rPr lang="fr-FR" dirty="0" err="1" smtClean="0"/>
-              <a:t>Dibenzo</a:t>
+              <a:t>d</a:t>
+            </a:r>
+            <a:r>
+              <a:rPr lang="fr-FR" dirty="0" err="1" smtClean="0"/>
+              <a:t>ibenzo</a:t>
             </a:r>
             <a:r>
               <a:rPr lang="fr-FR" dirty="0" smtClean="0"/>
@@ -7144,8 +7212,12 @@
               <a:buChar char="•"/>
             </a:pPr>
             <a:r>
-              <a:rPr lang="fr-FR" smtClean="0"/>
-              <a:t>Indeno</a:t>
+              <a:rPr lang="fr-FR" dirty="0" err="1" smtClean="0"/>
+              <a:t>i</a:t>
+            </a:r>
+            <a:r>
+              <a:rPr lang="fr-FR" dirty="0" err="1" smtClean="0"/>
+              <a:t>ndeno</a:t>
             </a:r>
             <a:r>
               <a:rPr lang="fr-FR" dirty="0" smtClean="0"/>
@@ -7180,7 +7252,11 @@
             </a:pPr>
             <a:r>
               <a:rPr lang="fr-FR" dirty="0" err="1" smtClean="0"/>
-              <a:t>Particulate</a:t>
+              <a:t>p</a:t>
+            </a:r>
+            <a:r>
+              <a:rPr lang="fr-FR" dirty="0" err="1" smtClean="0"/>
+              <a:t>articulate</a:t>
             </a:r>
             <a:r>
               <a:rPr lang="fr-FR" dirty="0" smtClean="0"/>
@@ -7215,7 +7291,11 @@
             </a:pPr>
             <a:r>
               <a:rPr lang="fr-FR" dirty="0" err="1" smtClean="0"/>
-              <a:t>Toluene</a:t>
+              <a:t>t</a:t>
+            </a:r>
+            <a:r>
+              <a:rPr lang="fr-FR" dirty="0" err="1" smtClean="0"/>
+              <a:t>oluene</a:t>
             </a:r>
             <a:r>
               <a:rPr lang="fr-FR" dirty="0" smtClean="0"/>
@@ -7242,7 +7322,11 @@
             </a:pPr>
             <a:r>
               <a:rPr lang="fr-FR" dirty="0" err="1" smtClean="0"/>
-              <a:t>Antimony</a:t>
+              <a:t>a</a:t>
+            </a:r>
+            <a:r>
+              <a:rPr lang="fr-FR" dirty="0" err="1" smtClean="0"/>
+              <a:t>ntimony</a:t>
             </a:r>
             <a:r>
               <a:rPr lang="fr-FR" dirty="0" smtClean="0"/>
@@ -7269,11 +7353,15 @@
             </a:pPr>
             <a:r>
               <a:rPr lang="fr-FR" dirty="0" smtClean="0"/>
-              <a:t>Arsenic</a:t>
+              <a:t>a</a:t>
+            </a:r>
+            <a:r>
+              <a:rPr lang="fr-FR" dirty="0" smtClean="0"/>
+              <a:t>rsenic </a:t>
             </a:r>
             <a:r>
               <a:rPr lang="fr-FR" dirty="0"/>
-              <a:t> (</a:t>
+              <a:t>(</a:t>
             </a:r>
             <a:r>
               <a:rPr lang="fr-FR" dirty="0" err="1"/>
@@ -7296,7 +7384,7 @@
         <p:spPr>
           <a:xfrm>
             <a:off x="6109295" y="894272"/>
-            <a:ext cx="2289666" cy="4524315"/>
+            <a:ext cx="2255489" cy="4524315"/>
           </a:xfrm>
           <a:prstGeom prst="rect">
             <a:avLst/>
@@ -7315,7 +7403,11 @@
             </a:pPr>
             <a:r>
               <a:rPr lang="fr-FR" dirty="0" err="1" smtClean="0"/>
-              <a:t>Barium</a:t>
+              <a:t>b</a:t>
+            </a:r>
+            <a:r>
+              <a:rPr lang="fr-FR" dirty="0" err="1" smtClean="0"/>
+              <a:t>arium</a:t>
             </a:r>
             <a:r>
               <a:rPr lang="fr-FR" dirty="0" smtClean="0"/>
@@ -7342,11 +7434,15 @@
             </a:pPr>
             <a:r>
               <a:rPr lang="fr-FR" dirty="0" smtClean="0"/>
-              <a:t>Cadmium</a:t>
+              <a:t>c</a:t>
+            </a:r>
+            <a:r>
+              <a:rPr lang="fr-FR" dirty="0" smtClean="0"/>
+              <a:t>admium </a:t>
             </a:r>
             <a:r>
               <a:rPr lang="fr-FR" dirty="0"/>
-              <a:t> (</a:t>
+              <a:t>(</a:t>
             </a:r>
             <a:r>
               <a:rPr lang="fr-FR" dirty="0" err="1"/>
@@ -7365,11 +7461,15 @@
             </a:pPr>
             <a:r>
               <a:rPr lang="fr-FR" dirty="0" smtClean="0"/>
-              <a:t>Chrome</a:t>
+              <a:t>c</a:t>
+            </a:r>
+            <a:r>
+              <a:rPr lang="fr-FR" dirty="0" smtClean="0"/>
+              <a:t>hrome </a:t>
             </a:r>
             <a:r>
               <a:rPr lang="fr-FR" dirty="0"/>
-              <a:t> (</a:t>
+              <a:t>(</a:t>
             </a:r>
             <a:r>
               <a:rPr lang="fr-FR" dirty="0" err="1"/>
@@ -7388,11 +7488,15 @@
             </a:pPr>
             <a:r>
               <a:rPr lang="fr-FR" dirty="0" smtClean="0"/>
-              <a:t>Cobalt</a:t>
+              <a:t>c</a:t>
+            </a:r>
+            <a:r>
+              <a:rPr lang="fr-FR" dirty="0" smtClean="0"/>
+              <a:t>obalt </a:t>
             </a:r>
             <a:r>
               <a:rPr lang="fr-FR" dirty="0"/>
-              <a:t> (</a:t>
+              <a:t>(</a:t>
             </a:r>
             <a:r>
               <a:rPr lang="fr-FR" dirty="0" err="1"/>
@@ -7410,8 +7514,16 @@
               <a:buChar char="•"/>
             </a:pPr>
             <a:r>
+              <a:rPr lang="fr-FR" dirty="0" err="1" smtClean="0"/>
+              <a:t>c</a:t>
+            </a:r>
+            <a:r>
+              <a:rPr lang="fr-FR" dirty="0" err="1" smtClean="0"/>
+              <a:t>opper</a:t>
+            </a:r>
+            <a:r>
               <a:rPr lang="fr-FR" dirty="0" smtClean="0"/>
-              <a:t>Copper </a:t>
+              <a:t> </a:t>
             </a:r>
             <a:r>
               <a:rPr lang="fr-FR" dirty="0"/>
@@ -7434,7 +7546,11 @@
             </a:pPr>
             <a:r>
               <a:rPr lang="fr-FR" dirty="0" err="1" smtClean="0"/>
-              <a:t>Sulfur</a:t>
+              <a:t>s</a:t>
+            </a:r>
+            <a:r>
+              <a:rPr lang="fr-FR" dirty="0" err="1" smtClean="0"/>
+              <a:t>ulfur</a:t>
             </a:r>
             <a:r>
               <a:rPr lang="fr-FR" dirty="0" smtClean="0"/>
@@ -7469,7 +7585,11 @@
             </a:pPr>
             <a:r>
               <a:rPr lang="fr-FR" dirty="0" err="1" smtClean="0"/>
-              <a:t>EthylBenzene</a:t>
+              <a:t>e</a:t>
+            </a:r>
+            <a:r>
+              <a:rPr lang="fr-FR" dirty="0" err="1" smtClean="0"/>
+              <a:t>thylBenzene</a:t>
             </a:r>
             <a:r>
               <a:rPr lang="fr-FR" dirty="0" smtClean="0"/>
@@ -7496,7 +7616,11 @@
             </a:pPr>
             <a:r>
               <a:rPr lang="fr-FR" dirty="0" smtClean="0"/>
-              <a:t>M+p-</a:t>
+              <a:t>m</a:t>
+            </a:r>
+            <a:r>
+              <a:rPr lang="fr-FR" dirty="0" smtClean="0"/>
+              <a:t>+p-</a:t>
             </a:r>
             <a:r>
               <a:rPr lang="fr-FR" dirty="0" err="1" smtClean="0"/>
@@ -7527,7 +7651,11 @@
             </a:pPr>
             <a:r>
               <a:rPr lang="fr-FR" dirty="0" err="1" smtClean="0"/>
-              <a:t>Manganese</a:t>
+              <a:t>m</a:t>
+            </a:r>
+            <a:r>
+              <a:rPr lang="fr-FR" dirty="0" err="1" smtClean="0"/>
+              <a:t>anganese</a:t>
             </a:r>
             <a:r>
               <a:rPr lang="fr-FR" dirty="0" smtClean="0"/>
@@ -7554,7 +7682,11 @@
             </a:pPr>
             <a:r>
               <a:rPr lang="fr-FR" dirty="0" err="1" smtClean="0"/>
-              <a:t>Mercury</a:t>
+              <a:t>m</a:t>
+            </a:r>
+            <a:r>
+              <a:rPr lang="fr-FR" dirty="0" err="1" smtClean="0"/>
+              <a:t>ercury</a:t>
             </a:r>
             <a:r>
               <a:rPr lang="fr-FR" dirty="0" smtClean="0"/>
@@ -7581,11 +7713,15 @@
             </a:pPr>
             <a:r>
               <a:rPr lang="fr-FR" dirty="0" smtClean="0"/>
-              <a:t>Nickel</a:t>
+              <a:t>n</a:t>
+            </a:r>
+            <a:r>
+              <a:rPr lang="fr-FR" dirty="0" smtClean="0"/>
+              <a:t>ickel </a:t>
             </a:r>
             <a:r>
               <a:rPr lang="fr-FR" dirty="0"/>
-              <a:t> (</a:t>
+              <a:t>(</a:t>
             </a:r>
             <a:r>
               <a:rPr lang="fr-FR" dirty="0" err="1"/>
@@ -7604,7 +7740,11 @@
             </a:pPr>
             <a:r>
               <a:rPr lang="fr-FR" dirty="0" smtClean="0"/>
-              <a:t>O-</a:t>
+              <a:t>o</a:t>
+            </a:r>
+            <a:r>
+              <a:rPr lang="fr-FR" dirty="0" smtClean="0"/>
+              <a:t>-</a:t>
             </a:r>
             <a:r>
               <a:rPr lang="fr-FR" dirty="0" err="1" smtClean="0"/>
@@ -7635,7 +7775,11 @@
             </a:pPr>
             <a:r>
               <a:rPr lang="fr-FR" dirty="0" err="1" smtClean="0"/>
-              <a:t>Lead</a:t>
+              <a:t>l</a:t>
+            </a:r>
+            <a:r>
+              <a:rPr lang="fr-FR" dirty="0" err="1" smtClean="0"/>
+              <a:t>ead</a:t>
             </a:r>
             <a:r>
               <a:rPr lang="fr-FR" dirty="0" smtClean="0"/>
@@ -7662,11 +7806,15 @@
             </a:pPr>
             <a:r>
               <a:rPr lang="fr-FR" dirty="0" smtClean="0"/>
-              <a:t>Thallium</a:t>
+              <a:t>t</a:t>
+            </a:r>
+            <a:r>
+              <a:rPr lang="fr-FR" dirty="0" smtClean="0"/>
+              <a:t>hallium </a:t>
             </a:r>
             <a:r>
               <a:rPr lang="fr-FR" dirty="0"/>
-              <a:t> (</a:t>
+              <a:t>(</a:t>
             </a:r>
             <a:r>
               <a:rPr lang="fr-FR" dirty="0" err="1"/>
@@ -7685,11 +7833,15 @@
             </a:pPr>
             <a:r>
               <a:rPr lang="fr-FR" dirty="0" smtClean="0"/>
-              <a:t>Vanadium</a:t>
+              <a:t>v</a:t>
+            </a:r>
+            <a:r>
+              <a:rPr lang="fr-FR" dirty="0" smtClean="0"/>
+              <a:t>anadium </a:t>
             </a:r>
             <a:r>
               <a:rPr lang="fr-FR" dirty="0"/>
-              <a:t> (</a:t>
+              <a:t>(</a:t>
             </a:r>
             <a:r>
               <a:rPr lang="fr-FR" dirty="0" err="1"/>
@@ -7708,18 +7860,22 @@
             </a:pPr>
             <a:r>
               <a:rPr lang="fr-FR" dirty="0" smtClean="0"/>
-              <a:t>Zinc</a:t>
+              <a:t>z</a:t>
+            </a:r>
+            <a:r>
+              <a:rPr lang="fr-FR" dirty="0" smtClean="0"/>
+              <a:t>inc </a:t>
             </a:r>
             <a:r>
               <a:rPr lang="fr-FR" dirty="0"/>
-              <a:t> (</a:t>
+              <a:t>(</a:t>
             </a:r>
             <a:r>
               <a:rPr lang="fr-FR" dirty="0" err="1"/>
               <a:t>avg</a:t>
             </a:r>
             <a:r>
-              <a:rPr lang="fr-FR" dirty="0"/>
+              <a:rPr lang="fr-FR" smtClean="0"/>
               <a:t>)</a:t>
             </a:r>
             <a:endParaRPr lang="fr-FR" dirty="0" smtClean="0"/>
@@ -7729,7 +7885,7 @@
     </p:spTree>
     <p:extLst>
       <p:ext uri="{BB962C8B-B14F-4D97-AF65-F5344CB8AC3E}">
-        <p14:creationId xmlns="" xmlns:p14="http://schemas.microsoft.com/office/powerpoint/2010/main" val="3368504421"/>
+        <p14:creationId xmlns:p14="http://schemas.microsoft.com/office/powerpoint/2010/main" xmlns="" val="3368504421"/>
       </p:ext>
     </p:extLst>
   </p:cSld>
@@ -7994,7 +8150,7 @@
   <a:extraClrSchemeLst/>
   <a:extLst>
     <a:ext uri="{05A4C25C-085E-4340-85A3-A5531E510DB2}">
-      <thm15:themeFamily xmlns="" xmlns:thm15="http://schemas.microsoft.com/office/thememl/2012/main" name="Office Theme" id="{62F939B6-93AF-4DB8-9C6B-D6C7DFDC589F}" vid="{4A3C46E8-61CC-4603-A589-7422A47A8E4A}"/>
+      <thm15:themeFamily xmlns:thm15="http://schemas.microsoft.com/office/thememl/2012/main" xmlns="" name="Office Theme" id="{62F939B6-93AF-4DB8-9C6B-D6C7DFDC589F}" vid="{4A3C46E8-61CC-4603-A589-7422A47A8E4A}"/>
     </a:ext>
   </a:extLst>
 </a:theme>

--- a/df-model/df-model.pptx
+++ b/df-model/df-model.pptx
@@ -7,6 +7,7 @@
   <p:sldIdLst>
     <p:sldId id="256" r:id="rId2"/>
     <p:sldId id="257" r:id="rId3"/>
+    <p:sldId id="258" r:id="rId4"/>
   </p:sldIdLst>
   <p:sldSz cx="12192000" cy="6858000"/>
   <p:notesSz cx="6858000" cy="9144000"/>
@@ -107,7 +108,7 @@
   </p:defaultTextStyle>
   <p:extLst>
     <p:ext uri="{EFAFB233-063F-42B5-8137-9DF3F51BA10A}">
-      <p15:sldGuideLst xmlns:p15="http://schemas.microsoft.com/office/powerpoint/2012/main" xmlns="">
+      <p15:sldGuideLst xmlns:p15="http://schemas.microsoft.com/office/powerpoint/2012/main">
         <p15:guide id="1" orient="horz" pos="2160">
           <p15:clr>
             <a:srgbClr val="A4A3A4"/>
@@ -122,6 +123,10 @@
     </p:ext>
   </p:extLst>
 </p:presentation>
+</file>
+
+<file path=ppt/revisionInfo.xml><?xml version="1.0" encoding="utf-8"?>
+<p1510:revInfo xmlns:a="http://schemas.openxmlformats.org/drawingml/2006/main" xmlns:r="http://schemas.openxmlformats.org/officeDocument/2006/relationships" xmlns:p1510="http://schemas.microsoft.com/office/powerpoint/2015/10/main"/>
 </file>
 
 <file path=ppt/slideLayouts/slideLayout1.xml><?xml version="1.0" encoding="utf-8"?>
@@ -166,10 +171,9 @@
           </a:lstStyle>
           <a:p>
             <a:r>
-              <a:rPr lang="fr-FR" smtClean="0"/>
+              <a:rPr lang="fr-FR"/>
               <a:t>Modifiez le style du titre</a:t>
             </a:r>
-            <a:endParaRPr lang="fr-FR"/>
           </a:p>
         </p:txBody>
       </p:sp>
@@ -231,10 +235,9 @@
           </a:lstStyle>
           <a:p>
             <a:r>
-              <a:rPr lang="fr-FR" smtClean="0"/>
+              <a:rPr lang="fr-FR"/>
               <a:t>Modifiez le style des sous-titres du masque</a:t>
             </a:r>
-            <a:endParaRPr lang="fr-FR"/>
           </a:p>
         </p:txBody>
       </p:sp>
@@ -256,7 +259,7 @@
             <a:fld id="{E90F2C70-D7C5-4A11-BAB2-648D55629A91}" type="datetimeFigureOut">
               <a:rPr lang="fr-FR" smtClean="0"/>
               <a:pPr/>
-              <a:t>21/11/2017</a:t>
+              <a:t>07/12/2017</a:t>
             </a:fld>
             <a:endParaRPr lang="fr-FR"/>
           </a:p>
@@ -308,7 +311,7 @@
     </p:spTree>
     <p:extLst>
       <p:ext uri="{BB962C8B-B14F-4D97-AF65-F5344CB8AC3E}">
-        <p14:creationId xmlns:p14="http://schemas.microsoft.com/office/powerpoint/2010/main" xmlns="" val="26437346"/>
+        <p14:creationId xmlns:p14="http://schemas.microsoft.com/office/powerpoint/2010/main" val="26437346"/>
       </p:ext>
     </p:extLst>
   </p:cSld>
@@ -351,10 +354,9 @@
           <a:lstStyle/>
           <a:p>
             <a:r>
-              <a:rPr lang="fr-FR" smtClean="0"/>
+              <a:rPr lang="fr-FR"/>
               <a:t>Modifiez le style du titre</a:t>
             </a:r>
-            <a:endParaRPr lang="fr-FR"/>
           </a:p>
         </p:txBody>
       </p:sp>
@@ -375,38 +377,37 @@
           <a:p>
             <a:pPr lvl="0"/>
             <a:r>
-              <a:rPr lang="fr-FR" smtClean="0"/>
+              <a:rPr lang="fr-FR"/>
               <a:t>Modifiez les styles du texte du masque</a:t>
             </a:r>
           </a:p>
           <a:p>
             <a:pPr lvl="1"/>
             <a:r>
-              <a:rPr lang="fr-FR" smtClean="0"/>
+              <a:rPr lang="fr-FR"/>
               <a:t>Deuxième niveau</a:t>
             </a:r>
           </a:p>
           <a:p>
             <a:pPr lvl="2"/>
             <a:r>
-              <a:rPr lang="fr-FR" smtClean="0"/>
+              <a:rPr lang="fr-FR"/>
               <a:t>Troisième niveau</a:t>
             </a:r>
           </a:p>
           <a:p>
             <a:pPr lvl="3"/>
             <a:r>
-              <a:rPr lang="fr-FR" smtClean="0"/>
+              <a:rPr lang="fr-FR"/>
               <a:t>Quatrième niveau</a:t>
             </a:r>
           </a:p>
           <a:p>
             <a:pPr lvl="4"/>
             <a:r>
-              <a:rPr lang="fr-FR" smtClean="0"/>
+              <a:rPr lang="fr-FR"/>
               <a:t>Cinquième niveau</a:t>
             </a:r>
-            <a:endParaRPr lang="fr-FR"/>
           </a:p>
         </p:txBody>
       </p:sp>
@@ -428,7 +429,7 @@
             <a:fld id="{E90F2C70-D7C5-4A11-BAB2-648D55629A91}" type="datetimeFigureOut">
               <a:rPr lang="fr-FR" smtClean="0"/>
               <a:pPr/>
-              <a:t>21/11/2017</a:t>
+              <a:t>07/12/2017</a:t>
             </a:fld>
             <a:endParaRPr lang="fr-FR"/>
           </a:p>
@@ -480,7 +481,7 @@
     </p:spTree>
     <p:extLst>
       <p:ext uri="{BB962C8B-B14F-4D97-AF65-F5344CB8AC3E}">
-        <p14:creationId xmlns:p14="http://schemas.microsoft.com/office/powerpoint/2010/main" xmlns="" val="3002800163"/>
+        <p14:creationId xmlns:p14="http://schemas.microsoft.com/office/powerpoint/2010/main" val="3002800163"/>
       </p:ext>
     </p:extLst>
   </p:cSld>
@@ -528,10 +529,9 @@
           <a:lstStyle/>
           <a:p>
             <a:r>
-              <a:rPr lang="fr-FR" smtClean="0"/>
+              <a:rPr lang="fr-FR"/>
               <a:t>Modifiez le style du titre</a:t>
             </a:r>
-            <a:endParaRPr lang="fr-FR"/>
           </a:p>
         </p:txBody>
       </p:sp>
@@ -557,38 +557,37 @@
           <a:p>
             <a:pPr lvl="0"/>
             <a:r>
-              <a:rPr lang="fr-FR" smtClean="0"/>
+              <a:rPr lang="fr-FR"/>
               <a:t>Modifiez les styles du texte du masque</a:t>
             </a:r>
           </a:p>
           <a:p>
             <a:pPr lvl="1"/>
             <a:r>
-              <a:rPr lang="fr-FR" smtClean="0"/>
+              <a:rPr lang="fr-FR"/>
               <a:t>Deuxième niveau</a:t>
             </a:r>
           </a:p>
           <a:p>
             <a:pPr lvl="2"/>
             <a:r>
-              <a:rPr lang="fr-FR" smtClean="0"/>
+              <a:rPr lang="fr-FR"/>
               <a:t>Troisième niveau</a:t>
             </a:r>
           </a:p>
           <a:p>
             <a:pPr lvl="3"/>
             <a:r>
-              <a:rPr lang="fr-FR" smtClean="0"/>
+              <a:rPr lang="fr-FR"/>
               <a:t>Quatrième niveau</a:t>
             </a:r>
           </a:p>
           <a:p>
             <a:pPr lvl="4"/>
             <a:r>
-              <a:rPr lang="fr-FR" smtClean="0"/>
+              <a:rPr lang="fr-FR"/>
               <a:t>Cinquième niveau</a:t>
             </a:r>
-            <a:endParaRPr lang="fr-FR"/>
           </a:p>
         </p:txBody>
       </p:sp>
@@ -610,7 +609,7 @@
             <a:fld id="{E90F2C70-D7C5-4A11-BAB2-648D55629A91}" type="datetimeFigureOut">
               <a:rPr lang="fr-FR" smtClean="0"/>
               <a:pPr/>
-              <a:t>21/11/2017</a:t>
+              <a:t>07/12/2017</a:t>
             </a:fld>
             <a:endParaRPr lang="fr-FR"/>
           </a:p>
@@ -662,7 +661,7 @@
     </p:spTree>
     <p:extLst>
       <p:ext uri="{BB962C8B-B14F-4D97-AF65-F5344CB8AC3E}">
-        <p14:creationId xmlns:p14="http://schemas.microsoft.com/office/powerpoint/2010/main" xmlns="" val="21420202"/>
+        <p14:creationId xmlns:p14="http://schemas.microsoft.com/office/powerpoint/2010/main" val="21420202"/>
       </p:ext>
     </p:extLst>
   </p:cSld>
@@ -705,10 +704,9 @@
           <a:lstStyle/>
           <a:p>
             <a:r>
-              <a:rPr lang="fr-FR" smtClean="0"/>
+              <a:rPr lang="fr-FR"/>
               <a:t>Modifiez le style du titre</a:t>
             </a:r>
-            <a:endParaRPr lang="fr-FR"/>
           </a:p>
         </p:txBody>
       </p:sp>
@@ -729,38 +727,37 @@
           <a:p>
             <a:pPr lvl="0"/>
             <a:r>
-              <a:rPr lang="fr-FR" smtClean="0"/>
+              <a:rPr lang="fr-FR"/>
               <a:t>Modifiez les styles du texte du masque</a:t>
             </a:r>
           </a:p>
           <a:p>
             <a:pPr lvl="1"/>
             <a:r>
-              <a:rPr lang="fr-FR" smtClean="0"/>
+              <a:rPr lang="fr-FR"/>
               <a:t>Deuxième niveau</a:t>
             </a:r>
           </a:p>
           <a:p>
             <a:pPr lvl="2"/>
             <a:r>
-              <a:rPr lang="fr-FR" smtClean="0"/>
+              <a:rPr lang="fr-FR"/>
               <a:t>Troisième niveau</a:t>
             </a:r>
           </a:p>
           <a:p>
             <a:pPr lvl="3"/>
             <a:r>
-              <a:rPr lang="fr-FR" smtClean="0"/>
+              <a:rPr lang="fr-FR"/>
               <a:t>Quatrième niveau</a:t>
             </a:r>
           </a:p>
           <a:p>
             <a:pPr lvl="4"/>
             <a:r>
-              <a:rPr lang="fr-FR" smtClean="0"/>
+              <a:rPr lang="fr-FR"/>
               <a:t>Cinquième niveau</a:t>
             </a:r>
-            <a:endParaRPr lang="fr-FR"/>
           </a:p>
         </p:txBody>
       </p:sp>
@@ -782,7 +779,7 @@
             <a:fld id="{E90F2C70-D7C5-4A11-BAB2-648D55629A91}" type="datetimeFigureOut">
               <a:rPr lang="fr-FR" smtClean="0"/>
               <a:pPr/>
-              <a:t>21/11/2017</a:t>
+              <a:t>07/12/2017</a:t>
             </a:fld>
             <a:endParaRPr lang="fr-FR"/>
           </a:p>
@@ -834,7 +831,7 @@
     </p:spTree>
     <p:extLst>
       <p:ext uri="{BB962C8B-B14F-4D97-AF65-F5344CB8AC3E}">
-        <p14:creationId xmlns:p14="http://schemas.microsoft.com/office/powerpoint/2010/main" xmlns="" val="1134717922"/>
+        <p14:creationId xmlns:p14="http://schemas.microsoft.com/office/powerpoint/2010/main" val="1134717922"/>
       </p:ext>
     </p:extLst>
   </p:cSld>
@@ -886,10 +883,9 @@
           </a:lstStyle>
           <a:p>
             <a:r>
-              <a:rPr lang="fr-FR" smtClean="0"/>
+              <a:rPr lang="fr-FR"/>
               <a:t>Modifiez le style du titre</a:t>
             </a:r>
-            <a:endParaRPr lang="fr-FR"/>
           </a:p>
         </p:txBody>
       </p:sp>
@@ -1006,7 +1002,7 @@
           <a:p>
             <a:pPr lvl="0"/>
             <a:r>
-              <a:rPr lang="fr-FR" smtClean="0"/>
+              <a:rPr lang="fr-FR"/>
               <a:t>Modifiez les styles du texte du masque</a:t>
             </a:r>
           </a:p>
@@ -1030,7 +1026,7 @@
             <a:fld id="{E90F2C70-D7C5-4A11-BAB2-648D55629A91}" type="datetimeFigureOut">
               <a:rPr lang="fr-FR" smtClean="0"/>
               <a:pPr/>
-              <a:t>21/11/2017</a:t>
+              <a:t>07/12/2017</a:t>
             </a:fld>
             <a:endParaRPr lang="fr-FR"/>
           </a:p>
@@ -1082,7 +1078,7 @@
     </p:spTree>
     <p:extLst>
       <p:ext uri="{BB962C8B-B14F-4D97-AF65-F5344CB8AC3E}">
-        <p14:creationId xmlns:p14="http://schemas.microsoft.com/office/powerpoint/2010/main" xmlns="" val="747376118"/>
+        <p14:creationId xmlns:p14="http://schemas.microsoft.com/office/powerpoint/2010/main" val="747376118"/>
       </p:ext>
     </p:extLst>
   </p:cSld>
@@ -1125,10 +1121,9 @@
           <a:lstStyle/>
           <a:p>
             <a:r>
-              <a:rPr lang="fr-FR" smtClean="0"/>
+              <a:rPr lang="fr-FR"/>
               <a:t>Modifiez le style du titre</a:t>
             </a:r>
-            <a:endParaRPr lang="fr-FR"/>
           </a:p>
         </p:txBody>
       </p:sp>
@@ -1154,38 +1149,37 @@
           <a:p>
             <a:pPr lvl="0"/>
             <a:r>
-              <a:rPr lang="fr-FR" smtClean="0"/>
+              <a:rPr lang="fr-FR"/>
               <a:t>Modifiez les styles du texte du masque</a:t>
             </a:r>
           </a:p>
           <a:p>
             <a:pPr lvl="1"/>
             <a:r>
-              <a:rPr lang="fr-FR" smtClean="0"/>
+              <a:rPr lang="fr-FR"/>
               <a:t>Deuxième niveau</a:t>
             </a:r>
           </a:p>
           <a:p>
             <a:pPr lvl="2"/>
             <a:r>
-              <a:rPr lang="fr-FR" smtClean="0"/>
+              <a:rPr lang="fr-FR"/>
               <a:t>Troisième niveau</a:t>
             </a:r>
           </a:p>
           <a:p>
             <a:pPr lvl="3"/>
             <a:r>
-              <a:rPr lang="fr-FR" smtClean="0"/>
+              <a:rPr lang="fr-FR"/>
               <a:t>Quatrième niveau</a:t>
             </a:r>
           </a:p>
           <a:p>
             <a:pPr lvl="4"/>
             <a:r>
-              <a:rPr lang="fr-FR" smtClean="0"/>
+              <a:rPr lang="fr-FR"/>
               <a:t>Cinquième niveau</a:t>
             </a:r>
-            <a:endParaRPr lang="fr-FR"/>
           </a:p>
         </p:txBody>
       </p:sp>
@@ -1211,38 +1205,37 @@
           <a:p>
             <a:pPr lvl="0"/>
             <a:r>
-              <a:rPr lang="fr-FR" smtClean="0"/>
+              <a:rPr lang="fr-FR"/>
               <a:t>Modifiez les styles du texte du masque</a:t>
             </a:r>
           </a:p>
           <a:p>
             <a:pPr lvl="1"/>
             <a:r>
-              <a:rPr lang="fr-FR" smtClean="0"/>
+              <a:rPr lang="fr-FR"/>
               <a:t>Deuxième niveau</a:t>
             </a:r>
           </a:p>
           <a:p>
             <a:pPr lvl="2"/>
             <a:r>
-              <a:rPr lang="fr-FR" smtClean="0"/>
+              <a:rPr lang="fr-FR"/>
               <a:t>Troisième niveau</a:t>
             </a:r>
           </a:p>
           <a:p>
             <a:pPr lvl="3"/>
             <a:r>
-              <a:rPr lang="fr-FR" smtClean="0"/>
+              <a:rPr lang="fr-FR"/>
               <a:t>Quatrième niveau</a:t>
             </a:r>
           </a:p>
           <a:p>
             <a:pPr lvl="4"/>
             <a:r>
-              <a:rPr lang="fr-FR" smtClean="0"/>
+              <a:rPr lang="fr-FR"/>
               <a:t>Cinquième niveau</a:t>
             </a:r>
-            <a:endParaRPr lang="fr-FR"/>
           </a:p>
         </p:txBody>
       </p:sp>
@@ -1264,7 +1257,7 @@
             <a:fld id="{E90F2C70-D7C5-4A11-BAB2-648D55629A91}" type="datetimeFigureOut">
               <a:rPr lang="fr-FR" smtClean="0"/>
               <a:pPr/>
-              <a:t>21/11/2017</a:t>
+              <a:t>07/12/2017</a:t>
             </a:fld>
             <a:endParaRPr lang="fr-FR"/>
           </a:p>
@@ -1316,7 +1309,7 @@
     </p:spTree>
     <p:extLst>
       <p:ext uri="{BB962C8B-B14F-4D97-AF65-F5344CB8AC3E}">
-        <p14:creationId xmlns:p14="http://schemas.microsoft.com/office/powerpoint/2010/main" xmlns="" val="2931141288"/>
+        <p14:creationId xmlns:p14="http://schemas.microsoft.com/office/powerpoint/2010/main" val="2931141288"/>
       </p:ext>
     </p:extLst>
   </p:cSld>
@@ -1364,10 +1357,9 @@
           <a:lstStyle/>
           <a:p>
             <a:r>
-              <a:rPr lang="fr-FR" smtClean="0"/>
+              <a:rPr lang="fr-FR"/>
               <a:t>Modifiez le style du titre</a:t>
             </a:r>
-            <a:endParaRPr lang="fr-FR"/>
           </a:p>
         </p:txBody>
       </p:sp>
@@ -1430,7 +1422,7 @@
           <a:p>
             <a:pPr lvl="0"/>
             <a:r>
-              <a:rPr lang="fr-FR" smtClean="0"/>
+              <a:rPr lang="fr-FR"/>
               <a:t>Modifiez les styles du texte du masque</a:t>
             </a:r>
           </a:p>
@@ -1458,38 +1450,37 @@
           <a:p>
             <a:pPr lvl="0"/>
             <a:r>
-              <a:rPr lang="fr-FR" smtClean="0"/>
+              <a:rPr lang="fr-FR"/>
               <a:t>Modifiez les styles du texte du masque</a:t>
             </a:r>
           </a:p>
           <a:p>
             <a:pPr lvl="1"/>
             <a:r>
-              <a:rPr lang="fr-FR" smtClean="0"/>
+              <a:rPr lang="fr-FR"/>
               <a:t>Deuxième niveau</a:t>
             </a:r>
           </a:p>
           <a:p>
             <a:pPr lvl="2"/>
             <a:r>
-              <a:rPr lang="fr-FR" smtClean="0"/>
+              <a:rPr lang="fr-FR"/>
               <a:t>Troisième niveau</a:t>
             </a:r>
           </a:p>
           <a:p>
             <a:pPr lvl="3"/>
             <a:r>
-              <a:rPr lang="fr-FR" smtClean="0"/>
+              <a:rPr lang="fr-FR"/>
               <a:t>Quatrième niveau</a:t>
             </a:r>
           </a:p>
           <a:p>
             <a:pPr lvl="4"/>
             <a:r>
-              <a:rPr lang="fr-FR" smtClean="0"/>
+              <a:rPr lang="fr-FR"/>
               <a:t>Cinquième niveau</a:t>
             </a:r>
-            <a:endParaRPr lang="fr-FR"/>
           </a:p>
         </p:txBody>
       </p:sp>
@@ -1552,7 +1543,7 @@
           <a:p>
             <a:pPr lvl="0"/>
             <a:r>
-              <a:rPr lang="fr-FR" smtClean="0"/>
+              <a:rPr lang="fr-FR"/>
               <a:t>Modifiez les styles du texte du masque</a:t>
             </a:r>
           </a:p>
@@ -1580,38 +1571,37 @@
           <a:p>
             <a:pPr lvl="0"/>
             <a:r>
-              <a:rPr lang="fr-FR" smtClean="0"/>
+              <a:rPr lang="fr-FR"/>
               <a:t>Modifiez les styles du texte du masque</a:t>
             </a:r>
           </a:p>
           <a:p>
             <a:pPr lvl="1"/>
             <a:r>
-              <a:rPr lang="fr-FR" smtClean="0"/>
+              <a:rPr lang="fr-FR"/>
               <a:t>Deuxième niveau</a:t>
             </a:r>
           </a:p>
           <a:p>
             <a:pPr lvl="2"/>
             <a:r>
-              <a:rPr lang="fr-FR" smtClean="0"/>
+              <a:rPr lang="fr-FR"/>
               <a:t>Troisième niveau</a:t>
             </a:r>
           </a:p>
           <a:p>
             <a:pPr lvl="3"/>
             <a:r>
-              <a:rPr lang="fr-FR" smtClean="0"/>
+              <a:rPr lang="fr-FR"/>
               <a:t>Quatrième niveau</a:t>
             </a:r>
           </a:p>
           <a:p>
             <a:pPr lvl="4"/>
             <a:r>
-              <a:rPr lang="fr-FR" smtClean="0"/>
+              <a:rPr lang="fr-FR"/>
               <a:t>Cinquième niveau</a:t>
             </a:r>
-            <a:endParaRPr lang="fr-FR"/>
           </a:p>
         </p:txBody>
       </p:sp>
@@ -1633,7 +1623,7 @@
             <a:fld id="{E90F2C70-D7C5-4A11-BAB2-648D55629A91}" type="datetimeFigureOut">
               <a:rPr lang="fr-FR" smtClean="0"/>
               <a:pPr/>
-              <a:t>21/11/2017</a:t>
+              <a:t>07/12/2017</a:t>
             </a:fld>
             <a:endParaRPr lang="fr-FR"/>
           </a:p>
@@ -1685,7 +1675,7 @@
     </p:spTree>
     <p:extLst>
       <p:ext uri="{BB962C8B-B14F-4D97-AF65-F5344CB8AC3E}">
-        <p14:creationId xmlns:p14="http://schemas.microsoft.com/office/powerpoint/2010/main" xmlns="" val="3085942919"/>
+        <p14:creationId xmlns:p14="http://schemas.microsoft.com/office/powerpoint/2010/main" val="3085942919"/>
       </p:ext>
     </p:extLst>
   </p:cSld>
@@ -1728,10 +1718,9 @@
           <a:lstStyle/>
           <a:p>
             <a:r>
-              <a:rPr lang="fr-FR" smtClean="0"/>
+              <a:rPr lang="fr-FR"/>
               <a:t>Modifiez le style du titre</a:t>
             </a:r>
-            <a:endParaRPr lang="fr-FR"/>
           </a:p>
         </p:txBody>
       </p:sp>
@@ -1753,7 +1742,7 @@
             <a:fld id="{E90F2C70-D7C5-4A11-BAB2-648D55629A91}" type="datetimeFigureOut">
               <a:rPr lang="fr-FR" smtClean="0"/>
               <a:pPr/>
-              <a:t>21/11/2017</a:t>
+              <a:t>07/12/2017</a:t>
             </a:fld>
             <a:endParaRPr lang="fr-FR"/>
           </a:p>
@@ -1805,7 +1794,7 @@
     </p:spTree>
     <p:extLst>
       <p:ext uri="{BB962C8B-B14F-4D97-AF65-F5344CB8AC3E}">
-        <p14:creationId xmlns:p14="http://schemas.microsoft.com/office/powerpoint/2010/main" xmlns="" val="2225407022"/>
+        <p14:creationId xmlns:p14="http://schemas.microsoft.com/office/powerpoint/2010/main" val="2225407022"/>
       </p:ext>
     </p:extLst>
   </p:cSld>
@@ -1850,7 +1839,7 @@
             <a:fld id="{E90F2C70-D7C5-4A11-BAB2-648D55629A91}" type="datetimeFigureOut">
               <a:rPr lang="fr-FR" smtClean="0"/>
               <a:pPr/>
-              <a:t>21/11/2017</a:t>
+              <a:t>07/12/2017</a:t>
             </a:fld>
             <a:endParaRPr lang="fr-FR"/>
           </a:p>
@@ -1902,7 +1891,7 @@
     </p:spTree>
     <p:extLst>
       <p:ext uri="{BB962C8B-B14F-4D97-AF65-F5344CB8AC3E}">
-        <p14:creationId xmlns:p14="http://schemas.microsoft.com/office/powerpoint/2010/main" xmlns="" val="3549111699"/>
+        <p14:creationId xmlns:p14="http://schemas.microsoft.com/office/powerpoint/2010/main" val="3549111699"/>
       </p:ext>
     </p:extLst>
   </p:cSld>
@@ -1954,10 +1943,9 @@
           </a:lstStyle>
           <a:p>
             <a:r>
-              <a:rPr lang="fr-FR" smtClean="0"/>
+              <a:rPr lang="fr-FR"/>
               <a:t>Modifiez le style du titre</a:t>
             </a:r>
-            <a:endParaRPr lang="fr-FR"/>
           </a:p>
         </p:txBody>
       </p:sp>
@@ -2011,38 +1999,37 @@
           <a:p>
             <a:pPr lvl="0"/>
             <a:r>
-              <a:rPr lang="fr-FR" smtClean="0"/>
+              <a:rPr lang="fr-FR"/>
               <a:t>Modifiez les styles du texte du masque</a:t>
             </a:r>
           </a:p>
           <a:p>
             <a:pPr lvl="1"/>
             <a:r>
-              <a:rPr lang="fr-FR" smtClean="0"/>
+              <a:rPr lang="fr-FR"/>
               <a:t>Deuxième niveau</a:t>
             </a:r>
           </a:p>
           <a:p>
             <a:pPr lvl="2"/>
             <a:r>
-              <a:rPr lang="fr-FR" smtClean="0"/>
+              <a:rPr lang="fr-FR"/>
               <a:t>Troisième niveau</a:t>
             </a:r>
           </a:p>
           <a:p>
             <a:pPr lvl="3"/>
             <a:r>
-              <a:rPr lang="fr-FR" smtClean="0"/>
+              <a:rPr lang="fr-FR"/>
               <a:t>Quatrième niveau</a:t>
             </a:r>
           </a:p>
           <a:p>
             <a:pPr lvl="4"/>
             <a:r>
-              <a:rPr lang="fr-FR" smtClean="0"/>
+              <a:rPr lang="fr-FR"/>
               <a:t>Cinquième niveau</a:t>
             </a:r>
-            <a:endParaRPr lang="fr-FR"/>
           </a:p>
         </p:txBody>
       </p:sp>
@@ -2105,7 +2092,7 @@
           <a:p>
             <a:pPr lvl="0"/>
             <a:r>
-              <a:rPr lang="fr-FR" smtClean="0"/>
+              <a:rPr lang="fr-FR"/>
               <a:t>Modifiez les styles du texte du masque</a:t>
             </a:r>
           </a:p>
@@ -2129,7 +2116,7 @@
             <a:fld id="{E90F2C70-D7C5-4A11-BAB2-648D55629A91}" type="datetimeFigureOut">
               <a:rPr lang="fr-FR" smtClean="0"/>
               <a:pPr/>
-              <a:t>21/11/2017</a:t>
+              <a:t>07/12/2017</a:t>
             </a:fld>
             <a:endParaRPr lang="fr-FR"/>
           </a:p>
@@ -2181,7 +2168,7 @@
     </p:spTree>
     <p:extLst>
       <p:ext uri="{BB962C8B-B14F-4D97-AF65-F5344CB8AC3E}">
-        <p14:creationId xmlns:p14="http://schemas.microsoft.com/office/powerpoint/2010/main" xmlns="" val="1630271679"/>
+        <p14:creationId xmlns:p14="http://schemas.microsoft.com/office/powerpoint/2010/main" val="1630271679"/>
       </p:ext>
     </p:extLst>
   </p:cSld>
@@ -2233,10 +2220,9 @@
           </a:lstStyle>
           <a:p>
             <a:r>
-              <a:rPr lang="fr-FR" smtClean="0"/>
+              <a:rPr lang="fr-FR"/>
               <a:t>Modifiez le style du titre</a:t>
             </a:r>
-            <a:endParaRPr lang="fr-FR"/>
           </a:p>
         </p:txBody>
       </p:sp>
@@ -2360,7 +2346,7 @@
           <a:p>
             <a:pPr lvl="0"/>
             <a:r>
-              <a:rPr lang="fr-FR" smtClean="0"/>
+              <a:rPr lang="fr-FR"/>
               <a:t>Modifiez les styles du texte du masque</a:t>
             </a:r>
           </a:p>
@@ -2384,7 +2370,7 @@
             <a:fld id="{E90F2C70-D7C5-4A11-BAB2-648D55629A91}" type="datetimeFigureOut">
               <a:rPr lang="fr-FR" smtClean="0"/>
               <a:pPr/>
-              <a:t>21/11/2017</a:t>
+              <a:t>07/12/2017</a:t>
             </a:fld>
             <a:endParaRPr lang="fr-FR"/>
           </a:p>
@@ -2436,7 +2422,7 @@
     </p:spTree>
     <p:extLst>
       <p:ext uri="{BB962C8B-B14F-4D97-AF65-F5344CB8AC3E}">
-        <p14:creationId xmlns:p14="http://schemas.microsoft.com/office/powerpoint/2010/main" xmlns="" val="1500102834"/>
+        <p14:creationId xmlns:p14="http://schemas.microsoft.com/office/powerpoint/2010/main" val="1500102834"/>
       </p:ext>
     </p:extLst>
   </p:cSld>
@@ -2494,10 +2480,9 @@
           <a:lstStyle/>
           <a:p>
             <a:r>
-              <a:rPr lang="fr-FR" smtClean="0"/>
+              <a:rPr lang="fr-FR"/>
               <a:t>Modifiez le style du titre</a:t>
             </a:r>
-            <a:endParaRPr lang="fr-FR"/>
           </a:p>
         </p:txBody>
       </p:sp>
@@ -2528,38 +2513,37 @@
           <a:p>
             <a:pPr lvl="0"/>
             <a:r>
-              <a:rPr lang="fr-FR" smtClean="0"/>
+              <a:rPr lang="fr-FR"/>
               <a:t>Modifiez les styles du texte du masque</a:t>
             </a:r>
           </a:p>
           <a:p>
             <a:pPr lvl="1"/>
             <a:r>
-              <a:rPr lang="fr-FR" smtClean="0"/>
+              <a:rPr lang="fr-FR"/>
               <a:t>Deuxième niveau</a:t>
             </a:r>
           </a:p>
           <a:p>
             <a:pPr lvl="2"/>
             <a:r>
-              <a:rPr lang="fr-FR" smtClean="0"/>
+              <a:rPr lang="fr-FR"/>
               <a:t>Troisième niveau</a:t>
             </a:r>
           </a:p>
           <a:p>
             <a:pPr lvl="3"/>
             <a:r>
-              <a:rPr lang="fr-FR" smtClean="0"/>
+              <a:rPr lang="fr-FR"/>
               <a:t>Quatrième niveau</a:t>
             </a:r>
           </a:p>
           <a:p>
             <a:pPr lvl="4"/>
             <a:r>
-              <a:rPr lang="fr-FR" smtClean="0"/>
+              <a:rPr lang="fr-FR"/>
               <a:t>Cinquième niveau</a:t>
             </a:r>
-            <a:endParaRPr lang="fr-FR"/>
           </a:p>
         </p:txBody>
       </p:sp>
@@ -2599,7 +2583,7 @@
             <a:fld id="{E90F2C70-D7C5-4A11-BAB2-648D55629A91}" type="datetimeFigureOut">
               <a:rPr lang="fr-FR" smtClean="0"/>
               <a:pPr/>
-              <a:t>21/11/2017</a:t>
+              <a:t>07/12/2017</a:t>
             </a:fld>
             <a:endParaRPr lang="fr-FR"/>
           </a:p>
@@ -2687,7 +2671,7 @@
     </p:spTree>
     <p:extLst>
       <p:ext uri="{BB962C8B-B14F-4D97-AF65-F5344CB8AC3E}">
-        <p14:creationId xmlns:p14="http://schemas.microsoft.com/office/powerpoint/2010/main" xmlns="" val="344752984"/>
+        <p14:creationId xmlns:p14="http://schemas.microsoft.com/office/powerpoint/2010/main" val="344752984"/>
       </p:ext>
     </p:extLst>
   </p:cSld>
@@ -3045,7 +3029,7 @@
           <a:bodyPr rtlCol="0" anchor="ctr"/>
           <a:lstStyle/>
           <a:p>
-            <a:endParaRPr lang="fr-FR" dirty="0" smtClean="0"/>
+            <a:endParaRPr lang="fr-FR" dirty="0"/>
           </a:p>
         </p:txBody>
       </p:sp>
@@ -3072,10 +3056,10 @@
           <a:lstStyle/>
           <a:p>
             <a:r>
-              <a:rPr lang="fr-FR" dirty="0" err="1" smtClean="0"/>
+              <a:rPr lang="fr-FR" dirty="0" err="1"/>
               <a:t>Diagnosis</a:t>
             </a:r>
-            <a:endParaRPr lang="fr-FR" dirty="0" smtClean="0"/>
+            <a:endParaRPr lang="fr-FR" dirty="0"/>
           </a:p>
         </p:txBody>
       </p:sp>
@@ -3142,22 +3126,18 @@
             </a:pPr>
             <a:r>
               <a:rPr lang="fr-FR" dirty="0" err="1"/>
-              <a:t>q</a:t>
-            </a:r>
-            <a:r>
-              <a:rPr lang="fr-FR" dirty="0" err="1" smtClean="0"/>
-              <a:t>uantity</a:t>
-            </a:r>
-            <a:r>
-              <a:rPr lang="fr-FR" dirty="0" smtClean="0"/>
+              <a:t>quantity</a:t>
+            </a:r>
+            <a:r>
+              <a:rPr lang="fr-FR" dirty="0"/>
               <a:t> (</a:t>
             </a:r>
             <a:r>
-              <a:rPr lang="fr-FR" dirty="0" err="1" smtClean="0"/>
+              <a:rPr lang="fr-FR" dirty="0" err="1"/>
               <a:t>sum</a:t>
             </a:r>
             <a:r>
-              <a:rPr lang="fr-FR" dirty="0" smtClean="0"/>
+              <a:rPr lang="fr-FR" dirty="0"/>
               <a:t>)</a:t>
             </a:r>
           </a:p>
@@ -3167,19 +3147,19 @@
               <a:buChar char="•"/>
             </a:pPr>
             <a:r>
-              <a:rPr lang="fr-FR" dirty="0" err="1" smtClean="0"/>
+              <a:rPr lang="fr-FR" dirty="0" err="1"/>
               <a:t>disease</a:t>
             </a:r>
             <a:r>
-              <a:rPr lang="fr-FR" dirty="0" smtClean="0"/>
+              <a:rPr lang="fr-FR" dirty="0"/>
               <a:t>(</a:t>
             </a:r>
             <a:r>
-              <a:rPr lang="fr-FR" dirty="0" err="1" smtClean="0"/>
+              <a:rPr lang="fr-FR" dirty="0" err="1"/>
               <a:t>sum</a:t>
             </a:r>
             <a:r>
-              <a:rPr lang="fr-FR" dirty="0" smtClean="0"/>
+              <a:rPr lang="fr-FR" dirty="0"/>
               <a:t>)</a:t>
             </a:r>
           </a:p>
@@ -3189,19 +3169,19 @@
               <a:buChar char="•"/>
             </a:pPr>
             <a:r>
-              <a:rPr lang="fr-FR" dirty="0" err="1" smtClean="0"/>
+              <a:rPr lang="fr-FR" dirty="0" err="1"/>
               <a:t>diseaseOnRoot</a:t>
             </a:r>
             <a:r>
-              <a:rPr lang="fr-FR" dirty="0" smtClean="0"/>
+              <a:rPr lang="fr-FR" dirty="0"/>
               <a:t> (</a:t>
             </a:r>
             <a:r>
-              <a:rPr lang="fr-FR" dirty="0" err="1" smtClean="0"/>
+              <a:rPr lang="fr-FR" dirty="0" err="1"/>
               <a:t>sum</a:t>
             </a:r>
             <a:r>
-              <a:rPr lang="fr-FR" dirty="0" smtClean="0"/>
+              <a:rPr lang="fr-FR" dirty="0"/>
               <a:t>)</a:t>
             </a:r>
           </a:p>
@@ -3216,18 +3196,14 @@
             </a:r>
             <a:r>
               <a:rPr lang="fr-FR" dirty="0"/>
-              <a:t> </a:t>
-            </a:r>
-            <a:r>
-              <a:rPr lang="fr-FR" dirty="0" smtClean="0"/>
-              <a:t>(</a:t>
-            </a:r>
-            <a:r>
-              <a:rPr lang="fr-FR" dirty="0" err="1" smtClean="0"/>
+              <a:t> (</a:t>
+            </a:r>
+            <a:r>
+              <a:rPr lang="fr-FR" dirty="0" err="1"/>
               <a:t>sum</a:t>
             </a:r>
             <a:r>
-              <a:rPr lang="fr-FR" dirty="0" smtClean="0"/>
+              <a:rPr lang="fr-FR" dirty="0"/>
               <a:t>)</a:t>
             </a:r>
           </a:p>
@@ -3242,18 +3218,14 @@
             </a:r>
             <a:r>
               <a:rPr lang="fr-FR" dirty="0"/>
-              <a:t> </a:t>
-            </a:r>
-            <a:r>
-              <a:rPr lang="fr-FR" dirty="0" smtClean="0"/>
-              <a:t>(</a:t>
-            </a:r>
-            <a:r>
-              <a:rPr lang="fr-FR" dirty="0" err="1" smtClean="0"/>
+              <a:t> (</a:t>
+            </a:r>
+            <a:r>
+              <a:rPr lang="fr-FR" dirty="0" err="1"/>
               <a:t>sum</a:t>
             </a:r>
             <a:r>
-              <a:rPr lang="fr-FR" dirty="0" smtClean="0"/>
+              <a:rPr lang="fr-FR" dirty="0"/>
               <a:t>)</a:t>
             </a:r>
           </a:p>
@@ -3268,21 +3240,16 @@
             </a:r>
             <a:r>
               <a:rPr lang="fr-FR" dirty="0"/>
-              <a:t> </a:t>
-            </a:r>
-            <a:r>
-              <a:rPr lang="fr-FR" dirty="0" smtClean="0"/>
-              <a:t>(</a:t>
-            </a:r>
-            <a:r>
-              <a:rPr lang="fr-FR" dirty="0" err="1" smtClean="0"/>
+              <a:t> (</a:t>
+            </a:r>
+            <a:r>
+              <a:rPr lang="fr-FR" dirty="0" err="1"/>
               <a:t>sum</a:t>
             </a:r>
             <a:r>
-              <a:rPr lang="fr-FR" dirty="0" smtClean="0"/>
+              <a:rPr lang="fr-FR" dirty="0"/>
               <a:t>)</a:t>
             </a:r>
-            <a:endParaRPr lang="fr-FR" dirty="0"/>
           </a:p>
         </p:txBody>
       </p:sp>
@@ -3384,7 +3351,7 @@
           <a:lstStyle/>
           <a:p>
             <a:r>
-              <a:rPr lang="fr-FR" dirty="0" err="1" smtClean="0"/>
+              <a:rPr lang="fr-FR" dirty="0" err="1"/>
               <a:t>isLast</a:t>
             </a:r>
             <a:endParaRPr lang="fr-FR" dirty="0"/>
@@ -3492,7 +3459,7 @@
           <a:lstStyle/>
           <a:p>
             <a:r>
-              <a:rPr lang="fr-FR" dirty="0" err="1" smtClean="0"/>
+              <a:rPr lang="fr-FR" dirty="0" err="1"/>
               <a:t>diseases</a:t>
             </a:r>
             <a:endParaRPr lang="fr-FR" dirty="0"/>
@@ -3565,7 +3532,7 @@
           <a:lstStyle/>
           <a:p>
             <a:r>
-              <a:rPr lang="fr-FR" dirty="0" err="1" smtClean="0"/>
+              <a:rPr lang="fr-FR" dirty="0" err="1"/>
               <a:t>species</a:t>
             </a:r>
             <a:endParaRPr lang="fr-FR" dirty="0"/>
@@ -3708,7 +3675,7 @@
           <a:lstStyle/>
           <a:p>
             <a:r>
-              <a:rPr lang="fr-FR" dirty="0" err="1" smtClean="0"/>
+              <a:rPr lang="fr-FR" dirty="0" err="1"/>
               <a:t>genus</a:t>
             </a:r>
             <a:endParaRPr lang="fr-FR" dirty="0"/>
@@ -3813,7 +3780,7 @@
           <a:lstStyle/>
           <a:p>
             <a:r>
-              <a:rPr lang="fr-FR" dirty="0" err="1" smtClean="0"/>
+              <a:rPr lang="fr-FR" dirty="0" err="1"/>
               <a:t>diagnosisYear</a:t>
             </a:r>
             <a:endParaRPr lang="fr-FR" dirty="0"/>
@@ -3918,7 +3885,7 @@
           <a:lstStyle/>
           <a:p>
             <a:r>
-              <a:rPr lang="fr-FR" dirty="0" err="1" smtClean="0"/>
+              <a:rPr lang="fr-FR" dirty="0" err="1"/>
               <a:t>diagnosisNote</a:t>
             </a:r>
             <a:endParaRPr lang="fr-FR" dirty="0"/>
@@ -4023,7 +3990,7 @@
           <a:lstStyle/>
           <a:p>
             <a:r>
-              <a:rPr lang="fr-FR" dirty="0" err="1" smtClean="0"/>
+              <a:rPr lang="fr-FR" dirty="0" err="1"/>
               <a:t>developmentStatus</a:t>
             </a:r>
             <a:endParaRPr lang="fr-FR" dirty="0"/>
@@ -4097,11 +4064,7 @@
           <a:p>
             <a:r>
               <a:rPr lang="fr-FR" dirty="0" err="1"/>
-              <a:t>s</a:t>
-            </a:r>
-            <a:r>
-              <a:rPr lang="fr-FR" dirty="0" err="1" smtClean="0"/>
-              <a:t>idewalkProximity</a:t>
+              <a:t>sidewalkProximity</a:t>
             </a:r>
             <a:endParaRPr lang="fr-FR" dirty="0"/>
           </a:p>
@@ -4208,10 +4171,10 @@
           <a:lstStyle/>
           <a:p>
             <a:r>
-              <a:rPr lang="fr-FR" dirty="0" err="1" smtClean="0"/>
+              <a:rPr lang="fr-FR" dirty="0" err="1"/>
               <a:t>environmentBusyness</a:t>
             </a:r>
-            <a:endParaRPr lang="fr-FR" dirty="0" smtClean="0"/>
+            <a:endParaRPr lang="fr-FR" dirty="0"/>
           </a:p>
         </p:txBody>
       </p:sp>
@@ -4318,10 +4281,10 @@
           <a:lstStyle/>
           <a:p>
             <a:r>
-              <a:rPr lang="fr-FR" dirty="0" err="1" smtClean="0"/>
+              <a:rPr lang="fr-FR" dirty="0" err="1"/>
               <a:t>vigor</a:t>
             </a:r>
-            <a:endParaRPr lang="fr-FR" dirty="0" smtClean="0"/>
+            <a:endParaRPr lang="fr-FR" dirty="0"/>
           </a:p>
         </p:txBody>
       </p:sp>
@@ -4426,10 +4389,10 @@
           <a:lstStyle/>
           <a:p>
             <a:r>
-              <a:rPr lang="fr-FR" dirty="0" err="1" smtClean="0"/>
+              <a:rPr lang="fr-FR" dirty="0" err="1"/>
               <a:t>stumpDiameter</a:t>
             </a:r>
-            <a:endParaRPr lang="fr-FR" dirty="0" smtClean="0"/>
+            <a:endParaRPr lang="fr-FR" dirty="0"/>
           </a:p>
         </p:txBody>
       </p:sp>
@@ -4569,7 +4532,7 @@
           <a:lstStyle/>
           <a:p>
             <a:r>
-              <a:rPr lang="fr-FR" dirty="0" err="1" smtClean="0"/>
+              <a:rPr lang="fr-FR" dirty="0" err="1"/>
               <a:t>seedingYear</a:t>
             </a:r>
             <a:endParaRPr lang="fr-FR" dirty="0"/>
@@ -4642,10 +4605,9 @@
           <a:lstStyle/>
           <a:p>
             <a:r>
-              <a:rPr lang="fr-FR" dirty="0" smtClean="0"/>
+              <a:rPr lang="fr-FR" dirty="0"/>
               <a:t>location</a:t>
             </a:r>
-            <a:endParaRPr lang="fr-FR" dirty="0"/>
           </a:p>
         </p:txBody>
       </p:sp>
@@ -4742,10 +4704,10 @@
           <a:lstStyle/>
           <a:p>
             <a:r>
-              <a:rPr lang="fr-FR" dirty="0" err="1" smtClean="0"/>
+              <a:rPr lang="fr-FR" dirty="0" err="1"/>
               <a:t>stationId</a:t>
             </a:r>
-            <a:endParaRPr lang="fr-FR" dirty="0" smtClean="0"/>
+            <a:endParaRPr lang="fr-FR" dirty="0"/>
           </a:p>
         </p:txBody>
       </p:sp>
@@ -4808,13 +4770,9 @@
           <a:p>
             <a:r>
               <a:rPr lang="fr-FR" dirty="0" err="1"/>
-              <a:t>s</a:t>
-            </a:r>
-            <a:r>
-              <a:rPr lang="fr-FR" dirty="0" err="1" smtClean="0"/>
-              <a:t>ector</a:t>
-            </a:r>
-            <a:endParaRPr lang="fr-FR" dirty="0" smtClean="0"/>
+              <a:t>sector</a:t>
+            </a:r>
+            <a:endParaRPr lang="fr-FR" dirty="0"/>
           </a:p>
         </p:txBody>
       </p:sp>
@@ -4954,7 +4912,7 @@
           <a:lstStyle/>
           <a:p>
             <a:r>
-              <a:rPr lang="fr-FR" dirty="0" err="1" smtClean="0"/>
+              <a:rPr lang="fr-FR" dirty="0" err="1"/>
               <a:t>environmentTypeCode</a:t>
             </a:r>
             <a:endParaRPr lang="fr-FR" dirty="0"/>
@@ -4984,10 +4942,10 @@
           <a:lstStyle/>
           <a:p>
             <a:r>
-              <a:rPr lang="fr-FR" dirty="0" err="1" smtClean="0"/>
+              <a:rPr lang="fr-FR" dirty="0" err="1"/>
               <a:t>environmentTypeDesc</a:t>
             </a:r>
-            <a:endParaRPr lang="fr-FR" dirty="0" smtClean="0"/>
+            <a:endParaRPr lang="fr-FR" dirty="0"/>
           </a:p>
         </p:txBody>
       </p:sp>
@@ -5049,10 +5007,10 @@
           <a:lstStyle/>
           <a:p>
             <a:r>
-              <a:rPr lang="fr-FR" dirty="0" err="1" smtClean="0"/>
+              <a:rPr lang="fr-FR" dirty="0" err="1"/>
               <a:t>closestTrainStation</a:t>
             </a:r>
-            <a:endParaRPr lang="fr-FR" dirty="0" smtClean="0"/>
+            <a:endParaRPr lang="fr-FR" dirty="0"/>
           </a:p>
         </p:txBody>
       </p:sp>
@@ -5436,10 +5394,10 @@
           <a:lstStyle/>
           <a:p>
             <a:r>
-              <a:rPr lang="fr-FR" dirty="0" err="1" smtClean="0"/>
+              <a:rPr lang="fr-FR" dirty="0" err="1"/>
               <a:t>closestIndustrialZone</a:t>
             </a:r>
-            <a:endParaRPr lang="fr-FR" dirty="0" smtClean="0"/>
+            <a:endParaRPr lang="fr-FR" dirty="0"/>
           </a:p>
         </p:txBody>
       </p:sp>
@@ -5466,10 +5424,10 @@
           <a:lstStyle/>
           <a:p>
             <a:r>
-              <a:rPr lang="fr-FR" dirty="0" err="1" smtClean="0"/>
+              <a:rPr lang="fr-FR" dirty="0" err="1"/>
               <a:t>closestParking</a:t>
             </a:r>
-            <a:endParaRPr lang="fr-FR" dirty="0" smtClean="0"/>
+            <a:endParaRPr lang="fr-FR" dirty="0"/>
           </a:p>
         </p:txBody>
       </p:sp>
@@ -5773,7 +5731,7 @@
           <a:lstStyle/>
           <a:p>
             <a:r>
-              <a:rPr lang="fr-FR" dirty="0" err="1" smtClean="0"/>
+              <a:rPr lang="fr-FR" dirty="0" err="1"/>
               <a:t>closestRiver</a:t>
             </a:r>
             <a:endParaRPr lang="fr-FR" dirty="0"/>
@@ -5803,10 +5761,10 @@
           <a:lstStyle/>
           <a:p>
             <a:r>
-              <a:rPr lang="fr-FR" dirty="0" err="1" smtClean="0"/>
+              <a:rPr lang="fr-FR" dirty="0" err="1"/>
               <a:t>closestMotorways</a:t>
             </a:r>
-            <a:endParaRPr lang="fr-FR" dirty="0" smtClean="0"/>
+            <a:endParaRPr lang="fr-FR" dirty="0"/>
           </a:p>
         </p:txBody>
       </p:sp>
@@ -5833,10 +5791,10 @@
           <a:lstStyle/>
           <a:p>
             <a:r>
-              <a:rPr lang="fr-FR" dirty="0" err="1" smtClean="0"/>
+              <a:rPr lang="fr-FR" dirty="0" err="1"/>
               <a:t>closestMall</a:t>
             </a:r>
-            <a:endParaRPr lang="fr-FR" dirty="0" smtClean="0"/>
+            <a:endParaRPr lang="fr-FR" dirty="0"/>
           </a:p>
         </p:txBody>
       </p:sp>
@@ -5863,10 +5821,10 @@
           <a:lstStyle/>
           <a:p>
             <a:r>
-              <a:rPr lang="fr-FR" dirty="0" err="1" smtClean="0"/>
+              <a:rPr lang="fr-FR" dirty="0" err="1"/>
               <a:t>closestRoads</a:t>
             </a:r>
-            <a:endParaRPr lang="fr-FR" dirty="0" smtClean="0"/>
+            <a:endParaRPr lang="fr-FR" dirty="0"/>
           </a:p>
         </p:txBody>
       </p:sp>
@@ -5971,10 +5929,9 @@
           <a:lstStyle/>
           <a:p>
             <a:r>
-              <a:rPr lang="fr-FR" dirty="0" smtClean="0"/>
+              <a:rPr lang="fr-FR" dirty="0"/>
               <a:t>5YearPeriod</a:t>
             </a:r>
-            <a:endParaRPr lang="fr-FR" dirty="0"/>
           </a:p>
         </p:txBody>
       </p:sp>
@@ -6076,10 +6033,9 @@
           <a:lstStyle/>
           <a:p>
             <a:r>
-              <a:rPr lang="fr-FR" dirty="0" smtClean="0"/>
+              <a:rPr lang="fr-FR" dirty="0"/>
               <a:t>5YearPeriod</a:t>
             </a:r>
-            <a:endParaRPr lang="fr-FR" dirty="0"/>
           </a:p>
         </p:txBody>
       </p:sp>
@@ -6184,10 +6140,10 @@
           <a:lstStyle/>
           <a:p>
             <a:r>
-              <a:rPr lang="fr-FR" dirty="0" err="1" smtClean="0"/>
+              <a:rPr lang="fr-FR" dirty="0" err="1"/>
               <a:t>stumpDiameterGroup</a:t>
             </a:r>
-            <a:endParaRPr lang="fr-FR" dirty="0" smtClean="0"/>
+            <a:endParaRPr lang="fr-FR" dirty="0"/>
           </a:p>
         </p:txBody>
       </p:sp>
@@ -6292,30 +6248,23 @@
           <a:lstStyle/>
           <a:p>
             <a:r>
-              <a:rPr lang="fr-FR" dirty="0" err="1" smtClean="0"/>
+              <a:rPr lang="fr-FR" dirty="0" err="1"/>
               <a:t>closestPollutionStation</a:t>
             </a:r>
-            <a:endParaRPr lang="fr-FR" dirty="0" smtClean="0"/>
+            <a:endParaRPr lang="fr-FR" dirty="0"/>
           </a:p>
         </p:txBody>
       </p:sp>
     </p:spTree>
     <p:extLst>
       <p:ext uri="{BB962C8B-B14F-4D97-AF65-F5344CB8AC3E}">
-        <p14:creationId xmlns:p14="http://schemas.microsoft.com/office/powerpoint/2010/main" xmlns="" val="2636587605"/>
+        <p14:creationId xmlns:p14="http://schemas.microsoft.com/office/powerpoint/2010/main" val="2636587605"/>
       </p:ext>
     </p:extLst>
   </p:cSld>
   <p:clrMapOvr>
     <a:masterClrMapping/>
   </p:clrMapOvr>
-  <p:timing>
-    <p:tnLst>
-      <p:par>
-        <p:cTn id="1" dur="indefinite" restart="never" nodeType="tmRoot"/>
-      </p:par>
-    </p:tnLst>
-  </p:timing>
 </p:sld>
 </file>
 
@@ -6376,7 +6325,7 @@
           <a:bodyPr rtlCol="0" anchor="ctr"/>
           <a:lstStyle/>
           <a:p>
-            <a:endParaRPr lang="fr-FR" dirty="0" smtClean="0"/>
+            <a:endParaRPr lang="fr-FR" dirty="0"/>
           </a:p>
         </p:txBody>
       </p:sp>
@@ -6439,14 +6388,14 @@
           <a:p>
             <a:pPr algn="ctr"/>
             <a:r>
-              <a:rPr lang="fr-FR" dirty="0" smtClean="0"/>
+              <a:rPr lang="fr-FR" dirty="0"/>
               <a:t>Pollution </a:t>
             </a:r>
             <a:r>
-              <a:rPr lang="fr-FR" dirty="0" err="1" smtClean="0"/>
+              <a:rPr lang="fr-FR" dirty="0" err="1"/>
               <a:t>reading</a:t>
             </a:r>
-            <a:endParaRPr lang="fr-FR" dirty="0" smtClean="0"/>
+            <a:endParaRPr lang="fr-FR" dirty="0"/>
           </a:p>
         </p:txBody>
       </p:sp>
@@ -6508,7 +6457,7 @@
           <a:lstStyle/>
           <a:p>
             <a:r>
-              <a:rPr lang="fr-FR" dirty="0" err="1" smtClean="0"/>
+              <a:rPr lang="fr-FR" dirty="0" err="1"/>
               <a:t>month</a:t>
             </a:r>
             <a:endParaRPr lang="fr-FR" dirty="0"/>
@@ -6659,7 +6608,7 @@
           <a:lstStyle/>
           <a:p>
             <a:r>
-              <a:rPr lang="fr-FR" dirty="0" err="1" smtClean="0"/>
+              <a:rPr lang="fr-FR" dirty="0" err="1"/>
               <a:t>year</a:t>
             </a:r>
             <a:endParaRPr lang="fr-FR" dirty="0"/>
@@ -6689,10 +6638,10 @@
           <a:lstStyle/>
           <a:p>
             <a:r>
-              <a:rPr lang="fr-FR" dirty="0" err="1" smtClean="0"/>
+              <a:rPr lang="fr-FR" dirty="0" err="1"/>
               <a:t>pollutionStation</a:t>
             </a:r>
-            <a:endParaRPr lang="fr-FR" dirty="0" smtClean="0"/>
+            <a:endParaRPr lang="fr-FR" dirty="0"/>
           </a:p>
         </p:txBody>
       </p:sp>
@@ -6801,31 +6750,27 @@
               <a:buChar char="•"/>
             </a:pPr>
             <a:r>
-              <a:rPr lang="fr-FR" dirty="0" err="1" smtClean="0"/>
-              <a:t>n</a:t>
-            </a:r>
-            <a:r>
-              <a:rPr lang="fr-FR" dirty="0" err="1" smtClean="0"/>
-              <a:t>itrogen</a:t>
-            </a:r>
-            <a:r>
-              <a:rPr lang="fr-FR" dirty="0" smtClean="0"/>
+              <a:rPr lang="fr-FR" dirty="0" err="1"/>
+              <a:t>nitrogen</a:t>
+            </a:r>
+            <a:r>
+              <a:rPr lang="fr-FR" dirty="0"/>
               <a:t> </a:t>
             </a:r>
             <a:r>
-              <a:rPr lang="fr-FR" dirty="0" err="1" smtClean="0"/>
+              <a:rPr lang="fr-FR" dirty="0" err="1"/>
               <a:t>dioxide</a:t>
             </a:r>
             <a:r>
-              <a:rPr lang="fr-FR" dirty="0" smtClean="0"/>
+              <a:rPr lang="fr-FR" dirty="0"/>
               <a:t> (</a:t>
             </a:r>
             <a:r>
-              <a:rPr lang="fr-FR" dirty="0" err="1" smtClean="0"/>
+              <a:rPr lang="fr-FR" dirty="0" err="1"/>
               <a:t>avg</a:t>
             </a:r>
             <a:r>
-              <a:rPr lang="fr-FR" dirty="0" smtClean="0"/>
+              <a:rPr lang="fr-FR" dirty="0"/>
               <a:t>)</a:t>
             </a:r>
           </a:p>
@@ -6835,28 +6780,20 @@
               <a:buChar char="•"/>
             </a:pPr>
             <a:r>
-              <a:rPr lang="fr-FR" dirty="0" err="1" smtClean="0"/>
-              <a:t>n</a:t>
-            </a:r>
-            <a:r>
-              <a:rPr lang="fr-FR" dirty="0" err="1" smtClean="0"/>
-              <a:t>itric</a:t>
-            </a:r>
-            <a:r>
-              <a:rPr lang="fr-FR" dirty="0" smtClean="0"/>
+              <a:rPr lang="fr-FR" dirty="0" err="1"/>
+              <a:t>nitric</a:t>
+            </a:r>
+            <a:r>
+              <a:rPr lang="fr-FR" dirty="0"/>
               <a:t> </a:t>
             </a:r>
             <a:r>
-              <a:rPr lang="fr-FR" dirty="0" err="1" smtClean="0"/>
+              <a:rPr lang="fr-FR" dirty="0" err="1"/>
               <a:t>oxide</a:t>
             </a:r>
             <a:r>
-              <a:rPr lang="fr-FR" dirty="0" smtClean="0"/>
-              <a:t> </a:t>
-            </a:r>
-            <a:r>
-              <a:rPr lang="fr-FR" dirty="0"/>
-              <a:t>(</a:t>
+              <a:rPr lang="fr-FR" dirty="0"/>
+              <a:t> (</a:t>
             </a:r>
             <a:r>
               <a:rPr lang="fr-FR" dirty="0" err="1"/>
@@ -6866,7 +6803,6 @@
               <a:rPr lang="fr-FR" dirty="0"/>
               <a:t>)</a:t>
             </a:r>
-            <a:endParaRPr lang="fr-FR" dirty="0" smtClean="0"/>
           </a:p>
           <a:p>
             <a:pPr marL="285750" indent="-285750">
@@ -6875,15 +6811,7 @@
             </a:pPr>
             <a:r>
               <a:rPr lang="fr-FR" dirty="0"/>
-              <a:t>o</a:t>
-            </a:r>
-            <a:r>
-              <a:rPr lang="fr-FR" dirty="0" smtClean="0"/>
-              <a:t>zone </a:t>
-            </a:r>
-            <a:r>
-              <a:rPr lang="fr-FR" dirty="0"/>
-              <a:t>(</a:t>
+              <a:t>ozone (</a:t>
             </a:r>
             <a:r>
               <a:rPr lang="fr-FR" dirty="0" err="1"/>
@@ -6893,7 +6821,6 @@
               <a:rPr lang="fr-FR" dirty="0"/>
               <a:t>)</a:t>
             </a:r>
-            <a:endParaRPr lang="fr-FR" dirty="0" smtClean="0"/>
           </a:p>
           <a:p>
             <a:pPr marL="285750" indent="-285750">
@@ -6901,28 +6828,20 @@
               <a:buChar char="•"/>
             </a:pPr>
             <a:r>
-              <a:rPr lang="fr-FR" dirty="0" err="1" smtClean="0"/>
-              <a:t>p</a:t>
-            </a:r>
-            <a:r>
-              <a:rPr lang="fr-FR" dirty="0" err="1" smtClean="0"/>
-              <a:t>articulate</a:t>
-            </a:r>
-            <a:r>
-              <a:rPr lang="fr-FR" dirty="0" smtClean="0"/>
+              <a:rPr lang="fr-FR" dirty="0" err="1"/>
+              <a:t>particulate</a:t>
+            </a:r>
+            <a:r>
+              <a:rPr lang="fr-FR" dirty="0"/>
               <a:t> </a:t>
             </a:r>
             <a:r>
-              <a:rPr lang="fr-FR" dirty="0" err="1" smtClean="0"/>
+              <a:rPr lang="fr-FR" dirty="0" err="1"/>
               <a:t>Matter</a:t>
             </a:r>
             <a:r>
-              <a:rPr lang="fr-FR" dirty="0" smtClean="0"/>
-              <a:t> PM10 </a:t>
-            </a:r>
-            <a:r>
-              <a:rPr lang="fr-FR" dirty="0"/>
-              <a:t>(</a:t>
+              <a:rPr lang="fr-FR" dirty="0"/>
+              <a:t> PM10 (</a:t>
             </a:r>
             <a:r>
               <a:rPr lang="fr-FR" dirty="0" err="1"/>
@@ -6932,7 +6851,6 @@
               <a:rPr lang="fr-FR" dirty="0"/>
               <a:t>)</a:t>
             </a:r>
-            <a:endParaRPr lang="fr-FR" dirty="0" smtClean="0"/>
           </a:p>
           <a:p>
             <a:pPr marL="285750" indent="-285750">
@@ -6940,20 +6858,12 @@
               <a:buChar char="•"/>
             </a:pPr>
             <a:r>
-              <a:rPr lang="fr-FR" dirty="0" err="1" smtClean="0"/>
-              <a:t>b</a:t>
-            </a:r>
-            <a:r>
-              <a:rPr lang="fr-FR" dirty="0" err="1" smtClean="0"/>
-              <a:t>enzene</a:t>
-            </a:r>
-            <a:r>
-              <a:rPr lang="fr-FR" dirty="0" smtClean="0"/>
-              <a:t> </a:t>
-            </a:r>
-            <a:r>
-              <a:rPr lang="fr-FR" dirty="0"/>
-              <a:t>(</a:t>
+              <a:rPr lang="fr-FR" dirty="0" err="1"/>
+              <a:t>benzene</a:t>
+            </a:r>
+            <a:r>
+              <a:rPr lang="fr-FR" dirty="0"/>
+              <a:t> (</a:t>
             </a:r>
             <a:r>
               <a:rPr lang="fr-FR" dirty="0" err="1"/>
@@ -6963,7 +6873,6 @@
               <a:rPr lang="fr-FR" dirty="0"/>
               <a:t>)</a:t>
             </a:r>
-            <a:endParaRPr lang="fr-FR" dirty="0" smtClean="0"/>
           </a:p>
           <a:p>
             <a:pPr marL="285750" indent="-285750">
@@ -6971,28 +6880,20 @@
               <a:buChar char="•"/>
             </a:pPr>
             <a:r>
-              <a:rPr lang="fr-FR" dirty="0" err="1" smtClean="0"/>
-              <a:t>b</a:t>
-            </a:r>
-            <a:r>
-              <a:rPr lang="fr-FR" dirty="0" err="1" smtClean="0"/>
-              <a:t>enz</a:t>
-            </a:r>
-            <a:r>
-              <a:rPr lang="fr-FR" dirty="0" smtClean="0"/>
+              <a:rPr lang="fr-FR" dirty="0" err="1"/>
+              <a:t>benz</a:t>
+            </a:r>
+            <a:r>
+              <a:rPr lang="fr-FR" dirty="0"/>
               <a:t>(a)</a:t>
             </a:r>
             <a:r>
-              <a:rPr lang="fr-FR" dirty="0" err="1" smtClean="0"/>
+              <a:rPr lang="fr-FR" dirty="0" err="1"/>
               <a:t>anthracene</a:t>
             </a:r>
             <a:r>
-              <a:rPr lang="fr-FR" dirty="0" smtClean="0"/>
-              <a:t> </a:t>
-            </a:r>
-            <a:r>
-              <a:rPr lang="fr-FR" dirty="0"/>
-              <a:t>(</a:t>
+              <a:rPr lang="fr-FR" dirty="0"/>
+              <a:t> (</a:t>
             </a:r>
             <a:r>
               <a:rPr lang="fr-FR" dirty="0" err="1"/>
@@ -7002,7 +6903,6 @@
               <a:rPr lang="fr-FR" dirty="0"/>
               <a:t>)</a:t>
             </a:r>
-            <a:endParaRPr lang="fr-FR" dirty="0" smtClean="0"/>
           </a:p>
           <a:p>
             <a:pPr marL="285750" indent="-285750">
@@ -7010,28 +6910,20 @@
               <a:buChar char="•"/>
             </a:pPr>
             <a:r>
-              <a:rPr lang="fr-FR" dirty="0" err="1" smtClean="0"/>
-              <a:t>b</a:t>
-            </a:r>
-            <a:r>
-              <a:rPr lang="fr-FR" dirty="0" err="1" smtClean="0"/>
-              <a:t>enz</a:t>
-            </a:r>
-            <a:r>
-              <a:rPr lang="fr-FR" dirty="0" smtClean="0"/>
+              <a:rPr lang="fr-FR" dirty="0" err="1"/>
+              <a:t>benz</a:t>
+            </a:r>
+            <a:r>
+              <a:rPr lang="fr-FR" dirty="0"/>
               <a:t>(a)</a:t>
             </a:r>
             <a:r>
-              <a:rPr lang="fr-FR" dirty="0" err="1" smtClean="0"/>
+              <a:rPr lang="fr-FR" dirty="0" err="1"/>
               <a:t>pyrene</a:t>
             </a:r>
             <a:r>
-              <a:rPr lang="fr-FR" dirty="0" smtClean="0"/>
-              <a:t> </a:t>
-            </a:r>
-            <a:r>
-              <a:rPr lang="fr-FR" dirty="0"/>
-              <a:t>(</a:t>
+              <a:rPr lang="fr-FR" dirty="0"/>
+              <a:t> (</a:t>
             </a:r>
             <a:r>
               <a:rPr lang="fr-FR" dirty="0" err="1"/>
@@ -7041,7 +6933,6 @@
               <a:rPr lang="fr-FR" dirty="0"/>
               <a:t>)</a:t>
             </a:r>
-            <a:endParaRPr lang="fr-FR" dirty="0" smtClean="0"/>
           </a:p>
           <a:p>
             <a:pPr marL="285750" indent="-285750">
@@ -7049,28 +6940,20 @@
               <a:buChar char="•"/>
             </a:pPr>
             <a:r>
-              <a:rPr lang="fr-FR" dirty="0" err="1" smtClean="0"/>
-              <a:t>b</a:t>
-            </a:r>
-            <a:r>
-              <a:rPr lang="fr-FR" dirty="0" err="1" smtClean="0"/>
-              <a:t>enz</a:t>
-            </a:r>
-            <a:r>
-              <a:rPr lang="fr-FR" dirty="0" smtClean="0"/>
+              <a:rPr lang="fr-FR" dirty="0" err="1"/>
+              <a:t>benz</a:t>
+            </a:r>
+            <a:r>
+              <a:rPr lang="fr-FR" dirty="0"/>
               <a:t>(b)</a:t>
             </a:r>
             <a:r>
-              <a:rPr lang="fr-FR" dirty="0" err="1" smtClean="0"/>
+              <a:rPr lang="fr-FR" dirty="0" err="1"/>
               <a:t>fluoranthene</a:t>
             </a:r>
             <a:r>
-              <a:rPr lang="fr-FR" dirty="0" smtClean="0"/>
-              <a:t> </a:t>
-            </a:r>
-            <a:r>
-              <a:rPr lang="fr-FR" dirty="0"/>
-              <a:t>(</a:t>
+              <a:rPr lang="fr-FR" dirty="0"/>
+              <a:t> (</a:t>
             </a:r>
             <a:r>
               <a:rPr lang="fr-FR" dirty="0" err="1"/>
@@ -7087,28 +6970,20 @@
               <a:buChar char="•"/>
             </a:pPr>
             <a:r>
-              <a:rPr lang="fr-FR" dirty="0" err="1" smtClean="0"/>
-              <a:t>b</a:t>
-            </a:r>
-            <a:r>
-              <a:rPr lang="fr-FR" dirty="0" err="1" smtClean="0"/>
-              <a:t>enz</a:t>
-            </a:r>
-            <a:r>
-              <a:rPr lang="fr-FR" dirty="0" smtClean="0"/>
+              <a:rPr lang="fr-FR" dirty="0" err="1"/>
+              <a:t>benz</a:t>
+            </a:r>
+            <a:r>
+              <a:rPr lang="fr-FR" dirty="0"/>
               <a:t>(j)</a:t>
             </a:r>
             <a:r>
-              <a:rPr lang="fr-FR" dirty="0" err="1" smtClean="0"/>
+              <a:rPr lang="fr-FR" dirty="0" err="1"/>
               <a:t>fluoranthene</a:t>
             </a:r>
             <a:r>
-              <a:rPr lang="fr-FR" dirty="0" smtClean="0"/>
-              <a:t> </a:t>
-            </a:r>
-            <a:r>
-              <a:rPr lang="fr-FR" dirty="0"/>
-              <a:t>(</a:t>
+              <a:rPr lang="fr-FR" dirty="0"/>
+              <a:t> (</a:t>
             </a:r>
             <a:r>
               <a:rPr lang="fr-FR" dirty="0" err="1"/>
@@ -7118,7 +6993,6 @@
               <a:rPr lang="fr-FR" dirty="0"/>
               <a:t>)</a:t>
             </a:r>
-            <a:endParaRPr lang="fr-FR" dirty="0" smtClean="0"/>
           </a:p>
           <a:p>
             <a:pPr marL="285750" indent="-285750">
@@ -7126,28 +7000,20 @@
               <a:buChar char="•"/>
             </a:pPr>
             <a:r>
-              <a:rPr lang="fr-FR" dirty="0" err="1" smtClean="0"/>
-              <a:t>b</a:t>
-            </a:r>
-            <a:r>
-              <a:rPr lang="fr-FR" dirty="0" err="1" smtClean="0"/>
-              <a:t>enz</a:t>
-            </a:r>
-            <a:r>
-              <a:rPr lang="fr-FR" dirty="0" smtClean="0"/>
+              <a:rPr lang="fr-FR" dirty="0" err="1"/>
+              <a:t>benz</a:t>
+            </a:r>
+            <a:r>
+              <a:rPr lang="fr-FR" dirty="0"/>
               <a:t>(k)</a:t>
             </a:r>
             <a:r>
-              <a:rPr lang="fr-FR" dirty="0" err="1" smtClean="0"/>
+              <a:rPr lang="fr-FR" dirty="0" err="1"/>
               <a:t>fluoranthene</a:t>
             </a:r>
             <a:r>
-              <a:rPr lang="fr-FR" dirty="0" smtClean="0"/>
-              <a:t> </a:t>
-            </a:r>
-            <a:r>
-              <a:rPr lang="fr-FR" dirty="0"/>
-              <a:t>(</a:t>
+              <a:rPr lang="fr-FR" dirty="0"/>
+              <a:t> (</a:t>
             </a:r>
             <a:r>
               <a:rPr lang="fr-FR" dirty="0" err="1"/>
@@ -7157,7 +7023,6 @@
               <a:rPr lang="fr-FR" dirty="0"/>
               <a:t>)</a:t>
             </a:r>
-            <a:endParaRPr lang="fr-FR" dirty="0" smtClean="0"/>
           </a:p>
           <a:p>
             <a:pPr marL="285750" indent="-285750">
@@ -7165,36 +7030,28 @@
               <a:buChar char="•"/>
             </a:pPr>
             <a:r>
-              <a:rPr lang="fr-FR" dirty="0" err="1" smtClean="0"/>
-              <a:t>d</a:t>
-            </a:r>
-            <a:r>
-              <a:rPr lang="fr-FR" dirty="0" err="1" smtClean="0"/>
-              <a:t>ibenzo</a:t>
-            </a:r>
-            <a:r>
-              <a:rPr lang="fr-FR" dirty="0" smtClean="0"/>
+              <a:rPr lang="fr-FR" dirty="0" err="1"/>
+              <a:t>dibenzo</a:t>
+            </a:r>
+            <a:r>
+              <a:rPr lang="fr-FR" dirty="0"/>
               <a:t>(</a:t>
             </a:r>
             <a:r>
-              <a:rPr lang="fr-FR" dirty="0" err="1" smtClean="0"/>
+              <a:rPr lang="fr-FR" dirty="0" err="1"/>
               <a:t>a,h</a:t>
             </a:r>
             <a:r>
-              <a:rPr lang="fr-FR" dirty="0" smtClean="0"/>
+              <a:rPr lang="fr-FR" dirty="0"/>
               <a:t>)</a:t>
             </a:r>
             <a:r>
-              <a:rPr lang="fr-FR" dirty="0" err="1" smtClean="0"/>
+              <a:rPr lang="fr-FR" dirty="0" err="1"/>
               <a:t>anthracene</a:t>
             </a:r>
             <a:r>
-              <a:rPr lang="fr-FR" dirty="0" smtClean="0"/>
-              <a:t> </a:t>
-            </a:r>
-            <a:r>
-              <a:rPr lang="fr-FR" dirty="0"/>
-              <a:t>(</a:t>
+              <a:rPr lang="fr-FR" dirty="0"/>
+              <a:t> (</a:t>
             </a:r>
             <a:r>
               <a:rPr lang="fr-FR" dirty="0" err="1"/>
@@ -7204,7 +7061,6 @@
               <a:rPr lang="fr-FR" dirty="0"/>
               <a:t>)</a:t>
             </a:r>
-            <a:endParaRPr lang="fr-FR" dirty="0" smtClean="0"/>
           </a:p>
           <a:p>
             <a:pPr marL="285750" indent="-285750">
@@ -7212,28 +7068,20 @@
               <a:buChar char="•"/>
             </a:pPr>
             <a:r>
-              <a:rPr lang="fr-FR" dirty="0" err="1" smtClean="0"/>
-              <a:t>i</a:t>
-            </a:r>
-            <a:r>
-              <a:rPr lang="fr-FR" dirty="0" err="1" smtClean="0"/>
-              <a:t>ndeno</a:t>
-            </a:r>
-            <a:r>
-              <a:rPr lang="fr-FR" dirty="0" smtClean="0"/>
+              <a:rPr lang="fr-FR" dirty="0" err="1"/>
+              <a:t>indeno</a:t>
+            </a:r>
+            <a:r>
+              <a:rPr lang="fr-FR" dirty="0"/>
               <a:t>(1,2,3-cd)</a:t>
             </a:r>
             <a:r>
-              <a:rPr lang="fr-FR" dirty="0" err="1" smtClean="0"/>
+              <a:rPr lang="fr-FR" dirty="0" err="1"/>
               <a:t>pyrene</a:t>
             </a:r>
             <a:r>
-              <a:rPr lang="fr-FR" dirty="0" smtClean="0"/>
-              <a:t> </a:t>
-            </a:r>
-            <a:r>
-              <a:rPr lang="fr-FR" dirty="0"/>
-              <a:t>(</a:t>
+              <a:rPr lang="fr-FR" dirty="0"/>
+              <a:t> (</a:t>
             </a:r>
             <a:r>
               <a:rPr lang="fr-FR" dirty="0" err="1"/>
@@ -7243,7 +7091,6 @@
               <a:rPr lang="fr-FR" dirty="0"/>
               <a:t>)</a:t>
             </a:r>
-            <a:endParaRPr lang="fr-FR" dirty="0" smtClean="0"/>
           </a:p>
           <a:p>
             <a:pPr marL="285750" indent="-285750">
@@ -7251,28 +7098,20 @@
               <a:buChar char="•"/>
             </a:pPr>
             <a:r>
-              <a:rPr lang="fr-FR" dirty="0" err="1" smtClean="0"/>
-              <a:t>p</a:t>
-            </a:r>
-            <a:r>
-              <a:rPr lang="fr-FR" dirty="0" err="1" smtClean="0"/>
-              <a:t>articulate</a:t>
-            </a:r>
-            <a:r>
-              <a:rPr lang="fr-FR" dirty="0" smtClean="0"/>
+              <a:rPr lang="fr-FR" dirty="0" err="1"/>
+              <a:t>particulate</a:t>
+            </a:r>
+            <a:r>
+              <a:rPr lang="fr-FR" dirty="0"/>
               <a:t> </a:t>
             </a:r>
             <a:r>
-              <a:rPr lang="fr-FR" dirty="0" err="1" smtClean="0"/>
+              <a:rPr lang="fr-FR" dirty="0" err="1"/>
               <a:t>Matter</a:t>
             </a:r>
             <a:r>
-              <a:rPr lang="fr-FR" dirty="0" smtClean="0"/>
-              <a:t> PM2,5 </a:t>
-            </a:r>
-            <a:r>
-              <a:rPr lang="fr-FR" dirty="0"/>
-              <a:t>(</a:t>
+              <a:rPr lang="fr-FR" dirty="0"/>
+              <a:t> PM2,5 (</a:t>
             </a:r>
             <a:r>
               <a:rPr lang="fr-FR" dirty="0" err="1"/>
@@ -7282,7 +7121,6 @@
               <a:rPr lang="fr-FR" dirty="0"/>
               <a:t>)</a:t>
             </a:r>
-            <a:endParaRPr lang="fr-FR" dirty="0" smtClean="0"/>
           </a:p>
           <a:p>
             <a:pPr marL="285750" indent="-285750">
@@ -7290,20 +7128,12 @@
               <a:buChar char="•"/>
             </a:pPr>
             <a:r>
-              <a:rPr lang="fr-FR" dirty="0" err="1" smtClean="0"/>
-              <a:t>t</a:t>
-            </a:r>
-            <a:r>
-              <a:rPr lang="fr-FR" dirty="0" err="1" smtClean="0"/>
-              <a:t>oluene</a:t>
-            </a:r>
-            <a:r>
-              <a:rPr lang="fr-FR" dirty="0" smtClean="0"/>
-              <a:t> </a:t>
-            </a:r>
-            <a:r>
-              <a:rPr lang="fr-FR" dirty="0"/>
-              <a:t>(</a:t>
+              <a:rPr lang="fr-FR" dirty="0" err="1"/>
+              <a:t>toluene</a:t>
+            </a:r>
+            <a:r>
+              <a:rPr lang="fr-FR" dirty="0"/>
+              <a:t> (</a:t>
             </a:r>
             <a:r>
               <a:rPr lang="fr-FR" dirty="0" err="1"/>
@@ -7313,7 +7143,6 @@
               <a:rPr lang="fr-FR" dirty="0"/>
               <a:t>)</a:t>
             </a:r>
-            <a:endParaRPr lang="fr-FR" dirty="0" smtClean="0"/>
           </a:p>
           <a:p>
             <a:pPr marL="285750" indent="-285750">
@@ -7321,20 +7150,12 @@
               <a:buChar char="•"/>
             </a:pPr>
             <a:r>
-              <a:rPr lang="fr-FR" dirty="0" err="1" smtClean="0"/>
-              <a:t>a</a:t>
-            </a:r>
-            <a:r>
-              <a:rPr lang="fr-FR" dirty="0" err="1" smtClean="0"/>
-              <a:t>ntimony</a:t>
-            </a:r>
-            <a:r>
-              <a:rPr lang="fr-FR" dirty="0" smtClean="0"/>
-              <a:t> </a:t>
-            </a:r>
-            <a:r>
-              <a:rPr lang="fr-FR" dirty="0"/>
-              <a:t>(</a:t>
+              <a:rPr lang="fr-FR" dirty="0" err="1"/>
+              <a:t>antimony</a:t>
+            </a:r>
+            <a:r>
+              <a:rPr lang="fr-FR" dirty="0"/>
+              <a:t> (</a:t>
             </a:r>
             <a:r>
               <a:rPr lang="fr-FR" dirty="0" err="1"/>
@@ -7344,7 +7165,6 @@
               <a:rPr lang="fr-FR" dirty="0"/>
               <a:t>)</a:t>
             </a:r>
-            <a:endParaRPr lang="fr-FR" dirty="0" smtClean="0"/>
           </a:p>
           <a:p>
             <a:pPr marL="285750" indent="-285750">
@@ -7352,16 +7172,8 @@
               <a:buChar char="•"/>
             </a:pPr>
             <a:r>
-              <a:rPr lang="fr-FR" dirty="0" smtClean="0"/>
-              <a:t>a</a:t>
-            </a:r>
-            <a:r>
-              <a:rPr lang="fr-FR" dirty="0" smtClean="0"/>
-              <a:t>rsenic </a:t>
-            </a:r>
-            <a:r>
-              <a:rPr lang="fr-FR" dirty="0"/>
-              <a:t>(</a:t>
+              <a:rPr lang="fr-FR" dirty="0"/>
+              <a:t>arsenic (</a:t>
             </a:r>
             <a:r>
               <a:rPr lang="fr-FR" dirty="0" err="1"/>
@@ -7371,7 +7183,6 @@
               <a:rPr lang="fr-FR" dirty="0"/>
               <a:t>)</a:t>
             </a:r>
-            <a:endParaRPr lang="fr-FR" dirty="0" smtClean="0"/>
           </a:p>
         </p:txBody>
       </p:sp>
@@ -7402,20 +7213,12 @@
               <a:buChar char="•"/>
             </a:pPr>
             <a:r>
-              <a:rPr lang="fr-FR" dirty="0" err="1" smtClean="0"/>
-              <a:t>b</a:t>
-            </a:r>
-            <a:r>
-              <a:rPr lang="fr-FR" dirty="0" err="1" smtClean="0"/>
-              <a:t>arium</a:t>
-            </a:r>
-            <a:r>
-              <a:rPr lang="fr-FR" dirty="0" smtClean="0"/>
-              <a:t> </a:t>
-            </a:r>
-            <a:r>
-              <a:rPr lang="fr-FR" dirty="0"/>
-              <a:t>(</a:t>
+              <a:rPr lang="fr-FR" dirty="0" err="1"/>
+              <a:t>barium</a:t>
+            </a:r>
+            <a:r>
+              <a:rPr lang="fr-FR" dirty="0"/>
+              <a:t> (</a:t>
             </a:r>
             <a:r>
               <a:rPr lang="fr-FR" dirty="0" err="1"/>
@@ -7425,7 +7228,6 @@
               <a:rPr lang="fr-FR" dirty="0"/>
               <a:t>)</a:t>
             </a:r>
-            <a:endParaRPr lang="fr-FR" dirty="0" smtClean="0"/>
           </a:p>
           <a:p>
             <a:pPr marL="285750" indent="-285750">
@@ -7433,16 +7235,8 @@
               <a:buChar char="•"/>
             </a:pPr>
             <a:r>
-              <a:rPr lang="fr-FR" dirty="0" smtClean="0"/>
-              <a:t>c</a:t>
-            </a:r>
-            <a:r>
-              <a:rPr lang="fr-FR" dirty="0" smtClean="0"/>
-              <a:t>admium </a:t>
-            </a:r>
-            <a:r>
-              <a:rPr lang="fr-FR" dirty="0"/>
-              <a:t>(</a:t>
+              <a:rPr lang="fr-FR" dirty="0"/>
+              <a:t>cadmium (</a:t>
             </a:r>
             <a:r>
               <a:rPr lang="fr-FR" dirty="0" err="1"/>
@@ -7452,7 +7246,6 @@
               <a:rPr lang="fr-FR" dirty="0"/>
               <a:t>)</a:t>
             </a:r>
-            <a:endParaRPr lang="fr-FR" dirty="0" smtClean="0"/>
           </a:p>
           <a:p>
             <a:pPr marL="285750" indent="-285750">
@@ -7460,16 +7253,8 @@
               <a:buChar char="•"/>
             </a:pPr>
             <a:r>
-              <a:rPr lang="fr-FR" dirty="0" smtClean="0"/>
-              <a:t>c</a:t>
-            </a:r>
-            <a:r>
-              <a:rPr lang="fr-FR" dirty="0" smtClean="0"/>
-              <a:t>hrome </a:t>
-            </a:r>
-            <a:r>
-              <a:rPr lang="fr-FR" dirty="0"/>
-              <a:t>(</a:t>
+              <a:rPr lang="fr-FR" dirty="0"/>
+              <a:t>chrome (</a:t>
             </a:r>
             <a:r>
               <a:rPr lang="fr-FR" dirty="0" err="1"/>
@@ -7479,7 +7264,6 @@
               <a:rPr lang="fr-FR" dirty="0"/>
               <a:t>)</a:t>
             </a:r>
-            <a:endParaRPr lang="fr-FR" dirty="0" smtClean="0"/>
           </a:p>
           <a:p>
             <a:pPr marL="285750" indent="-285750">
@@ -7487,16 +7271,8 @@
               <a:buChar char="•"/>
             </a:pPr>
             <a:r>
-              <a:rPr lang="fr-FR" dirty="0" smtClean="0"/>
-              <a:t>c</a:t>
-            </a:r>
-            <a:r>
-              <a:rPr lang="fr-FR" dirty="0" smtClean="0"/>
-              <a:t>obalt </a:t>
-            </a:r>
-            <a:r>
-              <a:rPr lang="fr-FR" dirty="0"/>
-              <a:t>(</a:t>
+              <a:rPr lang="fr-FR" dirty="0"/>
+              <a:t>cobalt (</a:t>
             </a:r>
             <a:r>
               <a:rPr lang="fr-FR" dirty="0" err="1"/>
@@ -7506,7 +7282,6 @@
               <a:rPr lang="fr-FR" dirty="0"/>
               <a:t>)</a:t>
             </a:r>
-            <a:endParaRPr lang="fr-FR" dirty="0" smtClean="0"/>
           </a:p>
           <a:p>
             <a:pPr marL="285750" indent="-285750">
@@ -7514,20 +7289,12 @@
               <a:buChar char="•"/>
             </a:pPr>
             <a:r>
-              <a:rPr lang="fr-FR" dirty="0" err="1" smtClean="0"/>
-              <a:t>c</a:t>
-            </a:r>
-            <a:r>
-              <a:rPr lang="fr-FR" dirty="0" err="1" smtClean="0"/>
-              <a:t>opper</a:t>
-            </a:r>
-            <a:r>
-              <a:rPr lang="fr-FR" dirty="0" smtClean="0"/>
-              <a:t> </a:t>
-            </a:r>
-            <a:r>
-              <a:rPr lang="fr-FR" dirty="0"/>
-              <a:t>(</a:t>
+              <a:rPr lang="fr-FR" dirty="0" err="1"/>
+              <a:t>copper</a:t>
+            </a:r>
+            <a:r>
+              <a:rPr lang="fr-FR" dirty="0"/>
+              <a:t> (</a:t>
             </a:r>
             <a:r>
               <a:rPr lang="fr-FR" dirty="0" err="1"/>
@@ -7537,7 +7304,6 @@
               <a:rPr lang="fr-FR" dirty="0"/>
               <a:t>)</a:t>
             </a:r>
-            <a:endParaRPr lang="fr-FR" dirty="0" smtClean="0"/>
           </a:p>
           <a:p>
             <a:pPr marL="285750" indent="-285750">
@@ -7545,28 +7311,20 @@
               <a:buChar char="•"/>
             </a:pPr>
             <a:r>
-              <a:rPr lang="fr-FR" dirty="0" err="1" smtClean="0"/>
-              <a:t>s</a:t>
-            </a:r>
-            <a:r>
-              <a:rPr lang="fr-FR" dirty="0" err="1" smtClean="0"/>
-              <a:t>ulfur</a:t>
-            </a:r>
-            <a:r>
-              <a:rPr lang="fr-FR" dirty="0" smtClean="0"/>
+              <a:rPr lang="fr-FR" dirty="0" err="1"/>
+              <a:t>sulfur</a:t>
+            </a:r>
+            <a:r>
+              <a:rPr lang="fr-FR" dirty="0"/>
               <a:t> </a:t>
             </a:r>
             <a:r>
-              <a:rPr lang="fr-FR" dirty="0" err="1" smtClean="0"/>
+              <a:rPr lang="fr-FR" dirty="0" err="1"/>
               <a:t>dioxide</a:t>
             </a:r>
             <a:r>
-              <a:rPr lang="fr-FR" dirty="0" smtClean="0"/>
-              <a:t> </a:t>
-            </a:r>
-            <a:r>
-              <a:rPr lang="fr-FR" dirty="0"/>
-              <a:t>(</a:t>
+              <a:rPr lang="fr-FR" dirty="0"/>
+              <a:t> (</a:t>
             </a:r>
             <a:r>
               <a:rPr lang="fr-FR" dirty="0" err="1"/>
@@ -7576,7 +7334,6 @@
               <a:rPr lang="fr-FR" dirty="0"/>
               <a:t>)</a:t>
             </a:r>
-            <a:endParaRPr lang="fr-FR" dirty="0" smtClean="0"/>
           </a:p>
           <a:p>
             <a:pPr marL="285750" indent="-285750">
@@ -7584,20 +7341,12 @@
               <a:buChar char="•"/>
             </a:pPr>
             <a:r>
-              <a:rPr lang="fr-FR" dirty="0" err="1" smtClean="0"/>
-              <a:t>e</a:t>
-            </a:r>
-            <a:r>
-              <a:rPr lang="fr-FR" dirty="0" err="1" smtClean="0"/>
-              <a:t>thylBenzene</a:t>
-            </a:r>
-            <a:r>
-              <a:rPr lang="fr-FR" dirty="0" smtClean="0"/>
-              <a:t> </a:t>
-            </a:r>
-            <a:r>
-              <a:rPr lang="fr-FR" dirty="0"/>
-              <a:t>(</a:t>
+              <a:rPr lang="fr-FR" dirty="0" err="1"/>
+              <a:t>ethylBenzene</a:t>
+            </a:r>
+            <a:r>
+              <a:rPr lang="fr-FR" dirty="0"/>
+              <a:t> (</a:t>
             </a:r>
             <a:r>
               <a:rPr lang="fr-FR" dirty="0" err="1"/>
@@ -7607,7 +7356,6 @@
               <a:rPr lang="fr-FR" dirty="0"/>
               <a:t>)</a:t>
             </a:r>
-            <a:endParaRPr lang="fr-FR" dirty="0" smtClean="0"/>
           </a:p>
           <a:p>
             <a:pPr marL="285750" indent="-285750">
@@ -7615,24 +7363,16 @@
               <a:buChar char="•"/>
             </a:pPr>
             <a:r>
-              <a:rPr lang="fr-FR" dirty="0" smtClean="0"/>
-              <a:t>m</a:t>
-            </a:r>
-            <a:r>
-              <a:rPr lang="fr-FR" dirty="0" smtClean="0"/>
-              <a:t>+p-</a:t>
-            </a:r>
-            <a:r>
-              <a:rPr lang="fr-FR" dirty="0" err="1" smtClean="0"/>
+              <a:rPr lang="fr-FR" dirty="0"/>
+              <a:t>m+p-</a:t>
+            </a:r>
+            <a:r>
+              <a:rPr lang="fr-FR" dirty="0" err="1"/>
               <a:t>xylene</a:t>
             </a:r>
             <a:r>
-              <a:rPr lang="fr-FR" dirty="0" smtClean="0"/>
-              <a:t> </a:t>
-            </a:r>
-            <a:r>
-              <a:rPr lang="fr-FR" dirty="0"/>
-              <a:t>(</a:t>
+              <a:rPr lang="fr-FR" dirty="0"/>
+              <a:t> (</a:t>
             </a:r>
             <a:r>
               <a:rPr lang="fr-FR" dirty="0" err="1"/>
@@ -7642,7 +7382,6 @@
               <a:rPr lang="fr-FR" dirty="0"/>
               <a:t>)</a:t>
             </a:r>
-            <a:endParaRPr lang="fr-FR" dirty="0" smtClean="0"/>
           </a:p>
           <a:p>
             <a:pPr marL="285750" indent="-285750">
@@ -7650,20 +7389,12 @@
               <a:buChar char="•"/>
             </a:pPr>
             <a:r>
-              <a:rPr lang="fr-FR" dirty="0" err="1" smtClean="0"/>
-              <a:t>m</a:t>
-            </a:r>
-            <a:r>
-              <a:rPr lang="fr-FR" dirty="0" err="1" smtClean="0"/>
-              <a:t>anganese</a:t>
-            </a:r>
-            <a:r>
-              <a:rPr lang="fr-FR" dirty="0" smtClean="0"/>
-              <a:t> </a:t>
-            </a:r>
-            <a:r>
-              <a:rPr lang="fr-FR" dirty="0"/>
-              <a:t>(</a:t>
+              <a:rPr lang="fr-FR" dirty="0" err="1"/>
+              <a:t>manganese</a:t>
+            </a:r>
+            <a:r>
+              <a:rPr lang="fr-FR" dirty="0"/>
+              <a:t> (</a:t>
             </a:r>
             <a:r>
               <a:rPr lang="fr-FR" dirty="0" err="1"/>
@@ -7673,7 +7404,6 @@
               <a:rPr lang="fr-FR" dirty="0"/>
               <a:t>)</a:t>
             </a:r>
-            <a:endParaRPr lang="fr-FR" dirty="0" smtClean="0"/>
           </a:p>
           <a:p>
             <a:pPr marL="285750" indent="-285750">
@@ -7681,20 +7411,12 @@
               <a:buChar char="•"/>
             </a:pPr>
             <a:r>
-              <a:rPr lang="fr-FR" dirty="0" err="1" smtClean="0"/>
-              <a:t>m</a:t>
-            </a:r>
-            <a:r>
-              <a:rPr lang="fr-FR" dirty="0" err="1" smtClean="0"/>
-              <a:t>ercury</a:t>
-            </a:r>
-            <a:r>
-              <a:rPr lang="fr-FR" dirty="0" smtClean="0"/>
-              <a:t> </a:t>
-            </a:r>
-            <a:r>
-              <a:rPr lang="fr-FR" dirty="0"/>
-              <a:t>(</a:t>
+              <a:rPr lang="fr-FR" dirty="0" err="1"/>
+              <a:t>mercury</a:t>
+            </a:r>
+            <a:r>
+              <a:rPr lang="fr-FR" dirty="0"/>
+              <a:t> (</a:t>
             </a:r>
             <a:r>
               <a:rPr lang="fr-FR" dirty="0" err="1"/>
@@ -7704,7 +7426,6 @@
               <a:rPr lang="fr-FR" dirty="0"/>
               <a:t>)</a:t>
             </a:r>
-            <a:endParaRPr lang="fr-FR" dirty="0" smtClean="0"/>
           </a:p>
           <a:p>
             <a:pPr marL="285750" indent="-285750">
@@ -7712,16 +7433,8 @@
               <a:buChar char="•"/>
             </a:pPr>
             <a:r>
-              <a:rPr lang="fr-FR" dirty="0" smtClean="0"/>
-              <a:t>n</a:t>
-            </a:r>
-            <a:r>
-              <a:rPr lang="fr-FR" dirty="0" smtClean="0"/>
-              <a:t>ickel </a:t>
-            </a:r>
-            <a:r>
-              <a:rPr lang="fr-FR" dirty="0"/>
-              <a:t>(</a:t>
+              <a:rPr lang="fr-FR" dirty="0"/>
+              <a:t>nickel (</a:t>
             </a:r>
             <a:r>
               <a:rPr lang="fr-FR" dirty="0" err="1"/>
@@ -7731,7 +7444,6 @@
               <a:rPr lang="fr-FR" dirty="0"/>
               <a:t>)</a:t>
             </a:r>
-            <a:endParaRPr lang="fr-FR" dirty="0" smtClean="0"/>
           </a:p>
           <a:p>
             <a:pPr marL="285750" indent="-285750">
@@ -7739,24 +7451,16 @@
               <a:buChar char="•"/>
             </a:pPr>
             <a:r>
-              <a:rPr lang="fr-FR" dirty="0" smtClean="0"/>
-              <a:t>o</a:t>
-            </a:r>
-            <a:r>
-              <a:rPr lang="fr-FR" dirty="0" smtClean="0"/>
-              <a:t>-</a:t>
-            </a:r>
-            <a:r>
-              <a:rPr lang="fr-FR" dirty="0" err="1" smtClean="0"/>
+              <a:rPr lang="fr-FR" dirty="0"/>
+              <a:t>o-</a:t>
+            </a:r>
+            <a:r>
+              <a:rPr lang="fr-FR" dirty="0" err="1"/>
               <a:t>Xylene</a:t>
             </a:r>
             <a:r>
-              <a:rPr lang="fr-FR" dirty="0" smtClean="0"/>
-              <a:t> </a:t>
-            </a:r>
-            <a:r>
-              <a:rPr lang="fr-FR" dirty="0"/>
-              <a:t>(</a:t>
+              <a:rPr lang="fr-FR" dirty="0"/>
+              <a:t> (</a:t>
             </a:r>
             <a:r>
               <a:rPr lang="fr-FR" dirty="0" err="1"/>
@@ -7766,7 +7470,6 @@
               <a:rPr lang="fr-FR" dirty="0"/>
               <a:t>)</a:t>
             </a:r>
-            <a:endParaRPr lang="fr-FR" dirty="0" smtClean="0"/>
           </a:p>
           <a:p>
             <a:pPr marL="285750" indent="-285750">
@@ -7774,20 +7477,12 @@
               <a:buChar char="•"/>
             </a:pPr>
             <a:r>
-              <a:rPr lang="fr-FR" dirty="0" err="1" smtClean="0"/>
-              <a:t>l</a:t>
-            </a:r>
-            <a:r>
-              <a:rPr lang="fr-FR" dirty="0" err="1" smtClean="0"/>
-              <a:t>ead</a:t>
-            </a:r>
-            <a:r>
-              <a:rPr lang="fr-FR" dirty="0" smtClean="0"/>
-              <a:t> </a:t>
-            </a:r>
-            <a:r>
-              <a:rPr lang="fr-FR" dirty="0"/>
-              <a:t>(</a:t>
+              <a:rPr lang="fr-FR" dirty="0" err="1"/>
+              <a:t>lead</a:t>
+            </a:r>
+            <a:r>
+              <a:rPr lang="fr-FR" dirty="0"/>
+              <a:t> (</a:t>
             </a:r>
             <a:r>
               <a:rPr lang="fr-FR" dirty="0" err="1"/>
@@ -7797,7 +7492,6 @@
               <a:rPr lang="fr-FR" dirty="0"/>
               <a:t>)</a:t>
             </a:r>
-            <a:endParaRPr lang="fr-FR" dirty="0" smtClean="0"/>
           </a:p>
           <a:p>
             <a:pPr marL="285750" indent="-285750">
@@ -7805,16 +7499,8 @@
               <a:buChar char="•"/>
             </a:pPr>
             <a:r>
-              <a:rPr lang="fr-FR" dirty="0" smtClean="0"/>
-              <a:t>t</a:t>
-            </a:r>
-            <a:r>
-              <a:rPr lang="fr-FR" dirty="0" smtClean="0"/>
-              <a:t>hallium </a:t>
-            </a:r>
-            <a:r>
-              <a:rPr lang="fr-FR" dirty="0"/>
-              <a:t>(</a:t>
+              <a:rPr lang="fr-FR" dirty="0"/>
+              <a:t>thallium (</a:t>
             </a:r>
             <a:r>
               <a:rPr lang="fr-FR" dirty="0" err="1"/>
@@ -7824,7 +7510,6 @@
               <a:rPr lang="fr-FR" dirty="0"/>
               <a:t>)</a:t>
             </a:r>
-            <a:endParaRPr lang="fr-FR" dirty="0" smtClean="0"/>
           </a:p>
           <a:p>
             <a:pPr marL="285750" indent="-285750">
@@ -7832,16 +7517,8 @@
               <a:buChar char="•"/>
             </a:pPr>
             <a:r>
-              <a:rPr lang="fr-FR" dirty="0" smtClean="0"/>
-              <a:t>v</a:t>
-            </a:r>
-            <a:r>
-              <a:rPr lang="fr-FR" dirty="0" smtClean="0"/>
-              <a:t>anadium </a:t>
-            </a:r>
-            <a:r>
-              <a:rPr lang="fr-FR" dirty="0"/>
-              <a:t>(</a:t>
+              <a:rPr lang="fr-FR" dirty="0"/>
+              <a:t>vanadium (</a:t>
             </a:r>
             <a:r>
               <a:rPr lang="fr-FR" dirty="0" err="1"/>
@@ -7851,7 +7528,6 @@
               <a:rPr lang="fr-FR" dirty="0"/>
               <a:t>)</a:t>
             </a:r>
-            <a:endParaRPr lang="fr-FR" dirty="0" smtClean="0"/>
           </a:p>
           <a:p>
             <a:pPr marL="285750" indent="-285750">
@@ -7859,33 +7535,577 @@
               <a:buChar char="•"/>
             </a:pPr>
             <a:r>
-              <a:rPr lang="fr-FR" dirty="0" smtClean="0"/>
-              <a:t>z</a:t>
-            </a:r>
-            <a:r>
-              <a:rPr lang="fr-FR" dirty="0" smtClean="0"/>
-              <a:t>inc </a:t>
-            </a:r>
-            <a:r>
-              <a:rPr lang="fr-FR" dirty="0"/>
-              <a:t>(</a:t>
+              <a:rPr lang="fr-FR" dirty="0"/>
+              <a:t>zinc (</a:t>
             </a:r>
             <a:r>
               <a:rPr lang="fr-FR" dirty="0" err="1"/>
               <a:t>avg</a:t>
             </a:r>
             <a:r>
-              <a:rPr lang="fr-FR" smtClean="0"/>
+              <a:rPr lang="fr-FR" dirty="0"/>
               <a:t>)</a:t>
             </a:r>
-            <a:endParaRPr lang="fr-FR" dirty="0" smtClean="0"/>
           </a:p>
         </p:txBody>
       </p:sp>
     </p:spTree>
     <p:extLst>
       <p:ext uri="{BB962C8B-B14F-4D97-AF65-F5344CB8AC3E}">
-        <p14:creationId xmlns:p14="http://schemas.microsoft.com/office/powerpoint/2010/main" xmlns="" val="3368504421"/>
+        <p14:creationId xmlns:p14="http://schemas.microsoft.com/office/powerpoint/2010/main" val="3368504421"/>
+      </p:ext>
+    </p:extLst>
+  </p:cSld>
+  <p:clrMapOvr>
+    <a:masterClrMapping/>
+  </p:clrMapOvr>
+</p:sld>
+</file>
+
+<file path=ppt/slides/slide3.xml><?xml version="1.0" encoding="utf-8"?>
+<p:sld xmlns:a="http://schemas.openxmlformats.org/drawingml/2006/main" xmlns:r="http://schemas.openxmlformats.org/officeDocument/2006/relationships" xmlns:p="http://schemas.openxmlformats.org/presentationml/2006/main">
+  <p:cSld>
+    <p:spTree>
+      <p:nvGrpSpPr>
+        <p:cNvPr id="1" name=""/>
+        <p:cNvGrpSpPr/>
+        <p:nvPr/>
+      </p:nvGrpSpPr>
+      <p:grpSpPr>
+        <a:xfrm>
+          <a:off x="0" y="0"/>
+          <a:ext cx="0" cy="0"/>
+          <a:chOff x="0" y="0"/>
+          <a:chExt cx="0" cy="0"/>
+        </a:xfrm>
+      </p:grpSpPr>
+      <p:graphicFrame>
+        <p:nvGraphicFramePr>
+          <p:cNvPr id="5" name="Tableau 4">
+            <a:extLst>
+              <a:ext uri="{FF2B5EF4-FFF2-40B4-BE49-F238E27FC236}">
+                <a16:creationId xmlns:a16="http://schemas.microsoft.com/office/drawing/2014/main" id="{C3312A62-8D58-442D-9D96-1CE6CB2A47E3}"/>
+              </a:ext>
+            </a:extLst>
+          </p:cNvPr>
+          <p:cNvGraphicFramePr>
+            <a:graphicFrameLocks noGrp="1"/>
+          </p:cNvGraphicFramePr>
+          <p:nvPr>
+            <p:extLst>
+              <p:ext uri="{D42A27DB-BD31-4B8C-83A1-F6EECF244321}">
+                <p14:modId xmlns:p14="http://schemas.microsoft.com/office/powerpoint/2010/main" val="507502201"/>
+              </p:ext>
+            </p:extLst>
+          </p:nvPr>
+        </p:nvGraphicFramePr>
+        <p:xfrm>
+          <a:off x="2063750" y="960120"/>
+          <a:ext cx="6515100" cy="4937760"/>
+        </p:xfrm>
+        <a:graphic>
+          <a:graphicData uri="http://schemas.openxmlformats.org/drawingml/2006/table">
+            <a:tbl>
+              <a:tblPr firstRow="1" bandRow="1">
+                <a:tableStyleId>{5C22544A-7EE6-4342-B048-85BDC9FD1C3A}</a:tableStyleId>
+              </a:tblPr>
+              <a:tblGrid>
+                <a:gridCol w="6515100">
+                  <a:extLst>
+                    <a:ext uri="{9D8B030D-6E8A-4147-A177-3AD203B41FA5}">
+                      <a16:colId xmlns:a16="http://schemas.microsoft.com/office/drawing/2014/main" val="2615606614"/>
+                    </a:ext>
+                  </a:extLst>
+                </a:gridCol>
+              </a:tblGrid>
+              <a:tr h="443419">
+                <a:tc>
+                  <a:txBody>
+                    <a:bodyPr/>
+                    <a:lstStyle/>
+                    <a:p>
+                      <a:pPr algn="ctr"/>
+                      <a:r>
+                        <a:rPr lang="en-US" sz="2400" dirty="0"/>
+                        <a:t>Weather facts</a:t>
+                      </a:r>
+                    </a:p>
+                  </a:txBody>
+                  <a:tcPr anchor="ctr"/>
+                </a:tc>
+                <a:extLst>
+                  <a:ext uri="{0D108BD9-81ED-4DB2-BD59-A6C34878D82A}">
+                    <a16:rowId xmlns:a16="http://schemas.microsoft.com/office/drawing/2014/main" val="2827957828"/>
+                  </a:ext>
+                </a:extLst>
+              </a:tr>
+              <a:tr h="4345507">
+                <a:tc>
+                  <a:txBody>
+                    <a:bodyPr/>
+                    <a:lstStyle/>
+                    <a:p>
+                      <a:pPr marL="285750" indent="-285750">
+                        <a:buFont typeface="Arial" panose="020B0604020202020204" pitchFamily="34" charset="0"/>
+                        <a:buChar char="•"/>
+                      </a:pPr>
+                      <a:r>
+                        <a:rPr lang="en-US" dirty="0"/>
+                        <a:t>Maximal max temperature (avg)</a:t>
+                      </a:r>
+                    </a:p>
+                    <a:p>
+                      <a:pPr marL="285750" indent="-285750">
+                        <a:buFont typeface="Arial" panose="020B0604020202020204" pitchFamily="34" charset="0"/>
+                        <a:buChar char="•"/>
+                      </a:pPr>
+                      <a:r>
+                        <a:rPr lang="en-US" dirty="0"/>
+                        <a:t>Average max temperature (avg)</a:t>
+                      </a:r>
+                    </a:p>
+                    <a:p>
+                      <a:pPr marL="285750" indent="-285750">
+                        <a:buFont typeface="Arial" panose="020B0604020202020204" pitchFamily="34" charset="0"/>
+                        <a:buChar char="•"/>
+                      </a:pPr>
+                      <a:r>
+                        <a:rPr lang="en-US" dirty="0"/>
+                        <a:t>Minimal max temperature (avg)</a:t>
+                      </a:r>
+                    </a:p>
+                    <a:p>
+                      <a:pPr marL="285750" indent="-285750">
+                        <a:buFont typeface="Arial" panose="020B0604020202020204" pitchFamily="34" charset="0"/>
+                        <a:buChar char="•"/>
+                      </a:pPr>
+                      <a:r>
+                        <a:rPr lang="en-US" dirty="0"/>
+                        <a:t>Average temperature (avg)</a:t>
+                      </a:r>
+                    </a:p>
+                    <a:p>
+                      <a:pPr marL="285750" indent="-285750">
+                        <a:buFont typeface="Arial" panose="020B0604020202020204" pitchFamily="34" charset="0"/>
+                        <a:buChar char="•"/>
+                      </a:pPr>
+                      <a:r>
+                        <a:rPr lang="en-US" dirty="0"/>
+                        <a:t>Maximal min temperature (avg)</a:t>
+                      </a:r>
+                    </a:p>
+                    <a:p>
+                      <a:pPr marL="285750" indent="-285750">
+                        <a:buFont typeface="Arial" panose="020B0604020202020204" pitchFamily="34" charset="0"/>
+                        <a:buChar char="•"/>
+                      </a:pPr>
+                      <a:r>
+                        <a:rPr lang="en-US" dirty="0"/>
+                        <a:t>Average min temperature (avg)</a:t>
+                      </a:r>
+                    </a:p>
+                    <a:p>
+                      <a:pPr marL="285750" indent="-285750">
+                        <a:buFont typeface="Arial" panose="020B0604020202020204" pitchFamily="34" charset="0"/>
+                        <a:buChar char="•"/>
+                      </a:pPr>
+                      <a:r>
+                        <a:rPr lang="en-US" dirty="0"/>
+                        <a:t>Minimal min temperature (avg)</a:t>
+                      </a:r>
+                    </a:p>
+                    <a:p>
+                      <a:pPr marL="285750" indent="-285750">
+                        <a:buFont typeface="Arial" panose="020B0604020202020204" pitchFamily="34" charset="0"/>
+                        <a:buChar char="•"/>
+                      </a:pPr>
+                      <a:r>
+                        <a:rPr lang="en-US" dirty="0"/>
+                        <a:t>Heating degree day (avg, sum)</a:t>
+                      </a:r>
+                    </a:p>
+                    <a:p>
+                      <a:pPr marL="285750" indent="-285750">
+                        <a:buFont typeface="Arial" panose="020B0604020202020204" pitchFamily="34" charset="0"/>
+                        <a:buChar char="•"/>
+                      </a:pPr>
+                      <a:r>
+                        <a:rPr lang="en-US" dirty="0"/>
+                        <a:t>Sun duration time (avg, sum)</a:t>
+                      </a:r>
+                    </a:p>
+                    <a:p>
+                      <a:pPr marL="285750" indent="-285750">
+                        <a:buFont typeface="Arial" panose="020B0604020202020204" pitchFamily="34" charset="0"/>
+                        <a:buChar char="•"/>
+                      </a:pPr>
+                      <a:r>
+                        <a:rPr lang="en-US" dirty="0"/>
+                        <a:t>Total precipitation (sum)</a:t>
+                      </a:r>
+                    </a:p>
+                    <a:p>
+                      <a:pPr marL="285750" indent="-285750">
+                        <a:buFont typeface="Arial" panose="020B0604020202020204" pitchFamily="34" charset="0"/>
+                        <a:buChar char="•"/>
+                      </a:pPr>
+                      <a:r>
+                        <a:rPr lang="en-US" dirty="0"/>
+                        <a:t>Average precipitation (avg)</a:t>
+                      </a:r>
+                    </a:p>
+                    <a:p>
+                      <a:pPr marL="285750" indent="-285750">
+                        <a:buFont typeface="Arial" panose="020B0604020202020204" pitchFamily="34" charset="0"/>
+                        <a:buChar char="•"/>
+                      </a:pPr>
+                      <a:r>
+                        <a:rPr lang="en-US" dirty="0"/>
+                        <a:t>Snow (sum)</a:t>
+                      </a:r>
+                    </a:p>
+                    <a:p>
+                      <a:pPr marL="285750" indent="-285750">
+                        <a:buFont typeface="Arial" panose="020B0604020202020204" pitchFamily="34" charset="0"/>
+                        <a:buChar char="•"/>
+                      </a:pPr>
+                      <a:r>
+                        <a:rPr lang="en-US" dirty="0"/>
+                        <a:t>Maximum wind gust (avg)</a:t>
+                      </a:r>
+                    </a:p>
+                    <a:p>
+                      <a:pPr marL="285750" indent="-285750">
+                        <a:buFont typeface="Arial" panose="020B0604020202020204" pitchFamily="34" charset="0"/>
+                        <a:buChar char="•"/>
+                      </a:pPr>
+                      <a:r>
+                        <a:rPr lang="en-US" dirty="0"/>
+                        <a:t>Max pressure (avg)</a:t>
+                      </a:r>
+                    </a:p>
+                    <a:p>
+                      <a:pPr marL="285750" indent="-285750">
+                        <a:buFont typeface="Arial" panose="020B0604020202020204" pitchFamily="34" charset="0"/>
+                        <a:buChar char="•"/>
+                      </a:pPr>
+                      <a:r>
+                        <a:rPr lang="en-US" dirty="0"/>
+                        <a:t>Min pressure (avg)</a:t>
+                      </a:r>
+                    </a:p>
+                    <a:p>
+                      <a:pPr marL="285750" indent="-285750">
+                        <a:buFont typeface="Arial" panose="020B0604020202020204" pitchFamily="34" charset="0"/>
+                        <a:buChar char="•"/>
+                      </a:pPr>
+                      <a:endParaRPr lang="en-US" dirty="0"/>
+                    </a:p>
+                  </a:txBody>
+                  <a:tcPr anchor="ctr"/>
+                </a:tc>
+                <a:extLst>
+                  <a:ext uri="{0D108BD9-81ED-4DB2-BD59-A6C34878D82A}">
+                    <a16:rowId xmlns:a16="http://schemas.microsoft.com/office/drawing/2014/main" val="490390263"/>
+                  </a:ext>
+                </a:extLst>
+              </a:tr>
+            </a:tbl>
+          </a:graphicData>
+        </a:graphic>
+      </p:graphicFrame>
+      <p:grpSp>
+        <p:nvGrpSpPr>
+          <p:cNvPr id="9" name="Groupe 8">
+            <a:extLst>
+              <a:ext uri="{FF2B5EF4-FFF2-40B4-BE49-F238E27FC236}">
+                <a16:creationId xmlns:a16="http://schemas.microsoft.com/office/drawing/2014/main" id="{9FD6415A-D014-420F-A9B7-4B6154CBC869}"/>
+              </a:ext>
+            </a:extLst>
+          </p:cNvPr>
+          <p:cNvGrpSpPr/>
+          <p:nvPr/>
+        </p:nvGrpSpPr>
+        <p:grpSpPr>
+          <a:xfrm>
+            <a:off x="8896945" y="3090446"/>
+            <a:ext cx="1001949" cy="704314"/>
+            <a:chOff x="8991005" y="3194050"/>
+            <a:chExt cx="1001949" cy="704314"/>
+          </a:xfrm>
+        </p:grpSpPr>
+        <p:sp>
+          <p:nvSpPr>
+            <p:cNvPr id="6" name="Ellipse 5">
+              <a:extLst>
+                <a:ext uri="{FF2B5EF4-FFF2-40B4-BE49-F238E27FC236}">
+                  <a16:creationId xmlns:a16="http://schemas.microsoft.com/office/drawing/2014/main" id="{629B7487-322B-4610-9447-487428E7746D}"/>
+                </a:ext>
+              </a:extLst>
+            </p:cNvPr>
+            <p:cNvSpPr/>
+            <p:nvPr/>
+          </p:nvSpPr>
+          <p:spPr>
+            <a:xfrm>
+              <a:off x="9309100" y="3194050"/>
+              <a:ext cx="365760" cy="365760"/>
+            </a:xfrm>
+            <a:prstGeom prst="ellipse">
+              <a:avLst/>
+            </a:prstGeom>
+          </p:spPr>
+          <p:style>
+            <a:lnRef idx="2">
+              <a:schemeClr val="accent1">
+                <a:shade val="50000"/>
+              </a:schemeClr>
+            </a:lnRef>
+            <a:fillRef idx="1">
+              <a:schemeClr val="accent1"/>
+            </a:fillRef>
+            <a:effectRef idx="0">
+              <a:schemeClr val="accent1"/>
+            </a:effectRef>
+            <a:fontRef idx="minor">
+              <a:schemeClr val="lt1"/>
+            </a:fontRef>
+          </p:style>
+          <p:txBody>
+            <a:bodyPr rtlCol="0" anchor="ctr"/>
+            <a:lstStyle/>
+            <a:p>
+              <a:pPr algn="ctr"/>
+              <a:endParaRPr lang="en-US" dirty="0"/>
+            </a:p>
+          </p:txBody>
+        </p:sp>
+        <p:sp>
+          <p:nvSpPr>
+            <p:cNvPr id="8" name="ZoneTexte 7">
+              <a:extLst>
+                <a:ext uri="{FF2B5EF4-FFF2-40B4-BE49-F238E27FC236}">
+                  <a16:creationId xmlns:a16="http://schemas.microsoft.com/office/drawing/2014/main" id="{691DBEC9-4766-4C33-97B4-5A61E49D720D}"/>
+                </a:ext>
+              </a:extLst>
+            </p:cNvPr>
+            <p:cNvSpPr txBox="1"/>
+            <p:nvPr/>
+          </p:nvSpPr>
+          <p:spPr>
+            <a:xfrm>
+              <a:off x="8991005" y="3559810"/>
+              <a:ext cx="1001949" cy="338554"/>
+            </a:xfrm>
+            <a:prstGeom prst="rect">
+              <a:avLst/>
+            </a:prstGeom>
+            <a:noFill/>
+          </p:spPr>
+          <p:txBody>
+            <a:bodyPr wrap="square" rtlCol="0" anchor="ctr" anchorCtr="0">
+              <a:spAutoFit/>
+            </a:bodyPr>
+            <a:lstStyle/>
+            <a:p>
+              <a:pPr algn="ctr"/>
+              <a:r>
+                <a:rPr lang="en-US" sz="1600" dirty="0"/>
+                <a:t>month</a:t>
+              </a:r>
+              <a:endParaRPr lang="en-US" dirty="0"/>
+            </a:p>
+          </p:txBody>
+        </p:sp>
+      </p:grpSp>
+      <p:grpSp>
+        <p:nvGrpSpPr>
+          <p:cNvPr id="10" name="Groupe 9">
+            <a:extLst>
+              <a:ext uri="{FF2B5EF4-FFF2-40B4-BE49-F238E27FC236}">
+                <a16:creationId xmlns:a16="http://schemas.microsoft.com/office/drawing/2014/main" id="{2F7557DC-B74E-4412-A57E-A3E50B65EF68}"/>
+              </a:ext>
+            </a:extLst>
+          </p:cNvPr>
+          <p:cNvGrpSpPr/>
+          <p:nvPr/>
+        </p:nvGrpSpPr>
+        <p:grpSpPr>
+          <a:xfrm>
+            <a:off x="9898894" y="3090446"/>
+            <a:ext cx="1001949" cy="704314"/>
+            <a:chOff x="8991005" y="3194050"/>
+            <a:chExt cx="1001949" cy="704314"/>
+          </a:xfrm>
+        </p:grpSpPr>
+        <p:sp>
+          <p:nvSpPr>
+            <p:cNvPr id="11" name="Ellipse 10">
+              <a:extLst>
+                <a:ext uri="{FF2B5EF4-FFF2-40B4-BE49-F238E27FC236}">
+                  <a16:creationId xmlns:a16="http://schemas.microsoft.com/office/drawing/2014/main" id="{6EB3A81A-B9E8-4185-ACDC-D9CA3BDDFFF9}"/>
+                </a:ext>
+              </a:extLst>
+            </p:cNvPr>
+            <p:cNvSpPr/>
+            <p:nvPr/>
+          </p:nvSpPr>
+          <p:spPr>
+            <a:xfrm>
+              <a:off x="9309100" y="3194050"/>
+              <a:ext cx="365760" cy="365760"/>
+            </a:xfrm>
+            <a:prstGeom prst="ellipse">
+              <a:avLst/>
+            </a:prstGeom>
+          </p:spPr>
+          <p:style>
+            <a:lnRef idx="2">
+              <a:schemeClr val="accent1">
+                <a:shade val="50000"/>
+              </a:schemeClr>
+            </a:lnRef>
+            <a:fillRef idx="1">
+              <a:schemeClr val="accent1"/>
+            </a:fillRef>
+            <a:effectRef idx="0">
+              <a:schemeClr val="accent1"/>
+            </a:effectRef>
+            <a:fontRef idx="minor">
+              <a:schemeClr val="lt1"/>
+            </a:fontRef>
+          </p:style>
+          <p:txBody>
+            <a:bodyPr rtlCol="0" anchor="ctr"/>
+            <a:lstStyle/>
+            <a:p>
+              <a:pPr algn="ctr"/>
+              <a:endParaRPr lang="en-US" dirty="0"/>
+            </a:p>
+          </p:txBody>
+        </p:sp>
+        <p:sp>
+          <p:nvSpPr>
+            <p:cNvPr id="12" name="ZoneTexte 11">
+              <a:extLst>
+                <a:ext uri="{FF2B5EF4-FFF2-40B4-BE49-F238E27FC236}">
+                  <a16:creationId xmlns:a16="http://schemas.microsoft.com/office/drawing/2014/main" id="{40E918FF-ECF8-421A-BFBF-6005EF8C871C}"/>
+                </a:ext>
+              </a:extLst>
+            </p:cNvPr>
+            <p:cNvSpPr txBox="1"/>
+            <p:nvPr/>
+          </p:nvSpPr>
+          <p:spPr>
+            <a:xfrm>
+              <a:off x="8991005" y="3559810"/>
+              <a:ext cx="1001949" cy="338554"/>
+            </a:xfrm>
+            <a:prstGeom prst="rect">
+              <a:avLst/>
+            </a:prstGeom>
+            <a:noFill/>
+          </p:spPr>
+          <p:txBody>
+            <a:bodyPr wrap="square" rtlCol="0" anchor="ctr" anchorCtr="0">
+              <a:spAutoFit/>
+            </a:bodyPr>
+            <a:lstStyle/>
+            <a:p>
+              <a:pPr algn="ctr"/>
+              <a:r>
+                <a:rPr lang="en-US" sz="1600" dirty="0"/>
+                <a:t>year</a:t>
+              </a:r>
+              <a:endParaRPr lang="en-US" dirty="0"/>
+            </a:p>
+          </p:txBody>
+        </p:sp>
+      </p:grpSp>
+      <p:cxnSp>
+        <p:nvCxnSpPr>
+          <p:cNvPr id="14" name="Connecteur droit 13">
+            <a:extLst>
+              <a:ext uri="{FF2B5EF4-FFF2-40B4-BE49-F238E27FC236}">
+                <a16:creationId xmlns:a16="http://schemas.microsoft.com/office/drawing/2014/main" id="{0A5354B1-4617-4022-AD34-C2175ACA0A3B}"/>
+              </a:ext>
+            </a:extLst>
+          </p:cNvPr>
+          <p:cNvCxnSpPr>
+            <a:endCxn id="6" idx="2"/>
+          </p:cNvCxnSpPr>
+          <p:nvPr/>
+        </p:nvCxnSpPr>
+        <p:spPr>
+          <a:xfrm>
+            <a:off x="8578850" y="3273326"/>
+            <a:ext cx="636190" cy="0"/>
+          </a:xfrm>
+          <a:prstGeom prst="line">
+            <a:avLst/>
+          </a:prstGeom>
+          <a:ln w="38100"/>
+        </p:spPr>
+        <p:style>
+          <a:lnRef idx="1">
+            <a:schemeClr val="accent1"/>
+          </a:lnRef>
+          <a:fillRef idx="0">
+            <a:schemeClr val="accent1"/>
+          </a:fillRef>
+          <a:effectRef idx="0">
+            <a:schemeClr val="accent1"/>
+          </a:effectRef>
+          <a:fontRef idx="minor">
+            <a:schemeClr val="tx1"/>
+          </a:fontRef>
+        </p:style>
+      </p:cxnSp>
+      <p:cxnSp>
+        <p:nvCxnSpPr>
+          <p:cNvPr id="15" name="Connecteur droit 14">
+            <a:extLst>
+              <a:ext uri="{FF2B5EF4-FFF2-40B4-BE49-F238E27FC236}">
+                <a16:creationId xmlns:a16="http://schemas.microsoft.com/office/drawing/2014/main" id="{C049F809-F9D8-4674-8BA9-B10259B230EB}"/>
+              </a:ext>
+            </a:extLst>
+          </p:cNvPr>
+          <p:cNvCxnSpPr>
+            <a:cxnSpLocks/>
+            <a:stCxn id="11" idx="2"/>
+            <a:endCxn id="6" idx="6"/>
+          </p:cNvCxnSpPr>
+          <p:nvPr/>
+        </p:nvCxnSpPr>
+        <p:spPr>
+          <a:xfrm flipH="1">
+            <a:off x="9580800" y="3273326"/>
+            <a:ext cx="636189" cy="0"/>
+          </a:xfrm>
+          <a:prstGeom prst="line">
+            <a:avLst/>
+          </a:prstGeom>
+          <a:ln w="38100"/>
+        </p:spPr>
+        <p:style>
+          <a:lnRef idx="1">
+            <a:schemeClr val="accent1"/>
+          </a:lnRef>
+          <a:fillRef idx="0">
+            <a:schemeClr val="accent1"/>
+          </a:fillRef>
+          <a:effectRef idx="0">
+            <a:schemeClr val="accent1"/>
+          </a:effectRef>
+          <a:fontRef idx="minor">
+            <a:schemeClr val="tx1"/>
+          </a:fontRef>
+        </p:style>
+      </p:cxnSp>
+    </p:spTree>
+    <p:extLst>
+      <p:ext uri="{BB962C8B-B14F-4D97-AF65-F5344CB8AC3E}">
+        <p14:creationId xmlns:p14="http://schemas.microsoft.com/office/powerpoint/2010/main" val="2092480146"/>
       </p:ext>
     </p:extLst>
   </p:cSld>
@@ -8150,7 +8370,7 @@
   <a:extraClrSchemeLst/>
   <a:extLst>
     <a:ext uri="{05A4C25C-085E-4340-85A3-A5531E510DB2}">
-      <thm15:themeFamily xmlns:thm15="http://schemas.microsoft.com/office/thememl/2012/main" xmlns="" name="Office Theme" id="{62F939B6-93AF-4DB8-9C6B-D6C7DFDC589F}" vid="{4A3C46E8-61CC-4603-A589-7422A47A8E4A}"/>
+      <thm15:themeFamily xmlns:thm15="http://schemas.microsoft.com/office/thememl/2012/main" name="Office Theme" id="{62F939B6-93AF-4DB8-9C6B-D6C7DFDC589F}" vid="{4A3C46E8-61CC-4603-A589-7422A47A8E4A}"/>
     </a:ext>
   </a:extLst>
 </a:theme>

--- a/df-model/df-model.pptx
+++ b/df-model/df-model.pptx
@@ -259,7 +259,7 @@
             <a:fld id="{E90F2C70-D7C5-4A11-BAB2-648D55629A91}" type="datetimeFigureOut">
               <a:rPr lang="fr-FR" smtClean="0"/>
               <a:pPr/>
-              <a:t>07/12/2017</a:t>
+              <a:t>12/12/2017</a:t>
             </a:fld>
             <a:endParaRPr lang="fr-FR"/>
           </a:p>
@@ -429,7 +429,7 @@
             <a:fld id="{E90F2C70-D7C5-4A11-BAB2-648D55629A91}" type="datetimeFigureOut">
               <a:rPr lang="fr-FR" smtClean="0"/>
               <a:pPr/>
-              <a:t>07/12/2017</a:t>
+              <a:t>12/12/2017</a:t>
             </a:fld>
             <a:endParaRPr lang="fr-FR"/>
           </a:p>
@@ -609,7 +609,7 @@
             <a:fld id="{E90F2C70-D7C5-4A11-BAB2-648D55629A91}" type="datetimeFigureOut">
               <a:rPr lang="fr-FR" smtClean="0"/>
               <a:pPr/>
-              <a:t>07/12/2017</a:t>
+              <a:t>12/12/2017</a:t>
             </a:fld>
             <a:endParaRPr lang="fr-FR"/>
           </a:p>
@@ -779,7 +779,7 @@
             <a:fld id="{E90F2C70-D7C5-4A11-BAB2-648D55629A91}" type="datetimeFigureOut">
               <a:rPr lang="fr-FR" smtClean="0"/>
               <a:pPr/>
-              <a:t>07/12/2017</a:t>
+              <a:t>12/12/2017</a:t>
             </a:fld>
             <a:endParaRPr lang="fr-FR"/>
           </a:p>
@@ -1026,7 +1026,7 @@
             <a:fld id="{E90F2C70-D7C5-4A11-BAB2-648D55629A91}" type="datetimeFigureOut">
               <a:rPr lang="fr-FR" smtClean="0"/>
               <a:pPr/>
-              <a:t>07/12/2017</a:t>
+              <a:t>12/12/2017</a:t>
             </a:fld>
             <a:endParaRPr lang="fr-FR"/>
           </a:p>
@@ -1257,7 +1257,7 @@
             <a:fld id="{E90F2C70-D7C5-4A11-BAB2-648D55629A91}" type="datetimeFigureOut">
               <a:rPr lang="fr-FR" smtClean="0"/>
               <a:pPr/>
-              <a:t>07/12/2017</a:t>
+              <a:t>12/12/2017</a:t>
             </a:fld>
             <a:endParaRPr lang="fr-FR"/>
           </a:p>
@@ -1623,7 +1623,7 @@
             <a:fld id="{E90F2C70-D7C5-4A11-BAB2-648D55629A91}" type="datetimeFigureOut">
               <a:rPr lang="fr-FR" smtClean="0"/>
               <a:pPr/>
-              <a:t>07/12/2017</a:t>
+              <a:t>12/12/2017</a:t>
             </a:fld>
             <a:endParaRPr lang="fr-FR"/>
           </a:p>
@@ -1742,7 +1742,7 @@
             <a:fld id="{E90F2C70-D7C5-4A11-BAB2-648D55629A91}" type="datetimeFigureOut">
               <a:rPr lang="fr-FR" smtClean="0"/>
               <a:pPr/>
-              <a:t>07/12/2017</a:t>
+              <a:t>12/12/2017</a:t>
             </a:fld>
             <a:endParaRPr lang="fr-FR"/>
           </a:p>
@@ -1839,7 +1839,7 @@
             <a:fld id="{E90F2C70-D7C5-4A11-BAB2-648D55629A91}" type="datetimeFigureOut">
               <a:rPr lang="fr-FR" smtClean="0"/>
               <a:pPr/>
-              <a:t>07/12/2017</a:t>
+              <a:t>12/12/2017</a:t>
             </a:fld>
             <a:endParaRPr lang="fr-FR"/>
           </a:p>
@@ -2116,7 +2116,7 @@
             <a:fld id="{E90F2C70-D7C5-4A11-BAB2-648D55629A91}" type="datetimeFigureOut">
               <a:rPr lang="fr-FR" smtClean="0"/>
               <a:pPr/>
-              <a:t>07/12/2017</a:t>
+              <a:t>12/12/2017</a:t>
             </a:fld>
             <a:endParaRPr lang="fr-FR"/>
           </a:p>
@@ -2370,7 +2370,7 @@
             <a:fld id="{E90F2C70-D7C5-4A11-BAB2-648D55629A91}" type="datetimeFigureOut">
               <a:rPr lang="fr-FR" smtClean="0"/>
               <a:pPr/>
-              <a:t>07/12/2017</a:t>
+              <a:t>12/12/2017</a:t>
             </a:fld>
             <a:endParaRPr lang="fr-FR"/>
           </a:p>
@@ -2583,7 +2583,7 @@
             <a:fld id="{E90F2C70-D7C5-4A11-BAB2-648D55629A91}" type="datetimeFigureOut">
               <a:rPr lang="fr-FR" smtClean="0"/>
               <a:pPr/>
-              <a:t>07/12/2017</a:t>
+              <a:t>12/12/2017</a:t>
             </a:fld>
             <a:endParaRPr lang="fr-FR"/>
           </a:p>
@@ -7828,7 +7828,7 @@
         </p:nvGrpSpPr>
         <p:grpSpPr>
           <a:xfrm>
-            <a:off x="8896945" y="3090446"/>
+            <a:off x="8896945" y="3273326"/>
             <a:ext cx="1001949" cy="704314"/>
             <a:chOff x="8991005" y="3194050"/>
             <a:chExt cx="1001949" cy="704314"/>
@@ -8032,14 +8032,16 @@
             </a:extLst>
           </p:cNvPr>
           <p:cNvCxnSpPr>
+            <a:cxnSpLocks/>
+            <a:stCxn id="5" idx="3"/>
             <a:endCxn id="6" idx="2"/>
           </p:cNvCxnSpPr>
           <p:nvPr/>
         </p:nvCxnSpPr>
         <p:spPr>
           <a:xfrm>
-            <a:off x="8578850" y="3273326"/>
-            <a:ext cx="636190" cy="0"/>
+            <a:off x="8578850" y="3429000"/>
+            <a:ext cx="636190" cy="27206"/>
           </a:xfrm>
           <a:prstGeom prst="line">
             <a:avLst/>
@@ -8080,7 +8082,7 @@
         <p:spPr>
           <a:xfrm flipH="1">
             <a:off x="9580800" y="3273326"/>
-            <a:ext cx="636189" cy="0"/>
+            <a:ext cx="636189" cy="182880"/>
           </a:xfrm>
           <a:prstGeom prst="line">
             <a:avLst/>
